--- a/Documentation/LBMS_Presentation.pptx
+++ b/Documentation/LBMS_Presentation.pptx
@@ -11,8 +11,9 @@
     <p:sldId id="259" r:id="rId5"/>
     <p:sldId id="260" r:id="rId6"/>
     <p:sldId id="261" r:id="rId7"/>
-    <p:sldId id="262" r:id="rId8"/>
-    <p:sldId id="263" r:id="rId9"/>
+    <p:sldId id="264" r:id="rId8"/>
+    <p:sldId id="262" r:id="rId9"/>
+    <p:sldId id="263" r:id="rId10"/>
   </p:sldIdLst>
   <p:sldSz cx="12192000" cy="6858000"/>
   <p:notesSz cx="6858000" cy="9144000"/>
@@ -274,7 +275,7 @@
           <a:p>
             <a:fld id="{4E136431-ACF1-4345-B375-02CBD2B7DBAE}" type="datetimeFigureOut">
               <a:rPr lang="en-NP" smtClean="0"/>
-              <a:t>15/02/2022</a:t>
+              <a:t>17/02/2022</a:t>
             </a:fld>
             <a:endParaRPr lang="en-NP"/>
           </a:p>
@@ -474,7 +475,7 @@
           <a:p>
             <a:fld id="{4E136431-ACF1-4345-B375-02CBD2B7DBAE}" type="datetimeFigureOut">
               <a:rPr lang="en-NP" smtClean="0"/>
-              <a:t>15/02/2022</a:t>
+              <a:t>17/02/2022</a:t>
             </a:fld>
             <a:endParaRPr lang="en-NP"/>
           </a:p>
@@ -684,7 +685,7 @@
           <a:p>
             <a:fld id="{4E136431-ACF1-4345-B375-02CBD2B7DBAE}" type="datetimeFigureOut">
               <a:rPr lang="en-NP" smtClean="0"/>
-              <a:t>15/02/2022</a:t>
+              <a:t>17/02/2022</a:t>
             </a:fld>
             <a:endParaRPr lang="en-NP"/>
           </a:p>
@@ -922,7 +923,7 @@
           <a:p>
             <a:fld id="{4E136431-ACF1-4345-B375-02CBD2B7DBAE}" type="datetimeFigureOut">
               <a:rPr lang="en-NP" smtClean="0"/>
-              <a:t>15/02/2022</a:t>
+              <a:t>17/02/2022</a:t>
             </a:fld>
             <a:endParaRPr lang="en-NP"/>
           </a:p>
@@ -1198,7 +1199,7 @@
           <a:p>
             <a:fld id="{4E136431-ACF1-4345-B375-02CBD2B7DBAE}" type="datetimeFigureOut">
               <a:rPr lang="en-NP" smtClean="0"/>
-              <a:t>15/02/2022</a:t>
+              <a:t>17/02/2022</a:t>
             </a:fld>
             <a:endParaRPr lang="en-NP"/>
           </a:p>
@@ -1466,7 +1467,7 @@
           <a:p>
             <a:fld id="{4E136431-ACF1-4345-B375-02CBD2B7DBAE}" type="datetimeFigureOut">
               <a:rPr lang="en-NP" smtClean="0"/>
-              <a:t>15/02/2022</a:t>
+              <a:t>17/02/2022</a:t>
             </a:fld>
             <a:endParaRPr lang="en-NP"/>
           </a:p>
@@ -1881,7 +1882,7 @@
           <a:p>
             <a:fld id="{4E136431-ACF1-4345-B375-02CBD2B7DBAE}" type="datetimeFigureOut">
               <a:rPr lang="en-NP" smtClean="0"/>
-              <a:t>15/02/2022</a:t>
+              <a:t>17/02/2022</a:t>
             </a:fld>
             <a:endParaRPr lang="en-NP"/>
           </a:p>
@@ -2023,7 +2024,7 @@
           <a:p>
             <a:fld id="{4E136431-ACF1-4345-B375-02CBD2B7DBAE}" type="datetimeFigureOut">
               <a:rPr lang="en-NP" smtClean="0"/>
-              <a:t>15/02/2022</a:t>
+              <a:t>17/02/2022</a:t>
             </a:fld>
             <a:endParaRPr lang="en-NP"/>
           </a:p>
@@ -2136,7 +2137,7 @@
           <a:p>
             <a:fld id="{4E136431-ACF1-4345-B375-02CBD2B7DBAE}" type="datetimeFigureOut">
               <a:rPr lang="en-NP" smtClean="0"/>
-              <a:t>15/02/2022</a:t>
+              <a:t>17/02/2022</a:t>
             </a:fld>
             <a:endParaRPr lang="en-NP"/>
           </a:p>
@@ -2449,7 +2450,7 @@
           <a:p>
             <a:fld id="{4E136431-ACF1-4345-B375-02CBD2B7DBAE}" type="datetimeFigureOut">
               <a:rPr lang="en-NP" smtClean="0"/>
-              <a:t>15/02/2022</a:t>
+              <a:t>17/02/2022</a:t>
             </a:fld>
             <a:endParaRPr lang="en-NP"/>
           </a:p>
@@ -2738,7 +2739,7 @@
           <a:p>
             <a:fld id="{4E136431-ACF1-4345-B375-02CBD2B7DBAE}" type="datetimeFigureOut">
               <a:rPr lang="en-NP" smtClean="0"/>
-              <a:t>15/02/2022</a:t>
+              <a:t>17/02/2022</a:t>
             </a:fld>
             <a:endParaRPr lang="en-NP"/>
           </a:p>
@@ -2981,7 +2982,7 @@
           <a:p>
             <a:fld id="{4E136431-ACF1-4345-B375-02CBD2B7DBAE}" type="datetimeFigureOut">
               <a:rPr lang="en-NP" smtClean="0"/>
-              <a:t>15/02/2022</a:t>
+              <a:t>17/02/2022</a:t>
             </a:fld>
             <a:endParaRPr lang="en-NP"/>
           </a:p>
@@ -3524,9 +3525,12 @@
         </p:nvSpPr>
         <p:spPr/>
         <p:txBody>
-          <a:bodyPr/>
-          <a:lstStyle/>
-          <a:p>
+          <a:bodyPr>
+            <a:normAutofit fontScale="92500" lnSpcReduction="10000"/>
+          </a:bodyPr>
+          <a:lstStyle/>
+          <a:p>
+            <a:pPr algn="just"/>
             <a:r>
               <a:rPr lang="en-US" dirty="0"/>
               <a:t>A Library books management system is an infrastructure that allows user to search books and add/remove.</a:t>
@@ -3534,6 +3538,47 @@
             <a:endParaRPr lang="en-NP" dirty="0"/>
           </a:p>
           <a:p>
+            <a:pPr lvl="0" algn="just"/>
+            <a:r>
+              <a:rPr lang="en-US" b="1" dirty="0"/>
+              <a:t>LOGIN: </a:t>
+            </a:r>
+            <a:r>
+              <a:rPr lang="en-US" dirty="0"/>
+              <a:t>Only the user with specified login id and password can get access to the system. This provides security from unauthorized access. It keeps the data safely.</a:t>
+            </a:r>
+            <a:endParaRPr lang="en-NP" dirty="0"/>
+          </a:p>
+          <a:p>
+            <a:pPr lvl="0" algn="just"/>
+            <a:r>
+              <a:rPr lang="en-US" b="1" dirty="0"/>
+              <a:t>INSERT RECORD:</a:t>
+            </a:r>
+            <a:r>
+              <a:rPr lang="en-US" dirty="0"/>
+              <a:t> A librarian should be able to insert the record of the books. To insert the record the librarian should note the Name of the students, Student ID, Book Id etc. It helps to reduce the misplacing of books. It helps  the librarian to run the library easily and effectively.</a:t>
+            </a:r>
+            <a:endParaRPr lang="en-NP" dirty="0"/>
+          </a:p>
+          <a:p>
+            <a:pPr lvl="0" algn="just"/>
+            <a:r>
+              <a:rPr lang="en-US" b="1" dirty="0"/>
+              <a:t>DISPLAY RECORD: </a:t>
+            </a:r>
+            <a:r>
+              <a:rPr lang="en-US" dirty="0"/>
+              <a:t>It helps to display the record of the books. It provides the details of issued books which include: Name of the student, Name of the books, Student Id, Book Id, Date of Submission, Fines etc.</a:t>
+            </a:r>
+            <a:endParaRPr lang="en-NP" dirty="0"/>
+          </a:p>
+          <a:p>
+            <a:pPr algn="just"/>
+            <a:endParaRPr lang="en-NP" dirty="0"/>
+          </a:p>
+          <a:p>
+            <a:pPr algn="just"/>
             <a:endParaRPr lang="en-NP" dirty="0"/>
           </a:p>
         </p:txBody>
@@ -3795,7 +3840,7 @@
           </a:bodyPr>
           <a:lstStyle/>
           <a:p>
-            <a:pPr marL="0" indent="0">
+            <a:pPr marL="0" indent="0" algn="just">
               <a:buNone/>
             </a:pPr>
             <a:r>
@@ -3805,7 +3850,7 @@
             <a:endParaRPr lang="en-NP" dirty="0"/>
           </a:p>
           <a:p>
-            <a:pPr lvl="0"/>
+            <a:pPr lvl="0" algn="just"/>
             <a:r>
               <a:rPr lang="en-US" dirty="0"/>
               <a:t>To assist the staff in capturing the effort spent on their respective working areas.</a:t>
@@ -3813,7 +3858,7 @@
             <a:endParaRPr lang="en-NP" dirty="0"/>
           </a:p>
           <a:p>
-            <a:pPr lvl="0"/>
+            <a:pPr lvl="0" algn="just"/>
             <a:r>
               <a:rPr lang="en-US" dirty="0"/>
               <a:t>To utilize resources in an efficient manner by increasing their productivity through automation.</a:t>
@@ -3821,7 +3866,7 @@
             <a:endParaRPr lang="en-NP" dirty="0"/>
           </a:p>
           <a:p>
-            <a:pPr lvl="0"/>
+            <a:pPr lvl="0" algn="just"/>
             <a:r>
               <a:rPr lang="en-US" dirty="0"/>
               <a:t>The system generates types of information that can be used for various purposes.</a:t>
@@ -3829,10 +3874,11 @@
             <a:endParaRPr lang="en-NP" dirty="0"/>
           </a:p>
           <a:p>
+            <a:pPr algn="just"/>
             <a:endParaRPr lang="en-NP" dirty="0"/>
           </a:p>
           <a:p>
-            <a:pPr marL="0" indent="0">
+            <a:pPr marL="0" indent="0" algn="just">
               <a:buNone/>
             </a:pPr>
             <a:r>
@@ -3842,6 +3888,7 @@
             <a:endParaRPr lang="en-NP" dirty="0"/>
           </a:p>
           <a:p>
+            <a:pPr algn="just"/>
             <a:endParaRPr lang="en-NP" dirty="0"/>
           </a:p>
         </p:txBody>
@@ -4557,7 +4604,39 @@
           <a:bodyPr/>
           <a:lstStyle/>
           <a:p>
-            <a:endParaRPr lang="en-NP"/>
+            <a:pPr marL="0" indent="0">
+              <a:buNone/>
+            </a:pPr>
+            <a:endParaRPr lang="en-US" dirty="0"/>
+          </a:p>
+          <a:p>
+            <a:pPr marL="0" indent="0">
+              <a:buNone/>
+            </a:pPr>
+            <a:r>
+              <a:rPr lang="en-US" dirty="0"/>
+              <a:t>The waterfall model is a classical model used in system development life cycle to create a system with linear and sequential approach. It is termed as waterfall because the model develops systematically from one phase to another in a downward fashion. This model is divided into different phase and the output of one phase is used as the input of the next phase starts and there is no overlapping of the phase. [2]</a:t>
+            </a:r>
+            <a:endParaRPr lang="en-NP" dirty="0"/>
+          </a:p>
+          <a:p>
+            <a:pPr marL="0" indent="0">
+              <a:buNone/>
+            </a:pPr>
+            <a:r>
+              <a:rPr lang="en-US" dirty="0"/>
+              <a:t>The sequential phases described in the Waterfall model are:</a:t>
+            </a:r>
+            <a:endParaRPr lang="en-NP" dirty="0"/>
+          </a:p>
+          <a:p>
+            <a:pPr marL="0" indent="0">
+              <a:buNone/>
+            </a:pPr>
+            <a:endParaRPr lang="en-NP" dirty="0"/>
+          </a:p>
+          <a:p>
+            <a:endParaRPr lang="en-NP" dirty="0"/>
           </a:p>
         </p:txBody>
       </p:sp>
@@ -4596,7 +4675,7 @@
           <p:cNvPr id="2" name="Title 1">
             <a:extLst>
               <a:ext uri="{FF2B5EF4-FFF2-40B4-BE49-F238E27FC236}">
-                <a16:creationId xmlns:a16="http://schemas.microsoft.com/office/drawing/2014/main" id="{2AACE3C9-3FCA-284D-9F0A-D6A0BDC8B1C1}"/>
+                <a16:creationId xmlns:a16="http://schemas.microsoft.com/office/drawing/2014/main" id="{01D37A94-E1B8-BA41-9394-0BF82914DC90}"/>
               </a:ext>
             </a:extLst>
           </p:cNvPr>
@@ -4607,51 +4686,496 @@
             <p:ph type="title"/>
           </p:nvPr>
         </p:nvSpPr>
-        <p:spPr/>
-        <p:txBody>
-          <a:bodyPr/>
-          <a:lstStyle/>
-          <a:p>
-            <a:r>
-              <a:rPr lang="en-US" dirty="0"/>
-              <a:t>U</a:t>
-            </a:r>
+        <p:spPr>
+          <a:xfrm>
+            <a:off x="449705" y="116502"/>
+            <a:ext cx="10515600" cy="1325563"/>
+          </a:xfrm>
+        </p:spPr>
+        <p:txBody>
+          <a:bodyPr/>
+          <a:lstStyle/>
+          <a:p>
             <a:r>
               <a:rPr lang="en-NP" dirty="0"/>
-              <a:t>se case diagram</a:t>
-            </a:r>
-          </a:p>
-        </p:txBody>
-      </p:sp>
-      <p:sp>
-        <p:nvSpPr>
-          <p:cNvPr id="3" name="Content Placeholder 2">
-            <a:extLst>
-              <a:ext uri="{FF2B5EF4-FFF2-40B4-BE49-F238E27FC236}">
-                <a16:creationId xmlns:a16="http://schemas.microsoft.com/office/drawing/2014/main" id="{7478E447-34C1-C44E-AF7A-94E306093750}"/>
-              </a:ext>
-            </a:extLst>
-          </p:cNvPr>
-          <p:cNvSpPr>
-            <a:spLocks noGrp="1"/>
-          </p:cNvSpPr>
-          <p:nvPr>
-            <p:ph idx="1"/>
-          </p:nvPr>
-        </p:nvSpPr>
-        <p:spPr/>
-        <p:txBody>
-          <a:bodyPr/>
-          <a:lstStyle/>
-          <a:p>
-            <a:endParaRPr lang="en-NP"/>
-          </a:p>
-        </p:txBody>
-      </p:sp>
+              <a:t>Contd.</a:t>
+            </a:r>
+          </a:p>
+        </p:txBody>
+      </p:sp>
+      <p:grpSp>
+        <p:nvGrpSpPr>
+          <p:cNvPr id="4" name="Group 3">
+            <a:extLst>
+              <a:ext uri="{FF2B5EF4-FFF2-40B4-BE49-F238E27FC236}">
+                <a16:creationId xmlns:a16="http://schemas.microsoft.com/office/drawing/2014/main" id="{A09BB428-F8EF-614C-90D8-CA33A468AE67}"/>
+              </a:ext>
+            </a:extLst>
+          </p:cNvPr>
+          <p:cNvGrpSpPr/>
+          <p:nvPr/>
+        </p:nvGrpSpPr>
+        <p:grpSpPr>
+          <a:xfrm>
+            <a:off x="705998" y="1462088"/>
+            <a:ext cx="11330164" cy="5279410"/>
+            <a:chOff x="705998" y="1462088"/>
+            <a:chExt cx="11330164" cy="5279410"/>
+          </a:xfrm>
+        </p:grpSpPr>
+        <p:sp>
+          <p:nvSpPr>
+            <p:cNvPr id="5" name="Rounded Rectangle 4">
+              <a:extLst>
+                <a:ext uri="{FF2B5EF4-FFF2-40B4-BE49-F238E27FC236}">
+                  <a16:creationId xmlns:a16="http://schemas.microsoft.com/office/drawing/2014/main" id="{234D5DA4-53B5-8549-B7B9-0532594ECB3B}"/>
+                </a:ext>
+              </a:extLst>
+            </p:cNvPr>
+            <p:cNvSpPr/>
+            <p:nvPr/>
+          </p:nvSpPr>
+          <p:spPr>
+            <a:xfrm>
+              <a:off x="705998" y="1462088"/>
+              <a:ext cx="2076451" cy="1074127"/>
+            </a:xfrm>
+            <a:prstGeom prst="roundRect">
+              <a:avLst/>
+            </a:prstGeom>
+            <a:ln w="19050">
+              <a:solidFill>
+                <a:schemeClr val="tx1"/>
+              </a:solidFill>
+            </a:ln>
+          </p:spPr>
+          <p:style>
+            <a:lnRef idx="2">
+              <a:schemeClr val="accent6"/>
+            </a:lnRef>
+            <a:fillRef idx="1">
+              <a:schemeClr val="lt1"/>
+            </a:fillRef>
+            <a:effectRef idx="0">
+              <a:schemeClr val="accent6"/>
+            </a:effectRef>
+            <a:fontRef idx="minor">
+              <a:schemeClr val="dk1"/>
+            </a:fontRef>
+          </p:style>
+          <p:txBody>
+            <a:bodyPr rtlCol="0" anchor="ctr"/>
+            <a:lstStyle/>
+            <a:p>
+              <a:pPr algn="ctr"/>
+              <a:r>
+                <a:rPr lang="en-NP" dirty="0">
+                  <a:latin typeface="Times New Roman" panose="02020603050405020304" pitchFamily="18" charset="0"/>
+                  <a:cs typeface="Times New Roman" panose="02020603050405020304" pitchFamily="18" charset="0"/>
+                </a:rPr>
+                <a:t>Requirement gathering  and analysis</a:t>
+              </a:r>
+            </a:p>
+          </p:txBody>
+        </p:sp>
+        <p:sp>
+          <p:nvSpPr>
+            <p:cNvPr id="6" name="Rounded Rectangle 5">
+              <a:extLst>
+                <a:ext uri="{FF2B5EF4-FFF2-40B4-BE49-F238E27FC236}">
+                  <a16:creationId xmlns:a16="http://schemas.microsoft.com/office/drawing/2014/main" id="{860429EA-59EA-164A-BBE0-A3224EE05B0C}"/>
+                </a:ext>
+              </a:extLst>
+            </p:cNvPr>
+            <p:cNvSpPr/>
+            <p:nvPr/>
+          </p:nvSpPr>
+          <p:spPr>
+            <a:xfrm>
+              <a:off x="5332856" y="3546229"/>
+              <a:ext cx="2076451" cy="1074127"/>
+            </a:xfrm>
+            <a:prstGeom prst="roundRect">
+              <a:avLst/>
+            </a:prstGeom>
+            <a:ln w="19050">
+              <a:solidFill>
+                <a:schemeClr val="tx1"/>
+              </a:solidFill>
+            </a:ln>
+          </p:spPr>
+          <p:style>
+            <a:lnRef idx="2">
+              <a:schemeClr val="accent6"/>
+            </a:lnRef>
+            <a:fillRef idx="1">
+              <a:schemeClr val="lt1"/>
+            </a:fillRef>
+            <a:effectRef idx="0">
+              <a:schemeClr val="accent6"/>
+            </a:effectRef>
+            <a:fontRef idx="minor">
+              <a:schemeClr val="dk1"/>
+            </a:fontRef>
+          </p:style>
+          <p:txBody>
+            <a:bodyPr rtlCol="0" anchor="ctr"/>
+            <a:lstStyle/>
+            <a:p>
+              <a:pPr algn="ctr"/>
+              <a:r>
+                <a:rPr lang="en-NP" dirty="0">
+                  <a:latin typeface="Times New Roman" panose="02020603050405020304" pitchFamily="18" charset="0"/>
+                  <a:cs typeface="Times New Roman" panose="02020603050405020304" pitchFamily="18" charset="0"/>
+                </a:rPr>
+                <a:t>Implementation</a:t>
+              </a:r>
+            </a:p>
+          </p:txBody>
+        </p:sp>
+        <p:sp>
+          <p:nvSpPr>
+            <p:cNvPr id="7" name="Rounded Rectangle 6">
+              <a:extLst>
+                <a:ext uri="{FF2B5EF4-FFF2-40B4-BE49-F238E27FC236}">
+                  <a16:creationId xmlns:a16="http://schemas.microsoft.com/office/drawing/2014/main" id="{6C7A6499-29F0-5041-89DF-B0866F05E312}"/>
+                </a:ext>
+              </a:extLst>
+            </p:cNvPr>
+            <p:cNvSpPr/>
+            <p:nvPr/>
+          </p:nvSpPr>
+          <p:spPr>
+            <a:xfrm>
+              <a:off x="3019427" y="2536213"/>
+              <a:ext cx="2076451" cy="1074127"/>
+            </a:xfrm>
+            <a:prstGeom prst="roundRect">
+              <a:avLst/>
+            </a:prstGeom>
+            <a:ln w="19050">
+              <a:solidFill>
+                <a:schemeClr val="tx1"/>
+              </a:solidFill>
+            </a:ln>
+          </p:spPr>
+          <p:style>
+            <a:lnRef idx="2">
+              <a:schemeClr val="accent6"/>
+            </a:lnRef>
+            <a:fillRef idx="1">
+              <a:schemeClr val="lt1"/>
+            </a:fillRef>
+            <a:effectRef idx="0">
+              <a:schemeClr val="accent6"/>
+            </a:effectRef>
+            <a:fontRef idx="minor">
+              <a:schemeClr val="dk1"/>
+            </a:fontRef>
+          </p:style>
+          <p:txBody>
+            <a:bodyPr rtlCol="0" anchor="ctr"/>
+            <a:lstStyle/>
+            <a:p>
+              <a:pPr algn="ctr"/>
+              <a:r>
+                <a:rPr lang="en-US" dirty="0">
+                  <a:latin typeface="Times New Roman" panose="02020603050405020304" pitchFamily="18" charset="0"/>
+                  <a:cs typeface="Times New Roman" panose="02020603050405020304" pitchFamily="18" charset="0"/>
+                </a:rPr>
+                <a:t>S</a:t>
+              </a:r>
+              <a:r>
+                <a:rPr lang="en-NP" dirty="0">
+                  <a:latin typeface="Times New Roman" panose="02020603050405020304" pitchFamily="18" charset="0"/>
+                  <a:cs typeface="Times New Roman" panose="02020603050405020304" pitchFamily="18" charset="0"/>
+                </a:rPr>
+                <a:t>ystem Design</a:t>
+              </a:r>
+            </a:p>
+          </p:txBody>
+        </p:sp>
+        <p:sp>
+          <p:nvSpPr>
+            <p:cNvPr id="8" name="Rounded Rectangle 7">
+              <a:extLst>
+                <a:ext uri="{FF2B5EF4-FFF2-40B4-BE49-F238E27FC236}">
+                  <a16:creationId xmlns:a16="http://schemas.microsoft.com/office/drawing/2014/main" id="{D758A259-B518-8C47-8683-E3527073726E}"/>
+                </a:ext>
+              </a:extLst>
+            </p:cNvPr>
+            <p:cNvSpPr/>
+            <p:nvPr/>
+          </p:nvSpPr>
+          <p:spPr>
+            <a:xfrm>
+              <a:off x="7646285" y="4593244"/>
+              <a:ext cx="2076450" cy="1074127"/>
+            </a:xfrm>
+            <a:prstGeom prst="roundRect">
+              <a:avLst/>
+            </a:prstGeom>
+            <a:ln w="19050">
+              <a:solidFill>
+                <a:schemeClr val="tx1"/>
+              </a:solidFill>
+            </a:ln>
+          </p:spPr>
+          <p:style>
+            <a:lnRef idx="2">
+              <a:schemeClr val="accent6"/>
+            </a:lnRef>
+            <a:fillRef idx="1">
+              <a:schemeClr val="lt1"/>
+            </a:fillRef>
+            <a:effectRef idx="0">
+              <a:schemeClr val="accent6"/>
+            </a:effectRef>
+            <a:fontRef idx="minor">
+              <a:schemeClr val="dk1"/>
+            </a:fontRef>
+          </p:style>
+          <p:txBody>
+            <a:bodyPr rtlCol="0" anchor="ctr"/>
+            <a:lstStyle/>
+            <a:p>
+              <a:pPr algn="ctr"/>
+              <a:r>
+                <a:rPr lang="en-US" dirty="0">
+                  <a:latin typeface="Times New Roman" panose="02020603050405020304" pitchFamily="18" charset="0"/>
+                  <a:cs typeface="Times New Roman" panose="02020603050405020304" pitchFamily="18" charset="0"/>
+                </a:rPr>
+                <a:t>I</a:t>
+              </a:r>
+              <a:r>
+                <a:rPr lang="en-NP" dirty="0">
+                  <a:latin typeface="Times New Roman" panose="02020603050405020304" pitchFamily="18" charset="0"/>
+                  <a:cs typeface="Times New Roman" panose="02020603050405020304" pitchFamily="18" charset="0"/>
+                </a:rPr>
+                <a:t>ntegration and Testing</a:t>
+              </a:r>
+            </a:p>
+          </p:txBody>
+        </p:sp>
+        <p:sp>
+          <p:nvSpPr>
+            <p:cNvPr id="9" name="Rounded Rectangle 8">
+              <a:extLst>
+                <a:ext uri="{FF2B5EF4-FFF2-40B4-BE49-F238E27FC236}">
+                  <a16:creationId xmlns:a16="http://schemas.microsoft.com/office/drawing/2014/main" id="{A4C15186-F14B-E542-8024-E7669B7076C2}"/>
+                </a:ext>
+              </a:extLst>
+            </p:cNvPr>
+            <p:cNvSpPr/>
+            <p:nvPr/>
+          </p:nvSpPr>
+          <p:spPr>
+            <a:xfrm>
+              <a:off x="9959713" y="5667371"/>
+              <a:ext cx="2076449" cy="1074127"/>
+            </a:xfrm>
+            <a:prstGeom prst="roundRect">
+              <a:avLst/>
+            </a:prstGeom>
+            <a:ln w="19050">
+              <a:solidFill>
+                <a:schemeClr val="tx1"/>
+              </a:solidFill>
+            </a:ln>
+          </p:spPr>
+          <p:style>
+            <a:lnRef idx="2">
+              <a:schemeClr val="accent6"/>
+            </a:lnRef>
+            <a:fillRef idx="1">
+              <a:schemeClr val="lt1"/>
+            </a:fillRef>
+            <a:effectRef idx="0">
+              <a:schemeClr val="accent6"/>
+            </a:effectRef>
+            <a:fontRef idx="minor">
+              <a:schemeClr val="dk1"/>
+            </a:fontRef>
+          </p:style>
+          <p:txBody>
+            <a:bodyPr rtlCol="0" anchor="ctr"/>
+            <a:lstStyle/>
+            <a:p>
+              <a:pPr algn="ctr"/>
+              <a:r>
+                <a:rPr lang="en-NP" dirty="0">
+                  <a:latin typeface="Times New Roman" panose="02020603050405020304" pitchFamily="18" charset="0"/>
+                  <a:cs typeface="Times New Roman" panose="02020603050405020304" pitchFamily="18" charset="0"/>
+                </a:rPr>
+                <a:t>Deployment and Testing</a:t>
+              </a:r>
+            </a:p>
+          </p:txBody>
+        </p:sp>
+        <p:cxnSp>
+          <p:nvCxnSpPr>
+            <p:cNvPr id="10" name="Elbow Connector 9">
+              <a:extLst>
+                <a:ext uri="{FF2B5EF4-FFF2-40B4-BE49-F238E27FC236}">
+                  <a16:creationId xmlns:a16="http://schemas.microsoft.com/office/drawing/2014/main" id="{7B7A7A0E-AF08-DA41-B886-4A96D6FEF9F4}"/>
+                </a:ext>
+              </a:extLst>
+            </p:cNvPr>
+            <p:cNvCxnSpPr>
+              <a:stCxn id="5" idx="3"/>
+              <a:endCxn id="7" idx="0"/>
+            </p:cNvCxnSpPr>
+            <p:nvPr/>
+          </p:nvCxnSpPr>
+          <p:spPr>
+            <a:xfrm>
+              <a:off x="2782449" y="1999152"/>
+              <a:ext cx="1275204" cy="537061"/>
+            </a:xfrm>
+            <a:prstGeom prst="bentConnector2">
+              <a:avLst/>
+            </a:prstGeom>
+            <a:ln w="19050">
+              <a:tailEnd type="triangle"/>
+            </a:ln>
+          </p:spPr>
+          <p:style>
+            <a:lnRef idx="1">
+              <a:schemeClr val="dk1"/>
+            </a:lnRef>
+            <a:fillRef idx="0">
+              <a:schemeClr val="dk1"/>
+            </a:fillRef>
+            <a:effectRef idx="0">
+              <a:schemeClr val="dk1"/>
+            </a:effectRef>
+            <a:fontRef idx="minor">
+              <a:schemeClr val="tx1"/>
+            </a:fontRef>
+          </p:style>
+        </p:cxnSp>
+        <p:cxnSp>
+          <p:nvCxnSpPr>
+            <p:cNvPr id="11" name="Elbow Connector 10">
+              <a:extLst>
+                <a:ext uri="{FF2B5EF4-FFF2-40B4-BE49-F238E27FC236}">
+                  <a16:creationId xmlns:a16="http://schemas.microsoft.com/office/drawing/2014/main" id="{42F16525-98C2-F44B-AED9-8C0CEF0AD6C9}"/>
+                </a:ext>
+              </a:extLst>
+            </p:cNvPr>
+            <p:cNvCxnSpPr/>
+            <p:nvPr/>
+          </p:nvCxnSpPr>
+          <p:spPr>
+            <a:xfrm>
+              <a:off x="5111312" y="3013564"/>
+              <a:ext cx="1275204" cy="537061"/>
+            </a:xfrm>
+            <a:prstGeom prst="bentConnector2">
+              <a:avLst/>
+            </a:prstGeom>
+            <a:ln w="19050">
+              <a:tailEnd type="triangle"/>
+            </a:ln>
+          </p:spPr>
+          <p:style>
+            <a:lnRef idx="1">
+              <a:schemeClr val="dk1"/>
+            </a:lnRef>
+            <a:fillRef idx="0">
+              <a:schemeClr val="dk1"/>
+            </a:fillRef>
+            <a:effectRef idx="0">
+              <a:schemeClr val="dk1"/>
+            </a:effectRef>
+            <a:fontRef idx="minor">
+              <a:schemeClr val="tx1"/>
+            </a:fontRef>
+          </p:style>
+        </p:cxnSp>
+        <p:cxnSp>
+          <p:nvCxnSpPr>
+            <p:cNvPr id="12" name="Elbow Connector 11">
+              <a:extLst>
+                <a:ext uri="{FF2B5EF4-FFF2-40B4-BE49-F238E27FC236}">
+                  <a16:creationId xmlns:a16="http://schemas.microsoft.com/office/drawing/2014/main" id="{C4387409-9A3C-004A-BAB5-62CAE0F9B2B0}"/>
+                </a:ext>
+              </a:extLst>
+            </p:cNvPr>
+            <p:cNvCxnSpPr/>
+            <p:nvPr/>
+          </p:nvCxnSpPr>
+          <p:spPr>
+            <a:xfrm>
+              <a:off x="9740462" y="5128114"/>
+              <a:ext cx="1275204" cy="537061"/>
+            </a:xfrm>
+            <a:prstGeom prst="bentConnector2">
+              <a:avLst/>
+            </a:prstGeom>
+            <a:ln w="19050">
+              <a:tailEnd type="triangle"/>
+            </a:ln>
+          </p:spPr>
+          <p:style>
+            <a:lnRef idx="1">
+              <a:schemeClr val="dk1"/>
+            </a:lnRef>
+            <a:fillRef idx="0">
+              <a:schemeClr val="dk1"/>
+            </a:fillRef>
+            <a:effectRef idx="0">
+              <a:schemeClr val="dk1"/>
+            </a:effectRef>
+            <a:fontRef idx="minor">
+              <a:schemeClr val="tx1"/>
+            </a:fontRef>
+          </p:style>
+        </p:cxnSp>
+        <p:cxnSp>
+          <p:nvCxnSpPr>
+            <p:cNvPr id="13" name="Elbow Connector 12">
+              <a:extLst>
+                <a:ext uri="{FF2B5EF4-FFF2-40B4-BE49-F238E27FC236}">
+                  <a16:creationId xmlns:a16="http://schemas.microsoft.com/office/drawing/2014/main" id="{DFC27061-CF19-C54E-9756-AD0ACD9C2DEF}"/>
+                </a:ext>
+              </a:extLst>
+            </p:cNvPr>
+            <p:cNvCxnSpPr/>
+            <p:nvPr/>
+          </p:nvCxnSpPr>
+          <p:spPr>
+            <a:xfrm>
+              <a:off x="7397312" y="4070839"/>
+              <a:ext cx="1275204" cy="537061"/>
+            </a:xfrm>
+            <a:prstGeom prst="bentConnector2">
+              <a:avLst/>
+            </a:prstGeom>
+            <a:ln w="19050">
+              <a:tailEnd type="triangle"/>
+            </a:ln>
+          </p:spPr>
+          <p:style>
+            <a:lnRef idx="1">
+              <a:schemeClr val="dk1"/>
+            </a:lnRef>
+            <a:fillRef idx="0">
+              <a:schemeClr val="dk1"/>
+            </a:fillRef>
+            <a:effectRef idx="0">
+              <a:schemeClr val="dk1"/>
+            </a:effectRef>
+            <a:fontRef idx="minor">
+              <a:schemeClr val="tx1"/>
+            </a:fontRef>
+          </p:style>
+        </p:cxnSp>
+      </p:grpSp>
     </p:spTree>
     <p:extLst>
       <p:ext uri="{BB962C8B-B14F-4D97-AF65-F5344CB8AC3E}">
-        <p14:creationId xmlns:p14="http://schemas.microsoft.com/office/powerpoint/2010/main" val="2188554903"/>
+        <p14:creationId xmlns:p14="http://schemas.microsoft.com/office/powerpoint/2010/main" val="3157968678"/>
       </p:ext>
     </p:extLst>
   </p:cSld>
@@ -4683,6 +5207,93 @@
           <p:cNvPr id="2" name="Title 1">
             <a:extLst>
               <a:ext uri="{FF2B5EF4-FFF2-40B4-BE49-F238E27FC236}">
+                <a16:creationId xmlns:a16="http://schemas.microsoft.com/office/drawing/2014/main" id="{2AACE3C9-3FCA-284D-9F0A-D6A0BDC8B1C1}"/>
+              </a:ext>
+            </a:extLst>
+          </p:cNvPr>
+          <p:cNvSpPr>
+            <a:spLocks noGrp="1"/>
+          </p:cNvSpPr>
+          <p:nvPr>
+            <p:ph type="title"/>
+          </p:nvPr>
+        </p:nvSpPr>
+        <p:spPr/>
+        <p:txBody>
+          <a:bodyPr/>
+          <a:lstStyle/>
+          <a:p>
+            <a:r>
+              <a:rPr lang="en-US" dirty="0"/>
+              <a:t>U</a:t>
+            </a:r>
+            <a:r>
+              <a:rPr lang="en-NP" dirty="0"/>
+              <a:t>se case diagram</a:t>
+            </a:r>
+          </a:p>
+        </p:txBody>
+      </p:sp>
+      <p:sp>
+        <p:nvSpPr>
+          <p:cNvPr id="3" name="Content Placeholder 2">
+            <a:extLst>
+              <a:ext uri="{FF2B5EF4-FFF2-40B4-BE49-F238E27FC236}">
+                <a16:creationId xmlns:a16="http://schemas.microsoft.com/office/drawing/2014/main" id="{7478E447-34C1-C44E-AF7A-94E306093750}"/>
+              </a:ext>
+            </a:extLst>
+          </p:cNvPr>
+          <p:cNvSpPr>
+            <a:spLocks noGrp="1"/>
+          </p:cNvSpPr>
+          <p:nvPr>
+            <p:ph idx="1"/>
+          </p:nvPr>
+        </p:nvSpPr>
+        <p:spPr/>
+        <p:txBody>
+          <a:bodyPr/>
+          <a:lstStyle/>
+          <a:p>
+            <a:endParaRPr lang="en-NP"/>
+          </a:p>
+        </p:txBody>
+      </p:sp>
+    </p:spTree>
+    <p:extLst>
+      <p:ext uri="{BB962C8B-B14F-4D97-AF65-F5344CB8AC3E}">
+        <p14:creationId xmlns:p14="http://schemas.microsoft.com/office/powerpoint/2010/main" val="2188554903"/>
+      </p:ext>
+    </p:extLst>
+  </p:cSld>
+  <p:clrMapOvr>
+    <a:masterClrMapping/>
+  </p:clrMapOvr>
+</p:sld>
+</file>
+
+<file path=ppt/slides/slide9.xml><?xml version="1.0" encoding="utf-8"?>
+<p:sld xmlns:a="http://schemas.openxmlformats.org/drawingml/2006/main" xmlns:r="http://schemas.openxmlformats.org/officeDocument/2006/relationships" xmlns:p="http://schemas.openxmlformats.org/presentationml/2006/main">
+  <p:cSld>
+    <p:spTree>
+      <p:nvGrpSpPr>
+        <p:cNvPr id="1" name=""/>
+        <p:cNvGrpSpPr/>
+        <p:nvPr/>
+      </p:nvGrpSpPr>
+      <p:grpSpPr>
+        <a:xfrm>
+          <a:off x="0" y="0"/>
+          <a:ext cx="0" cy="0"/>
+          <a:chOff x="0" y="0"/>
+          <a:chExt cx="0" cy="0"/>
+        </a:xfrm>
+      </p:grpSpPr>
+      <p:sp>
+        <p:nvSpPr>
+          <p:cNvPr id="2" name="Title 1">
+            <a:extLst>
+              <a:ext uri="{FF2B5EF4-FFF2-40B4-BE49-F238E27FC236}">
                 <a16:creationId xmlns:a16="http://schemas.microsoft.com/office/drawing/2014/main" id="{5BF78775-0F68-3948-A8DD-20F110F5AE66}"/>
               </a:ext>
             </a:extLst>
@@ -4728,10 +5339,63 @@
         </p:nvSpPr>
         <p:spPr/>
         <p:txBody>
-          <a:bodyPr/>
-          <a:lstStyle/>
-          <a:p>
-            <a:endParaRPr lang="en-NP"/>
+          <a:bodyPr>
+            <a:normAutofit lnSpcReduction="10000"/>
+          </a:bodyPr>
+          <a:lstStyle/>
+          <a:p>
+            <a:pPr marL="0" indent="0" algn="just">
+              <a:buNone/>
+            </a:pPr>
+            <a:r>
+              <a:rPr lang="en-US" dirty="0"/>
+              <a:t>Our project is only a humble venture to satisfy the needs to manage the project work. Several user-friendly coding has also adopted. This package shall prove to be a powerful package in satisfying all the requirements of the school and college. The objective of software planning is to provide a frame work that enables the librarian to keep the record of the book within a limited time.</a:t>
+            </a:r>
+            <a:endParaRPr lang="en-NP" dirty="0"/>
+          </a:p>
+          <a:p>
+            <a:pPr marL="0" indent="0" algn="just">
+              <a:buNone/>
+            </a:pPr>
+            <a:r>
+              <a:rPr lang="en-US" dirty="0"/>
+              <a:t>Our project</a:t>
+            </a:r>
+            <a:r>
+              <a:rPr lang="en-NP" dirty="0"/>
+              <a:t> provides a computerized version of library management system which will</a:t>
+            </a:r>
+            <a:r>
+              <a:rPr lang="en-US" dirty="0"/>
+              <a:t> be beneficial for</a:t>
+            </a:r>
+            <a:r>
+              <a:rPr lang="en-NP" dirty="0"/>
+              <a:t> the students as well as the staff of the library.</a:t>
+            </a:r>
+            <a:br>
+              <a:rPr lang="en-NP" dirty="0"/>
+            </a:br>
+            <a:r>
+              <a:rPr lang="en-NP" dirty="0"/>
+              <a:t>It makes entire </a:t>
+            </a:r>
+            <a:r>
+              <a:rPr lang="en-US" dirty="0"/>
+              <a:t>process easy where</a:t>
+            </a:r>
+            <a:r>
+              <a:rPr lang="en-NP" dirty="0"/>
+              <a:t> student can search books, staff can generate reports and do book transactions. It also has a facility for login where </a:t>
+            </a:r>
+            <a:r>
+              <a:rPr lang="en-US" dirty="0"/>
+              <a:t>library staff </a:t>
+            </a:r>
+            <a:r>
+              <a:rPr lang="en-NP" dirty="0"/>
+              <a:t> can login and can see status of books issued</a:t>
+            </a:r>
           </a:p>
         </p:txBody>
       </p:sp>

--- a/Documentation/LBMS_Presentation.pptx
+++ b/Documentation/LBMS_Presentation.pptx
@@ -3526,7 +3526,7 @@
         <p:spPr/>
         <p:txBody>
           <a:bodyPr>
-            <a:normAutofit fontScale="92500" lnSpcReduction="10000"/>
+            <a:normAutofit/>
           </a:bodyPr>
           <a:lstStyle/>
           <a:p>
@@ -3538,40 +3538,39 @@
             <a:endParaRPr lang="en-NP" dirty="0"/>
           </a:p>
           <a:p>
-            <a:pPr lvl="0" algn="just"/>
-            <a:r>
-              <a:rPr lang="en-US" b="1" dirty="0"/>
-              <a:t>LOGIN: </a:t>
-            </a:r>
             <a:r>
               <a:rPr lang="en-US" dirty="0"/>
-              <a:t>Only the user with specified login id and password can get access to the system. This provides security from unauthorized access. It keeps the data safely.</a:t>
-            </a:r>
-            <a:endParaRPr lang="en-NP" dirty="0"/>
-          </a:p>
-          <a:p>
-            <a:pPr lvl="0" algn="just"/>
-            <a:r>
-              <a:rPr lang="en-US" b="1" dirty="0"/>
-              <a:t>INSERT RECORD:</a:t>
-            </a:r>
+              <a:t>Students are allowed to take only </a:t>
+            </a:r>
+            <a:r>
+              <a:rPr lang="en-US"/>
+              <a:t>three books,</a:t>
+            </a:r>
+            <a:endParaRPr lang="en-US" dirty="0"/>
+          </a:p>
+          <a:p>
             <a:r>
               <a:rPr lang="en-US" dirty="0"/>
-              <a:t> A librarian should be able to insert the record of the books. To insert the record the librarian should note the Name of the students, Student ID, Book Id etc. It helps to reduce the misplacing of books. It helps  the librarian to run the library easily and effectively.</a:t>
-            </a:r>
-            <a:endParaRPr lang="en-NP" dirty="0"/>
-          </a:p>
-          <a:p>
-            <a:pPr lvl="0" algn="just"/>
-            <a:r>
-              <a:rPr lang="en-US" b="1" dirty="0"/>
-              <a:t>DISPLAY RECORD: </a:t>
-            </a:r>
+              <a:t>Students are not allowed to check whether  the book in available,</a:t>
+            </a:r>
+          </a:p>
+          <a:p>
             <a:r>
               <a:rPr lang="en-US" dirty="0"/>
-              <a:t>It helps to display the record of the books. It provides the details of issued books which include: Name of the student, Name of the books, Student Id, Book Id, Date of Submission, Fines etc.</a:t>
-            </a:r>
-            <a:endParaRPr lang="en-NP" dirty="0"/>
+              <a:t>There is no online services,</a:t>
+            </a:r>
+          </a:p>
+          <a:p>
+            <a:r>
+              <a:rPr lang="en-US" dirty="0"/>
+              <a:t>Students are not informed before the dead line of the book renew,</a:t>
+            </a:r>
+          </a:p>
+          <a:p>
+            <a:r>
+              <a:rPr lang="en-US" dirty="0"/>
+              <a:t>Students are not allowed to get access to the library book management system.</a:t>
+            </a:r>
           </a:p>
           <a:p>
             <a:pPr algn="just"/>
@@ -3691,7 +3690,7 @@
             <a:pPr lvl="0" algn="just"/>
             <a:r>
               <a:rPr lang="en-US" dirty="0"/>
-              <a:t>To manage records of students who.</a:t>
+              <a:t>To manage records of students who have withdrawn the book.</a:t>
             </a:r>
             <a:endParaRPr lang="en-NP" dirty="0"/>
           </a:p>
@@ -3699,7 +3698,7 @@
             <a:pPr lvl="0" algn="just"/>
             <a:r>
               <a:rPr lang="en-US" dirty="0"/>
-              <a:t>To sore and access item in books stocks.</a:t>
+              <a:t>To store and access item in books stocks.</a:t>
             </a:r>
             <a:endParaRPr lang="en-NP" dirty="0"/>
           </a:p>
@@ -4539,7 +4538,7 @@
 </file>
 
 <file path=ppt/slides/slide6.xml><?xml version="1.0" encoding="utf-8"?>
-<p:sld xmlns:a="http://schemas.openxmlformats.org/drawingml/2006/main" xmlns:r="http://schemas.openxmlformats.org/officeDocument/2006/relationships" xmlns:p="http://schemas.openxmlformats.org/presentationml/2006/main">
+<p:sld xmlns:a="http://schemas.openxmlformats.org/drawingml/2006/main" xmlns:r="http://schemas.openxmlformats.org/officeDocument/2006/relationships" xmlns:p="http://schemas.openxmlformats.org/presentationml/2006/main" show="0">
   <p:cSld>
     <p:spTree>
       <p:nvGrpSpPr>
@@ -5255,7 +5254,10 @@
           <a:bodyPr/>
           <a:lstStyle/>
           <a:p>
-            <a:endParaRPr lang="en-NP"/>
+            <a:pPr marL="0" indent="0" algn="r">
+              <a:buNone/>
+            </a:pPr>
+            <a:endParaRPr lang="en-NP" dirty="0"/>
           </a:p>
         </p:txBody>
       </p:sp>

--- a/Documentation/LBMS_Presentation.pptx
+++ b/Documentation/LBMS_Presentation.pptx
@@ -275,7 +275,7 @@
           <a:p>
             <a:fld id="{4E136431-ACF1-4345-B375-02CBD2B7DBAE}" type="datetimeFigureOut">
               <a:rPr lang="en-NP" smtClean="0"/>
-              <a:t>17/02/2022</a:t>
+              <a:t>18/02/2022</a:t>
             </a:fld>
             <a:endParaRPr lang="en-NP"/>
           </a:p>
@@ -475,7 +475,7 @@
           <a:p>
             <a:fld id="{4E136431-ACF1-4345-B375-02CBD2B7DBAE}" type="datetimeFigureOut">
               <a:rPr lang="en-NP" smtClean="0"/>
-              <a:t>17/02/2022</a:t>
+              <a:t>18/02/2022</a:t>
             </a:fld>
             <a:endParaRPr lang="en-NP"/>
           </a:p>
@@ -685,7 +685,7 @@
           <a:p>
             <a:fld id="{4E136431-ACF1-4345-B375-02CBD2B7DBAE}" type="datetimeFigureOut">
               <a:rPr lang="en-NP" smtClean="0"/>
-              <a:t>17/02/2022</a:t>
+              <a:t>18/02/2022</a:t>
             </a:fld>
             <a:endParaRPr lang="en-NP"/>
           </a:p>
@@ -923,7 +923,7 @@
           <a:p>
             <a:fld id="{4E136431-ACF1-4345-B375-02CBD2B7DBAE}" type="datetimeFigureOut">
               <a:rPr lang="en-NP" smtClean="0"/>
-              <a:t>17/02/2022</a:t>
+              <a:t>18/02/2022</a:t>
             </a:fld>
             <a:endParaRPr lang="en-NP"/>
           </a:p>
@@ -1199,7 +1199,7 @@
           <a:p>
             <a:fld id="{4E136431-ACF1-4345-B375-02CBD2B7DBAE}" type="datetimeFigureOut">
               <a:rPr lang="en-NP" smtClean="0"/>
-              <a:t>17/02/2022</a:t>
+              <a:t>18/02/2022</a:t>
             </a:fld>
             <a:endParaRPr lang="en-NP"/>
           </a:p>
@@ -1467,7 +1467,7 @@
           <a:p>
             <a:fld id="{4E136431-ACF1-4345-B375-02CBD2B7DBAE}" type="datetimeFigureOut">
               <a:rPr lang="en-NP" smtClean="0"/>
-              <a:t>17/02/2022</a:t>
+              <a:t>18/02/2022</a:t>
             </a:fld>
             <a:endParaRPr lang="en-NP"/>
           </a:p>
@@ -1882,7 +1882,7 @@
           <a:p>
             <a:fld id="{4E136431-ACF1-4345-B375-02CBD2B7DBAE}" type="datetimeFigureOut">
               <a:rPr lang="en-NP" smtClean="0"/>
-              <a:t>17/02/2022</a:t>
+              <a:t>18/02/2022</a:t>
             </a:fld>
             <a:endParaRPr lang="en-NP"/>
           </a:p>
@@ -2024,7 +2024,7 @@
           <a:p>
             <a:fld id="{4E136431-ACF1-4345-B375-02CBD2B7DBAE}" type="datetimeFigureOut">
               <a:rPr lang="en-NP" smtClean="0"/>
-              <a:t>17/02/2022</a:t>
+              <a:t>18/02/2022</a:t>
             </a:fld>
             <a:endParaRPr lang="en-NP"/>
           </a:p>
@@ -2137,7 +2137,7 @@
           <a:p>
             <a:fld id="{4E136431-ACF1-4345-B375-02CBD2B7DBAE}" type="datetimeFigureOut">
               <a:rPr lang="en-NP" smtClean="0"/>
-              <a:t>17/02/2022</a:t>
+              <a:t>18/02/2022</a:t>
             </a:fld>
             <a:endParaRPr lang="en-NP"/>
           </a:p>
@@ -2450,7 +2450,7 @@
           <a:p>
             <a:fld id="{4E136431-ACF1-4345-B375-02CBD2B7DBAE}" type="datetimeFigureOut">
               <a:rPr lang="en-NP" smtClean="0"/>
-              <a:t>17/02/2022</a:t>
+              <a:t>18/02/2022</a:t>
             </a:fld>
             <a:endParaRPr lang="en-NP"/>
           </a:p>
@@ -2739,7 +2739,7 @@
           <a:p>
             <a:fld id="{4E136431-ACF1-4345-B375-02CBD2B7DBAE}" type="datetimeFigureOut">
               <a:rPr lang="en-NP" smtClean="0"/>
-              <a:t>17/02/2022</a:t>
+              <a:t>18/02/2022</a:t>
             </a:fld>
             <a:endParaRPr lang="en-NP"/>
           </a:p>
@@ -2982,7 +2982,7 @@
           <a:p>
             <a:fld id="{4E136431-ACF1-4345-B375-02CBD2B7DBAE}" type="datetimeFigureOut">
               <a:rPr lang="en-NP" smtClean="0"/>
-              <a:t>17/02/2022</a:t>
+              <a:t>18/02/2022</a:t>
             </a:fld>
             <a:endParaRPr lang="en-NP"/>
           </a:p>
@@ -3540,13 +3540,8 @@
           <a:p>
             <a:r>
               <a:rPr lang="en-US" dirty="0"/>
-              <a:t>Students are allowed to take only </a:t>
-            </a:r>
-            <a:r>
-              <a:rPr lang="en-US"/>
-              <a:t>three books,</a:t>
-            </a:r>
-            <a:endParaRPr lang="en-US" dirty="0"/>
+              <a:t>Students are allowed to take only three books,</a:t>
+            </a:r>
           </a:p>
           <a:p>
             <a:r>
@@ -3950,580 +3945,1044 @@
           </a:p>
         </p:txBody>
       </p:sp>
-      <p:sp>
-        <p:nvSpPr>
-          <p:cNvPr id="6" name="Content Placeholder 5">
-            <a:extLst>
-              <a:ext uri="{FF2B5EF4-FFF2-40B4-BE49-F238E27FC236}">
-                <a16:creationId xmlns:a16="http://schemas.microsoft.com/office/drawing/2014/main" id="{9EFF3804-C2F0-A645-A537-EA581DF5B836}"/>
-              </a:ext>
-            </a:extLst>
-          </p:cNvPr>
-          <p:cNvSpPr>
-            <a:spLocks noGrp="1"/>
-          </p:cNvSpPr>
-          <p:nvPr>
-            <p:ph idx="1"/>
-          </p:nvPr>
-        </p:nvSpPr>
-        <p:spPr/>
-        <p:txBody>
-          <a:bodyPr/>
-          <a:lstStyle/>
-          <a:p>
-            <a:endParaRPr lang="en-NP" dirty="0"/>
-          </a:p>
-        </p:txBody>
-      </p:sp>
-      <p:sp>
-        <p:nvSpPr>
-          <p:cNvPr id="7" name="Oval 6">
-            <a:extLst>
-              <a:ext uri="{FF2B5EF4-FFF2-40B4-BE49-F238E27FC236}">
-                <a16:creationId xmlns:a16="http://schemas.microsoft.com/office/drawing/2014/main" id="{4CF5E405-818D-8942-B96A-969CF664EAC2}"/>
-              </a:ext>
-            </a:extLst>
-          </p:cNvPr>
-          <p:cNvSpPr/>
+      <p:grpSp>
+        <p:nvGrpSpPr>
+          <p:cNvPr id="42" name="Group 41">
+            <a:extLst>
+              <a:ext uri="{FF2B5EF4-FFF2-40B4-BE49-F238E27FC236}">
+                <a16:creationId xmlns:a16="http://schemas.microsoft.com/office/drawing/2014/main" id="{96EF5B7B-039B-814A-8255-9EAA3FF0BC8A}"/>
+              </a:ext>
+            </a:extLst>
+          </p:cNvPr>
+          <p:cNvGrpSpPr/>
           <p:nvPr/>
-        </p:nvSpPr>
-        <p:spPr>
+        </p:nvGrpSpPr>
+        <p:grpSpPr>
           <a:xfrm>
-            <a:off x="5257800" y="1825625"/>
-            <a:ext cx="1676400" cy="838200"/>
+            <a:off x="456870" y="1825625"/>
+            <a:ext cx="11301682" cy="4459933"/>
+            <a:chOff x="456870" y="1825625"/>
+            <a:chExt cx="11301682" cy="4459933"/>
           </a:xfrm>
-          <a:prstGeom prst="ellipse">
-            <a:avLst/>
-          </a:prstGeom>
-        </p:spPr>
-        <p:style>
-          <a:lnRef idx="2">
-            <a:schemeClr val="accent1">
-              <a:shade val="50000"/>
-            </a:schemeClr>
-          </a:lnRef>
-          <a:fillRef idx="1">
-            <a:schemeClr val="accent1"/>
-          </a:fillRef>
-          <a:effectRef idx="0">
-            <a:schemeClr val="accent1"/>
-          </a:effectRef>
-          <a:fontRef idx="minor">
-            <a:schemeClr val="lt1"/>
-          </a:fontRef>
-        </p:style>
-        <p:txBody>
-          <a:bodyPr rtlCol="0" anchor="ctr"/>
-          <a:lstStyle/>
-          <a:p>
-            <a:pPr algn="ctr"/>
-            <a:r>
-              <a:rPr lang="en-NP" dirty="0"/>
-              <a:t>START</a:t>
-            </a:r>
-          </a:p>
-        </p:txBody>
-      </p:sp>
-      <p:sp>
-        <p:nvSpPr>
-          <p:cNvPr id="8" name="Rectangle 7">
-            <a:extLst>
-              <a:ext uri="{FF2B5EF4-FFF2-40B4-BE49-F238E27FC236}">
-                <a16:creationId xmlns:a16="http://schemas.microsoft.com/office/drawing/2014/main" id="{B3A09BC5-F75E-BA49-8A4D-C8B1FD886CF8}"/>
-              </a:ext>
-            </a:extLst>
-          </p:cNvPr>
-          <p:cNvSpPr/>
-          <p:nvPr/>
-        </p:nvSpPr>
-        <p:spPr>
-          <a:xfrm>
-            <a:off x="4940300" y="3113518"/>
-            <a:ext cx="2311400" cy="657225"/>
-          </a:xfrm>
-          <a:prstGeom prst="rect">
-            <a:avLst/>
-          </a:prstGeom>
-        </p:spPr>
-        <p:style>
-          <a:lnRef idx="2">
-            <a:schemeClr val="accent1">
-              <a:shade val="50000"/>
-            </a:schemeClr>
-          </a:lnRef>
-          <a:fillRef idx="1">
-            <a:schemeClr val="accent1"/>
-          </a:fillRef>
-          <a:effectRef idx="0">
-            <a:schemeClr val="accent1"/>
-          </a:effectRef>
-          <a:fontRef idx="minor">
-            <a:schemeClr val="lt1"/>
-          </a:fontRef>
-        </p:style>
-        <p:txBody>
-          <a:bodyPr rtlCol="0" anchor="ctr"/>
-          <a:lstStyle/>
-          <a:p>
-            <a:pPr algn="ctr"/>
-            <a:r>
-              <a:rPr lang="en-NP" dirty="0"/>
-              <a:t>LOGIN</a:t>
-            </a:r>
-          </a:p>
-        </p:txBody>
-      </p:sp>
-      <p:sp>
-        <p:nvSpPr>
-          <p:cNvPr id="10" name="Rectangle 9">
-            <a:extLst>
-              <a:ext uri="{FF2B5EF4-FFF2-40B4-BE49-F238E27FC236}">
-                <a16:creationId xmlns:a16="http://schemas.microsoft.com/office/drawing/2014/main" id="{B8950603-9BEA-D143-AA97-2B1AA6CCAC85}"/>
-              </a:ext>
-            </a:extLst>
-          </p:cNvPr>
-          <p:cNvSpPr/>
-          <p:nvPr/>
-        </p:nvSpPr>
-        <p:spPr>
-          <a:xfrm>
-            <a:off x="456870" y="4285496"/>
-            <a:ext cx="2122714" cy="603574"/>
-          </a:xfrm>
-          <a:prstGeom prst="rect">
-            <a:avLst/>
-          </a:prstGeom>
-        </p:spPr>
-        <p:style>
-          <a:lnRef idx="2">
-            <a:schemeClr val="accent1">
-              <a:shade val="50000"/>
-            </a:schemeClr>
-          </a:lnRef>
-          <a:fillRef idx="1">
-            <a:schemeClr val="accent1"/>
-          </a:fillRef>
-          <a:effectRef idx="0">
-            <a:schemeClr val="accent1"/>
-          </a:effectRef>
-          <a:fontRef idx="minor">
-            <a:schemeClr val="lt1"/>
-          </a:fontRef>
-        </p:style>
-        <p:txBody>
-          <a:bodyPr rtlCol="0" anchor="ctr"/>
-          <a:lstStyle/>
-          <a:p>
-            <a:pPr algn="ctr"/>
-            <a:r>
-              <a:rPr lang="en-NP" dirty="0"/>
-              <a:t>Insert</a:t>
-            </a:r>
-          </a:p>
-          <a:p>
-            <a:pPr algn="ctr"/>
-            <a:r>
-              <a:rPr lang="en-NP" dirty="0"/>
-              <a:t>Record</a:t>
-            </a:r>
-          </a:p>
-        </p:txBody>
-      </p:sp>
-      <p:sp>
-        <p:nvSpPr>
-          <p:cNvPr id="11" name="Rectangle 10">
-            <a:extLst>
-              <a:ext uri="{FF2B5EF4-FFF2-40B4-BE49-F238E27FC236}">
-                <a16:creationId xmlns:a16="http://schemas.microsoft.com/office/drawing/2014/main" id="{E5026502-4B85-924A-A8FE-B622FB041767}"/>
-              </a:ext>
-            </a:extLst>
-          </p:cNvPr>
-          <p:cNvSpPr/>
-          <p:nvPr/>
-        </p:nvSpPr>
-        <p:spPr>
-          <a:xfrm>
-            <a:off x="2754416" y="4285496"/>
-            <a:ext cx="2122714" cy="603574"/>
-          </a:xfrm>
-          <a:prstGeom prst="rect">
-            <a:avLst/>
-          </a:prstGeom>
-        </p:spPr>
-        <p:style>
-          <a:lnRef idx="2">
-            <a:schemeClr val="accent1">
-              <a:shade val="50000"/>
-            </a:schemeClr>
-          </a:lnRef>
-          <a:fillRef idx="1">
-            <a:schemeClr val="accent1"/>
-          </a:fillRef>
-          <a:effectRef idx="0">
-            <a:schemeClr val="accent1"/>
-          </a:effectRef>
-          <a:fontRef idx="minor">
-            <a:schemeClr val="lt1"/>
-          </a:fontRef>
-        </p:style>
-        <p:txBody>
-          <a:bodyPr rtlCol="0" anchor="ctr"/>
-          <a:lstStyle/>
-          <a:p>
-            <a:pPr algn="ctr"/>
-            <a:r>
-              <a:rPr lang="en-NP" dirty="0"/>
-              <a:t>Display</a:t>
-            </a:r>
-          </a:p>
-          <a:p>
-            <a:pPr algn="ctr"/>
-            <a:r>
-              <a:rPr lang="en-NP" dirty="0"/>
-              <a:t>Record</a:t>
-            </a:r>
-          </a:p>
-        </p:txBody>
-      </p:sp>
-      <p:sp>
-        <p:nvSpPr>
-          <p:cNvPr id="12" name="Rectangle 11">
-            <a:extLst>
-              <a:ext uri="{FF2B5EF4-FFF2-40B4-BE49-F238E27FC236}">
-                <a16:creationId xmlns:a16="http://schemas.microsoft.com/office/drawing/2014/main" id="{2FF368C2-4B80-C049-8A4E-33249684E530}"/>
-              </a:ext>
-            </a:extLst>
-          </p:cNvPr>
-          <p:cNvSpPr/>
-          <p:nvPr/>
-        </p:nvSpPr>
-        <p:spPr>
-          <a:xfrm>
-            <a:off x="5034643" y="4285496"/>
-            <a:ext cx="2122714" cy="603574"/>
-          </a:xfrm>
-          <a:prstGeom prst="rect">
-            <a:avLst/>
-          </a:prstGeom>
-        </p:spPr>
-        <p:style>
-          <a:lnRef idx="2">
-            <a:schemeClr val="accent1">
-              <a:shade val="50000"/>
-            </a:schemeClr>
-          </a:lnRef>
-          <a:fillRef idx="1">
-            <a:schemeClr val="accent1"/>
-          </a:fillRef>
-          <a:effectRef idx="0">
-            <a:schemeClr val="accent1"/>
-          </a:effectRef>
-          <a:fontRef idx="minor">
-            <a:schemeClr val="lt1"/>
-          </a:fontRef>
-        </p:style>
-        <p:txBody>
-          <a:bodyPr rtlCol="0" anchor="ctr"/>
-          <a:lstStyle/>
-          <a:p>
-            <a:pPr algn="ctr"/>
-            <a:r>
-              <a:rPr lang="en-NP" dirty="0"/>
-              <a:t>Update</a:t>
-            </a:r>
-          </a:p>
-          <a:p>
-            <a:pPr algn="ctr"/>
-            <a:r>
-              <a:rPr lang="en-NP" dirty="0"/>
-              <a:t>Record</a:t>
-            </a:r>
-          </a:p>
-        </p:txBody>
-      </p:sp>
-      <p:sp>
-        <p:nvSpPr>
-          <p:cNvPr id="13" name="Rectangle 12">
-            <a:extLst>
-              <a:ext uri="{FF2B5EF4-FFF2-40B4-BE49-F238E27FC236}">
-                <a16:creationId xmlns:a16="http://schemas.microsoft.com/office/drawing/2014/main" id="{9135BEEB-FDA5-8D47-8622-FD9289BF0529}"/>
-              </a:ext>
-            </a:extLst>
-          </p:cNvPr>
-          <p:cNvSpPr/>
-          <p:nvPr/>
-        </p:nvSpPr>
-        <p:spPr>
-          <a:xfrm>
-            <a:off x="7349508" y="4285496"/>
-            <a:ext cx="2122714" cy="603574"/>
-          </a:xfrm>
-          <a:prstGeom prst="rect">
-            <a:avLst/>
-          </a:prstGeom>
-        </p:spPr>
-        <p:style>
-          <a:lnRef idx="2">
-            <a:schemeClr val="accent1">
-              <a:shade val="50000"/>
-            </a:schemeClr>
-          </a:lnRef>
-          <a:fillRef idx="1">
-            <a:schemeClr val="accent1"/>
-          </a:fillRef>
-          <a:effectRef idx="0">
-            <a:schemeClr val="accent1"/>
-          </a:effectRef>
-          <a:fontRef idx="minor">
-            <a:schemeClr val="lt1"/>
-          </a:fontRef>
-        </p:style>
-        <p:txBody>
-          <a:bodyPr rtlCol="0" anchor="ctr"/>
-          <a:lstStyle/>
-          <a:p>
-            <a:pPr algn="ctr"/>
-            <a:r>
-              <a:rPr lang="en-NP" dirty="0"/>
-              <a:t>Delete</a:t>
-            </a:r>
-          </a:p>
-          <a:p>
-            <a:pPr algn="ctr"/>
-            <a:r>
-              <a:rPr lang="en-NP" dirty="0"/>
-              <a:t>Record</a:t>
-            </a:r>
-          </a:p>
-        </p:txBody>
-      </p:sp>
-      <p:sp>
-        <p:nvSpPr>
-          <p:cNvPr id="14" name="Rectangle 13">
-            <a:extLst>
-              <a:ext uri="{FF2B5EF4-FFF2-40B4-BE49-F238E27FC236}">
-                <a16:creationId xmlns:a16="http://schemas.microsoft.com/office/drawing/2014/main" id="{A8281664-8F75-D942-862F-02901791193D}"/>
-              </a:ext>
-            </a:extLst>
-          </p:cNvPr>
-          <p:cNvSpPr/>
-          <p:nvPr/>
-        </p:nvSpPr>
-        <p:spPr>
-          <a:xfrm>
-            <a:off x="9635838" y="4285496"/>
-            <a:ext cx="2122714" cy="603574"/>
-          </a:xfrm>
-          <a:prstGeom prst="rect">
-            <a:avLst/>
-          </a:prstGeom>
-        </p:spPr>
-        <p:style>
-          <a:lnRef idx="2">
-            <a:schemeClr val="accent1">
-              <a:shade val="50000"/>
-            </a:schemeClr>
-          </a:lnRef>
-          <a:fillRef idx="1">
-            <a:schemeClr val="accent1"/>
-          </a:fillRef>
-          <a:effectRef idx="0">
-            <a:schemeClr val="accent1"/>
-          </a:effectRef>
-          <a:fontRef idx="minor">
-            <a:schemeClr val="lt1"/>
-          </a:fontRef>
-        </p:style>
-        <p:txBody>
-          <a:bodyPr rtlCol="0" anchor="ctr"/>
-          <a:lstStyle/>
-          <a:p>
-            <a:pPr algn="ctr"/>
-            <a:r>
-              <a:rPr lang="en-NP" dirty="0"/>
-              <a:t>Delete</a:t>
-            </a:r>
-          </a:p>
-          <a:p>
-            <a:pPr algn="ctr"/>
-            <a:r>
-              <a:rPr lang="en-NP" dirty="0"/>
-              <a:t>Record</a:t>
-            </a:r>
-          </a:p>
-        </p:txBody>
-      </p:sp>
-      <p:sp>
-        <p:nvSpPr>
-          <p:cNvPr id="15" name="Oval 14">
-            <a:extLst>
-              <a:ext uri="{FF2B5EF4-FFF2-40B4-BE49-F238E27FC236}">
-                <a16:creationId xmlns:a16="http://schemas.microsoft.com/office/drawing/2014/main" id="{76EE99BC-CBCE-0342-A171-ADD432A9D669}"/>
-              </a:ext>
-            </a:extLst>
-          </p:cNvPr>
-          <p:cNvSpPr/>
-          <p:nvPr/>
-        </p:nvSpPr>
-        <p:spPr>
-          <a:xfrm>
-            <a:off x="5275119" y="5338763"/>
-            <a:ext cx="1676400" cy="838200"/>
-          </a:xfrm>
-          <a:prstGeom prst="ellipse">
-            <a:avLst/>
-          </a:prstGeom>
-        </p:spPr>
-        <p:style>
-          <a:lnRef idx="2">
-            <a:schemeClr val="accent1">
-              <a:shade val="50000"/>
-            </a:schemeClr>
-          </a:lnRef>
-          <a:fillRef idx="1">
-            <a:schemeClr val="accent1"/>
-          </a:fillRef>
-          <a:effectRef idx="0">
-            <a:schemeClr val="accent1"/>
-          </a:effectRef>
-          <a:fontRef idx="minor">
-            <a:schemeClr val="lt1"/>
-          </a:fontRef>
-        </p:style>
-        <p:txBody>
-          <a:bodyPr rtlCol="0" anchor="ctr"/>
-          <a:lstStyle/>
-          <a:p>
-            <a:pPr algn="ctr"/>
-            <a:r>
-              <a:rPr lang="en-NP" dirty="0"/>
-              <a:t>END</a:t>
-            </a:r>
-          </a:p>
-        </p:txBody>
-      </p:sp>
-      <p:cxnSp>
-        <p:nvCxnSpPr>
-          <p:cNvPr id="17" name="Straight Arrow Connector 16">
-            <a:extLst>
-              <a:ext uri="{FF2B5EF4-FFF2-40B4-BE49-F238E27FC236}">
-                <a16:creationId xmlns:a16="http://schemas.microsoft.com/office/drawing/2014/main" id="{0B809C94-F5CD-F445-91A6-C8F51F2AD9DB}"/>
-              </a:ext>
-            </a:extLst>
-          </p:cNvPr>
-          <p:cNvCxnSpPr>
-            <a:stCxn id="7" idx="4"/>
-            <a:endCxn id="8" idx="0"/>
-          </p:cNvCxnSpPr>
-          <p:nvPr/>
-        </p:nvCxnSpPr>
-        <p:spPr>
-          <a:xfrm>
-            <a:off x="6096000" y="2663825"/>
-            <a:ext cx="0" cy="449693"/>
-          </a:xfrm>
-          <a:prstGeom prst="straightConnector1">
-            <a:avLst/>
-          </a:prstGeom>
-          <a:ln>
-            <a:tailEnd type="triangle"/>
-          </a:ln>
-        </p:spPr>
-        <p:style>
-          <a:lnRef idx="1">
-            <a:schemeClr val="accent1"/>
-          </a:lnRef>
-          <a:fillRef idx="0">
-            <a:schemeClr val="accent1"/>
-          </a:fillRef>
-          <a:effectRef idx="0">
-            <a:schemeClr val="accent1"/>
-          </a:effectRef>
-          <a:fontRef idx="minor">
-            <a:schemeClr val="tx1"/>
-          </a:fontRef>
-        </p:style>
-      </p:cxnSp>
-      <p:cxnSp>
-        <p:nvCxnSpPr>
-          <p:cNvPr id="9" name="Straight Arrow Connector 8">
-            <a:extLst>
-              <a:ext uri="{FF2B5EF4-FFF2-40B4-BE49-F238E27FC236}">
-                <a16:creationId xmlns:a16="http://schemas.microsoft.com/office/drawing/2014/main" id="{1686BE76-DA74-4B4F-AEC1-5FF8B80FE875}"/>
-              </a:ext>
-            </a:extLst>
-          </p:cNvPr>
-          <p:cNvCxnSpPr>
-            <a:stCxn id="8" idx="2"/>
-            <a:endCxn id="12" idx="0"/>
-          </p:cNvCxnSpPr>
-          <p:nvPr/>
-        </p:nvCxnSpPr>
-        <p:spPr>
-          <a:xfrm>
-            <a:off x="6096000" y="3770743"/>
-            <a:ext cx="0" cy="514753"/>
-          </a:xfrm>
-          <a:prstGeom prst="straightConnector1">
-            <a:avLst/>
-          </a:prstGeom>
-          <a:ln>
-            <a:tailEnd type="triangle"/>
-          </a:ln>
-        </p:spPr>
-        <p:style>
-          <a:lnRef idx="1">
-            <a:schemeClr val="accent1"/>
-          </a:lnRef>
-          <a:fillRef idx="0">
-            <a:schemeClr val="accent1"/>
-          </a:fillRef>
-          <a:effectRef idx="0">
-            <a:schemeClr val="accent1"/>
-          </a:effectRef>
-          <a:fontRef idx="minor">
-            <a:schemeClr val="tx1"/>
-          </a:fontRef>
-        </p:style>
-      </p:cxnSp>
-      <p:cxnSp>
-        <p:nvCxnSpPr>
-          <p:cNvPr id="19" name="Straight Connector 18">
-            <a:extLst>
-              <a:ext uri="{FF2B5EF4-FFF2-40B4-BE49-F238E27FC236}">
-                <a16:creationId xmlns:a16="http://schemas.microsoft.com/office/drawing/2014/main" id="{1ED4B782-33F4-8E45-8E24-22B400741285}"/>
-              </a:ext>
-            </a:extLst>
-          </p:cNvPr>
-          <p:cNvCxnSpPr>
-            <a:cxnSpLocks/>
-          </p:cNvCxnSpPr>
-          <p:nvPr/>
-        </p:nvCxnSpPr>
-        <p:spPr>
-          <a:xfrm>
-            <a:off x="1518227" y="4028119"/>
-            <a:ext cx="9178968" cy="0"/>
-          </a:xfrm>
-          <a:prstGeom prst="line">
-            <a:avLst/>
-          </a:prstGeom>
-        </p:spPr>
-        <p:style>
-          <a:lnRef idx="1">
-            <a:schemeClr val="accent1"/>
-          </a:lnRef>
-          <a:fillRef idx="0">
-            <a:schemeClr val="accent1"/>
-          </a:fillRef>
-          <a:effectRef idx="0">
-            <a:schemeClr val="accent1"/>
-          </a:effectRef>
-          <a:fontRef idx="minor">
-            <a:schemeClr val="tx1"/>
-          </a:fontRef>
-        </p:style>
-      </p:cxnSp>
+        </p:grpSpPr>
+        <p:cxnSp>
+          <p:nvCxnSpPr>
+            <p:cNvPr id="17" name="Straight Arrow Connector 16">
+              <a:extLst>
+                <a:ext uri="{FF2B5EF4-FFF2-40B4-BE49-F238E27FC236}">
+                  <a16:creationId xmlns:a16="http://schemas.microsoft.com/office/drawing/2014/main" id="{0B809C94-F5CD-F445-91A6-C8F51F2AD9DB}"/>
+                </a:ext>
+              </a:extLst>
+            </p:cNvPr>
+            <p:cNvCxnSpPr>
+              <a:cxnSpLocks/>
+              <a:stCxn id="7" idx="4"/>
+              <a:endCxn id="8" idx="0"/>
+            </p:cNvCxnSpPr>
+            <p:nvPr/>
+          </p:nvCxnSpPr>
+          <p:spPr>
+            <a:xfrm>
+              <a:off x="6096000" y="2663825"/>
+              <a:ext cx="0" cy="449693"/>
+            </a:xfrm>
+            <a:prstGeom prst="straightConnector1">
+              <a:avLst/>
+            </a:prstGeom>
+            <a:ln>
+              <a:tailEnd type="triangle"/>
+            </a:ln>
+          </p:spPr>
+          <p:style>
+            <a:lnRef idx="1">
+              <a:schemeClr val="dk1"/>
+            </a:lnRef>
+            <a:fillRef idx="0">
+              <a:schemeClr val="dk1"/>
+            </a:fillRef>
+            <a:effectRef idx="0">
+              <a:schemeClr val="dk1"/>
+            </a:effectRef>
+            <a:fontRef idx="minor">
+              <a:schemeClr val="tx1"/>
+            </a:fontRef>
+          </p:style>
+        </p:cxnSp>
+        <p:grpSp>
+          <p:nvGrpSpPr>
+            <p:cNvPr id="41" name="Group 40">
+              <a:extLst>
+                <a:ext uri="{FF2B5EF4-FFF2-40B4-BE49-F238E27FC236}">
+                  <a16:creationId xmlns:a16="http://schemas.microsoft.com/office/drawing/2014/main" id="{55CC1190-F5B1-2C4A-ACFB-232A8FBA4C13}"/>
+                </a:ext>
+              </a:extLst>
+            </p:cNvPr>
+            <p:cNvGrpSpPr/>
+            <p:nvPr/>
+          </p:nvGrpSpPr>
+          <p:grpSpPr>
+            <a:xfrm>
+              <a:off x="456870" y="1825625"/>
+              <a:ext cx="11301682" cy="4459933"/>
+              <a:chOff x="456870" y="1825625"/>
+              <a:chExt cx="11301682" cy="4459933"/>
+            </a:xfrm>
+          </p:grpSpPr>
+          <p:sp>
+            <p:nvSpPr>
+              <p:cNvPr id="7" name="Oval 6">
+                <a:extLst>
+                  <a:ext uri="{FF2B5EF4-FFF2-40B4-BE49-F238E27FC236}">
+                    <a16:creationId xmlns:a16="http://schemas.microsoft.com/office/drawing/2014/main" id="{4CF5E405-818D-8942-B96A-969CF664EAC2}"/>
+                  </a:ext>
+                </a:extLst>
+              </p:cNvPr>
+              <p:cNvSpPr/>
+              <p:nvPr/>
+            </p:nvSpPr>
+            <p:spPr>
+              <a:xfrm>
+                <a:off x="5257800" y="1825625"/>
+                <a:ext cx="1676400" cy="838200"/>
+              </a:xfrm>
+              <a:prstGeom prst="ellipse">
+                <a:avLst/>
+              </a:prstGeom>
+            </p:spPr>
+            <p:style>
+              <a:lnRef idx="2">
+                <a:schemeClr val="accent1">
+                  <a:shade val="50000"/>
+                </a:schemeClr>
+              </a:lnRef>
+              <a:fillRef idx="1">
+                <a:schemeClr val="accent1"/>
+              </a:fillRef>
+              <a:effectRef idx="0">
+                <a:schemeClr val="accent1"/>
+              </a:effectRef>
+              <a:fontRef idx="minor">
+                <a:schemeClr val="lt1"/>
+              </a:fontRef>
+            </p:style>
+            <p:txBody>
+              <a:bodyPr rtlCol="0" anchor="ctr"/>
+              <a:lstStyle/>
+              <a:p>
+                <a:pPr algn="ctr"/>
+                <a:r>
+                  <a:rPr lang="en-NP" dirty="0"/>
+                  <a:t>START</a:t>
+                </a:r>
+              </a:p>
+            </p:txBody>
+          </p:sp>
+          <p:sp>
+            <p:nvSpPr>
+              <p:cNvPr id="8" name="Rectangle 7">
+                <a:extLst>
+                  <a:ext uri="{FF2B5EF4-FFF2-40B4-BE49-F238E27FC236}">
+                    <a16:creationId xmlns:a16="http://schemas.microsoft.com/office/drawing/2014/main" id="{B3A09BC5-F75E-BA49-8A4D-C8B1FD886CF8}"/>
+                  </a:ext>
+                </a:extLst>
+              </p:cNvPr>
+              <p:cNvSpPr/>
+              <p:nvPr/>
+            </p:nvSpPr>
+            <p:spPr>
+              <a:xfrm>
+                <a:off x="4940300" y="3113518"/>
+                <a:ext cx="2311400" cy="657225"/>
+              </a:xfrm>
+              <a:prstGeom prst="rect">
+                <a:avLst/>
+              </a:prstGeom>
+            </p:spPr>
+            <p:style>
+              <a:lnRef idx="2">
+                <a:schemeClr val="accent1">
+                  <a:shade val="50000"/>
+                </a:schemeClr>
+              </a:lnRef>
+              <a:fillRef idx="1">
+                <a:schemeClr val="accent1"/>
+              </a:fillRef>
+              <a:effectRef idx="0">
+                <a:schemeClr val="accent1"/>
+              </a:effectRef>
+              <a:fontRef idx="minor">
+                <a:schemeClr val="lt1"/>
+              </a:fontRef>
+            </p:style>
+            <p:txBody>
+              <a:bodyPr rtlCol="0" anchor="ctr"/>
+              <a:lstStyle/>
+              <a:p>
+                <a:pPr algn="ctr"/>
+                <a:r>
+                  <a:rPr lang="en-NP" dirty="0"/>
+                  <a:t>LOGIN</a:t>
+                </a:r>
+              </a:p>
+            </p:txBody>
+          </p:sp>
+          <p:sp>
+            <p:nvSpPr>
+              <p:cNvPr id="10" name="Rectangle 9">
+                <a:extLst>
+                  <a:ext uri="{FF2B5EF4-FFF2-40B4-BE49-F238E27FC236}">
+                    <a16:creationId xmlns:a16="http://schemas.microsoft.com/office/drawing/2014/main" id="{B8950603-9BEA-D143-AA97-2B1AA6CCAC85}"/>
+                  </a:ext>
+                </a:extLst>
+              </p:cNvPr>
+              <p:cNvSpPr/>
+              <p:nvPr/>
+            </p:nvSpPr>
+            <p:spPr>
+              <a:xfrm>
+                <a:off x="456870" y="4285496"/>
+                <a:ext cx="2122714" cy="603574"/>
+              </a:xfrm>
+              <a:prstGeom prst="rect">
+                <a:avLst/>
+              </a:prstGeom>
+            </p:spPr>
+            <p:style>
+              <a:lnRef idx="2">
+                <a:schemeClr val="accent1">
+                  <a:shade val="50000"/>
+                </a:schemeClr>
+              </a:lnRef>
+              <a:fillRef idx="1">
+                <a:schemeClr val="accent1"/>
+              </a:fillRef>
+              <a:effectRef idx="0">
+                <a:schemeClr val="accent1"/>
+              </a:effectRef>
+              <a:fontRef idx="minor">
+                <a:schemeClr val="lt1"/>
+              </a:fontRef>
+            </p:style>
+            <p:txBody>
+              <a:bodyPr rtlCol="0" anchor="ctr"/>
+              <a:lstStyle/>
+              <a:p>
+                <a:pPr algn="ctr"/>
+                <a:r>
+                  <a:rPr lang="en-NP" dirty="0"/>
+                  <a:t>Insert</a:t>
+                </a:r>
+              </a:p>
+              <a:p>
+                <a:pPr algn="ctr"/>
+                <a:r>
+                  <a:rPr lang="en-NP" dirty="0"/>
+                  <a:t>Record</a:t>
+                </a:r>
+              </a:p>
+            </p:txBody>
+          </p:sp>
+          <p:sp>
+            <p:nvSpPr>
+              <p:cNvPr id="11" name="Rectangle 10">
+                <a:extLst>
+                  <a:ext uri="{FF2B5EF4-FFF2-40B4-BE49-F238E27FC236}">
+                    <a16:creationId xmlns:a16="http://schemas.microsoft.com/office/drawing/2014/main" id="{E5026502-4B85-924A-A8FE-B622FB041767}"/>
+                  </a:ext>
+                </a:extLst>
+              </p:cNvPr>
+              <p:cNvSpPr/>
+              <p:nvPr/>
+            </p:nvSpPr>
+            <p:spPr>
+              <a:xfrm>
+                <a:off x="2754416" y="4285496"/>
+                <a:ext cx="2122714" cy="603574"/>
+              </a:xfrm>
+              <a:prstGeom prst="rect">
+                <a:avLst/>
+              </a:prstGeom>
+            </p:spPr>
+            <p:style>
+              <a:lnRef idx="2">
+                <a:schemeClr val="accent1">
+                  <a:shade val="50000"/>
+                </a:schemeClr>
+              </a:lnRef>
+              <a:fillRef idx="1">
+                <a:schemeClr val="accent1"/>
+              </a:fillRef>
+              <a:effectRef idx="0">
+                <a:schemeClr val="accent1"/>
+              </a:effectRef>
+              <a:fontRef idx="minor">
+                <a:schemeClr val="lt1"/>
+              </a:fontRef>
+            </p:style>
+            <p:txBody>
+              <a:bodyPr rtlCol="0" anchor="ctr"/>
+              <a:lstStyle/>
+              <a:p>
+                <a:pPr algn="ctr"/>
+                <a:r>
+                  <a:rPr lang="en-NP" dirty="0"/>
+                  <a:t>Display</a:t>
+                </a:r>
+              </a:p>
+              <a:p>
+                <a:pPr algn="ctr"/>
+                <a:r>
+                  <a:rPr lang="en-NP" dirty="0"/>
+                  <a:t>Record</a:t>
+                </a:r>
+              </a:p>
+            </p:txBody>
+          </p:sp>
+          <p:sp>
+            <p:nvSpPr>
+              <p:cNvPr id="12" name="Rectangle 11">
+                <a:extLst>
+                  <a:ext uri="{FF2B5EF4-FFF2-40B4-BE49-F238E27FC236}">
+                    <a16:creationId xmlns:a16="http://schemas.microsoft.com/office/drawing/2014/main" id="{2FF368C2-4B80-C049-8A4E-33249684E530}"/>
+                  </a:ext>
+                </a:extLst>
+              </p:cNvPr>
+              <p:cNvSpPr/>
+              <p:nvPr/>
+            </p:nvSpPr>
+            <p:spPr>
+              <a:xfrm>
+                <a:off x="5034643" y="4285496"/>
+                <a:ext cx="2122714" cy="603574"/>
+              </a:xfrm>
+              <a:prstGeom prst="rect">
+                <a:avLst/>
+              </a:prstGeom>
+            </p:spPr>
+            <p:style>
+              <a:lnRef idx="2">
+                <a:schemeClr val="accent1">
+                  <a:shade val="50000"/>
+                </a:schemeClr>
+              </a:lnRef>
+              <a:fillRef idx="1">
+                <a:schemeClr val="accent1"/>
+              </a:fillRef>
+              <a:effectRef idx="0">
+                <a:schemeClr val="accent1"/>
+              </a:effectRef>
+              <a:fontRef idx="minor">
+                <a:schemeClr val="lt1"/>
+              </a:fontRef>
+            </p:style>
+            <p:txBody>
+              <a:bodyPr rtlCol="0" anchor="ctr"/>
+              <a:lstStyle/>
+              <a:p>
+                <a:pPr algn="ctr"/>
+                <a:r>
+                  <a:rPr lang="en-NP" dirty="0"/>
+                  <a:t>Update</a:t>
+                </a:r>
+              </a:p>
+              <a:p>
+                <a:pPr algn="ctr"/>
+                <a:r>
+                  <a:rPr lang="en-NP" dirty="0"/>
+                  <a:t>Record</a:t>
+                </a:r>
+              </a:p>
+            </p:txBody>
+          </p:sp>
+          <p:sp>
+            <p:nvSpPr>
+              <p:cNvPr id="13" name="Rectangle 12">
+                <a:extLst>
+                  <a:ext uri="{FF2B5EF4-FFF2-40B4-BE49-F238E27FC236}">
+                    <a16:creationId xmlns:a16="http://schemas.microsoft.com/office/drawing/2014/main" id="{9135BEEB-FDA5-8D47-8622-FD9289BF0529}"/>
+                  </a:ext>
+                </a:extLst>
+              </p:cNvPr>
+              <p:cNvSpPr/>
+              <p:nvPr/>
+            </p:nvSpPr>
+            <p:spPr>
+              <a:xfrm>
+                <a:off x="7349508" y="4285496"/>
+                <a:ext cx="2122714" cy="603574"/>
+              </a:xfrm>
+              <a:prstGeom prst="rect">
+                <a:avLst/>
+              </a:prstGeom>
+            </p:spPr>
+            <p:style>
+              <a:lnRef idx="2">
+                <a:schemeClr val="accent1">
+                  <a:shade val="50000"/>
+                </a:schemeClr>
+              </a:lnRef>
+              <a:fillRef idx="1">
+                <a:schemeClr val="accent1"/>
+              </a:fillRef>
+              <a:effectRef idx="0">
+                <a:schemeClr val="accent1"/>
+              </a:effectRef>
+              <a:fontRef idx="minor">
+                <a:schemeClr val="lt1"/>
+              </a:fontRef>
+            </p:style>
+            <p:txBody>
+              <a:bodyPr rtlCol="0" anchor="ctr"/>
+              <a:lstStyle/>
+              <a:p>
+                <a:pPr algn="ctr"/>
+                <a:r>
+                  <a:rPr lang="en-NP" dirty="0"/>
+                  <a:t>Delete</a:t>
+                </a:r>
+              </a:p>
+              <a:p>
+                <a:pPr algn="ctr"/>
+                <a:r>
+                  <a:rPr lang="en-NP" dirty="0"/>
+                  <a:t>Record</a:t>
+                </a:r>
+              </a:p>
+            </p:txBody>
+          </p:sp>
+          <p:sp>
+            <p:nvSpPr>
+              <p:cNvPr id="14" name="Rectangle 13">
+                <a:extLst>
+                  <a:ext uri="{FF2B5EF4-FFF2-40B4-BE49-F238E27FC236}">
+                    <a16:creationId xmlns:a16="http://schemas.microsoft.com/office/drawing/2014/main" id="{A8281664-8F75-D942-862F-02901791193D}"/>
+                  </a:ext>
+                </a:extLst>
+              </p:cNvPr>
+              <p:cNvSpPr/>
+              <p:nvPr/>
+            </p:nvSpPr>
+            <p:spPr>
+              <a:xfrm>
+                <a:off x="9635838" y="4285496"/>
+                <a:ext cx="2122714" cy="603574"/>
+              </a:xfrm>
+              <a:prstGeom prst="rect">
+                <a:avLst/>
+              </a:prstGeom>
+            </p:spPr>
+            <p:style>
+              <a:lnRef idx="2">
+                <a:schemeClr val="accent1">
+                  <a:shade val="50000"/>
+                </a:schemeClr>
+              </a:lnRef>
+              <a:fillRef idx="1">
+                <a:schemeClr val="accent1"/>
+              </a:fillRef>
+              <a:effectRef idx="0">
+                <a:schemeClr val="accent1"/>
+              </a:effectRef>
+              <a:fontRef idx="minor">
+                <a:schemeClr val="lt1"/>
+              </a:fontRef>
+            </p:style>
+            <p:txBody>
+              <a:bodyPr rtlCol="0" anchor="ctr"/>
+              <a:lstStyle/>
+              <a:p>
+                <a:pPr algn="ctr"/>
+                <a:r>
+                  <a:rPr lang="en-NP" dirty="0"/>
+                  <a:t>Delete</a:t>
+                </a:r>
+              </a:p>
+              <a:p>
+                <a:pPr algn="ctr"/>
+                <a:r>
+                  <a:rPr lang="en-NP" dirty="0"/>
+                  <a:t>Record</a:t>
+                </a:r>
+              </a:p>
+            </p:txBody>
+          </p:sp>
+          <p:sp>
+            <p:nvSpPr>
+              <p:cNvPr id="15" name="Oval 14">
+                <a:extLst>
+                  <a:ext uri="{FF2B5EF4-FFF2-40B4-BE49-F238E27FC236}">
+                    <a16:creationId xmlns:a16="http://schemas.microsoft.com/office/drawing/2014/main" id="{76EE99BC-CBCE-0342-A171-ADD432A9D669}"/>
+                  </a:ext>
+                </a:extLst>
+              </p:cNvPr>
+              <p:cNvSpPr/>
+              <p:nvPr/>
+            </p:nvSpPr>
+            <p:spPr>
+              <a:xfrm>
+                <a:off x="5275119" y="5447358"/>
+                <a:ext cx="1676400" cy="838200"/>
+              </a:xfrm>
+              <a:prstGeom prst="ellipse">
+                <a:avLst/>
+              </a:prstGeom>
+            </p:spPr>
+            <p:style>
+              <a:lnRef idx="2">
+                <a:schemeClr val="accent1">
+                  <a:shade val="50000"/>
+                </a:schemeClr>
+              </a:lnRef>
+              <a:fillRef idx="1">
+                <a:schemeClr val="accent1"/>
+              </a:fillRef>
+              <a:effectRef idx="0">
+                <a:schemeClr val="accent1"/>
+              </a:effectRef>
+              <a:fontRef idx="minor">
+                <a:schemeClr val="lt1"/>
+              </a:fontRef>
+            </p:style>
+            <p:txBody>
+              <a:bodyPr rtlCol="0" anchor="ctr"/>
+              <a:lstStyle/>
+              <a:p>
+                <a:pPr algn="ctr"/>
+                <a:r>
+                  <a:rPr lang="en-NP" dirty="0"/>
+                  <a:t>END</a:t>
+                </a:r>
+              </a:p>
+            </p:txBody>
+          </p:sp>
+          <p:grpSp>
+            <p:nvGrpSpPr>
+              <p:cNvPr id="24" name="Group 23">
+                <a:extLst>
+                  <a:ext uri="{FF2B5EF4-FFF2-40B4-BE49-F238E27FC236}">
+                    <a16:creationId xmlns:a16="http://schemas.microsoft.com/office/drawing/2014/main" id="{552B8529-BEAE-DC4F-B904-0EA17DC84584}"/>
+                  </a:ext>
+                </a:extLst>
+              </p:cNvPr>
+              <p:cNvGrpSpPr/>
+              <p:nvPr/>
+            </p:nvGrpSpPr>
+            <p:grpSpPr>
+              <a:xfrm>
+                <a:off x="1518227" y="3770743"/>
+                <a:ext cx="9178968" cy="514753"/>
+                <a:chOff x="1518227" y="3770743"/>
+                <a:chExt cx="9178968" cy="514753"/>
+              </a:xfrm>
+            </p:grpSpPr>
+            <p:cxnSp>
+              <p:nvCxnSpPr>
+                <p:cNvPr id="9" name="Straight Arrow Connector 8">
+                  <a:extLst>
+                    <a:ext uri="{FF2B5EF4-FFF2-40B4-BE49-F238E27FC236}">
+                      <a16:creationId xmlns:a16="http://schemas.microsoft.com/office/drawing/2014/main" id="{1686BE76-DA74-4B4F-AEC1-5FF8B80FE875}"/>
+                    </a:ext>
+                  </a:extLst>
+                </p:cNvPr>
+                <p:cNvCxnSpPr>
+                  <a:cxnSpLocks/>
+                  <a:stCxn id="8" idx="2"/>
+                  <a:endCxn id="12" idx="0"/>
+                </p:cNvCxnSpPr>
+                <p:nvPr/>
+              </p:nvCxnSpPr>
+              <p:spPr>
+                <a:xfrm>
+                  <a:off x="6096000" y="3770743"/>
+                  <a:ext cx="0" cy="514753"/>
+                </a:xfrm>
+                <a:prstGeom prst="straightConnector1">
+                  <a:avLst/>
+                </a:prstGeom>
+                <a:ln>
+                  <a:tailEnd type="triangle"/>
+                </a:ln>
+              </p:spPr>
+              <p:style>
+                <a:lnRef idx="1">
+                  <a:schemeClr val="dk1"/>
+                </a:lnRef>
+                <a:fillRef idx="0">
+                  <a:schemeClr val="dk1"/>
+                </a:fillRef>
+                <a:effectRef idx="0">
+                  <a:schemeClr val="dk1"/>
+                </a:effectRef>
+                <a:fontRef idx="minor">
+                  <a:schemeClr val="tx1"/>
+                </a:fontRef>
+              </p:style>
+            </p:cxnSp>
+            <p:cxnSp>
+              <p:nvCxnSpPr>
+                <p:cNvPr id="19" name="Straight Connector 18">
+                  <a:extLst>
+                    <a:ext uri="{FF2B5EF4-FFF2-40B4-BE49-F238E27FC236}">
+                      <a16:creationId xmlns:a16="http://schemas.microsoft.com/office/drawing/2014/main" id="{1ED4B782-33F4-8E45-8E24-22B400741285}"/>
+                    </a:ext>
+                  </a:extLst>
+                </p:cNvPr>
+                <p:cNvCxnSpPr>
+                  <a:cxnSpLocks/>
+                </p:cNvCxnSpPr>
+                <p:nvPr/>
+              </p:nvCxnSpPr>
+              <p:spPr>
+                <a:xfrm>
+                  <a:off x="1518227" y="4028119"/>
+                  <a:ext cx="9178968" cy="0"/>
+                </a:xfrm>
+                <a:prstGeom prst="line">
+                  <a:avLst/>
+                </a:prstGeom>
+              </p:spPr>
+              <p:style>
+                <a:lnRef idx="1">
+                  <a:schemeClr val="dk1"/>
+                </a:lnRef>
+                <a:fillRef idx="0">
+                  <a:schemeClr val="dk1"/>
+                </a:fillRef>
+                <a:effectRef idx="0">
+                  <a:schemeClr val="dk1"/>
+                </a:effectRef>
+                <a:fontRef idx="minor">
+                  <a:schemeClr val="tx1"/>
+                </a:fontRef>
+              </p:style>
+            </p:cxnSp>
+            <p:cxnSp>
+              <p:nvCxnSpPr>
+                <p:cNvPr id="4" name="Straight Arrow Connector 3">
+                  <a:extLst>
+                    <a:ext uri="{FF2B5EF4-FFF2-40B4-BE49-F238E27FC236}">
+                      <a16:creationId xmlns:a16="http://schemas.microsoft.com/office/drawing/2014/main" id="{5FA74F3B-D439-624B-8D67-9B3648916BA2}"/>
+                    </a:ext>
+                  </a:extLst>
+                </p:cNvPr>
+                <p:cNvCxnSpPr>
+                  <a:cxnSpLocks/>
+                  <a:endCxn id="10" idx="0"/>
+                </p:cNvCxnSpPr>
+                <p:nvPr/>
+              </p:nvCxnSpPr>
+              <p:spPr>
+                <a:xfrm>
+                  <a:off x="1518227" y="4028119"/>
+                  <a:ext cx="0" cy="257377"/>
+                </a:xfrm>
+                <a:prstGeom prst="straightConnector1">
+                  <a:avLst/>
+                </a:prstGeom>
+                <a:ln>
+                  <a:tailEnd type="triangle"/>
+                </a:ln>
+              </p:spPr>
+              <p:style>
+                <a:lnRef idx="1">
+                  <a:schemeClr val="dk1"/>
+                </a:lnRef>
+                <a:fillRef idx="0">
+                  <a:schemeClr val="dk1"/>
+                </a:fillRef>
+                <a:effectRef idx="0">
+                  <a:schemeClr val="dk1"/>
+                </a:effectRef>
+                <a:fontRef idx="minor">
+                  <a:schemeClr val="tx1"/>
+                </a:fontRef>
+              </p:style>
+            </p:cxnSp>
+            <p:cxnSp>
+              <p:nvCxnSpPr>
+                <p:cNvPr id="16" name="Straight Arrow Connector 15">
+                  <a:extLst>
+                    <a:ext uri="{FF2B5EF4-FFF2-40B4-BE49-F238E27FC236}">
+                      <a16:creationId xmlns:a16="http://schemas.microsoft.com/office/drawing/2014/main" id="{7E0D54AE-6964-5D4C-BCA6-9F96F55848FB}"/>
+                    </a:ext>
+                  </a:extLst>
+                </p:cNvPr>
+                <p:cNvCxnSpPr/>
+                <p:nvPr/>
+              </p:nvCxnSpPr>
+              <p:spPr>
+                <a:xfrm>
+                  <a:off x="10697195" y="4028119"/>
+                  <a:ext cx="0" cy="257377"/>
+                </a:xfrm>
+                <a:prstGeom prst="straightConnector1">
+                  <a:avLst/>
+                </a:prstGeom>
+                <a:ln>
+                  <a:tailEnd type="triangle"/>
+                </a:ln>
+              </p:spPr>
+              <p:style>
+                <a:lnRef idx="1">
+                  <a:schemeClr val="dk1"/>
+                </a:lnRef>
+                <a:fillRef idx="0">
+                  <a:schemeClr val="dk1"/>
+                </a:fillRef>
+                <a:effectRef idx="0">
+                  <a:schemeClr val="dk1"/>
+                </a:effectRef>
+                <a:fontRef idx="minor">
+                  <a:schemeClr val="tx1"/>
+                </a:fontRef>
+              </p:style>
+            </p:cxnSp>
+            <p:cxnSp>
+              <p:nvCxnSpPr>
+                <p:cNvPr id="20" name="Straight Arrow Connector 19">
+                  <a:extLst>
+                    <a:ext uri="{FF2B5EF4-FFF2-40B4-BE49-F238E27FC236}">
+                      <a16:creationId xmlns:a16="http://schemas.microsoft.com/office/drawing/2014/main" id="{3EEDE102-C7C0-CF4B-80F6-FC8DED852DB8}"/>
+                    </a:ext>
+                  </a:extLst>
+                </p:cNvPr>
+                <p:cNvCxnSpPr>
+                  <a:cxnSpLocks/>
+                </p:cNvCxnSpPr>
+                <p:nvPr/>
+              </p:nvCxnSpPr>
+              <p:spPr>
+                <a:xfrm>
+                  <a:off x="3796496" y="4028119"/>
+                  <a:ext cx="0" cy="257377"/>
+                </a:xfrm>
+                <a:prstGeom prst="straightConnector1">
+                  <a:avLst/>
+                </a:prstGeom>
+                <a:ln>
+                  <a:tailEnd type="triangle"/>
+                </a:ln>
+              </p:spPr>
+              <p:style>
+                <a:lnRef idx="1">
+                  <a:schemeClr val="dk1"/>
+                </a:lnRef>
+                <a:fillRef idx="0">
+                  <a:schemeClr val="dk1"/>
+                </a:fillRef>
+                <a:effectRef idx="0">
+                  <a:schemeClr val="dk1"/>
+                </a:effectRef>
+                <a:fontRef idx="minor">
+                  <a:schemeClr val="tx1"/>
+                </a:fontRef>
+              </p:style>
+            </p:cxnSp>
+            <p:cxnSp>
+              <p:nvCxnSpPr>
+                <p:cNvPr id="23" name="Straight Arrow Connector 22">
+                  <a:extLst>
+                    <a:ext uri="{FF2B5EF4-FFF2-40B4-BE49-F238E27FC236}">
+                      <a16:creationId xmlns:a16="http://schemas.microsoft.com/office/drawing/2014/main" id="{3A2282E8-3566-E84A-8EE0-9C9B76E4BDA6}"/>
+                    </a:ext>
+                  </a:extLst>
+                </p:cNvPr>
+                <p:cNvCxnSpPr>
+                  <a:cxnSpLocks/>
+                </p:cNvCxnSpPr>
+                <p:nvPr/>
+              </p:nvCxnSpPr>
+              <p:spPr>
+                <a:xfrm>
+                  <a:off x="8474632" y="4028119"/>
+                  <a:ext cx="0" cy="257377"/>
+                </a:xfrm>
+                <a:prstGeom prst="straightConnector1">
+                  <a:avLst/>
+                </a:prstGeom>
+                <a:ln>
+                  <a:tailEnd type="triangle"/>
+                </a:ln>
+              </p:spPr>
+              <p:style>
+                <a:lnRef idx="1">
+                  <a:schemeClr val="dk1"/>
+                </a:lnRef>
+                <a:fillRef idx="0">
+                  <a:schemeClr val="dk1"/>
+                </a:fillRef>
+                <a:effectRef idx="0">
+                  <a:schemeClr val="dk1"/>
+                </a:effectRef>
+                <a:fontRef idx="minor">
+                  <a:schemeClr val="tx1"/>
+                </a:fontRef>
+              </p:style>
+            </p:cxnSp>
+          </p:grpSp>
+          <p:grpSp>
+            <p:nvGrpSpPr>
+              <p:cNvPr id="25" name="Group 24">
+                <a:extLst>
+                  <a:ext uri="{FF2B5EF4-FFF2-40B4-BE49-F238E27FC236}">
+                    <a16:creationId xmlns:a16="http://schemas.microsoft.com/office/drawing/2014/main" id="{E59DA6FD-B9D4-A348-A787-113199C87CD9}"/>
+                  </a:ext>
+                </a:extLst>
+              </p:cNvPr>
+              <p:cNvGrpSpPr/>
+              <p:nvPr/>
+            </p:nvGrpSpPr>
+            <p:grpSpPr>
+              <a:xfrm>
+                <a:off x="1503940" y="4889070"/>
+                <a:ext cx="9178968" cy="558288"/>
+                <a:chOff x="1518227" y="4017533"/>
+                <a:chExt cx="9178968" cy="558288"/>
+              </a:xfrm>
+            </p:grpSpPr>
+            <p:cxnSp>
+              <p:nvCxnSpPr>
+                <p:cNvPr id="26" name="Straight Arrow Connector 25">
+                  <a:extLst>
+                    <a:ext uri="{FF2B5EF4-FFF2-40B4-BE49-F238E27FC236}">
+                      <a16:creationId xmlns:a16="http://schemas.microsoft.com/office/drawing/2014/main" id="{442F19E9-EC59-7842-ABD1-18FFD4B071E4}"/>
+                    </a:ext>
+                  </a:extLst>
+                </p:cNvPr>
+                <p:cNvCxnSpPr>
+                  <a:cxnSpLocks/>
+                  <a:stCxn id="12" idx="2"/>
+                </p:cNvCxnSpPr>
+                <p:nvPr/>
+              </p:nvCxnSpPr>
+              <p:spPr>
+                <a:xfrm>
+                  <a:off x="6110287" y="4017533"/>
+                  <a:ext cx="0" cy="558288"/>
+                </a:xfrm>
+                <a:prstGeom prst="straightConnector1">
+                  <a:avLst/>
+                </a:prstGeom>
+                <a:ln>
+                  <a:tailEnd type="triangle"/>
+                </a:ln>
+              </p:spPr>
+              <p:style>
+                <a:lnRef idx="1">
+                  <a:schemeClr val="dk1"/>
+                </a:lnRef>
+                <a:fillRef idx="0">
+                  <a:schemeClr val="dk1"/>
+                </a:fillRef>
+                <a:effectRef idx="0">
+                  <a:schemeClr val="dk1"/>
+                </a:effectRef>
+                <a:fontRef idx="minor">
+                  <a:schemeClr val="tx1"/>
+                </a:fontRef>
+              </p:style>
+            </p:cxnSp>
+            <p:cxnSp>
+              <p:nvCxnSpPr>
+                <p:cNvPr id="27" name="Straight Connector 26">
+                  <a:extLst>
+                    <a:ext uri="{FF2B5EF4-FFF2-40B4-BE49-F238E27FC236}">
+                      <a16:creationId xmlns:a16="http://schemas.microsoft.com/office/drawing/2014/main" id="{84418D9E-8A42-484F-965A-CC368B2B53F0}"/>
+                    </a:ext>
+                  </a:extLst>
+                </p:cNvPr>
+                <p:cNvCxnSpPr>
+                  <a:cxnSpLocks/>
+                </p:cNvCxnSpPr>
+                <p:nvPr/>
+              </p:nvCxnSpPr>
+              <p:spPr>
+                <a:xfrm>
+                  <a:off x="1518227" y="4285302"/>
+                  <a:ext cx="9178968" cy="0"/>
+                </a:xfrm>
+                <a:prstGeom prst="line">
+                  <a:avLst/>
+                </a:prstGeom>
+              </p:spPr>
+              <p:style>
+                <a:lnRef idx="1">
+                  <a:schemeClr val="dk1"/>
+                </a:lnRef>
+                <a:fillRef idx="0">
+                  <a:schemeClr val="dk1"/>
+                </a:fillRef>
+                <a:effectRef idx="0">
+                  <a:schemeClr val="dk1"/>
+                </a:effectRef>
+                <a:fontRef idx="minor">
+                  <a:schemeClr val="tx1"/>
+                </a:fontRef>
+              </p:style>
+            </p:cxnSp>
+            <p:cxnSp>
+              <p:nvCxnSpPr>
+                <p:cNvPr id="28" name="Straight Arrow Connector 27">
+                  <a:extLst>
+                    <a:ext uri="{FF2B5EF4-FFF2-40B4-BE49-F238E27FC236}">
+                      <a16:creationId xmlns:a16="http://schemas.microsoft.com/office/drawing/2014/main" id="{241C9832-6B3E-3947-93C0-3E658156489E}"/>
+                    </a:ext>
+                  </a:extLst>
+                </p:cNvPr>
+                <p:cNvCxnSpPr/>
+                <p:nvPr/>
+              </p:nvCxnSpPr>
+              <p:spPr>
+                <a:xfrm>
+                  <a:off x="1518227" y="4028119"/>
+                  <a:ext cx="0" cy="257377"/>
+                </a:xfrm>
+                <a:prstGeom prst="straightConnector1">
+                  <a:avLst/>
+                </a:prstGeom>
+                <a:ln>
+                  <a:tailEnd type="triangle"/>
+                </a:ln>
+              </p:spPr>
+              <p:style>
+                <a:lnRef idx="1">
+                  <a:schemeClr val="dk1"/>
+                </a:lnRef>
+                <a:fillRef idx="0">
+                  <a:schemeClr val="dk1"/>
+                </a:fillRef>
+                <a:effectRef idx="0">
+                  <a:schemeClr val="dk1"/>
+                </a:effectRef>
+                <a:fontRef idx="minor">
+                  <a:schemeClr val="tx1"/>
+                </a:fontRef>
+              </p:style>
+            </p:cxnSp>
+            <p:cxnSp>
+              <p:nvCxnSpPr>
+                <p:cNvPr id="29" name="Straight Arrow Connector 28">
+                  <a:extLst>
+                    <a:ext uri="{FF2B5EF4-FFF2-40B4-BE49-F238E27FC236}">
+                      <a16:creationId xmlns:a16="http://schemas.microsoft.com/office/drawing/2014/main" id="{4DB2A0FD-DD9D-1A42-9D1D-D2C780EF43C6}"/>
+                    </a:ext>
+                  </a:extLst>
+                </p:cNvPr>
+                <p:cNvCxnSpPr/>
+                <p:nvPr/>
+              </p:nvCxnSpPr>
+              <p:spPr>
+                <a:xfrm>
+                  <a:off x="10697195" y="4028119"/>
+                  <a:ext cx="0" cy="257377"/>
+                </a:xfrm>
+                <a:prstGeom prst="straightConnector1">
+                  <a:avLst/>
+                </a:prstGeom>
+                <a:ln>
+                  <a:tailEnd type="triangle"/>
+                </a:ln>
+              </p:spPr>
+              <p:style>
+                <a:lnRef idx="1">
+                  <a:schemeClr val="dk1"/>
+                </a:lnRef>
+                <a:fillRef idx="0">
+                  <a:schemeClr val="dk1"/>
+                </a:fillRef>
+                <a:effectRef idx="0">
+                  <a:schemeClr val="dk1"/>
+                </a:effectRef>
+                <a:fontRef idx="minor">
+                  <a:schemeClr val="tx1"/>
+                </a:fontRef>
+              </p:style>
+            </p:cxnSp>
+            <p:cxnSp>
+              <p:nvCxnSpPr>
+                <p:cNvPr id="30" name="Straight Arrow Connector 29">
+                  <a:extLst>
+                    <a:ext uri="{FF2B5EF4-FFF2-40B4-BE49-F238E27FC236}">
+                      <a16:creationId xmlns:a16="http://schemas.microsoft.com/office/drawing/2014/main" id="{265BAB6C-FCC1-5D47-A3DC-2A528CA9F4D9}"/>
+                    </a:ext>
+                  </a:extLst>
+                </p:cNvPr>
+                <p:cNvCxnSpPr>
+                  <a:cxnSpLocks/>
+                </p:cNvCxnSpPr>
+                <p:nvPr/>
+              </p:nvCxnSpPr>
+              <p:spPr>
+                <a:xfrm>
+                  <a:off x="3796496" y="4028119"/>
+                  <a:ext cx="0" cy="257377"/>
+                </a:xfrm>
+                <a:prstGeom prst="straightConnector1">
+                  <a:avLst/>
+                </a:prstGeom>
+                <a:ln>
+                  <a:tailEnd type="triangle"/>
+                </a:ln>
+              </p:spPr>
+              <p:style>
+                <a:lnRef idx="1">
+                  <a:schemeClr val="dk1"/>
+                </a:lnRef>
+                <a:fillRef idx="0">
+                  <a:schemeClr val="dk1"/>
+                </a:fillRef>
+                <a:effectRef idx="0">
+                  <a:schemeClr val="dk1"/>
+                </a:effectRef>
+                <a:fontRef idx="minor">
+                  <a:schemeClr val="tx1"/>
+                </a:fontRef>
+              </p:style>
+            </p:cxnSp>
+            <p:cxnSp>
+              <p:nvCxnSpPr>
+                <p:cNvPr id="31" name="Straight Arrow Connector 30">
+                  <a:extLst>
+                    <a:ext uri="{FF2B5EF4-FFF2-40B4-BE49-F238E27FC236}">
+                      <a16:creationId xmlns:a16="http://schemas.microsoft.com/office/drawing/2014/main" id="{AF6C4A2F-C713-6748-BC84-63654A8DEED9}"/>
+                    </a:ext>
+                  </a:extLst>
+                </p:cNvPr>
+                <p:cNvCxnSpPr>
+                  <a:cxnSpLocks/>
+                </p:cNvCxnSpPr>
+                <p:nvPr/>
+              </p:nvCxnSpPr>
+              <p:spPr>
+                <a:xfrm>
+                  <a:off x="8474632" y="4028119"/>
+                  <a:ext cx="0" cy="257377"/>
+                </a:xfrm>
+                <a:prstGeom prst="straightConnector1">
+                  <a:avLst/>
+                </a:prstGeom>
+                <a:ln>
+                  <a:tailEnd type="triangle"/>
+                </a:ln>
+              </p:spPr>
+              <p:style>
+                <a:lnRef idx="1">
+                  <a:schemeClr val="dk1"/>
+                </a:lnRef>
+                <a:fillRef idx="0">
+                  <a:schemeClr val="dk1"/>
+                </a:fillRef>
+                <a:effectRef idx="0">
+                  <a:schemeClr val="dk1"/>
+                </a:effectRef>
+                <a:fontRef idx="minor">
+                  <a:schemeClr val="tx1"/>
+                </a:fontRef>
+              </p:style>
+            </p:cxnSp>
+          </p:grpSp>
+        </p:grpSp>
+      </p:grpSp>
     </p:spTree>
     <p:extLst>
       <p:ext uri="{BB962C8B-B14F-4D97-AF65-F5344CB8AC3E}">

--- a/Documentation/LBMS_Presentation.pptx
+++ b/Documentation/LBMS_Presentation.pptx
@@ -11539,10 +11539,9 @@
           </a:lstStyle>
           <a:p>
             <a:r>
-              <a:rPr lang="en-US"/>
+              <a:rPr lang="en-US" dirty="0"/>
               <a:t>Waterfall Model	</a:t>
             </a:r>
-            <a:endParaRPr lang="en-US" dirty="0"/>
           </a:p>
         </p:txBody>
       </p:sp>
@@ -13076,19 +13075,31 @@
           </a:bodyPr>
           <a:lstStyle/>
           <a:p>
-            <a:pPr marL="0" lvl="0" indent="0" rtl="0">
-              <a:spcBef>
-                <a:spcPts val="0"/>
-              </a:spcBef>
-              <a:spcAft>
-                <a:spcPts val="0"/>
-              </a:spcAft>
-              <a:buNone/>
-            </a:pPr>
+            <a:pPr marL="0" indent="0"/>
             <a:r>
               <a:rPr lang="en" dirty="0"/>
               <a:t>Almost in LIBRARY MANAGEMENT the records of members, New book Entry, their details, Member Entry, member Enquiry, Book Enquiry, Book Return register etc. are maintained and manipulated. Generally all these works are done and managed manually hence leading to the chances of human errors that may create some problems. Thus, a secured and reliable system is required to handle it.</a:t>
             </a:r>
+            <a:r>
+              <a:rPr lang="en-US" dirty="0"/>
+              <a:t> A Library books management system is an infrastructure that allows user to search books and add/remove</a:t>
+            </a:r>
+            <a:r>
+              <a:rPr lang="en-US" sz="1600" dirty="0"/>
+              <a:t>.</a:t>
+            </a:r>
+            <a:endParaRPr lang="en-NP" sz="1600" dirty="0"/>
+          </a:p>
+          <a:p>
+            <a:pPr marL="0" lvl="0" indent="0" rtl="0">
+              <a:spcBef>
+                <a:spcPts val="0"/>
+              </a:spcBef>
+              <a:spcAft>
+                <a:spcPts val="0"/>
+              </a:spcAft>
+              <a:buNone/>
+            </a:pPr>
             <a:endParaRPr sz="1600" dirty="0"/>
           </a:p>
         </p:txBody>
@@ -17972,44 +17983,33 @@
           <a:bodyPr/>
           <a:lstStyle/>
           <a:p>
-            <a:pPr algn="just"/>
             <a:r>
               <a:rPr lang="en-US" dirty="0"/>
-              <a:t>A Library books management system is an infrastructure that allows user to search books and add/remove.</a:t>
-            </a:r>
-            <a:endParaRPr lang="en-NP" dirty="0"/>
-          </a:p>
-          <a:p>
-            <a:r>
-              <a:rPr lang="en-US" dirty="0"/>
-              <a:t>Students are allowed to take only three books,</a:t>
+              <a:t>Students are allowed to take only three books.</a:t>
             </a:r>
           </a:p>
           <a:p>
             <a:r>
               <a:rPr lang="en-US" dirty="0"/>
-              <a:t>Students are not allowed to check </a:t>
-            </a:r>
-            <a:r>
-              <a:rPr lang="en-US"/>
-              <a:t>whether the </a:t>
-            </a:r>
-            <a:r>
-              <a:rPr lang="en-US" dirty="0"/>
-              <a:t>book in available,</a:t>
+              <a:t>Students are not allowed to check whether the book is available.</a:t>
             </a:r>
           </a:p>
           <a:p>
             <a:r>
               <a:rPr lang="en-US" dirty="0"/>
-              <a:t>There are no online services,</a:t>
+              <a:t>There are no online services.</a:t>
             </a:r>
           </a:p>
           <a:p>
             <a:r>
               <a:rPr lang="en-US" dirty="0"/>
-              <a:t>Students are not informed before the dead line of the book renew,</a:t>
+              <a:t>Students are not informed before the dead line of the </a:t>
             </a:r>
+            <a:r>
+              <a:rPr lang="en-US"/>
+              <a:t>book renew.</a:t>
+            </a:r>
+            <a:endParaRPr lang="en-US" dirty="0"/>
           </a:p>
           <a:p>
             <a:r>

--- a/Documentation/LBMS_Presentation.pptx
+++ b/Documentation/LBMS_Presentation.pptx
@@ -23,11 +23,11 @@
   <p:notesSz cx="6858000" cy="9144000"/>
   <p:embeddedFontLst>
     <p:embeddedFont>
-      <p:font typeface="Abel" panose="02000506030000020004" pitchFamily="2" charset="0"/>
+      <p:font typeface="Abel" panose="020B0604020202020204" charset="0"/>
       <p:regular r:id="rId13"/>
     </p:embeddedFont>
     <p:embeddedFont>
-      <p:font typeface="Libre Baskerville" panose="02000000000000000000" pitchFamily="2" charset="0"/>
+      <p:font typeface="Libre Baskerville" panose="020B0604020202020204" charset="0"/>
       <p:regular r:id="rId14"/>
       <p:bold r:id="rId15"/>
       <p:italic r:id="rId16"/>
@@ -40,7 +40,7 @@
       <p:boldItalic r:id="rId20"/>
     </p:embeddedFont>
     <p:embeddedFont>
-      <p:font typeface="Roboto Condensed Light" panose="020F0302020204030204" pitchFamily="34" charset="0"/>
+      <p:font typeface="Roboto Condensed Light" panose="02000000000000000000" pitchFamily="2" charset="0"/>
       <p:regular r:id="rId21"/>
       <p:italic r:id="rId22"/>
     </p:embeddedFont>
@@ -17972,43 +17972,27 @@
           <a:bodyPr/>
           <a:lstStyle/>
           <a:p>
-            <a:pPr algn="just"/>
             <a:r>
               <a:rPr lang="en-US" dirty="0"/>
-              <a:t>A Library books management system is an infrastructure that allows user to search books and add/remove.</a:t>
-            </a:r>
-            <a:endParaRPr lang="en-NP" dirty="0"/>
-          </a:p>
-          <a:p>
-            <a:r>
-              <a:rPr lang="en-US" dirty="0"/>
-              <a:t>Students are allowed to take only three books,</a:t>
+              <a:t>Students are allowed to take only three books.</a:t>
             </a:r>
           </a:p>
           <a:p>
             <a:r>
               <a:rPr lang="en-US" dirty="0"/>
-              <a:t>Students are not allowed to check </a:t>
-            </a:r>
-            <a:r>
-              <a:rPr lang="en-US"/>
-              <a:t>whether the </a:t>
-            </a:r>
-            <a:r>
-              <a:rPr lang="en-US" dirty="0"/>
-              <a:t>book in available,</a:t>
+              <a:t>Students are not allowed to check whether the book is available.</a:t>
             </a:r>
           </a:p>
           <a:p>
             <a:r>
               <a:rPr lang="en-US" dirty="0"/>
-              <a:t>There are no online services,</a:t>
+              <a:t>There are no online services.</a:t>
             </a:r>
           </a:p>
           <a:p>
             <a:r>
               <a:rPr lang="en-US" dirty="0"/>
-              <a:t>Students are not informed before the dead line of the book renew,</a:t>
+              <a:t>Students are not informed before the dead line of the book renew.</a:t>
             </a:r>
           </a:p>
           <a:p>
@@ -18016,12 +18000,6 @@
               <a:rPr lang="en-US" dirty="0"/>
               <a:t>Students are not allowed to get access to the library book management system.</a:t>
             </a:r>
-          </a:p>
-          <a:p>
-            <a:pPr marL="146050" indent="0">
-              <a:buNone/>
-            </a:pPr>
-            <a:endParaRPr lang="en-NP" dirty="0"/>
           </a:p>
         </p:txBody>
       </p:sp>
@@ -18156,14 +18134,6 @@
             <a:r>
               <a:rPr lang="en-US" dirty="0"/>
               <a:t>To generate the report of books.</a:t>
-            </a:r>
-            <a:endParaRPr lang="en-NP" dirty="0"/>
-          </a:p>
-          <a:p>
-            <a:pPr lvl="0" algn="just"/>
-            <a:r>
-              <a:rPr lang="en-US" dirty="0"/>
-              <a:t>To provide the details of issue books.</a:t>
             </a:r>
             <a:endParaRPr lang="en-NP" dirty="0"/>
           </a:p>

--- a/Documentation/LBMS_Presentation.pptx
+++ b/Documentation/LBMS_Presentation.pptx
@@ -10838,7 +10838,7 @@
             </a:r>
             <a:r>
               <a:rPr lang="en-NP" dirty="0"/>
-              <a:t> can login and can see status of books issue</a:t>
+              <a:t> can login and can see status of books issue.</a:t>
             </a:r>
           </a:p>
         </p:txBody>
@@ -13062,8 +13062,8 @@
         </p:nvSpPr>
         <p:spPr>
           <a:xfrm>
-            <a:off x="685903" y="1134020"/>
-            <a:ext cx="3862519" cy="2838185"/>
+            <a:off x="380587" y="1349473"/>
+            <a:ext cx="4167835" cy="2693069"/>
           </a:xfrm>
           <a:prstGeom prst="rect">
             <a:avLst/>
@@ -18003,13 +18003,8 @@
           <a:p>
             <a:r>
               <a:rPr lang="en-US" dirty="0"/>
-              <a:t>Students are not informed before the dead line of the </a:t>
+              <a:t>Students are not informed before the dead line of the book renew.</a:t>
             </a:r>
-            <a:r>
-              <a:rPr lang="en-US"/>
-              <a:t>book renew.</a:t>
-            </a:r>
-            <a:endParaRPr lang="en-US" dirty="0"/>
           </a:p>
           <a:p>
             <a:r>
@@ -18165,21 +18160,6 @@
               <a:rPr lang="en-US" dirty="0"/>
               <a:t>To provide the details of issue books.</a:t>
             </a:r>
-            <a:endParaRPr lang="en-NP" dirty="0"/>
-          </a:p>
-          <a:p>
-            <a:pPr lvl="0" algn="just"/>
-            <a:r>
-              <a:rPr lang="en-US" dirty="0"/>
-              <a:t>To provide the details of issue books.</a:t>
-            </a:r>
-            <a:endParaRPr lang="en-NP" dirty="0"/>
-          </a:p>
-          <a:p>
-            <a:pPr marL="146050" indent="0">
-              <a:buNone/>
-            </a:pPr>
-            <a:endParaRPr lang="en-NP" dirty="0"/>
           </a:p>
         </p:txBody>
       </p:sp>
@@ -19569,6 +19549,9 @@
               <a:pPr algn="ctr"/>
               <a:r>
                 <a:rPr lang="en-NP" dirty="0">
+                  <a:solidFill>
+                    <a:srgbClr val="7E694C"/>
+                  </a:solidFill>
                   <a:latin typeface="Times New Roman" panose="02020603050405020304" pitchFamily="18" charset="0"/>
                   <a:cs typeface="Times New Roman" panose="02020603050405020304" pitchFamily="18" charset="0"/>
                 </a:rPr>
@@ -19627,6 +19610,9 @@
               <a:pPr algn="ctr"/>
               <a:r>
                 <a:rPr lang="en-NP" dirty="0">
+                  <a:solidFill>
+                    <a:srgbClr val="7E694C"/>
+                  </a:solidFill>
                   <a:latin typeface="Times New Roman" panose="02020603050405020304" pitchFamily="18" charset="0"/>
                   <a:cs typeface="Times New Roman" panose="02020603050405020304" pitchFamily="18" charset="0"/>
                 </a:rPr>
@@ -19685,6 +19671,9 @@
               <a:pPr algn="ctr"/>
               <a:r>
                 <a:rPr lang="en-US" dirty="0">
+                  <a:solidFill>
+                    <a:srgbClr val="7E694C"/>
+                  </a:solidFill>
                   <a:latin typeface="Times New Roman" panose="02020603050405020304" pitchFamily="18" charset="0"/>
                   <a:cs typeface="Times New Roman" panose="02020603050405020304" pitchFamily="18" charset="0"/>
                 </a:rPr>
@@ -19692,6 +19681,9 @@
               </a:r>
               <a:r>
                 <a:rPr lang="en-NP" dirty="0">
+                  <a:solidFill>
+                    <a:srgbClr val="7E694C"/>
+                  </a:solidFill>
                   <a:latin typeface="Times New Roman" panose="02020603050405020304" pitchFamily="18" charset="0"/>
                   <a:cs typeface="Times New Roman" panose="02020603050405020304" pitchFamily="18" charset="0"/>
                 </a:rPr>
@@ -19750,6 +19742,9 @@
               <a:pPr algn="ctr"/>
               <a:r>
                 <a:rPr lang="en-US" dirty="0">
+                  <a:solidFill>
+                    <a:srgbClr val="7E694C"/>
+                  </a:solidFill>
                   <a:latin typeface="Times New Roman" panose="02020603050405020304" pitchFamily="18" charset="0"/>
                   <a:cs typeface="Times New Roman" panose="02020603050405020304" pitchFamily="18" charset="0"/>
                 </a:rPr>
@@ -19757,6 +19752,9 @@
               </a:r>
               <a:r>
                 <a:rPr lang="en-NP" dirty="0">
+                  <a:solidFill>
+                    <a:srgbClr val="7E694C"/>
+                  </a:solidFill>
                   <a:latin typeface="Times New Roman" panose="02020603050405020304" pitchFamily="18" charset="0"/>
                   <a:cs typeface="Times New Roman" panose="02020603050405020304" pitchFamily="18" charset="0"/>
                 </a:rPr>
@@ -19815,6 +19813,9 @@
               <a:pPr algn="ctr"/>
               <a:r>
                 <a:rPr lang="en-NP" dirty="0">
+                  <a:solidFill>
+                    <a:srgbClr val="7E694C"/>
+                  </a:solidFill>
                   <a:latin typeface="Times New Roman" panose="02020603050405020304" pitchFamily="18" charset="0"/>
                   <a:cs typeface="Times New Roman" panose="02020603050405020304" pitchFamily="18" charset="0"/>
                 </a:rPr>

--- a/Documentation/LBMS_Presentation.pptx
+++ b/Documentation/LBMS_Presentation.pptx
@@ -1150,9 +1150,9 @@
               <a:buSzPts val="4800"/>
               <a:buNone/>
               <a:defRPr sz="6100">
-                <a:latin typeface="Libre Baskerville"/>
-                <a:ea typeface="Libre Baskerville"/>
-                <a:cs typeface="Libre Baskerville"/>
+                <a:latin typeface="Times" pitchFamily="2" charset="0"/>
+                <a:ea typeface="Times" pitchFamily="2" charset="0"/>
+                <a:cs typeface="Times" pitchFamily="2" charset="0"/>
                 <a:sym typeface="Libre Baskerville"/>
               </a:defRPr>
             </a:lvl1pPr>
@@ -1246,7 +1246,7 @@
             </a:lvl9pPr>
           </a:lstStyle>
           <a:p>
-            <a:endParaRPr/>
+            <a:endParaRPr dirty="0"/>
           </a:p>
         </p:txBody>
       </p:sp>
@@ -1289,7 +1289,9 @@
               </a:buClr>
               <a:buSzPts val="1800"/>
               <a:buNone/>
-              <a:defRPr/>
+              <a:defRPr>
+                <a:latin typeface="Times" pitchFamily="2" charset="0"/>
+              </a:defRPr>
             </a:lvl1pPr>
             <a:lvl2pPr lvl="1" algn="ctr">
               <a:lnSpc>
@@ -1405,7 +1407,7 @@
             </a:lvl9pPr>
           </a:lstStyle>
           <a:p>
-            <a:endParaRPr/>
+            <a:endParaRPr dirty="0"/>
           </a:p>
         </p:txBody>
       </p:sp>
@@ -1622,7 +1624,9 @@
               </a:buClr>
               <a:buSzPts val="2400"/>
               <a:buNone/>
-              <a:defRPr sz="3000"/>
+              <a:defRPr sz="3000">
+                <a:latin typeface="Times" pitchFamily="2" charset="0"/>
+              </a:defRPr>
             </a:lvl1pPr>
             <a:lvl2pPr lvl="1" algn="ctr" rtl="0">
               <a:spcBef>
@@ -1770,7 +1774,7 @@
             </a:lvl9pPr>
           </a:lstStyle>
           <a:p>
-            <a:endParaRPr/>
+            <a:endParaRPr dirty="0"/>
           </a:p>
         </p:txBody>
       </p:sp>
@@ -1808,7 +1812,9 @@
               <a:buSzPts val="1300"/>
               <a:buFont typeface="Abel"/>
               <a:buChar char="●"/>
-              <a:defRPr sz="1300"/>
+              <a:defRPr sz="2600">
+                <a:latin typeface="Times" pitchFamily="2" charset="0"/>
+              </a:defRPr>
             </a:lvl1pPr>
             <a:lvl2pPr marL="914400" lvl="1" indent="-311150" rtl="0">
               <a:spcBef>
@@ -1908,7 +1914,7 @@
             </a:lvl9pPr>
           </a:lstStyle>
           <a:p>
-            <a:endParaRPr/>
+            <a:endParaRPr dirty="0"/>
           </a:p>
         </p:txBody>
       </p:sp>
@@ -2101,6 +2107,7 @@
                 <a:solidFill>
                   <a:schemeClr val="dk2"/>
                 </a:solidFill>
+                <a:latin typeface="Times" pitchFamily="2" charset="0"/>
               </a:defRPr>
             </a:lvl1pPr>
             <a:lvl2pPr lvl="1" algn="ctr" rtl="0">
@@ -2249,7 +2256,7 @@
             </a:lvl9pPr>
           </a:lstStyle>
           <a:p>
-            <a:endParaRPr/>
+            <a:endParaRPr dirty="0"/>
           </a:p>
         </p:txBody>
       </p:sp>
@@ -2289,7 +2296,9 @@
               </a:buClr>
               <a:buSzPts val="2400"/>
               <a:buNone/>
-              <a:defRPr sz="3000"/>
+              <a:defRPr sz="3000">
+                <a:latin typeface="Times" pitchFamily="2" charset="0"/>
+              </a:defRPr>
             </a:lvl1pPr>
             <a:lvl2pPr lvl="1" algn="ctr" rtl="0">
               <a:spcBef>
@@ -2437,7 +2446,7 @@
             </a:lvl9pPr>
           </a:lstStyle>
           <a:p>
-            <a:endParaRPr/>
+            <a:endParaRPr dirty="0"/>
           </a:p>
         </p:txBody>
       </p:sp>
@@ -2473,7 +2482,9 @@
                 <a:spcPts val="0"/>
               </a:spcAft>
               <a:buNone/>
-              <a:defRPr sz="1400"/>
+              <a:defRPr sz="1400">
+                <a:latin typeface="Times" pitchFamily="2" charset="0"/>
+              </a:defRPr>
             </a:lvl1pPr>
             <a:lvl2pPr lvl="1" rtl="0">
               <a:spcBef>
@@ -2557,7 +2568,7 @@
             </a:lvl9pPr>
           </a:lstStyle>
           <a:p>
-            <a:endParaRPr/>
+            <a:endParaRPr dirty="0"/>
           </a:p>
         </p:txBody>
       </p:sp>
@@ -2775,7 +2786,9 @@
                 <a:spcPts val="0"/>
               </a:spcAft>
               <a:buNone/>
-              <a:defRPr sz="1400"/>
+              <a:defRPr sz="1400">
+                <a:latin typeface="Times" pitchFamily="2" charset="0"/>
+              </a:defRPr>
             </a:lvl1pPr>
             <a:lvl2pPr lvl="1" rtl="0">
               <a:spcBef>
@@ -2859,7 +2872,7 @@
             </a:lvl9pPr>
           </a:lstStyle>
           <a:p>
-            <a:endParaRPr/>
+            <a:endParaRPr dirty="0"/>
           </a:p>
         </p:txBody>
       </p:sp>
@@ -2903,9 +2916,9 @@
                 <a:solidFill>
                   <a:schemeClr val="dk2"/>
                 </a:solidFill>
-                <a:latin typeface="Libre Baskerville"/>
-                <a:ea typeface="Libre Baskerville"/>
-                <a:cs typeface="Libre Baskerville"/>
+                <a:latin typeface="Times" pitchFamily="2" charset="0"/>
+                <a:ea typeface="Times" pitchFamily="2" charset="0"/>
+                <a:cs typeface="Times" pitchFamily="2" charset="0"/>
                 <a:sym typeface="Libre Baskerville"/>
               </a:defRPr>
             </a:lvl1pPr>
@@ -3055,7 +3068,7 @@
             </a:lvl9pPr>
           </a:lstStyle>
           <a:p>
-            <a:endParaRPr/>
+            <a:endParaRPr dirty="0"/>
           </a:p>
         </p:txBody>
       </p:sp>
@@ -3099,9 +3112,9 @@
                 <a:solidFill>
                   <a:schemeClr val="dk2"/>
                 </a:solidFill>
-                <a:latin typeface="Libre Baskerville"/>
-                <a:ea typeface="Libre Baskerville"/>
-                <a:cs typeface="Libre Baskerville"/>
+                <a:latin typeface="Times" pitchFamily="2" charset="0"/>
+                <a:ea typeface="Times" pitchFamily="2" charset="0"/>
+                <a:cs typeface="Times" pitchFamily="2" charset="0"/>
                 <a:sym typeface="Libre Baskerville"/>
               </a:defRPr>
             </a:lvl1pPr>
@@ -3252,6 +3265,7 @@
           </a:lstStyle>
           <a:p>
             <a:r>
+              <a:rPr dirty="0"/>
               <a:t>xx%</a:t>
             </a:r>
           </a:p>
@@ -3289,7 +3303,9 @@
                 <a:spcPts val="0"/>
               </a:spcAft>
               <a:buNone/>
-              <a:defRPr sz="1400"/>
+              <a:defRPr sz="1400">
+                <a:latin typeface="Times" pitchFamily="2" charset="0"/>
+              </a:defRPr>
             </a:lvl1pPr>
             <a:lvl2pPr lvl="1" rtl="0">
               <a:spcBef>
@@ -3417,9 +3433,9 @@
                 <a:solidFill>
                   <a:schemeClr val="dk2"/>
                 </a:solidFill>
-                <a:latin typeface="Libre Baskerville"/>
-                <a:ea typeface="Libre Baskerville"/>
-                <a:cs typeface="Libre Baskerville"/>
+                <a:latin typeface="Times" pitchFamily="2" charset="0"/>
+                <a:ea typeface="Times" pitchFamily="2" charset="0"/>
+                <a:cs typeface="Times" pitchFamily="2" charset="0"/>
                 <a:sym typeface="Libre Baskerville"/>
               </a:defRPr>
             </a:lvl1pPr>
@@ -3613,9 +3629,9 @@
                 <a:solidFill>
                   <a:schemeClr val="dk2"/>
                 </a:solidFill>
-                <a:latin typeface="Libre Baskerville"/>
-                <a:ea typeface="Libre Baskerville"/>
-                <a:cs typeface="Libre Baskerville"/>
+                <a:latin typeface="Times" pitchFamily="2" charset="0"/>
+                <a:ea typeface="Times" pitchFamily="2" charset="0"/>
+                <a:cs typeface="Times" pitchFamily="2" charset="0"/>
                 <a:sym typeface="Libre Baskerville"/>
               </a:defRPr>
             </a:lvl1pPr>
@@ -3803,7 +3819,9 @@
                 <a:spcPts val="0"/>
               </a:spcAft>
               <a:buNone/>
-              <a:defRPr sz="1400"/>
+              <a:defRPr sz="1400">
+                <a:latin typeface="Times" pitchFamily="2" charset="0"/>
+              </a:defRPr>
             </a:lvl1pPr>
             <a:lvl2pPr lvl="1" rtl="0">
               <a:spcBef>
@@ -3931,9 +3949,9 @@
                 <a:solidFill>
                   <a:schemeClr val="dk2"/>
                 </a:solidFill>
-                <a:latin typeface="Libre Baskerville"/>
-                <a:ea typeface="Libre Baskerville"/>
-                <a:cs typeface="Libre Baskerville"/>
+                <a:latin typeface="Times" pitchFamily="2" charset="0"/>
+                <a:ea typeface="Times" pitchFamily="2" charset="0"/>
+                <a:cs typeface="Times" pitchFamily="2" charset="0"/>
                 <a:sym typeface="Libre Baskerville"/>
               </a:defRPr>
             </a:lvl1pPr>
@@ -4083,7 +4101,7 @@
             </a:lvl9pPr>
           </a:lstStyle>
           <a:p>
-            <a:endParaRPr/>
+            <a:endParaRPr dirty="0"/>
           </a:p>
         </p:txBody>
       </p:sp>
@@ -4127,9 +4145,9 @@
                 <a:solidFill>
                   <a:schemeClr val="dk2"/>
                 </a:solidFill>
-                <a:latin typeface="Libre Baskerville"/>
-                <a:ea typeface="Libre Baskerville"/>
-                <a:cs typeface="Libre Baskerville"/>
+                <a:latin typeface="Times" pitchFamily="2" charset="0"/>
+                <a:ea typeface="Times" pitchFamily="2" charset="0"/>
+                <a:cs typeface="Times" pitchFamily="2" charset="0"/>
                 <a:sym typeface="Libre Baskerville"/>
               </a:defRPr>
             </a:lvl1pPr>
@@ -4280,6 +4298,7 @@
           </a:lstStyle>
           <a:p>
             <a:r>
+              <a:rPr dirty="0"/>
               <a:t>xx%</a:t>
             </a:r>
           </a:p>
@@ -4317,7 +4336,9 @@
                 <a:spcPts val="0"/>
               </a:spcAft>
               <a:buNone/>
-              <a:defRPr sz="1400"/>
+              <a:defRPr sz="1400">
+                <a:latin typeface="Times" pitchFamily="2" charset="0"/>
+              </a:defRPr>
             </a:lvl1pPr>
             <a:lvl2pPr lvl="1" rtl="0">
               <a:spcBef>
@@ -4445,9 +4466,9 @@
                 <a:solidFill>
                   <a:schemeClr val="dk2"/>
                 </a:solidFill>
-                <a:latin typeface="Libre Baskerville"/>
-                <a:ea typeface="Libre Baskerville"/>
-                <a:cs typeface="Libre Baskerville"/>
+                <a:latin typeface="Times" pitchFamily="2" charset="0"/>
+                <a:ea typeface="Times" pitchFamily="2" charset="0"/>
+                <a:cs typeface="Times" pitchFamily="2" charset="0"/>
                 <a:sym typeface="Libre Baskerville"/>
               </a:defRPr>
             </a:lvl1pPr>
@@ -4641,9 +4662,9 @@
                 <a:solidFill>
                   <a:schemeClr val="dk2"/>
                 </a:solidFill>
-                <a:latin typeface="Libre Baskerville"/>
-                <a:ea typeface="Libre Baskerville"/>
-                <a:cs typeface="Libre Baskerville"/>
+                <a:latin typeface="Times" pitchFamily="2" charset="0"/>
+                <a:ea typeface="Times" pitchFamily="2" charset="0"/>
+                <a:cs typeface="Times" pitchFamily="2" charset="0"/>
                 <a:sym typeface="Libre Baskerville"/>
               </a:defRPr>
             </a:lvl1pPr>
@@ -4836,9 +4857,9 @@
               <a:buSzPts val="2400"/>
               <a:buNone/>
               <a:defRPr sz="3000" b="1">
-                <a:latin typeface="Libre Baskerville"/>
-                <a:ea typeface="Libre Baskerville"/>
-                <a:cs typeface="Libre Baskerville"/>
+                <a:latin typeface="Times" pitchFamily="2" charset="0"/>
+                <a:ea typeface="Times" pitchFamily="2" charset="0"/>
+                <a:cs typeface="Times" pitchFamily="2" charset="0"/>
                 <a:sym typeface="Libre Baskerville"/>
               </a:defRPr>
             </a:lvl1pPr>
@@ -4988,7 +5009,7 @@
             </a:lvl9pPr>
           </a:lstStyle>
           <a:p>
-            <a:endParaRPr/>
+            <a:endParaRPr dirty="0"/>
           </a:p>
         </p:txBody>
       </p:sp>
@@ -6670,8 +6691,8 @@
         </p:nvSpPr>
         <p:spPr>
           <a:xfrm>
-            <a:off x="3418758" y="378663"/>
-            <a:ext cx="4991082" cy="2712365"/>
+            <a:off x="3470017" y="396915"/>
+            <a:ext cx="4969756" cy="2712365"/>
           </a:xfrm>
           <a:prstGeom prst="rect">
             <a:avLst/>
@@ -10709,6 +10730,225 @@
   <p:clrMapOvr>
     <a:masterClrMapping/>
   </p:clrMapOvr>
+  <mc:AlternateContent xmlns:mc="http://schemas.openxmlformats.org/markup-compatibility/2006">
+    <mc:Choice xmlns:p14="http://schemas.microsoft.com/office/powerpoint/2010/main" Requires="p14">
+      <p:transition spd="med" p14:dur="700">
+        <p:fade/>
+      </p:transition>
+    </mc:Choice>
+    <mc:Fallback>
+      <p:transition spd="med">
+        <p:fade/>
+      </p:transition>
+    </mc:Fallback>
+  </mc:AlternateContent>
+  <p:timing>
+    <p:tnLst>
+      <p:par>
+        <p:cTn id="1" dur="indefinite" restart="never" nodeType="tmRoot">
+          <p:childTnLst>
+            <p:seq concurrent="1" nextAc="seek">
+              <p:cTn id="2" dur="indefinite" nodeType="mainSeq">
+                <p:childTnLst>
+                  <p:par>
+                    <p:cTn id="3" fill="hold">
+                      <p:stCondLst>
+                        <p:cond delay="indefinite"/>
+                        <p:cond evt="onBegin" delay="0">
+                          <p:tn val="2"/>
+                        </p:cond>
+                      </p:stCondLst>
+                      <p:childTnLst>
+                        <p:par>
+                          <p:cTn id="4" fill="hold">
+                            <p:stCondLst>
+                              <p:cond delay="0"/>
+                            </p:stCondLst>
+                            <p:childTnLst>
+                              <p:par>
+                                <p:cTn id="5" presetID="2" presetClass="entr" presetSubtype="2" fill="hold" grpId="0" nodeType="withEffect">
+                                  <p:stCondLst>
+                                    <p:cond delay="0"/>
+                                  </p:stCondLst>
+                                  <p:childTnLst>
+                                    <p:set>
+                                      <p:cBhvr>
+                                        <p:cTn id="6" dur="1" fill="hold">
+                                          <p:stCondLst>
+                                            <p:cond delay="0"/>
+                                          </p:stCondLst>
+                                        </p:cTn>
+                                        <p:tgtEl>
+                                          <p:spTgt spid="442"/>
+                                        </p:tgtEl>
+                                        <p:attrNameLst>
+                                          <p:attrName>style.visibility</p:attrName>
+                                        </p:attrNameLst>
+                                      </p:cBhvr>
+                                      <p:to>
+                                        <p:strVal val="visible"/>
+                                      </p:to>
+                                    </p:set>
+                                    <p:anim calcmode="lin" valueType="num">
+                                      <p:cBhvr additive="base">
+                                        <p:cTn id="7" dur="500" fill="hold"/>
+                                        <p:tgtEl>
+                                          <p:spTgt spid="442"/>
+                                        </p:tgtEl>
+                                        <p:attrNameLst>
+                                          <p:attrName>ppt_x</p:attrName>
+                                        </p:attrNameLst>
+                                      </p:cBhvr>
+                                      <p:tavLst>
+                                        <p:tav tm="0">
+                                          <p:val>
+                                            <p:strVal val="1+#ppt_w/2"/>
+                                          </p:val>
+                                        </p:tav>
+                                        <p:tav tm="100000">
+                                          <p:val>
+                                            <p:strVal val="#ppt_x"/>
+                                          </p:val>
+                                        </p:tav>
+                                      </p:tavLst>
+                                    </p:anim>
+                                    <p:anim calcmode="lin" valueType="num">
+                                      <p:cBhvr additive="base">
+                                        <p:cTn id="8" dur="500" fill="hold"/>
+                                        <p:tgtEl>
+                                          <p:spTgt spid="442"/>
+                                        </p:tgtEl>
+                                        <p:attrNameLst>
+                                          <p:attrName>ppt_y</p:attrName>
+                                        </p:attrNameLst>
+                                      </p:cBhvr>
+                                      <p:tavLst>
+                                        <p:tav tm="0">
+                                          <p:val>
+                                            <p:strVal val="#ppt_y"/>
+                                          </p:val>
+                                        </p:tav>
+                                        <p:tav tm="100000">
+                                          <p:val>
+                                            <p:strVal val="#ppt_y"/>
+                                          </p:val>
+                                        </p:tav>
+                                      </p:tavLst>
+                                    </p:anim>
+                                  </p:childTnLst>
+                                </p:cTn>
+                              </p:par>
+                            </p:childTnLst>
+                          </p:cTn>
+                        </p:par>
+                        <p:par>
+                          <p:cTn id="9" fill="hold">
+                            <p:stCondLst>
+                              <p:cond delay="500"/>
+                            </p:stCondLst>
+                            <p:childTnLst>
+                              <p:par>
+                                <p:cTn id="10" presetID="12" presetClass="entr" presetSubtype="1" fill="hold" grpId="0" nodeType="afterEffect">
+                                  <p:stCondLst>
+                                    <p:cond delay="0"/>
+                                  </p:stCondLst>
+                                  <p:childTnLst>
+                                    <p:set>
+                                      <p:cBhvr>
+                                        <p:cTn id="11" dur="1" fill="hold">
+                                          <p:stCondLst>
+                                            <p:cond delay="0"/>
+                                          </p:stCondLst>
+                                        </p:cTn>
+                                        <p:tgtEl>
+                                          <p:spTgt spid="443">
+                                            <p:txEl>
+                                              <p:pRg st="0" end="0"/>
+                                            </p:txEl>
+                                          </p:spTgt>
+                                        </p:tgtEl>
+                                        <p:attrNameLst>
+                                          <p:attrName>style.visibility</p:attrName>
+                                        </p:attrNameLst>
+                                      </p:cBhvr>
+                                      <p:to>
+                                        <p:strVal val="visible"/>
+                                      </p:to>
+                                    </p:set>
+                                    <p:anim calcmode="lin" valueType="num">
+                                      <p:cBhvr additive="base">
+                                        <p:cTn id="12" dur="500"/>
+                                        <p:tgtEl>
+                                          <p:spTgt spid="443">
+                                            <p:txEl>
+                                              <p:pRg st="0" end="0"/>
+                                            </p:txEl>
+                                          </p:spTgt>
+                                        </p:tgtEl>
+                                        <p:attrNameLst>
+                                          <p:attrName>ppt_y</p:attrName>
+                                        </p:attrNameLst>
+                                      </p:cBhvr>
+                                      <p:tavLst>
+                                        <p:tav tm="0">
+                                          <p:val>
+                                            <p:strVal val="#ppt_y-#ppt_h*1.125000"/>
+                                          </p:val>
+                                        </p:tav>
+                                        <p:tav tm="100000">
+                                          <p:val>
+                                            <p:strVal val="#ppt_y"/>
+                                          </p:val>
+                                        </p:tav>
+                                      </p:tavLst>
+                                    </p:anim>
+                                    <p:animEffect transition="in" filter="wipe(down)">
+                                      <p:cBhvr>
+                                        <p:cTn id="13" dur="500"/>
+                                        <p:tgtEl>
+                                          <p:spTgt spid="443">
+                                            <p:txEl>
+                                              <p:pRg st="0" end="0"/>
+                                            </p:txEl>
+                                          </p:spTgt>
+                                        </p:tgtEl>
+                                      </p:cBhvr>
+                                    </p:animEffect>
+                                  </p:childTnLst>
+                                </p:cTn>
+                              </p:par>
+                            </p:childTnLst>
+                          </p:cTn>
+                        </p:par>
+                      </p:childTnLst>
+                    </p:cTn>
+                  </p:par>
+                </p:childTnLst>
+              </p:cTn>
+              <p:prevCondLst>
+                <p:cond evt="onPrev" delay="0">
+                  <p:tgtEl>
+                    <p:sldTgt/>
+                  </p:tgtEl>
+                </p:cond>
+              </p:prevCondLst>
+              <p:nextCondLst>
+                <p:cond evt="onNext" delay="0">
+                  <p:tgtEl>
+                    <p:sldTgt/>
+                  </p:tgtEl>
+                </p:cond>
+              </p:nextCondLst>
+            </p:seq>
+          </p:childTnLst>
+        </p:cTn>
+      </p:par>
+    </p:tnLst>
+    <p:bldLst>
+      <p:bldP spid="442" grpId="0"/>
+      <p:bldP spid="443" grpId="0" build="p"/>
+    </p:bldLst>
+  </p:timing>
 </p:sld>
 </file>
 
@@ -10782,7 +11022,7 @@
               <a:buNone/>
             </a:pPr>
             <a:r>
-              <a:rPr lang="en-US" dirty="0"/>
+              <a:rPr lang="en-US" sz="2000" dirty="0"/>
               <a:t>Our project is only a humble venture to satisfy the needs to manage the project work. Several user-friendly coding has also adopted. This package shall prove to be a powerful package in satisfying all the requirements of the school and college. The objective of software planning is to provide a frame work that enables the librarian to keep the record of the book within a limited time.</a:t>
             </a:r>
           </a:p>
@@ -10790,55 +11030,27 @@
             <a:pPr marL="0" indent="0" algn="just">
               <a:buNone/>
             </a:pPr>
-            <a:endParaRPr lang="en-NP" dirty="0"/>
+            <a:endParaRPr lang="en-NP" sz="2000" dirty="0"/>
           </a:p>
           <a:p>
             <a:pPr marL="0" indent="0" algn="just">
               <a:buNone/>
             </a:pPr>
             <a:r>
-              <a:rPr lang="en-US" dirty="0"/>
+              <a:rPr lang="en-US" sz="2000" dirty="0"/>
               <a:t>Our project</a:t>
             </a:r>
             <a:r>
-              <a:rPr lang="en-NP" dirty="0"/>
+              <a:rPr lang="en-NP" sz="2000" dirty="0"/>
               <a:t> provides a computerized version of library management system which will</a:t>
             </a:r>
             <a:r>
-              <a:rPr lang="en-US" dirty="0"/>
+              <a:rPr lang="en-US" sz="2000" dirty="0"/>
               <a:t> be beneficial for</a:t>
             </a:r>
             <a:r>
-              <a:rPr lang="en-NP" dirty="0"/>
+              <a:rPr lang="en-NP" sz="2000" dirty="0"/>
               <a:t> the students as well as the staff of the library.</a:t>
-            </a:r>
-          </a:p>
-          <a:p>
-            <a:pPr marL="0" indent="0" algn="just">
-              <a:buNone/>
-            </a:pPr>
-            <a:br>
-              <a:rPr lang="en-NP" dirty="0"/>
-            </a:br>
-            <a:r>
-              <a:rPr lang="en-NP" dirty="0"/>
-              <a:t>It makes entire </a:t>
-            </a:r>
-            <a:r>
-              <a:rPr lang="en-US" dirty="0"/>
-              <a:t>process easy where</a:t>
-            </a:r>
-            <a:r>
-              <a:rPr lang="en-NP" dirty="0"/>
-              <a:t> student can search books, staff can generate reports and do book transactions. It also has a facility for login where </a:t>
-            </a:r>
-            <a:r>
-              <a:rPr lang="en-US" dirty="0"/>
-              <a:t>library staff </a:t>
-            </a:r>
-            <a:r>
-              <a:rPr lang="en-NP" dirty="0"/>
-              <a:t> can login and can see status of books issue.</a:t>
             </a:r>
           </a:p>
         </p:txBody>
@@ -10853,6 +11065,331 @@
   <p:clrMapOvr>
     <a:masterClrMapping/>
   </p:clrMapOvr>
+  <mc:AlternateContent xmlns:mc="http://schemas.openxmlformats.org/markup-compatibility/2006">
+    <mc:Choice xmlns:p159="http://schemas.microsoft.com/office/powerpoint/2015/09/main" Requires="p159">
+      <p:transition xmlns:p14="http://schemas.microsoft.com/office/powerpoint/2010/main" spd="slow" p14:dur="2000">
+        <p159:morph option="byObject"/>
+      </p:transition>
+    </mc:Choice>
+    <mc:Fallback>
+      <p:transition spd="slow">
+        <p:fade/>
+      </p:transition>
+    </mc:Fallback>
+  </mc:AlternateContent>
+  <p:timing>
+    <p:tnLst>
+      <p:par>
+        <p:cTn id="1" dur="indefinite" restart="never" nodeType="tmRoot">
+          <p:childTnLst>
+            <p:seq concurrent="1" nextAc="seek">
+              <p:cTn id="2" dur="indefinite" nodeType="mainSeq">
+                <p:childTnLst>
+                  <p:par>
+                    <p:cTn id="3" fill="hold">
+                      <p:stCondLst>
+                        <p:cond delay="indefinite"/>
+                      </p:stCondLst>
+                      <p:childTnLst>
+                        <p:par>
+                          <p:cTn id="4" fill="hold">
+                            <p:stCondLst>
+                              <p:cond delay="0"/>
+                            </p:stCondLst>
+                            <p:childTnLst>
+                              <p:par>
+                                <p:cTn id="5" presetID="2" presetClass="entr" presetSubtype="1" fill="hold" grpId="0" nodeType="clickEffect">
+                                  <p:stCondLst>
+                                    <p:cond delay="0"/>
+                                  </p:stCondLst>
+                                  <p:childTnLst>
+                                    <p:set>
+                                      <p:cBhvr>
+                                        <p:cTn id="6" dur="1" fill="hold">
+                                          <p:stCondLst>
+                                            <p:cond delay="0"/>
+                                          </p:stCondLst>
+                                        </p:cTn>
+                                        <p:tgtEl>
+                                          <p:spTgt spid="2"/>
+                                        </p:tgtEl>
+                                        <p:attrNameLst>
+                                          <p:attrName>style.visibility</p:attrName>
+                                        </p:attrNameLst>
+                                      </p:cBhvr>
+                                      <p:to>
+                                        <p:strVal val="visible"/>
+                                      </p:to>
+                                    </p:set>
+                                    <p:anim calcmode="lin" valueType="num">
+                                      <p:cBhvr additive="base">
+                                        <p:cTn id="7" dur="500" fill="hold"/>
+                                        <p:tgtEl>
+                                          <p:spTgt spid="2"/>
+                                        </p:tgtEl>
+                                        <p:attrNameLst>
+                                          <p:attrName>ppt_x</p:attrName>
+                                        </p:attrNameLst>
+                                      </p:cBhvr>
+                                      <p:tavLst>
+                                        <p:tav tm="0">
+                                          <p:val>
+                                            <p:strVal val="#ppt_x"/>
+                                          </p:val>
+                                        </p:tav>
+                                        <p:tav tm="100000">
+                                          <p:val>
+                                            <p:strVal val="#ppt_x"/>
+                                          </p:val>
+                                        </p:tav>
+                                      </p:tavLst>
+                                    </p:anim>
+                                    <p:anim calcmode="lin" valueType="num">
+                                      <p:cBhvr additive="base">
+                                        <p:cTn id="8" dur="500" fill="hold"/>
+                                        <p:tgtEl>
+                                          <p:spTgt spid="2"/>
+                                        </p:tgtEl>
+                                        <p:attrNameLst>
+                                          <p:attrName>ppt_y</p:attrName>
+                                        </p:attrNameLst>
+                                      </p:cBhvr>
+                                      <p:tavLst>
+                                        <p:tav tm="0">
+                                          <p:val>
+                                            <p:strVal val="0-#ppt_h/2"/>
+                                          </p:val>
+                                        </p:tav>
+                                        <p:tav tm="100000">
+                                          <p:val>
+                                            <p:strVal val="#ppt_y"/>
+                                          </p:val>
+                                        </p:tav>
+                                      </p:tavLst>
+                                    </p:anim>
+                                  </p:childTnLst>
+                                </p:cTn>
+                              </p:par>
+                            </p:childTnLst>
+                          </p:cTn>
+                        </p:par>
+                        <p:par>
+                          <p:cTn id="9" fill="hold">
+                            <p:stCondLst>
+                              <p:cond delay="500"/>
+                            </p:stCondLst>
+                            <p:childTnLst>
+                              <p:par>
+                                <p:cTn id="10" presetID="2" presetClass="entr" presetSubtype="8" fill="hold" grpId="0" nodeType="afterEffect">
+                                  <p:stCondLst>
+                                    <p:cond delay="0"/>
+                                  </p:stCondLst>
+                                  <p:childTnLst>
+                                    <p:set>
+                                      <p:cBhvr>
+                                        <p:cTn id="11" dur="1" fill="hold">
+                                          <p:stCondLst>
+                                            <p:cond delay="0"/>
+                                          </p:stCondLst>
+                                        </p:cTn>
+                                        <p:tgtEl>
+                                          <p:spTgt spid="3">
+                                            <p:txEl>
+                                              <p:pRg st="0" end="0"/>
+                                            </p:txEl>
+                                          </p:spTgt>
+                                        </p:tgtEl>
+                                        <p:attrNameLst>
+                                          <p:attrName>style.visibility</p:attrName>
+                                        </p:attrNameLst>
+                                      </p:cBhvr>
+                                      <p:to>
+                                        <p:strVal val="visible"/>
+                                      </p:to>
+                                    </p:set>
+                                    <p:anim calcmode="lin" valueType="num">
+                                      <p:cBhvr additive="base">
+                                        <p:cTn id="12" dur="500" fill="hold"/>
+                                        <p:tgtEl>
+                                          <p:spTgt spid="3">
+                                            <p:txEl>
+                                              <p:pRg st="0" end="0"/>
+                                            </p:txEl>
+                                          </p:spTgt>
+                                        </p:tgtEl>
+                                        <p:attrNameLst>
+                                          <p:attrName>ppt_x</p:attrName>
+                                        </p:attrNameLst>
+                                      </p:cBhvr>
+                                      <p:tavLst>
+                                        <p:tav tm="0">
+                                          <p:val>
+                                            <p:strVal val="0-#ppt_w/2"/>
+                                          </p:val>
+                                        </p:tav>
+                                        <p:tav tm="100000">
+                                          <p:val>
+                                            <p:strVal val="#ppt_x"/>
+                                          </p:val>
+                                        </p:tav>
+                                      </p:tavLst>
+                                    </p:anim>
+                                    <p:anim calcmode="lin" valueType="num">
+                                      <p:cBhvr additive="base">
+                                        <p:cTn id="13" dur="500" fill="hold"/>
+                                        <p:tgtEl>
+                                          <p:spTgt spid="3">
+                                            <p:txEl>
+                                              <p:pRg st="0" end="0"/>
+                                            </p:txEl>
+                                          </p:spTgt>
+                                        </p:tgtEl>
+                                        <p:attrNameLst>
+                                          <p:attrName>ppt_y</p:attrName>
+                                        </p:attrNameLst>
+                                      </p:cBhvr>
+                                      <p:tavLst>
+                                        <p:tav tm="0">
+                                          <p:val>
+                                            <p:strVal val="#ppt_y"/>
+                                          </p:val>
+                                        </p:tav>
+                                        <p:tav tm="100000">
+                                          <p:val>
+                                            <p:strVal val="#ppt_y"/>
+                                          </p:val>
+                                        </p:tav>
+                                      </p:tavLst>
+                                    </p:anim>
+                                  </p:childTnLst>
+                                </p:cTn>
+                              </p:par>
+                            </p:childTnLst>
+                          </p:cTn>
+                        </p:par>
+                        <p:par>
+                          <p:cTn id="14" fill="hold">
+                            <p:stCondLst>
+                              <p:cond delay="1000"/>
+                            </p:stCondLst>
+                            <p:childTnLst>
+                              <p:par>
+                                <p:cTn id="15" presetID="2" presetClass="entr" presetSubtype="8" fill="hold" grpId="0" nodeType="afterEffect">
+                                  <p:stCondLst>
+                                    <p:cond delay="0"/>
+                                  </p:stCondLst>
+                                  <p:childTnLst>
+                                    <p:set>
+                                      <p:cBhvr>
+                                        <p:cTn id="16" dur="1" fill="hold">
+                                          <p:stCondLst>
+                                            <p:cond delay="0"/>
+                                          </p:stCondLst>
+                                        </p:cTn>
+                                        <p:tgtEl>
+                                          <p:spTgt spid="3">
+                                            <p:txEl>
+                                              <p:pRg st="2" end="2"/>
+                                            </p:txEl>
+                                          </p:spTgt>
+                                        </p:tgtEl>
+                                        <p:attrNameLst>
+                                          <p:attrName>style.visibility</p:attrName>
+                                        </p:attrNameLst>
+                                      </p:cBhvr>
+                                      <p:to>
+                                        <p:strVal val="visible"/>
+                                      </p:to>
+                                    </p:set>
+                                    <p:anim calcmode="lin" valueType="num">
+                                      <p:cBhvr additive="base">
+                                        <p:cTn id="17" dur="500" fill="hold"/>
+                                        <p:tgtEl>
+                                          <p:spTgt spid="3">
+                                            <p:txEl>
+                                              <p:pRg st="2" end="2"/>
+                                            </p:txEl>
+                                          </p:spTgt>
+                                        </p:tgtEl>
+                                        <p:attrNameLst>
+                                          <p:attrName>ppt_x</p:attrName>
+                                        </p:attrNameLst>
+                                      </p:cBhvr>
+                                      <p:tavLst>
+                                        <p:tav tm="0">
+                                          <p:val>
+                                            <p:strVal val="0-#ppt_w/2"/>
+                                          </p:val>
+                                        </p:tav>
+                                        <p:tav tm="100000">
+                                          <p:val>
+                                            <p:strVal val="#ppt_x"/>
+                                          </p:val>
+                                        </p:tav>
+                                      </p:tavLst>
+                                    </p:anim>
+                                    <p:anim calcmode="lin" valueType="num">
+                                      <p:cBhvr additive="base">
+                                        <p:cTn id="18" dur="500" fill="hold"/>
+                                        <p:tgtEl>
+                                          <p:spTgt spid="3">
+                                            <p:txEl>
+                                              <p:pRg st="2" end="2"/>
+                                            </p:txEl>
+                                          </p:spTgt>
+                                        </p:tgtEl>
+                                        <p:attrNameLst>
+                                          <p:attrName>ppt_y</p:attrName>
+                                        </p:attrNameLst>
+                                      </p:cBhvr>
+                                      <p:tavLst>
+                                        <p:tav tm="0">
+                                          <p:val>
+                                            <p:strVal val="#ppt_y"/>
+                                          </p:val>
+                                        </p:tav>
+                                        <p:tav tm="100000">
+                                          <p:val>
+                                            <p:strVal val="#ppt_y"/>
+                                          </p:val>
+                                        </p:tav>
+                                      </p:tavLst>
+                                    </p:anim>
+                                  </p:childTnLst>
+                                </p:cTn>
+                              </p:par>
+                            </p:childTnLst>
+                          </p:cTn>
+                        </p:par>
+                      </p:childTnLst>
+                    </p:cTn>
+                  </p:par>
+                </p:childTnLst>
+              </p:cTn>
+              <p:prevCondLst>
+                <p:cond evt="onPrev" delay="0">
+                  <p:tgtEl>
+                    <p:sldTgt/>
+                  </p:tgtEl>
+                </p:cond>
+              </p:prevCondLst>
+              <p:nextCondLst>
+                <p:cond evt="onNext" delay="0">
+                  <p:tgtEl>
+                    <p:sldTgt/>
+                  </p:tgtEl>
+                </p:cond>
+              </p:nextCondLst>
+            </p:seq>
+          </p:childTnLst>
+        </p:cTn>
+      </p:par>
+    </p:tnLst>
+    <p:bldLst>
+      <p:bldP spid="2" grpId="0"/>
+      <p:bldP spid="3" grpId="0" uiExpand="1" build="p"/>
+    </p:bldLst>
+  </p:timing>
 </p:sld>
 </file>
 
@@ -10917,51 +11454,9 @@
             </a:pPr>
             <a:r>
               <a:rPr lang="en" dirty="0"/>
-              <a:t>Problem Statement</a:t>
+              <a:t>Introduction</a:t>
             </a:r>
             <a:endParaRPr dirty="0"/>
-          </a:p>
-        </p:txBody>
-      </p:sp>
-      <p:sp>
-        <p:nvSpPr>
-          <p:cNvPr id="510" name="Google Shape;510;p44"/>
-          <p:cNvSpPr txBox="1">
-            <a:spLocks noGrp="1"/>
-          </p:cNvSpPr>
-          <p:nvPr>
-            <p:ph type="title" idx="2"/>
-          </p:nvPr>
-        </p:nvSpPr>
-        <p:spPr>
-          <a:xfrm>
-            <a:off x="820488" y="1525213"/>
-            <a:ext cx="912600" cy="498000"/>
-          </a:xfrm>
-          <a:prstGeom prst="rect">
-            <a:avLst/>
-          </a:prstGeom>
-        </p:spPr>
-        <p:txBody>
-          <a:bodyPr spcFirstLastPara="1" wrap="square" lIns="91425" tIns="91425" rIns="91425" bIns="91425" anchor="ctr" anchorCtr="0">
-            <a:noAutofit/>
-          </a:bodyPr>
-          <a:lstStyle/>
-          <a:p>
-            <a:pPr marL="0" lvl="0" indent="0" algn="r" rtl="0">
-              <a:spcBef>
-                <a:spcPts val="0"/>
-              </a:spcBef>
-              <a:spcAft>
-                <a:spcPts val="0"/>
-              </a:spcAft>
-              <a:buNone/>
-            </a:pPr>
-            <a:r>
-              <a:rPr lang="en"/>
-              <a:t>01.</a:t>
-            </a:r>
-            <a:endParaRPr/>
           </a:p>
         </p:txBody>
       </p:sp>
@@ -10977,8 +11472,8 @@
         </p:nvSpPr>
         <p:spPr>
           <a:xfrm>
-            <a:off x="1660127" y="2083138"/>
-            <a:ext cx="2169000" cy="365700"/>
+            <a:off x="1660126" y="2083138"/>
+            <a:ext cx="2911873" cy="365700"/>
           </a:xfrm>
           <a:prstGeom prst="rect">
             <a:avLst/>
@@ -11001,261 +11496,9 @@
             </a:pPr>
             <a:r>
               <a:rPr lang="en" dirty="0"/>
-              <a:t>Objectives</a:t>
+              <a:t>Problem Statement</a:t>
             </a:r>
             <a:endParaRPr dirty="0"/>
-          </a:p>
-        </p:txBody>
-      </p:sp>
-      <p:sp>
-        <p:nvSpPr>
-          <p:cNvPr id="513" name="Google Shape;513;p44"/>
-          <p:cNvSpPr txBox="1">
-            <a:spLocks noGrp="1"/>
-          </p:cNvSpPr>
-          <p:nvPr>
-            <p:ph type="title" idx="5"/>
-          </p:nvPr>
-        </p:nvSpPr>
-        <p:spPr>
-          <a:xfrm>
-            <a:off x="818688" y="2016976"/>
-            <a:ext cx="914400" cy="498000"/>
-          </a:xfrm>
-          <a:prstGeom prst="rect">
-            <a:avLst/>
-          </a:prstGeom>
-        </p:spPr>
-        <p:txBody>
-          <a:bodyPr spcFirstLastPara="1" wrap="square" lIns="91425" tIns="91425" rIns="91425" bIns="91425" anchor="ctr" anchorCtr="0">
-            <a:noAutofit/>
-          </a:bodyPr>
-          <a:lstStyle/>
-          <a:p>
-            <a:pPr marL="0" lvl="0" indent="0" algn="r" rtl="0">
-              <a:spcBef>
-                <a:spcPts val="0"/>
-              </a:spcBef>
-              <a:spcAft>
-                <a:spcPts val="0"/>
-              </a:spcAft>
-              <a:buNone/>
-            </a:pPr>
-            <a:r>
-              <a:rPr lang="en" dirty="0"/>
-              <a:t>02.</a:t>
-            </a:r>
-            <a:endParaRPr dirty="0"/>
-          </a:p>
-        </p:txBody>
-      </p:sp>
-      <p:sp>
-        <p:nvSpPr>
-          <p:cNvPr id="515" name="Google Shape;515;p44"/>
-          <p:cNvSpPr txBox="1">
-            <a:spLocks noGrp="1"/>
-          </p:cNvSpPr>
-          <p:nvPr>
-            <p:ph type="title" idx="7"/>
-          </p:nvPr>
-        </p:nvSpPr>
-        <p:spPr>
-          <a:xfrm>
-            <a:off x="5985327" y="1591375"/>
-            <a:ext cx="2169000" cy="365700"/>
-          </a:xfrm>
-          <a:prstGeom prst="rect">
-            <a:avLst/>
-          </a:prstGeom>
-        </p:spPr>
-        <p:txBody>
-          <a:bodyPr spcFirstLastPara="1" wrap="square" lIns="91425" tIns="91425" rIns="91425" bIns="91425" anchor="ctr" anchorCtr="0">
-            <a:noAutofit/>
-          </a:bodyPr>
-          <a:lstStyle/>
-          <a:p>
-            <a:pPr marL="0" lvl="0" indent="0" algn="l" rtl="0">
-              <a:spcBef>
-                <a:spcPts val="0"/>
-              </a:spcBef>
-              <a:spcAft>
-                <a:spcPts val="0"/>
-              </a:spcAft>
-              <a:buNone/>
-            </a:pPr>
-            <a:r>
-              <a:rPr lang="en" dirty="0"/>
-              <a:t>Scope</a:t>
-            </a:r>
-            <a:endParaRPr dirty="0"/>
-          </a:p>
-        </p:txBody>
-      </p:sp>
-      <p:sp>
-        <p:nvSpPr>
-          <p:cNvPr id="516" name="Google Shape;516;p44"/>
-          <p:cNvSpPr txBox="1">
-            <a:spLocks noGrp="1"/>
-          </p:cNvSpPr>
-          <p:nvPr>
-            <p:ph type="title" idx="8"/>
-          </p:nvPr>
-        </p:nvSpPr>
-        <p:spPr>
-          <a:xfrm>
-            <a:off x="5130913" y="1525213"/>
-            <a:ext cx="914400" cy="498000"/>
-          </a:xfrm>
-          <a:prstGeom prst="rect">
-            <a:avLst/>
-          </a:prstGeom>
-        </p:spPr>
-        <p:txBody>
-          <a:bodyPr spcFirstLastPara="1" wrap="square" lIns="91425" tIns="91425" rIns="91425" bIns="91425" anchor="ctr" anchorCtr="0">
-            <a:noAutofit/>
-          </a:bodyPr>
-          <a:lstStyle/>
-          <a:p>
-            <a:pPr marL="0" lvl="0" indent="0" algn="r" rtl="0">
-              <a:spcBef>
-                <a:spcPts val="0"/>
-              </a:spcBef>
-              <a:spcAft>
-                <a:spcPts val="0"/>
-              </a:spcAft>
-              <a:buNone/>
-            </a:pPr>
-            <a:r>
-              <a:rPr lang="en"/>
-              <a:t>03.</a:t>
-            </a:r>
-            <a:endParaRPr/>
-          </a:p>
-        </p:txBody>
-      </p:sp>
-      <p:sp>
-        <p:nvSpPr>
-          <p:cNvPr id="518" name="Google Shape;518;p44"/>
-          <p:cNvSpPr txBox="1">
-            <a:spLocks noGrp="1"/>
-          </p:cNvSpPr>
-          <p:nvPr>
-            <p:ph type="title" idx="13"/>
-          </p:nvPr>
-        </p:nvSpPr>
-        <p:spPr>
-          <a:xfrm>
-            <a:off x="5985327" y="2083138"/>
-            <a:ext cx="2169000" cy="365700"/>
-          </a:xfrm>
-          <a:prstGeom prst="rect">
-            <a:avLst/>
-          </a:prstGeom>
-        </p:spPr>
-        <p:txBody>
-          <a:bodyPr spcFirstLastPara="1" wrap="square" lIns="91425" tIns="91425" rIns="91425" bIns="91425" anchor="ctr" anchorCtr="0">
-            <a:noAutofit/>
-          </a:bodyPr>
-          <a:lstStyle/>
-          <a:p>
-            <a:pPr marL="0" lvl="0" indent="0" algn="l" rtl="0">
-              <a:spcBef>
-                <a:spcPts val="0"/>
-              </a:spcBef>
-              <a:spcAft>
-                <a:spcPts val="0"/>
-              </a:spcAft>
-              <a:buNone/>
-            </a:pPr>
-            <a:r>
-              <a:rPr lang="en" dirty="0"/>
-              <a:t>System Flow</a:t>
-            </a:r>
-            <a:endParaRPr dirty="0"/>
-          </a:p>
-        </p:txBody>
-      </p:sp>
-      <p:sp>
-        <p:nvSpPr>
-          <p:cNvPr id="519" name="Google Shape;519;p44"/>
-          <p:cNvSpPr txBox="1">
-            <a:spLocks noGrp="1"/>
-          </p:cNvSpPr>
-          <p:nvPr>
-            <p:ph type="title" idx="14"/>
-          </p:nvPr>
-        </p:nvSpPr>
-        <p:spPr>
-          <a:xfrm>
-            <a:off x="5130913" y="2016976"/>
-            <a:ext cx="914400" cy="498000"/>
-          </a:xfrm>
-          <a:prstGeom prst="rect">
-            <a:avLst/>
-          </a:prstGeom>
-        </p:spPr>
-        <p:txBody>
-          <a:bodyPr spcFirstLastPara="1" wrap="square" lIns="91425" tIns="91425" rIns="91425" bIns="91425" anchor="ctr" anchorCtr="0">
-            <a:noAutofit/>
-          </a:bodyPr>
-          <a:lstStyle/>
-          <a:p>
-            <a:pPr marL="0" lvl="0" indent="0" algn="r" rtl="0">
-              <a:spcBef>
-                <a:spcPts val="0"/>
-              </a:spcBef>
-              <a:spcAft>
-                <a:spcPts val="0"/>
-              </a:spcAft>
-              <a:buNone/>
-            </a:pPr>
-            <a:r>
-              <a:rPr lang="en"/>
-              <a:t>04.</a:t>
-            </a:r>
-            <a:endParaRPr/>
-          </a:p>
-        </p:txBody>
-      </p:sp>
-      <p:sp>
-        <p:nvSpPr>
-          <p:cNvPr id="520" name="Google Shape;520;p44"/>
-          <p:cNvSpPr txBox="1">
-            <a:spLocks noGrp="1"/>
-          </p:cNvSpPr>
-          <p:nvPr>
-            <p:ph type="title" idx="15"/>
-          </p:nvPr>
-        </p:nvSpPr>
-        <p:spPr>
-          <a:xfrm>
-            <a:off x="714125" y="546825"/>
-            <a:ext cx="7715700" cy="365700"/>
-          </a:xfrm>
-          <a:prstGeom prst="rect">
-            <a:avLst/>
-          </a:prstGeom>
-        </p:spPr>
-        <p:txBody>
-          <a:bodyPr spcFirstLastPara="1" wrap="square" lIns="91425" tIns="91425" rIns="91425" bIns="91425" anchor="ctr" anchorCtr="0">
-            <a:noAutofit/>
-          </a:bodyPr>
-          <a:lstStyle/>
-          <a:p>
-            <a:pPr marL="0" lvl="0" indent="0" algn="ctr" rtl="0">
-              <a:spcBef>
-                <a:spcPts val="0"/>
-              </a:spcBef>
-              <a:spcAft>
-                <a:spcPts val="0"/>
-              </a:spcAft>
-              <a:buNone/>
-            </a:pPr>
-            <a:r>
-              <a:rPr lang="en"/>
-              <a:t>Table of Contents</a:t>
-            </a:r>
-            <a:endParaRPr/>
           </a:p>
         </p:txBody>
       </p:sp>
@@ -11539,9 +11782,412 @@
           </a:lstStyle>
           <a:p>
             <a:r>
-              <a:rPr lang="en-US" dirty="0"/>
-              <a:t>Waterfall Model	</a:t>
+              <a:rPr lang="en-US" dirty="0">
+                <a:latin typeface="Times" pitchFamily="2" charset="0"/>
+              </a:rPr>
+              <a:t>System Flow</a:t>
             </a:r>
+          </a:p>
+        </p:txBody>
+      </p:sp>
+      <p:sp>
+        <p:nvSpPr>
+          <p:cNvPr id="18" name="Google Shape;512;p44">
+            <a:extLst>
+              <a:ext uri="{FF2B5EF4-FFF2-40B4-BE49-F238E27FC236}">
+                <a16:creationId xmlns:a16="http://schemas.microsoft.com/office/drawing/2014/main" id="{D52F355E-F04D-3B40-A4AC-2E14AA6BB000}"/>
+              </a:ext>
+            </a:extLst>
+          </p:cNvPr>
+          <p:cNvSpPr txBox="1">
+            <a:spLocks/>
+          </p:cNvSpPr>
+          <p:nvPr/>
+        </p:nvSpPr>
+        <p:spPr>
+          <a:xfrm>
+            <a:off x="1660127" y="3072901"/>
+            <a:ext cx="2713910" cy="365700"/>
+          </a:xfrm>
+          <a:prstGeom prst="rect">
+            <a:avLst/>
+          </a:prstGeom>
+          <a:noFill/>
+          <a:ln>
+            <a:noFill/>
+          </a:ln>
+        </p:spPr>
+        <p:txBody>
+          <a:bodyPr spcFirstLastPara="1" wrap="square" lIns="91425" tIns="91425" rIns="91425" bIns="91425" anchor="ctr" anchorCtr="0">
+            <a:noAutofit/>
+          </a:bodyPr>
+          <a:lstStyle>
+            <a:defPPr marR="0" lvl="0" algn="l" rtl="0">
+              <a:lnSpc>
+                <a:spcPct val="100000"/>
+              </a:lnSpc>
+              <a:spcBef>
+                <a:spcPts val="0"/>
+              </a:spcBef>
+              <a:spcAft>
+                <a:spcPts val="0"/>
+              </a:spcAft>
+            </a:defPPr>
+            <a:lvl1pPr marR="0" lvl="0" algn="l" rtl="0">
+              <a:lnSpc>
+                <a:spcPct val="100000"/>
+              </a:lnSpc>
+              <a:spcBef>
+                <a:spcPts val="0"/>
+              </a:spcBef>
+              <a:spcAft>
+                <a:spcPts val="0"/>
+              </a:spcAft>
+              <a:buClr>
+                <a:schemeClr val="lt1"/>
+              </a:buClr>
+              <a:buSzPts val="1800"/>
+              <a:buFont typeface="Libre Baskerville"/>
+              <a:buNone/>
+              <a:defRPr sz="2000" b="1" i="0" u="none" strike="noStrike" cap="none">
+                <a:solidFill>
+                  <a:schemeClr val="dk2"/>
+                </a:solidFill>
+                <a:latin typeface="Libre Baskerville"/>
+                <a:ea typeface="Libre Baskerville"/>
+                <a:cs typeface="Libre Baskerville"/>
+                <a:sym typeface="Libre Baskerville"/>
+              </a:defRPr>
+            </a:lvl1pPr>
+            <a:lvl2pPr marR="0" lvl="1" algn="ctr" rtl="0">
+              <a:lnSpc>
+                <a:spcPct val="100000"/>
+              </a:lnSpc>
+              <a:spcBef>
+                <a:spcPts val="0"/>
+              </a:spcBef>
+              <a:spcAft>
+                <a:spcPts val="0"/>
+              </a:spcAft>
+              <a:buClr>
+                <a:schemeClr val="lt1"/>
+              </a:buClr>
+              <a:buSzPts val="3600"/>
+              <a:buFont typeface="Arial"/>
+              <a:buNone/>
+              <a:defRPr sz="3600" b="0" i="0" u="none" strike="noStrike" cap="none">
+                <a:solidFill>
+                  <a:schemeClr val="lt1"/>
+                </a:solidFill>
+                <a:latin typeface="Arial"/>
+                <a:ea typeface="Arial"/>
+                <a:cs typeface="Arial"/>
+                <a:sym typeface="Arial"/>
+              </a:defRPr>
+            </a:lvl2pPr>
+            <a:lvl3pPr marR="0" lvl="2" algn="ctr" rtl="0">
+              <a:lnSpc>
+                <a:spcPct val="100000"/>
+              </a:lnSpc>
+              <a:spcBef>
+                <a:spcPts val="0"/>
+              </a:spcBef>
+              <a:spcAft>
+                <a:spcPts val="0"/>
+              </a:spcAft>
+              <a:buClr>
+                <a:schemeClr val="lt1"/>
+              </a:buClr>
+              <a:buSzPts val="3600"/>
+              <a:buFont typeface="Arial"/>
+              <a:buNone/>
+              <a:defRPr sz="3600" b="0" i="0" u="none" strike="noStrike" cap="none">
+                <a:solidFill>
+                  <a:schemeClr val="lt1"/>
+                </a:solidFill>
+                <a:latin typeface="Arial"/>
+                <a:ea typeface="Arial"/>
+                <a:cs typeface="Arial"/>
+                <a:sym typeface="Arial"/>
+              </a:defRPr>
+            </a:lvl3pPr>
+            <a:lvl4pPr marR="0" lvl="3" algn="ctr" rtl="0">
+              <a:lnSpc>
+                <a:spcPct val="100000"/>
+              </a:lnSpc>
+              <a:spcBef>
+                <a:spcPts val="0"/>
+              </a:spcBef>
+              <a:spcAft>
+                <a:spcPts val="0"/>
+              </a:spcAft>
+              <a:buClr>
+                <a:schemeClr val="lt1"/>
+              </a:buClr>
+              <a:buSzPts val="3600"/>
+              <a:buFont typeface="Arial"/>
+              <a:buNone/>
+              <a:defRPr sz="3600" b="0" i="0" u="none" strike="noStrike" cap="none">
+                <a:solidFill>
+                  <a:schemeClr val="lt1"/>
+                </a:solidFill>
+                <a:latin typeface="Arial"/>
+                <a:ea typeface="Arial"/>
+                <a:cs typeface="Arial"/>
+                <a:sym typeface="Arial"/>
+              </a:defRPr>
+            </a:lvl4pPr>
+            <a:lvl5pPr marR="0" lvl="4" algn="ctr" rtl="0">
+              <a:lnSpc>
+                <a:spcPct val="100000"/>
+              </a:lnSpc>
+              <a:spcBef>
+                <a:spcPts val="0"/>
+              </a:spcBef>
+              <a:spcAft>
+                <a:spcPts val="0"/>
+              </a:spcAft>
+              <a:buClr>
+                <a:schemeClr val="lt1"/>
+              </a:buClr>
+              <a:buSzPts val="3600"/>
+              <a:buFont typeface="Arial"/>
+              <a:buNone/>
+              <a:defRPr sz="3600" b="0" i="0" u="none" strike="noStrike" cap="none">
+                <a:solidFill>
+                  <a:schemeClr val="lt1"/>
+                </a:solidFill>
+                <a:latin typeface="Arial"/>
+                <a:ea typeface="Arial"/>
+                <a:cs typeface="Arial"/>
+                <a:sym typeface="Arial"/>
+              </a:defRPr>
+            </a:lvl5pPr>
+            <a:lvl6pPr marR="0" lvl="5" algn="ctr" rtl="0">
+              <a:lnSpc>
+                <a:spcPct val="100000"/>
+              </a:lnSpc>
+              <a:spcBef>
+                <a:spcPts val="0"/>
+              </a:spcBef>
+              <a:spcAft>
+                <a:spcPts val="0"/>
+              </a:spcAft>
+              <a:buClr>
+                <a:schemeClr val="lt1"/>
+              </a:buClr>
+              <a:buSzPts val="3600"/>
+              <a:buFont typeface="Arial"/>
+              <a:buNone/>
+              <a:defRPr sz="3600" b="0" i="0" u="none" strike="noStrike" cap="none">
+                <a:solidFill>
+                  <a:schemeClr val="lt1"/>
+                </a:solidFill>
+                <a:latin typeface="Arial"/>
+                <a:ea typeface="Arial"/>
+                <a:cs typeface="Arial"/>
+                <a:sym typeface="Arial"/>
+              </a:defRPr>
+            </a:lvl6pPr>
+            <a:lvl7pPr marR="0" lvl="6" algn="ctr" rtl="0">
+              <a:lnSpc>
+                <a:spcPct val="100000"/>
+              </a:lnSpc>
+              <a:spcBef>
+                <a:spcPts val="0"/>
+              </a:spcBef>
+              <a:spcAft>
+                <a:spcPts val="0"/>
+              </a:spcAft>
+              <a:buClr>
+                <a:schemeClr val="lt1"/>
+              </a:buClr>
+              <a:buSzPts val="3600"/>
+              <a:buFont typeface="Arial"/>
+              <a:buNone/>
+              <a:defRPr sz="3600" b="0" i="0" u="none" strike="noStrike" cap="none">
+                <a:solidFill>
+                  <a:schemeClr val="lt1"/>
+                </a:solidFill>
+                <a:latin typeface="Arial"/>
+                <a:ea typeface="Arial"/>
+                <a:cs typeface="Arial"/>
+                <a:sym typeface="Arial"/>
+              </a:defRPr>
+            </a:lvl7pPr>
+            <a:lvl8pPr marR="0" lvl="7" algn="ctr" rtl="0">
+              <a:lnSpc>
+                <a:spcPct val="100000"/>
+              </a:lnSpc>
+              <a:spcBef>
+                <a:spcPts val="0"/>
+              </a:spcBef>
+              <a:spcAft>
+                <a:spcPts val="0"/>
+              </a:spcAft>
+              <a:buClr>
+                <a:schemeClr val="lt1"/>
+              </a:buClr>
+              <a:buSzPts val="3600"/>
+              <a:buFont typeface="Arial"/>
+              <a:buNone/>
+              <a:defRPr sz="3600" b="0" i="0" u="none" strike="noStrike" cap="none">
+                <a:solidFill>
+                  <a:schemeClr val="lt1"/>
+                </a:solidFill>
+                <a:latin typeface="Arial"/>
+                <a:ea typeface="Arial"/>
+                <a:cs typeface="Arial"/>
+                <a:sym typeface="Arial"/>
+              </a:defRPr>
+            </a:lvl8pPr>
+            <a:lvl9pPr marR="0" lvl="8" algn="ctr" rtl="0">
+              <a:lnSpc>
+                <a:spcPct val="100000"/>
+              </a:lnSpc>
+              <a:spcBef>
+                <a:spcPts val="0"/>
+              </a:spcBef>
+              <a:spcAft>
+                <a:spcPts val="0"/>
+              </a:spcAft>
+              <a:buClr>
+                <a:schemeClr val="lt1"/>
+              </a:buClr>
+              <a:buSzPts val="3600"/>
+              <a:buFont typeface="Arial"/>
+              <a:buNone/>
+              <a:defRPr sz="3600" b="0" i="0" u="none" strike="noStrike" cap="none">
+                <a:solidFill>
+                  <a:schemeClr val="lt1"/>
+                </a:solidFill>
+                <a:latin typeface="Arial"/>
+                <a:ea typeface="Arial"/>
+                <a:cs typeface="Arial"/>
+                <a:sym typeface="Arial"/>
+              </a:defRPr>
+            </a:lvl9pPr>
+          </a:lstStyle>
+          <a:p>
+            <a:r>
+              <a:rPr lang="en-US" dirty="0">
+                <a:latin typeface="Times" pitchFamily="2" charset="0"/>
+              </a:rPr>
+              <a:t>Waterfall Model</a:t>
+            </a:r>
+          </a:p>
+        </p:txBody>
+      </p:sp>
+      <p:pic>
+        <p:nvPicPr>
+          <p:cNvPr id="6" name="Picture 5">
+            <a:extLst>
+              <a:ext uri="{FF2B5EF4-FFF2-40B4-BE49-F238E27FC236}">
+                <a16:creationId xmlns:a16="http://schemas.microsoft.com/office/drawing/2014/main" id="{40982561-84D3-9343-8BB9-A854826FE17B}"/>
+              </a:ext>
+            </a:extLst>
+          </p:cNvPr>
+          <p:cNvPicPr>
+            <a:picLocks noChangeAspect="1"/>
+          </p:cNvPicPr>
+          <p:nvPr/>
+        </p:nvPicPr>
+        <p:blipFill rotWithShape="1">
+          <a:blip r:embed="rId3"/>
+          <a:srcRect l="10014" t="5000" r="81980" b="5000"/>
+          <a:stretch/>
+        </p:blipFill>
+        <p:spPr>
+          <a:xfrm>
+            <a:off x="915607" y="0"/>
+            <a:ext cx="732162" cy="5143500"/>
+          </a:xfrm>
+          <a:prstGeom prst="rect">
+            <a:avLst/>
+          </a:prstGeom>
+        </p:spPr>
+      </p:pic>
+      <p:sp>
+        <p:nvSpPr>
+          <p:cNvPr id="510" name="Google Shape;510;p44"/>
+          <p:cNvSpPr txBox="1">
+            <a:spLocks noGrp="1"/>
+          </p:cNvSpPr>
+          <p:nvPr>
+            <p:ph type="title" idx="2"/>
+          </p:nvPr>
+        </p:nvSpPr>
+        <p:spPr>
+          <a:xfrm>
+            <a:off x="820488" y="1525213"/>
+            <a:ext cx="912600" cy="498000"/>
+          </a:xfrm>
+          <a:prstGeom prst="rect">
+            <a:avLst/>
+          </a:prstGeom>
+        </p:spPr>
+        <p:txBody>
+          <a:bodyPr spcFirstLastPara="1" wrap="square" lIns="91425" tIns="91425" rIns="91425" bIns="91425" anchor="ctr" anchorCtr="0">
+            <a:noAutofit/>
+          </a:bodyPr>
+          <a:lstStyle/>
+          <a:p>
+            <a:pPr marL="0" lvl="0" indent="0" algn="r" rtl="0">
+              <a:spcBef>
+                <a:spcPts val="0"/>
+              </a:spcBef>
+              <a:spcAft>
+                <a:spcPts val="0"/>
+              </a:spcAft>
+              <a:buNone/>
+            </a:pPr>
+            <a:r>
+              <a:rPr lang="en" dirty="0"/>
+              <a:t>01.</a:t>
+            </a:r>
+            <a:endParaRPr dirty="0"/>
+          </a:p>
+        </p:txBody>
+      </p:sp>
+      <p:sp>
+        <p:nvSpPr>
+          <p:cNvPr id="513" name="Google Shape;513;p44"/>
+          <p:cNvSpPr txBox="1">
+            <a:spLocks noGrp="1"/>
+          </p:cNvSpPr>
+          <p:nvPr>
+            <p:ph type="title" idx="5"/>
+          </p:nvPr>
+        </p:nvSpPr>
+        <p:spPr>
+          <a:xfrm>
+            <a:off x="818688" y="2016976"/>
+            <a:ext cx="914400" cy="498000"/>
+          </a:xfrm>
+          <a:prstGeom prst="rect">
+            <a:avLst/>
+          </a:prstGeom>
+        </p:spPr>
+        <p:txBody>
+          <a:bodyPr spcFirstLastPara="1" wrap="square" lIns="91425" tIns="91425" rIns="91425" bIns="91425" anchor="ctr" anchorCtr="0">
+            <a:noAutofit/>
+          </a:bodyPr>
+          <a:lstStyle/>
+          <a:p>
+            <a:pPr marL="0" lvl="0" indent="0" algn="r" rtl="0">
+              <a:spcBef>
+                <a:spcPts val="0"/>
+              </a:spcBef>
+              <a:spcAft>
+                <a:spcPts val="0"/>
+              </a:spcAft>
+              <a:buNone/>
+            </a:pPr>
+            <a:r>
+              <a:rPr lang="en" dirty="0"/>
+              <a:t>02.</a:t>
+            </a:r>
+            <a:endParaRPr dirty="0"/>
           </a:p>
         </p:txBody>
       </p:sp>
@@ -11825,295 +12471,14 @@
           </a:lstStyle>
           <a:p>
             <a:r>
-              <a:rPr lang="en"/>
-              <a:t>05.</a:t>
+              <a:rPr lang="en" dirty="0">
+                <a:latin typeface="Times" pitchFamily="2" charset="0"/>
+              </a:rPr>
+              <a:t>03</a:t>
             </a:r>
-            <a:endParaRPr lang="en" dirty="0"/>
-          </a:p>
-        </p:txBody>
-      </p:sp>
-      <p:sp>
-        <p:nvSpPr>
-          <p:cNvPr id="18" name="Google Shape;512;p44">
-            <a:extLst>
-              <a:ext uri="{FF2B5EF4-FFF2-40B4-BE49-F238E27FC236}">
-                <a16:creationId xmlns:a16="http://schemas.microsoft.com/office/drawing/2014/main" id="{D52F355E-F04D-3B40-A4AC-2E14AA6BB000}"/>
-              </a:ext>
-            </a:extLst>
-          </p:cNvPr>
-          <p:cNvSpPr txBox="1">
-            <a:spLocks/>
-          </p:cNvSpPr>
-          <p:nvPr/>
-        </p:nvSpPr>
-        <p:spPr>
-          <a:xfrm>
-            <a:off x="1660127" y="3072901"/>
-            <a:ext cx="2713910" cy="365700"/>
-          </a:xfrm>
-          <a:prstGeom prst="rect">
-            <a:avLst/>
-          </a:prstGeom>
-          <a:noFill/>
-          <a:ln>
-            <a:noFill/>
-          </a:ln>
-        </p:spPr>
-        <p:txBody>
-          <a:bodyPr spcFirstLastPara="1" wrap="square" lIns="91425" tIns="91425" rIns="91425" bIns="91425" anchor="ctr" anchorCtr="0">
-            <a:noAutofit/>
-          </a:bodyPr>
-          <a:lstStyle>
-            <a:defPPr marR="0" lvl="0" algn="l" rtl="0">
-              <a:lnSpc>
-                <a:spcPct val="100000"/>
-              </a:lnSpc>
-              <a:spcBef>
-                <a:spcPts val="0"/>
-              </a:spcBef>
-              <a:spcAft>
-                <a:spcPts val="0"/>
-              </a:spcAft>
-            </a:defPPr>
-            <a:lvl1pPr marR="0" lvl="0" algn="l" rtl="0">
-              <a:lnSpc>
-                <a:spcPct val="100000"/>
-              </a:lnSpc>
-              <a:spcBef>
-                <a:spcPts val="0"/>
-              </a:spcBef>
-              <a:spcAft>
-                <a:spcPts val="0"/>
-              </a:spcAft>
-              <a:buClr>
-                <a:schemeClr val="lt1"/>
-              </a:buClr>
-              <a:buSzPts val="1800"/>
-              <a:buFont typeface="Libre Baskerville"/>
-              <a:buNone/>
-              <a:defRPr sz="2000" b="1" i="0" u="none" strike="noStrike" cap="none">
-                <a:solidFill>
-                  <a:schemeClr val="dk2"/>
-                </a:solidFill>
-                <a:latin typeface="Libre Baskerville"/>
-                <a:ea typeface="Libre Baskerville"/>
-                <a:cs typeface="Libre Baskerville"/>
-                <a:sym typeface="Libre Baskerville"/>
-              </a:defRPr>
-            </a:lvl1pPr>
-            <a:lvl2pPr marR="0" lvl="1" algn="ctr" rtl="0">
-              <a:lnSpc>
-                <a:spcPct val="100000"/>
-              </a:lnSpc>
-              <a:spcBef>
-                <a:spcPts val="0"/>
-              </a:spcBef>
-              <a:spcAft>
-                <a:spcPts val="0"/>
-              </a:spcAft>
-              <a:buClr>
-                <a:schemeClr val="lt1"/>
-              </a:buClr>
-              <a:buSzPts val="3600"/>
-              <a:buFont typeface="Arial"/>
-              <a:buNone/>
-              <a:defRPr sz="3600" b="0" i="0" u="none" strike="noStrike" cap="none">
-                <a:solidFill>
-                  <a:schemeClr val="lt1"/>
-                </a:solidFill>
-                <a:latin typeface="Arial"/>
-                <a:ea typeface="Arial"/>
-                <a:cs typeface="Arial"/>
-                <a:sym typeface="Arial"/>
-              </a:defRPr>
-            </a:lvl2pPr>
-            <a:lvl3pPr marR="0" lvl="2" algn="ctr" rtl="0">
-              <a:lnSpc>
-                <a:spcPct val="100000"/>
-              </a:lnSpc>
-              <a:spcBef>
-                <a:spcPts val="0"/>
-              </a:spcBef>
-              <a:spcAft>
-                <a:spcPts val="0"/>
-              </a:spcAft>
-              <a:buClr>
-                <a:schemeClr val="lt1"/>
-              </a:buClr>
-              <a:buSzPts val="3600"/>
-              <a:buFont typeface="Arial"/>
-              <a:buNone/>
-              <a:defRPr sz="3600" b="0" i="0" u="none" strike="noStrike" cap="none">
-                <a:solidFill>
-                  <a:schemeClr val="lt1"/>
-                </a:solidFill>
-                <a:latin typeface="Arial"/>
-                <a:ea typeface="Arial"/>
-                <a:cs typeface="Arial"/>
-                <a:sym typeface="Arial"/>
-              </a:defRPr>
-            </a:lvl3pPr>
-            <a:lvl4pPr marR="0" lvl="3" algn="ctr" rtl="0">
-              <a:lnSpc>
-                <a:spcPct val="100000"/>
-              </a:lnSpc>
-              <a:spcBef>
-                <a:spcPts val="0"/>
-              </a:spcBef>
-              <a:spcAft>
-                <a:spcPts val="0"/>
-              </a:spcAft>
-              <a:buClr>
-                <a:schemeClr val="lt1"/>
-              </a:buClr>
-              <a:buSzPts val="3600"/>
-              <a:buFont typeface="Arial"/>
-              <a:buNone/>
-              <a:defRPr sz="3600" b="0" i="0" u="none" strike="noStrike" cap="none">
-                <a:solidFill>
-                  <a:schemeClr val="lt1"/>
-                </a:solidFill>
-                <a:latin typeface="Arial"/>
-                <a:ea typeface="Arial"/>
-                <a:cs typeface="Arial"/>
-                <a:sym typeface="Arial"/>
-              </a:defRPr>
-            </a:lvl4pPr>
-            <a:lvl5pPr marR="0" lvl="4" algn="ctr" rtl="0">
-              <a:lnSpc>
-                <a:spcPct val="100000"/>
-              </a:lnSpc>
-              <a:spcBef>
-                <a:spcPts val="0"/>
-              </a:spcBef>
-              <a:spcAft>
-                <a:spcPts val="0"/>
-              </a:spcAft>
-              <a:buClr>
-                <a:schemeClr val="lt1"/>
-              </a:buClr>
-              <a:buSzPts val="3600"/>
-              <a:buFont typeface="Arial"/>
-              <a:buNone/>
-              <a:defRPr sz="3600" b="0" i="0" u="none" strike="noStrike" cap="none">
-                <a:solidFill>
-                  <a:schemeClr val="lt1"/>
-                </a:solidFill>
-                <a:latin typeface="Arial"/>
-                <a:ea typeface="Arial"/>
-                <a:cs typeface="Arial"/>
-                <a:sym typeface="Arial"/>
-              </a:defRPr>
-            </a:lvl5pPr>
-            <a:lvl6pPr marR="0" lvl="5" algn="ctr" rtl="0">
-              <a:lnSpc>
-                <a:spcPct val="100000"/>
-              </a:lnSpc>
-              <a:spcBef>
-                <a:spcPts val="0"/>
-              </a:spcBef>
-              <a:spcAft>
-                <a:spcPts val="0"/>
-              </a:spcAft>
-              <a:buClr>
-                <a:schemeClr val="lt1"/>
-              </a:buClr>
-              <a:buSzPts val="3600"/>
-              <a:buFont typeface="Arial"/>
-              <a:buNone/>
-              <a:defRPr sz="3600" b="0" i="0" u="none" strike="noStrike" cap="none">
-                <a:solidFill>
-                  <a:schemeClr val="lt1"/>
-                </a:solidFill>
-                <a:latin typeface="Arial"/>
-                <a:ea typeface="Arial"/>
-                <a:cs typeface="Arial"/>
-                <a:sym typeface="Arial"/>
-              </a:defRPr>
-            </a:lvl6pPr>
-            <a:lvl7pPr marR="0" lvl="6" algn="ctr" rtl="0">
-              <a:lnSpc>
-                <a:spcPct val="100000"/>
-              </a:lnSpc>
-              <a:spcBef>
-                <a:spcPts val="0"/>
-              </a:spcBef>
-              <a:spcAft>
-                <a:spcPts val="0"/>
-              </a:spcAft>
-              <a:buClr>
-                <a:schemeClr val="lt1"/>
-              </a:buClr>
-              <a:buSzPts val="3600"/>
-              <a:buFont typeface="Arial"/>
-              <a:buNone/>
-              <a:defRPr sz="3600" b="0" i="0" u="none" strike="noStrike" cap="none">
-                <a:solidFill>
-                  <a:schemeClr val="lt1"/>
-                </a:solidFill>
-                <a:latin typeface="Arial"/>
-                <a:ea typeface="Arial"/>
-                <a:cs typeface="Arial"/>
-                <a:sym typeface="Arial"/>
-              </a:defRPr>
-            </a:lvl7pPr>
-            <a:lvl8pPr marR="0" lvl="7" algn="ctr" rtl="0">
-              <a:lnSpc>
-                <a:spcPct val="100000"/>
-              </a:lnSpc>
-              <a:spcBef>
-                <a:spcPts val="0"/>
-              </a:spcBef>
-              <a:spcAft>
-                <a:spcPts val="0"/>
-              </a:spcAft>
-              <a:buClr>
-                <a:schemeClr val="lt1"/>
-              </a:buClr>
-              <a:buSzPts val="3600"/>
-              <a:buFont typeface="Arial"/>
-              <a:buNone/>
-              <a:defRPr sz="3600" b="0" i="0" u="none" strike="noStrike" cap="none">
-                <a:solidFill>
-                  <a:schemeClr val="lt1"/>
-                </a:solidFill>
-                <a:latin typeface="Arial"/>
-                <a:ea typeface="Arial"/>
-                <a:cs typeface="Arial"/>
-                <a:sym typeface="Arial"/>
-              </a:defRPr>
-            </a:lvl8pPr>
-            <a:lvl9pPr marR="0" lvl="8" algn="ctr" rtl="0">
-              <a:lnSpc>
-                <a:spcPct val="100000"/>
-              </a:lnSpc>
-              <a:spcBef>
-                <a:spcPts val="0"/>
-              </a:spcBef>
-              <a:spcAft>
-                <a:spcPts val="0"/>
-              </a:spcAft>
-              <a:buClr>
-                <a:schemeClr val="lt1"/>
-              </a:buClr>
-              <a:buSzPts val="3600"/>
-              <a:buFont typeface="Arial"/>
-              <a:buNone/>
-              <a:defRPr sz="3600" b="0" i="0" u="none" strike="noStrike" cap="none">
-                <a:solidFill>
-                  <a:schemeClr val="lt1"/>
-                </a:solidFill>
-                <a:latin typeface="Arial"/>
-                <a:ea typeface="Arial"/>
-                <a:cs typeface="Arial"/>
-                <a:sym typeface="Arial"/>
-              </a:defRPr>
-            </a:lvl9pPr>
-          </a:lstStyle>
-          <a:p>
             <a:r>
-              <a:rPr lang="en-US" dirty="0"/>
-              <a:t>Use case diagram</a:t>
+              <a:rPr lang="en" dirty="0"/>
+              <a:t>.</a:t>
             </a:r>
           </a:p>
         </p:txBody>
@@ -12398,8 +12763,97 @@
           </a:lstStyle>
           <a:p>
             <a:r>
+              <a:rPr lang="en" dirty="0">
+                <a:latin typeface="Times" pitchFamily="2" charset="0"/>
+              </a:rPr>
+              <a:t>04</a:t>
+            </a:r>
+            <a:r>
               <a:rPr lang="en" dirty="0"/>
-              <a:t>06.</a:t>
+              <a:t>.</a:t>
+            </a:r>
+          </a:p>
+        </p:txBody>
+      </p:sp>
+      <p:sp>
+        <p:nvSpPr>
+          <p:cNvPr id="515" name="Google Shape;515;p44"/>
+          <p:cNvSpPr txBox="1">
+            <a:spLocks noGrp="1"/>
+          </p:cNvSpPr>
+          <p:nvPr>
+            <p:ph type="title" idx="7"/>
+          </p:nvPr>
+        </p:nvSpPr>
+        <p:spPr>
+          <a:xfrm>
+            <a:off x="5985327" y="1591375"/>
+            <a:ext cx="2169000" cy="365700"/>
+          </a:xfrm>
+          <a:prstGeom prst="rect">
+            <a:avLst/>
+          </a:prstGeom>
+        </p:spPr>
+        <p:txBody>
+          <a:bodyPr spcFirstLastPara="1" wrap="square" lIns="91425" tIns="91425" rIns="91425" bIns="91425" anchor="ctr" anchorCtr="0">
+            <a:noAutofit/>
+          </a:bodyPr>
+          <a:lstStyle/>
+          <a:p>
+            <a:pPr marL="0" lvl="0" indent="0" algn="l" rtl="0">
+              <a:spcBef>
+                <a:spcPts val="0"/>
+              </a:spcBef>
+              <a:spcAft>
+                <a:spcPts val="0"/>
+              </a:spcAft>
+              <a:buNone/>
+            </a:pPr>
+            <a:r>
+              <a:rPr lang="en" dirty="0"/>
+              <a:t>Objectives</a:t>
+            </a:r>
+            <a:endParaRPr dirty="0"/>
+          </a:p>
+        </p:txBody>
+      </p:sp>
+      <p:sp>
+        <p:nvSpPr>
+          <p:cNvPr id="518" name="Google Shape;518;p44"/>
+          <p:cNvSpPr txBox="1">
+            <a:spLocks noGrp="1"/>
+          </p:cNvSpPr>
+          <p:nvPr>
+            <p:ph type="title" idx="13"/>
+          </p:nvPr>
+        </p:nvSpPr>
+        <p:spPr>
+          <a:xfrm>
+            <a:off x="5985327" y="2083138"/>
+            <a:ext cx="2169000" cy="365700"/>
+          </a:xfrm>
+          <a:prstGeom prst="rect">
+            <a:avLst/>
+          </a:prstGeom>
+        </p:spPr>
+        <p:txBody>
+          <a:bodyPr spcFirstLastPara="1" wrap="square" lIns="91425" tIns="91425" rIns="91425" bIns="91425" anchor="ctr" anchorCtr="0">
+            <a:noAutofit/>
+          </a:bodyPr>
+          <a:lstStyle/>
+          <a:p>
+            <a:pPr marL="0" lvl="0" indent="0" algn="l" rtl="0">
+              <a:spcBef>
+                <a:spcPts val="0"/>
+              </a:spcBef>
+              <a:spcAft>
+                <a:spcPts val="0"/>
+              </a:spcAft>
+              <a:buNone/>
+            </a:pPr>
+            <a:r>
+              <a:rPr lang="en-US" dirty="0"/>
+              <a:t>Scope</a:t>
             </a:r>
           </a:p>
         </p:txBody>
@@ -12421,6 +12875,294 @@
         <p:spPr>
           <a:xfrm>
             <a:off x="5985327" y="2581138"/>
+            <a:ext cx="2652046" cy="365700"/>
+          </a:xfrm>
+          <a:prstGeom prst="rect">
+            <a:avLst/>
+          </a:prstGeom>
+          <a:noFill/>
+          <a:ln>
+            <a:noFill/>
+          </a:ln>
+        </p:spPr>
+        <p:txBody>
+          <a:bodyPr spcFirstLastPara="1" wrap="square" lIns="91425" tIns="91425" rIns="91425" bIns="91425" anchor="ctr" anchorCtr="0">
+            <a:noAutofit/>
+          </a:bodyPr>
+          <a:lstStyle>
+            <a:defPPr marR="0" lvl="0" algn="l" rtl="0">
+              <a:lnSpc>
+                <a:spcPct val="100000"/>
+              </a:lnSpc>
+              <a:spcBef>
+                <a:spcPts val="0"/>
+              </a:spcBef>
+              <a:spcAft>
+                <a:spcPts val="0"/>
+              </a:spcAft>
+            </a:defPPr>
+            <a:lvl1pPr marR="0" lvl="0" algn="l" rtl="0">
+              <a:lnSpc>
+                <a:spcPct val="100000"/>
+              </a:lnSpc>
+              <a:spcBef>
+                <a:spcPts val="0"/>
+              </a:spcBef>
+              <a:spcAft>
+                <a:spcPts val="0"/>
+              </a:spcAft>
+              <a:buClr>
+                <a:schemeClr val="lt1"/>
+              </a:buClr>
+              <a:buSzPts val="1800"/>
+              <a:buFont typeface="Libre Baskerville"/>
+              <a:buNone/>
+              <a:defRPr sz="2000" b="1" i="0" u="none" strike="noStrike" cap="none">
+                <a:solidFill>
+                  <a:schemeClr val="dk2"/>
+                </a:solidFill>
+                <a:latin typeface="Libre Baskerville"/>
+                <a:ea typeface="Libre Baskerville"/>
+                <a:cs typeface="Libre Baskerville"/>
+                <a:sym typeface="Libre Baskerville"/>
+              </a:defRPr>
+            </a:lvl1pPr>
+            <a:lvl2pPr marR="0" lvl="1" algn="ctr" rtl="0">
+              <a:lnSpc>
+                <a:spcPct val="100000"/>
+              </a:lnSpc>
+              <a:spcBef>
+                <a:spcPts val="0"/>
+              </a:spcBef>
+              <a:spcAft>
+                <a:spcPts val="0"/>
+              </a:spcAft>
+              <a:buClr>
+                <a:schemeClr val="lt1"/>
+              </a:buClr>
+              <a:buSzPts val="3600"/>
+              <a:buFont typeface="Arial"/>
+              <a:buNone/>
+              <a:defRPr sz="3600" b="0" i="0" u="none" strike="noStrike" cap="none">
+                <a:solidFill>
+                  <a:schemeClr val="lt1"/>
+                </a:solidFill>
+                <a:latin typeface="Arial"/>
+                <a:ea typeface="Arial"/>
+                <a:cs typeface="Arial"/>
+                <a:sym typeface="Arial"/>
+              </a:defRPr>
+            </a:lvl2pPr>
+            <a:lvl3pPr marR="0" lvl="2" algn="ctr" rtl="0">
+              <a:lnSpc>
+                <a:spcPct val="100000"/>
+              </a:lnSpc>
+              <a:spcBef>
+                <a:spcPts val="0"/>
+              </a:spcBef>
+              <a:spcAft>
+                <a:spcPts val="0"/>
+              </a:spcAft>
+              <a:buClr>
+                <a:schemeClr val="lt1"/>
+              </a:buClr>
+              <a:buSzPts val="3600"/>
+              <a:buFont typeface="Arial"/>
+              <a:buNone/>
+              <a:defRPr sz="3600" b="0" i="0" u="none" strike="noStrike" cap="none">
+                <a:solidFill>
+                  <a:schemeClr val="lt1"/>
+                </a:solidFill>
+                <a:latin typeface="Arial"/>
+                <a:ea typeface="Arial"/>
+                <a:cs typeface="Arial"/>
+                <a:sym typeface="Arial"/>
+              </a:defRPr>
+            </a:lvl3pPr>
+            <a:lvl4pPr marR="0" lvl="3" algn="ctr" rtl="0">
+              <a:lnSpc>
+                <a:spcPct val="100000"/>
+              </a:lnSpc>
+              <a:spcBef>
+                <a:spcPts val="0"/>
+              </a:spcBef>
+              <a:spcAft>
+                <a:spcPts val="0"/>
+              </a:spcAft>
+              <a:buClr>
+                <a:schemeClr val="lt1"/>
+              </a:buClr>
+              <a:buSzPts val="3600"/>
+              <a:buFont typeface="Arial"/>
+              <a:buNone/>
+              <a:defRPr sz="3600" b="0" i="0" u="none" strike="noStrike" cap="none">
+                <a:solidFill>
+                  <a:schemeClr val="lt1"/>
+                </a:solidFill>
+                <a:latin typeface="Arial"/>
+                <a:ea typeface="Arial"/>
+                <a:cs typeface="Arial"/>
+                <a:sym typeface="Arial"/>
+              </a:defRPr>
+            </a:lvl4pPr>
+            <a:lvl5pPr marR="0" lvl="4" algn="ctr" rtl="0">
+              <a:lnSpc>
+                <a:spcPct val="100000"/>
+              </a:lnSpc>
+              <a:spcBef>
+                <a:spcPts val="0"/>
+              </a:spcBef>
+              <a:spcAft>
+                <a:spcPts val="0"/>
+              </a:spcAft>
+              <a:buClr>
+                <a:schemeClr val="lt1"/>
+              </a:buClr>
+              <a:buSzPts val="3600"/>
+              <a:buFont typeface="Arial"/>
+              <a:buNone/>
+              <a:defRPr sz="3600" b="0" i="0" u="none" strike="noStrike" cap="none">
+                <a:solidFill>
+                  <a:schemeClr val="lt1"/>
+                </a:solidFill>
+                <a:latin typeface="Arial"/>
+                <a:ea typeface="Arial"/>
+                <a:cs typeface="Arial"/>
+                <a:sym typeface="Arial"/>
+              </a:defRPr>
+            </a:lvl5pPr>
+            <a:lvl6pPr marR="0" lvl="5" algn="ctr" rtl="0">
+              <a:lnSpc>
+                <a:spcPct val="100000"/>
+              </a:lnSpc>
+              <a:spcBef>
+                <a:spcPts val="0"/>
+              </a:spcBef>
+              <a:spcAft>
+                <a:spcPts val="0"/>
+              </a:spcAft>
+              <a:buClr>
+                <a:schemeClr val="lt1"/>
+              </a:buClr>
+              <a:buSzPts val="3600"/>
+              <a:buFont typeface="Arial"/>
+              <a:buNone/>
+              <a:defRPr sz="3600" b="0" i="0" u="none" strike="noStrike" cap="none">
+                <a:solidFill>
+                  <a:schemeClr val="lt1"/>
+                </a:solidFill>
+                <a:latin typeface="Arial"/>
+                <a:ea typeface="Arial"/>
+                <a:cs typeface="Arial"/>
+                <a:sym typeface="Arial"/>
+              </a:defRPr>
+            </a:lvl6pPr>
+            <a:lvl7pPr marR="0" lvl="6" algn="ctr" rtl="0">
+              <a:lnSpc>
+                <a:spcPct val="100000"/>
+              </a:lnSpc>
+              <a:spcBef>
+                <a:spcPts val="0"/>
+              </a:spcBef>
+              <a:spcAft>
+                <a:spcPts val="0"/>
+              </a:spcAft>
+              <a:buClr>
+                <a:schemeClr val="lt1"/>
+              </a:buClr>
+              <a:buSzPts val="3600"/>
+              <a:buFont typeface="Arial"/>
+              <a:buNone/>
+              <a:defRPr sz="3600" b="0" i="0" u="none" strike="noStrike" cap="none">
+                <a:solidFill>
+                  <a:schemeClr val="lt1"/>
+                </a:solidFill>
+                <a:latin typeface="Arial"/>
+                <a:ea typeface="Arial"/>
+                <a:cs typeface="Arial"/>
+                <a:sym typeface="Arial"/>
+              </a:defRPr>
+            </a:lvl7pPr>
+            <a:lvl8pPr marR="0" lvl="7" algn="ctr" rtl="0">
+              <a:lnSpc>
+                <a:spcPct val="100000"/>
+              </a:lnSpc>
+              <a:spcBef>
+                <a:spcPts val="0"/>
+              </a:spcBef>
+              <a:spcAft>
+                <a:spcPts val="0"/>
+              </a:spcAft>
+              <a:buClr>
+                <a:schemeClr val="lt1"/>
+              </a:buClr>
+              <a:buSzPts val="3600"/>
+              <a:buFont typeface="Arial"/>
+              <a:buNone/>
+              <a:defRPr sz="3600" b="0" i="0" u="none" strike="noStrike" cap="none">
+                <a:solidFill>
+                  <a:schemeClr val="lt1"/>
+                </a:solidFill>
+                <a:latin typeface="Arial"/>
+                <a:ea typeface="Arial"/>
+                <a:cs typeface="Arial"/>
+                <a:sym typeface="Arial"/>
+              </a:defRPr>
+            </a:lvl8pPr>
+            <a:lvl9pPr marR="0" lvl="8" algn="ctr" rtl="0">
+              <a:lnSpc>
+                <a:spcPct val="100000"/>
+              </a:lnSpc>
+              <a:spcBef>
+                <a:spcPts val="0"/>
+              </a:spcBef>
+              <a:spcAft>
+                <a:spcPts val="0"/>
+              </a:spcAft>
+              <a:buClr>
+                <a:schemeClr val="lt1"/>
+              </a:buClr>
+              <a:buSzPts val="3600"/>
+              <a:buFont typeface="Arial"/>
+              <a:buNone/>
+              <a:defRPr sz="3600" b="0" i="0" u="none" strike="noStrike" cap="none">
+                <a:solidFill>
+                  <a:schemeClr val="lt1"/>
+                </a:solidFill>
+                <a:latin typeface="Arial"/>
+                <a:ea typeface="Arial"/>
+                <a:cs typeface="Arial"/>
+                <a:sym typeface="Arial"/>
+              </a:defRPr>
+            </a:lvl9pPr>
+          </a:lstStyle>
+          <a:p>
+            <a:r>
+              <a:rPr lang="en-US" dirty="0">
+                <a:latin typeface="Times" pitchFamily="2" charset="0"/>
+              </a:rPr>
+              <a:t>Use case diagram</a:t>
+            </a:r>
+          </a:p>
+        </p:txBody>
+      </p:sp>
+      <p:sp>
+        <p:nvSpPr>
+          <p:cNvPr id="22" name="Google Shape;515;p44">
+            <a:extLst>
+              <a:ext uri="{FF2B5EF4-FFF2-40B4-BE49-F238E27FC236}">
+                <a16:creationId xmlns:a16="http://schemas.microsoft.com/office/drawing/2014/main" id="{EF43D1B4-A3F6-7B4D-AD11-9DB426F3457B}"/>
+              </a:ext>
+            </a:extLst>
+          </p:cNvPr>
+          <p:cNvSpPr txBox="1">
+            <a:spLocks/>
+          </p:cNvSpPr>
+          <p:nvPr/>
+        </p:nvSpPr>
+        <p:spPr>
+          <a:xfrm>
+            <a:off x="5985327" y="3014771"/>
             <a:ext cx="2169000" cy="365700"/>
           </a:xfrm>
           <a:prstGeom prst="rect">
@@ -12684,10 +13426,124 @@
           </a:lstStyle>
           <a:p>
             <a:r>
-              <a:rPr lang="en-US"/>
+              <a:rPr lang="en-US" dirty="0">
+                <a:latin typeface="Times" pitchFamily="2" charset="0"/>
+              </a:rPr>
               <a:t>Conclusion</a:t>
             </a:r>
-            <a:endParaRPr lang="en-US" dirty="0"/>
+          </a:p>
+        </p:txBody>
+      </p:sp>
+      <p:pic>
+        <p:nvPicPr>
+          <p:cNvPr id="24" name="Picture 23">
+            <a:extLst>
+              <a:ext uri="{FF2B5EF4-FFF2-40B4-BE49-F238E27FC236}">
+                <a16:creationId xmlns:a16="http://schemas.microsoft.com/office/drawing/2014/main" id="{B3BE5893-A0E4-8F4E-8461-D7B0B7D360A9}"/>
+              </a:ext>
+            </a:extLst>
+          </p:cNvPr>
+          <p:cNvPicPr>
+            <a:picLocks noChangeAspect="1"/>
+          </p:cNvPicPr>
+          <p:nvPr/>
+        </p:nvPicPr>
+        <p:blipFill rotWithShape="1">
+          <a:blip r:embed="rId3"/>
+          <a:srcRect l="56709" t="5000" r="33427" b="5000"/>
+          <a:stretch/>
+        </p:blipFill>
+        <p:spPr>
+          <a:xfrm>
+            <a:off x="5130912" y="0"/>
+            <a:ext cx="902043" cy="5143500"/>
+          </a:xfrm>
+          <a:prstGeom prst="rect">
+            <a:avLst/>
+          </a:prstGeom>
+        </p:spPr>
+      </p:pic>
+      <p:sp>
+        <p:nvSpPr>
+          <p:cNvPr id="516" name="Google Shape;516;p44"/>
+          <p:cNvSpPr txBox="1">
+            <a:spLocks noGrp="1"/>
+          </p:cNvSpPr>
+          <p:nvPr>
+            <p:ph type="title" idx="8"/>
+          </p:nvPr>
+        </p:nvSpPr>
+        <p:spPr>
+          <a:xfrm>
+            <a:off x="5130913" y="1525213"/>
+            <a:ext cx="914400" cy="498000"/>
+          </a:xfrm>
+          <a:prstGeom prst="rect">
+            <a:avLst/>
+          </a:prstGeom>
+        </p:spPr>
+        <p:txBody>
+          <a:bodyPr spcFirstLastPara="1" wrap="square" lIns="91425" tIns="91425" rIns="91425" bIns="91425" anchor="ctr" anchorCtr="0">
+            <a:noAutofit/>
+          </a:bodyPr>
+          <a:lstStyle/>
+          <a:p>
+            <a:pPr marL="0" lvl="0" indent="0" algn="r" rtl="0">
+              <a:spcBef>
+                <a:spcPts val="0"/>
+              </a:spcBef>
+              <a:spcAft>
+                <a:spcPts val="0"/>
+              </a:spcAft>
+              <a:buNone/>
+            </a:pPr>
+            <a:r>
+              <a:rPr lang="en" dirty="0"/>
+              <a:t>05.</a:t>
+            </a:r>
+            <a:endParaRPr dirty="0"/>
+          </a:p>
+        </p:txBody>
+      </p:sp>
+      <p:sp>
+        <p:nvSpPr>
+          <p:cNvPr id="519" name="Google Shape;519;p44"/>
+          <p:cNvSpPr txBox="1">
+            <a:spLocks noGrp="1"/>
+          </p:cNvSpPr>
+          <p:nvPr>
+            <p:ph type="title" idx="14"/>
+          </p:nvPr>
+        </p:nvSpPr>
+        <p:spPr>
+          <a:xfrm>
+            <a:off x="5130913" y="2016976"/>
+            <a:ext cx="914400" cy="498000"/>
+          </a:xfrm>
+          <a:prstGeom prst="rect">
+            <a:avLst/>
+          </a:prstGeom>
+        </p:spPr>
+        <p:txBody>
+          <a:bodyPr spcFirstLastPara="1" wrap="square" lIns="91425" tIns="91425" rIns="91425" bIns="91425" anchor="ctr" anchorCtr="0">
+            <a:noAutofit/>
+          </a:bodyPr>
+          <a:lstStyle/>
+          <a:p>
+            <a:pPr marL="0" lvl="0" indent="0" algn="r" rtl="0">
+              <a:spcBef>
+                <a:spcPts val="0"/>
+              </a:spcBef>
+              <a:spcAft>
+                <a:spcPts val="0"/>
+              </a:spcAft>
+              <a:buNone/>
+            </a:pPr>
+            <a:r>
+              <a:rPr lang="en" dirty="0"/>
+              <a:t>06.</a:t>
+            </a:r>
+            <a:endParaRPr dirty="0"/>
           </a:p>
         </p:txBody>
       </p:sp>
@@ -12707,7 +13563,7 @@
         </p:nvSpPr>
         <p:spPr>
           <a:xfrm>
-            <a:off x="5130913" y="2514976"/>
+            <a:off x="5118556" y="2514976"/>
             <a:ext cx="914400" cy="498000"/>
           </a:xfrm>
           <a:prstGeom prst="rect">
@@ -12971,10 +13827,341 @@
           </a:lstStyle>
           <a:p>
             <a:r>
-              <a:rPr lang="en"/>
+              <a:rPr lang="en" dirty="0">
+                <a:latin typeface="Times" pitchFamily="2" charset="0"/>
+              </a:rPr>
               <a:t>07.</a:t>
             </a:r>
-            <a:endParaRPr lang="en" dirty="0"/>
+          </a:p>
+        </p:txBody>
+      </p:sp>
+      <p:sp>
+        <p:nvSpPr>
+          <p:cNvPr id="23" name="Google Shape;516;p44">
+            <a:extLst>
+              <a:ext uri="{FF2B5EF4-FFF2-40B4-BE49-F238E27FC236}">
+                <a16:creationId xmlns:a16="http://schemas.microsoft.com/office/drawing/2014/main" id="{34C91A84-9FF1-4141-9CFD-74D569D104BE}"/>
+              </a:ext>
+            </a:extLst>
+          </p:cNvPr>
+          <p:cNvSpPr txBox="1">
+            <a:spLocks/>
+          </p:cNvSpPr>
+          <p:nvPr/>
+        </p:nvSpPr>
+        <p:spPr>
+          <a:xfrm>
+            <a:off x="5118556" y="2948609"/>
+            <a:ext cx="914400" cy="498000"/>
+          </a:xfrm>
+          <a:prstGeom prst="rect">
+            <a:avLst/>
+          </a:prstGeom>
+          <a:noFill/>
+          <a:ln>
+            <a:noFill/>
+          </a:ln>
+        </p:spPr>
+        <p:txBody>
+          <a:bodyPr spcFirstLastPara="1" wrap="square" lIns="91425" tIns="91425" rIns="91425" bIns="91425" anchor="ctr" anchorCtr="0">
+            <a:noAutofit/>
+          </a:bodyPr>
+          <a:lstStyle>
+            <a:defPPr marR="0" lvl="0" algn="l" rtl="0">
+              <a:lnSpc>
+                <a:spcPct val="100000"/>
+              </a:lnSpc>
+              <a:spcBef>
+                <a:spcPts val="0"/>
+              </a:spcBef>
+              <a:spcAft>
+                <a:spcPts val="0"/>
+              </a:spcAft>
+            </a:defPPr>
+            <a:lvl1pPr marR="0" lvl="0" algn="r" rtl="0">
+              <a:lnSpc>
+                <a:spcPct val="100000"/>
+              </a:lnSpc>
+              <a:spcBef>
+                <a:spcPts val="0"/>
+              </a:spcBef>
+              <a:spcAft>
+                <a:spcPts val="0"/>
+              </a:spcAft>
+              <a:buClr>
+                <a:schemeClr val="accent5"/>
+              </a:buClr>
+              <a:buSzPts val="3600"/>
+              <a:buFont typeface="Libre Baskerville"/>
+              <a:buNone/>
+              <a:defRPr sz="3400" b="1" i="0" u="none" strike="noStrike" cap="none">
+                <a:solidFill>
+                  <a:schemeClr val="dk2"/>
+                </a:solidFill>
+                <a:latin typeface="Libre Baskerville"/>
+                <a:ea typeface="Libre Baskerville"/>
+                <a:cs typeface="Libre Baskerville"/>
+                <a:sym typeface="Libre Baskerville"/>
+              </a:defRPr>
+            </a:lvl1pPr>
+            <a:lvl2pPr marR="0" lvl="1" algn="ctr" rtl="0">
+              <a:lnSpc>
+                <a:spcPct val="100000"/>
+              </a:lnSpc>
+              <a:spcBef>
+                <a:spcPts val="0"/>
+              </a:spcBef>
+              <a:spcAft>
+                <a:spcPts val="0"/>
+              </a:spcAft>
+              <a:buClr>
+                <a:schemeClr val="accent5"/>
+              </a:buClr>
+              <a:buSzPts val="3600"/>
+              <a:buFont typeface="Arial"/>
+              <a:buNone/>
+              <a:defRPr sz="3600" b="0" i="0" u="none" strike="noStrike" cap="none">
+                <a:solidFill>
+                  <a:schemeClr val="accent5"/>
+                </a:solidFill>
+                <a:latin typeface="Arial"/>
+                <a:ea typeface="Arial"/>
+                <a:cs typeface="Arial"/>
+                <a:sym typeface="Arial"/>
+              </a:defRPr>
+            </a:lvl2pPr>
+            <a:lvl3pPr marR="0" lvl="2" algn="ctr" rtl="0">
+              <a:lnSpc>
+                <a:spcPct val="100000"/>
+              </a:lnSpc>
+              <a:spcBef>
+                <a:spcPts val="0"/>
+              </a:spcBef>
+              <a:spcAft>
+                <a:spcPts val="0"/>
+              </a:spcAft>
+              <a:buClr>
+                <a:schemeClr val="accent5"/>
+              </a:buClr>
+              <a:buSzPts val="3600"/>
+              <a:buFont typeface="Arial"/>
+              <a:buNone/>
+              <a:defRPr sz="3600" b="0" i="0" u="none" strike="noStrike" cap="none">
+                <a:solidFill>
+                  <a:schemeClr val="accent5"/>
+                </a:solidFill>
+                <a:latin typeface="Arial"/>
+                <a:ea typeface="Arial"/>
+                <a:cs typeface="Arial"/>
+                <a:sym typeface="Arial"/>
+              </a:defRPr>
+            </a:lvl3pPr>
+            <a:lvl4pPr marR="0" lvl="3" algn="ctr" rtl="0">
+              <a:lnSpc>
+                <a:spcPct val="100000"/>
+              </a:lnSpc>
+              <a:spcBef>
+                <a:spcPts val="0"/>
+              </a:spcBef>
+              <a:spcAft>
+                <a:spcPts val="0"/>
+              </a:spcAft>
+              <a:buClr>
+                <a:schemeClr val="accent5"/>
+              </a:buClr>
+              <a:buSzPts val="3600"/>
+              <a:buFont typeface="Arial"/>
+              <a:buNone/>
+              <a:defRPr sz="3600" b="0" i="0" u="none" strike="noStrike" cap="none">
+                <a:solidFill>
+                  <a:schemeClr val="accent5"/>
+                </a:solidFill>
+                <a:latin typeface="Arial"/>
+                <a:ea typeface="Arial"/>
+                <a:cs typeface="Arial"/>
+                <a:sym typeface="Arial"/>
+              </a:defRPr>
+            </a:lvl4pPr>
+            <a:lvl5pPr marR="0" lvl="4" algn="ctr" rtl="0">
+              <a:lnSpc>
+                <a:spcPct val="100000"/>
+              </a:lnSpc>
+              <a:spcBef>
+                <a:spcPts val="0"/>
+              </a:spcBef>
+              <a:spcAft>
+                <a:spcPts val="0"/>
+              </a:spcAft>
+              <a:buClr>
+                <a:schemeClr val="accent5"/>
+              </a:buClr>
+              <a:buSzPts val="3600"/>
+              <a:buFont typeface="Arial"/>
+              <a:buNone/>
+              <a:defRPr sz="3600" b="0" i="0" u="none" strike="noStrike" cap="none">
+                <a:solidFill>
+                  <a:schemeClr val="accent5"/>
+                </a:solidFill>
+                <a:latin typeface="Arial"/>
+                <a:ea typeface="Arial"/>
+                <a:cs typeface="Arial"/>
+                <a:sym typeface="Arial"/>
+              </a:defRPr>
+            </a:lvl5pPr>
+            <a:lvl6pPr marR="0" lvl="5" algn="ctr" rtl="0">
+              <a:lnSpc>
+                <a:spcPct val="100000"/>
+              </a:lnSpc>
+              <a:spcBef>
+                <a:spcPts val="0"/>
+              </a:spcBef>
+              <a:spcAft>
+                <a:spcPts val="0"/>
+              </a:spcAft>
+              <a:buClr>
+                <a:schemeClr val="accent5"/>
+              </a:buClr>
+              <a:buSzPts val="3600"/>
+              <a:buFont typeface="Arial"/>
+              <a:buNone/>
+              <a:defRPr sz="3600" b="0" i="0" u="none" strike="noStrike" cap="none">
+                <a:solidFill>
+                  <a:schemeClr val="accent5"/>
+                </a:solidFill>
+                <a:latin typeface="Arial"/>
+                <a:ea typeface="Arial"/>
+                <a:cs typeface="Arial"/>
+                <a:sym typeface="Arial"/>
+              </a:defRPr>
+            </a:lvl6pPr>
+            <a:lvl7pPr marR="0" lvl="6" algn="ctr" rtl="0">
+              <a:lnSpc>
+                <a:spcPct val="100000"/>
+              </a:lnSpc>
+              <a:spcBef>
+                <a:spcPts val="0"/>
+              </a:spcBef>
+              <a:spcAft>
+                <a:spcPts val="0"/>
+              </a:spcAft>
+              <a:buClr>
+                <a:schemeClr val="accent5"/>
+              </a:buClr>
+              <a:buSzPts val="3600"/>
+              <a:buFont typeface="Arial"/>
+              <a:buNone/>
+              <a:defRPr sz="3600" b="0" i="0" u="none" strike="noStrike" cap="none">
+                <a:solidFill>
+                  <a:schemeClr val="accent5"/>
+                </a:solidFill>
+                <a:latin typeface="Arial"/>
+                <a:ea typeface="Arial"/>
+                <a:cs typeface="Arial"/>
+                <a:sym typeface="Arial"/>
+              </a:defRPr>
+            </a:lvl7pPr>
+            <a:lvl8pPr marR="0" lvl="7" algn="ctr" rtl="0">
+              <a:lnSpc>
+                <a:spcPct val="100000"/>
+              </a:lnSpc>
+              <a:spcBef>
+                <a:spcPts val="0"/>
+              </a:spcBef>
+              <a:spcAft>
+                <a:spcPts val="0"/>
+              </a:spcAft>
+              <a:buClr>
+                <a:schemeClr val="accent5"/>
+              </a:buClr>
+              <a:buSzPts val="3600"/>
+              <a:buFont typeface="Arial"/>
+              <a:buNone/>
+              <a:defRPr sz="3600" b="0" i="0" u="none" strike="noStrike" cap="none">
+                <a:solidFill>
+                  <a:schemeClr val="accent5"/>
+                </a:solidFill>
+                <a:latin typeface="Arial"/>
+                <a:ea typeface="Arial"/>
+                <a:cs typeface="Arial"/>
+                <a:sym typeface="Arial"/>
+              </a:defRPr>
+            </a:lvl8pPr>
+            <a:lvl9pPr marR="0" lvl="8" algn="ctr" rtl="0">
+              <a:lnSpc>
+                <a:spcPct val="100000"/>
+              </a:lnSpc>
+              <a:spcBef>
+                <a:spcPts val="0"/>
+              </a:spcBef>
+              <a:spcAft>
+                <a:spcPts val="0"/>
+              </a:spcAft>
+              <a:buClr>
+                <a:schemeClr val="accent5"/>
+              </a:buClr>
+              <a:buSzPts val="3600"/>
+              <a:buFont typeface="Arial"/>
+              <a:buNone/>
+              <a:defRPr sz="3600" b="0" i="0" u="none" strike="noStrike" cap="none">
+                <a:solidFill>
+                  <a:schemeClr val="accent5"/>
+                </a:solidFill>
+                <a:latin typeface="Arial"/>
+                <a:ea typeface="Arial"/>
+                <a:cs typeface="Arial"/>
+                <a:sym typeface="Arial"/>
+              </a:defRPr>
+            </a:lvl9pPr>
+          </a:lstStyle>
+          <a:p>
+            <a:r>
+              <a:rPr lang="en" dirty="0">
+                <a:latin typeface="Times" pitchFamily="2" charset="0"/>
+              </a:rPr>
+              <a:t>08.</a:t>
+            </a:r>
+          </a:p>
+        </p:txBody>
+      </p:sp>
+      <p:sp>
+        <p:nvSpPr>
+          <p:cNvPr id="520" name="Google Shape;520;p44"/>
+          <p:cNvSpPr txBox="1">
+            <a:spLocks noGrp="1"/>
+          </p:cNvSpPr>
+          <p:nvPr>
+            <p:ph type="title" idx="15"/>
+          </p:nvPr>
+        </p:nvSpPr>
+        <p:spPr>
+          <a:xfrm>
+            <a:off x="714125" y="546825"/>
+            <a:ext cx="7715700" cy="365700"/>
+          </a:xfrm>
+          <a:prstGeom prst="rect">
+            <a:avLst/>
+          </a:prstGeom>
+        </p:spPr>
+        <p:txBody>
+          <a:bodyPr spcFirstLastPara="1" wrap="square" lIns="91425" tIns="91425" rIns="91425" bIns="91425" anchor="ctr" anchorCtr="0">
+            <a:noAutofit/>
+          </a:bodyPr>
+          <a:lstStyle/>
+          <a:p>
+            <a:pPr marL="0" lvl="0" indent="0" algn="ctr" rtl="0">
+              <a:spcBef>
+                <a:spcPts val="0"/>
+              </a:spcBef>
+              <a:spcAft>
+                <a:spcPts val="0"/>
+              </a:spcAft>
+              <a:buNone/>
+            </a:pPr>
+            <a:r>
+              <a:rPr lang="en" dirty="0"/>
+              <a:t>Table of Contents</a:t>
+            </a:r>
+            <a:endParaRPr dirty="0"/>
           </a:p>
         </p:txBody>
       </p:sp>
@@ -12983,6 +14170,1359 @@
   <p:clrMapOvr>
     <a:masterClrMapping/>
   </p:clrMapOvr>
+  <mc:AlternateContent xmlns:mc="http://schemas.openxmlformats.org/markup-compatibility/2006">
+    <mc:Choice xmlns:p159="http://schemas.microsoft.com/office/powerpoint/2015/09/main" Requires="p159">
+      <p:transition xmlns:p14="http://schemas.microsoft.com/office/powerpoint/2010/main" spd="slow" p14:dur="2000">
+        <p159:morph option="byObject"/>
+      </p:transition>
+    </mc:Choice>
+    <mc:Fallback>
+      <p:transition spd="slow">
+        <p:fade/>
+      </p:transition>
+    </mc:Fallback>
+  </mc:AlternateContent>
+  <p:timing>
+    <p:tnLst>
+      <p:par>
+        <p:cTn id="1" dur="indefinite" restart="never" nodeType="tmRoot">
+          <p:childTnLst>
+            <p:seq concurrent="1" nextAc="seek">
+              <p:cTn id="2" dur="indefinite" nodeType="mainSeq">
+                <p:childTnLst>
+                  <p:par>
+                    <p:cTn id="3" fill="hold">
+                      <p:stCondLst>
+                        <p:cond delay="indefinite"/>
+                      </p:stCondLst>
+                      <p:childTnLst>
+                        <p:par>
+                          <p:cTn id="4" fill="hold">
+                            <p:stCondLst>
+                              <p:cond delay="0"/>
+                            </p:stCondLst>
+                            <p:childTnLst>
+                              <p:par>
+                                <p:cTn id="5" presetID="2" presetClass="entr" presetSubtype="1" fill="hold" grpId="0" nodeType="clickEffect">
+                                  <p:stCondLst>
+                                    <p:cond delay="0"/>
+                                  </p:stCondLst>
+                                  <p:childTnLst>
+                                    <p:set>
+                                      <p:cBhvr>
+                                        <p:cTn id="6" dur="1" fill="hold">
+                                          <p:stCondLst>
+                                            <p:cond delay="0"/>
+                                          </p:stCondLst>
+                                        </p:cTn>
+                                        <p:tgtEl>
+                                          <p:spTgt spid="520"/>
+                                        </p:tgtEl>
+                                        <p:attrNameLst>
+                                          <p:attrName>style.visibility</p:attrName>
+                                        </p:attrNameLst>
+                                      </p:cBhvr>
+                                      <p:to>
+                                        <p:strVal val="visible"/>
+                                      </p:to>
+                                    </p:set>
+                                    <p:anim calcmode="lin" valueType="num">
+                                      <p:cBhvr additive="base">
+                                        <p:cTn id="7" dur="500" fill="hold"/>
+                                        <p:tgtEl>
+                                          <p:spTgt spid="520"/>
+                                        </p:tgtEl>
+                                        <p:attrNameLst>
+                                          <p:attrName>ppt_x</p:attrName>
+                                        </p:attrNameLst>
+                                      </p:cBhvr>
+                                      <p:tavLst>
+                                        <p:tav tm="0">
+                                          <p:val>
+                                            <p:strVal val="#ppt_x"/>
+                                          </p:val>
+                                        </p:tav>
+                                        <p:tav tm="100000">
+                                          <p:val>
+                                            <p:strVal val="#ppt_x"/>
+                                          </p:val>
+                                        </p:tav>
+                                      </p:tavLst>
+                                    </p:anim>
+                                    <p:anim calcmode="lin" valueType="num">
+                                      <p:cBhvr additive="base">
+                                        <p:cTn id="8" dur="500" fill="hold"/>
+                                        <p:tgtEl>
+                                          <p:spTgt spid="520"/>
+                                        </p:tgtEl>
+                                        <p:attrNameLst>
+                                          <p:attrName>ppt_y</p:attrName>
+                                        </p:attrNameLst>
+                                      </p:cBhvr>
+                                      <p:tavLst>
+                                        <p:tav tm="0">
+                                          <p:val>
+                                            <p:strVal val="0-#ppt_h/2"/>
+                                          </p:val>
+                                        </p:tav>
+                                        <p:tav tm="100000">
+                                          <p:val>
+                                            <p:strVal val="#ppt_y"/>
+                                          </p:val>
+                                        </p:tav>
+                                      </p:tavLst>
+                                    </p:anim>
+                                  </p:childTnLst>
+                                </p:cTn>
+                              </p:par>
+                            </p:childTnLst>
+                          </p:cTn>
+                        </p:par>
+                        <p:par>
+                          <p:cTn id="9" fill="hold">
+                            <p:stCondLst>
+                              <p:cond delay="500"/>
+                            </p:stCondLst>
+                            <p:childTnLst>
+                              <p:par>
+                                <p:cTn id="10" presetID="2" presetClass="entr" presetSubtype="8" fill="hold" grpId="0" nodeType="afterEffect">
+                                  <p:stCondLst>
+                                    <p:cond delay="0"/>
+                                  </p:stCondLst>
+                                  <p:childTnLst>
+                                    <p:set>
+                                      <p:cBhvr>
+                                        <p:cTn id="11" dur="1" fill="hold">
+                                          <p:stCondLst>
+                                            <p:cond delay="0"/>
+                                          </p:stCondLst>
+                                        </p:cTn>
+                                        <p:tgtEl>
+                                          <p:spTgt spid="510"/>
+                                        </p:tgtEl>
+                                        <p:attrNameLst>
+                                          <p:attrName>style.visibility</p:attrName>
+                                        </p:attrNameLst>
+                                      </p:cBhvr>
+                                      <p:to>
+                                        <p:strVal val="visible"/>
+                                      </p:to>
+                                    </p:set>
+                                    <p:anim calcmode="lin" valueType="num">
+                                      <p:cBhvr additive="base">
+                                        <p:cTn id="12" dur="500" fill="hold"/>
+                                        <p:tgtEl>
+                                          <p:spTgt spid="510"/>
+                                        </p:tgtEl>
+                                        <p:attrNameLst>
+                                          <p:attrName>ppt_x</p:attrName>
+                                        </p:attrNameLst>
+                                      </p:cBhvr>
+                                      <p:tavLst>
+                                        <p:tav tm="0">
+                                          <p:val>
+                                            <p:strVal val="0-#ppt_w/2"/>
+                                          </p:val>
+                                        </p:tav>
+                                        <p:tav tm="100000">
+                                          <p:val>
+                                            <p:strVal val="#ppt_x"/>
+                                          </p:val>
+                                        </p:tav>
+                                      </p:tavLst>
+                                    </p:anim>
+                                    <p:anim calcmode="lin" valueType="num">
+                                      <p:cBhvr additive="base">
+                                        <p:cTn id="13" dur="500" fill="hold"/>
+                                        <p:tgtEl>
+                                          <p:spTgt spid="510"/>
+                                        </p:tgtEl>
+                                        <p:attrNameLst>
+                                          <p:attrName>ppt_y</p:attrName>
+                                        </p:attrNameLst>
+                                      </p:cBhvr>
+                                      <p:tavLst>
+                                        <p:tav tm="0">
+                                          <p:val>
+                                            <p:strVal val="#ppt_y"/>
+                                          </p:val>
+                                        </p:tav>
+                                        <p:tav tm="100000">
+                                          <p:val>
+                                            <p:strVal val="#ppt_y"/>
+                                          </p:val>
+                                        </p:tav>
+                                      </p:tavLst>
+                                    </p:anim>
+                                  </p:childTnLst>
+                                </p:cTn>
+                              </p:par>
+                            </p:childTnLst>
+                          </p:cTn>
+                        </p:par>
+                        <p:par>
+                          <p:cTn id="14" fill="hold">
+                            <p:stCondLst>
+                              <p:cond delay="1000"/>
+                            </p:stCondLst>
+                            <p:childTnLst>
+                              <p:par>
+                                <p:cTn id="15" presetID="12" presetClass="entr" presetSubtype="8" fill="hold" grpId="0" nodeType="afterEffect">
+                                  <p:stCondLst>
+                                    <p:cond delay="0"/>
+                                  </p:stCondLst>
+                                  <p:childTnLst>
+                                    <p:set>
+                                      <p:cBhvr>
+                                        <p:cTn id="16" dur="1" fill="hold">
+                                          <p:stCondLst>
+                                            <p:cond delay="0"/>
+                                          </p:stCondLst>
+                                        </p:cTn>
+                                        <p:tgtEl>
+                                          <p:spTgt spid="509"/>
+                                        </p:tgtEl>
+                                        <p:attrNameLst>
+                                          <p:attrName>style.visibility</p:attrName>
+                                        </p:attrNameLst>
+                                      </p:cBhvr>
+                                      <p:to>
+                                        <p:strVal val="visible"/>
+                                      </p:to>
+                                    </p:set>
+                                    <p:anim calcmode="lin" valueType="num">
+                                      <p:cBhvr additive="base">
+                                        <p:cTn id="17" dur="500"/>
+                                        <p:tgtEl>
+                                          <p:spTgt spid="509"/>
+                                        </p:tgtEl>
+                                        <p:attrNameLst>
+                                          <p:attrName>ppt_x</p:attrName>
+                                        </p:attrNameLst>
+                                      </p:cBhvr>
+                                      <p:tavLst>
+                                        <p:tav tm="0">
+                                          <p:val>
+                                            <p:strVal val="#ppt_x-#ppt_w*1.125000"/>
+                                          </p:val>
+                                        </p:tav>
+                                        <p:tav tm="100000">
+                                          <p:val>
+                                            <p:strVal val="#ppt_x"/>
+                                          </p:val>
+                                        </p:tav>
+                                      </p:tavLst>
+                                    </p:anim>
+                                    <p:animEffect transition="in" filter="wipe(right)">
+                                      <p:cBhvr>
+                                        <p:cTn id="18" dur="500"/>
+                                        <p:tgtEl>
+                                          <p:spTgt spid="509"/>
+                                        </p:tgtEl>
+                                      </p:cBhvr>
+                                    </p:animEffect>
+                                  </p:childTnLst>
+                                </p:cTn>
+                              </p:par>
+                            </p:childTnLst>
+                          </p:cTn>
+                        </p:par>
+                        <p:par>
+                          <p:cTn id="19" fill="hold">
+                            <p:stCondLst>
+                              <p:cond delay="1500"/>
+                            </p:stCondLst>
+                            <p:childTnLst>
+                              <p:par>
+                                <p:cTn id="20" presetID="2" presetClass="entr" presetSubtype="8" fill="hold" grpId="0" nodeType="afterEffect">
+                                  <p:stCondLst>
+                                    <p:cond delay="0"/>
+                                  </p:stCondLst>
+                                  <p:childTnLst>
+                                    <p:set>
+                                      <p:cBhvr>
+                                        <p:cTn id="21" dur="1" fill="hold">
+                                          <p:stCondLst>
+                                            <p:cond delay="0"/>
+                                          </p:stCondLst>
+                                        </p:cTn>
+                                        <p:tgtEl>
+                                          <p:spTgt spid="513"/>
+                                        </p:tgtEl>
+                                        <p:attrNameLst>
+                                          <p:attrName>style.visibility</p:attrName>
+                                        </p:attrNameLst>
+                                      </p:cBhvr>
+                                      <p:to>
+                                        <p:strVal val="visible"/>
+                                      </p:to>
+                                    </p:set>
+                                    <p:anim calcmode="lin" valueType="num">
+                                      <p:cBhvr additive="base">
+                                        <p:cTn id="22" dur="500" fill="hold"/>
+                                        <p:tgtEl>
+                                          <p:spTgt spid="513"/>
+                                        </p:tgtEl>
+                                        <p:attrNameLst>
+                                          <p:attrName>ppt_x</p:attrName>
+                                        </p:attrNameLst>
+                                      </p:cBhvr>
+                                      <p:tavLst>
+                                        <p:tav tm="0">
+                                          <p:val>
+                                            <p:strVal val="0-#ppt_w/2"/>
+                                          </p:val>
+                                        </p:tav>
+                                        <p:tav tm="100000">
+                                          <p:val>
+                                            <p:strVal val="#ppt_x"/>
+                                          </p:val>
+                                        </p:tav>
+                                      </p:tavLst>
+                                    </p:anim>
+                                    <p:anim calcmode="lin" valueType="num">
+                                      <p:cBhvr additive="base">
+                                        <p:cTn id="23" dur="500" fill="hold"/>
+                                        <p:tgtEl>
+                                          <p:spTgt spid="513"/>
+                                        </p:tgtEl>
+                                        <p:attrNameLst>
+                                          <p:attrName>ppt_y</p:attrName>
+                                        </p:attrNameLst>
+                                      </p:cBhvr>
+                                      <p:tavLst>
+                                        <p:tav tm="0">
+                                          <p:val>
+                                            <p:strVal val="#ppt_y"/>
+                                          </p:val>
+                                        </p:tav>
+                                        <p:tav tm="100000">
+                                          <p:val>
+                                            <p:strVal val="#ppt_y"/>
+                                          </p:val>
+                                        </p:tav>
+                                      </p:tavLst>
+                                    </p:anim>
+                                  </p:childTnLst>
+                                </p:cTn>
+                              </p:par>
+                            </p:childTnLst>
+                          </p:cTn>
+                        </p:par>
+                        <p:par>
+                          <p:cTn id="24" fill="hold">
+                            <p:stCondLst>
+                              <p:cond delay="2000"/>
+                            </p:stCondLst>
+                            <p:childTnLst>
+                              <p:par>
+                                <p:cTn id="25" presetID="12" presetClass="entr" presetSubtype="8" fill="hold" grpId="0" nodeType="afterEffect">
+                                  <p:stCondLst>
+                                    <p:cond delay="0"/>
+                                  </p:stCondLst>
+                                  <p:childTnLst>
+                                    <p:set>
+                                      <p:cBhvr>
+                                        <p:cTn id="26" dur="1" fill="hold">
+                                          <p:stCondLst>
+                                            <p:cond delay="0"/>
+                                          </p:stCondLst>
+                                        </p:cTn>
+                                        <p:tgtEl>
+                                          <p:spTgt spid="512"/>
+                                        </p:tgtEl>
+                                        <p:attrNameLst>
+                                          <p:attrName>style.visibility</p:attrName>
+                                        </p:attrNameLst>
+                                      </p:cBhvr>
+                                      <p:to>
+                                        <p:strVal val="visible"/>
+                                      </p:to>
+                                    </p:set>
+                                    <p:anim calcmode="lin" valueType="num">
+                                      <p:cBhvr additive="base">
+                                        <p:cTn id="27" dur="500"/>
+                                        <p:tgtEl>
+                                          <p:spTgt spid="512"/>
+                                        </p:tgtEl>
+                                        <p:attrNameLst>
+                                          <p:attrName>ppt_x</p:attrName>
+                                        </p:attrNameLst>
+                                      </p:cBhvr>
+                                      <p:tavLst>
+                                        <p:tav tm="0">
+                                          <p:val>
+                                            <p:strVal val="#ppt_x-#ppt_w*1.125000"/>
+                                          </p:val>
+                                        </p:tav>
+                                        <p:tav tm="100000">
+                                          <p:val>
+                                            <p:strVal val="#ppt_x"/>
+                                          </p:val>
+                                        </p:tav>
+                                      </p:tavLst>
+                                    </p:anim>
+                                    <p:animEffect transition="in" filter="wipe(right)">
+                                      <p:cBhvr>
+                                        <p:cTn id="28" dur="500"/>
+                                        <p:tgtEl>
+                                          <p:spTgt spid="512"/>
+                                        </p:tgtEl>
+                                      </p:cBhvr>
+                                    </p:animEffect>
+                                  </p:childTnLst>
+                                </p:cTn>
+                              </p:par>
+                            </p:childTnLst>
+                          </p:cTn>
+                        </p:par>
+                        <p:par>
+                          <p:cTn id="29" fill="hold">
+                            <p:stCondLst>
+                              <p:cond delay="2500"/>
+                            </p:stCondLst>
+                            <p:childTnLst>
+                              <p:par>
+                                <p:cTn id="30" presetID="2" presetClass="entr" presetSubtype="8" fill="hold" grpId="0" nodeType="afterEffect">
+                                  <p:stCondLst>
+                                    <p:cond delay="0"/>
+                                  </p:stCondLst>
+                                  <p:childTnLst>
+                                    <p:set>
+                                      <p:cBhvr>
+                                        <p:cTn id="31" dur="1" fill="hold">
+                                          <p:stCondLst>
+                                            <p:cond delay="0"/>
+                                          </p:stCondLst>
+                                        </p:cTn>
+                                        <p:tgtEl>
+                                          <p:spTgt spid="17"/>
+                                        </p:tgtEl>
+                                        <p:attrNameLst>
+                                          <p:attrName>style.visibility</p:attrName>
+                                        </p:attrNameLst>
+                                      </p:cBhvr>
+                                      <p:to>
+                                        <p:strVal val="visible"/>
+                                      </p:to>
+                                    </p:set>
+                                    <p:anim calcmode="lin" valueType="num">
+                                      <p:cBhvr additive="base">
+                                        <p:cTn id="32" dur="500" fill="hold"/>
+                                        <p:tgtEl>
+                                          <p:spTgt spid="17"/>
+                                        </p:tgtEl>
+                                        <p:attrNameLst>
+                                          <p:attrName>ppt_x</p:attrName>
+                                        </p:attrNameLst>
+                                      </p:cBhvr>
+                                      <p:tavLst>
+                                        <p:tav tm="0">
+                                          <p:val>
+                                            <p:strVal val="0-#ppt_w/2"/>
+                                          </p:val>
+                                        </p:tav>
+                                        <p:tav tm="100000">
+                                          <p:val>
+                                            <p:strVal val="#ppt_x"/>
+                                          </p:val>
+                                        </p:tav>
+                                      </p:tavLst>
+                                    </p:anim>
+                                    <p:anim calcmode="lin" valueType="num">
+                                      <p:cBhvr additive="base">
+                                        <p:cTn id="33" dur="500" fill="hold"/>
+                                        <p:tgtEl>
+                                          <p:spTgt spid="17"/>
+                                        </p:tgtEl>
+                                        <p:attrNameLst>
+                                          <p:attrName>ppt_y</p:attrName>
+                                        </p:attrNameLst>
+                                      </p:cBhvr>
+                                      <p:tavLst>
+                                        <p:tav tm="0">
+                                          <p:val>
+                                            <p:strVal val="#ppt_y"/>
+                                          </p:val>
+                                        </p:tav>
+                                        <p:tav tm="100000">
+                                          <p:val>
+                                            <p:strVal val="#ppt_y"/>
+                                          </p:val>
+                                        </p:tav>
+                                      </p:tavLst>
+                                    </p:anim>
+                                  </p:childTnLst>
+                                </p:cTn>
+                              </p:par>
+                            </p:childTnLst>
+                          </p:cTn>
+                        </p:par>
+                        <p:par>
+                          <p:cTn id="34" fill="hold">
+                            <p:stCondLst>
+                              <p:cond delay="3000"/>
+                            </p:stCondLst>
+                            <p:childTnLst>
+                              <p:par>
+                                <p:cTn id="35" presetID="12" presetClass="entr" presetSubtype="8" fill="hold" grpId="0" nodeType="afterEffect">
+                                  <p:stCondLst>
+                                    <p:cond delay="0"/>
+                                  </p:stCondLst>
+                                  <p:childTnLst>
+                                    <p:set>
+                                      <p:cBhvr>
+                                        <p:cTn id="36" dur="1" fill="hold">
+                                          <p:stCondLst>
+                                            <p:cond delay="0"/>
+                                          </p:stCondLst>
+                                        </p:cTn>
+                                        <p:tgtEl>
+                                          <p:spTgt spid="16"/>
+                                        </p:tgtEl>
+                                        <p:attrNameLst>
+                                          <p:attrName>style.visibility</p:attrName>
+                                        </p:attrNameLst>
+                                      </p:cBhvr>
+                                      <p:to>
+                                        <p:strVal val="visible"/>
+                                      </p:to>
+                                    </p:set>
+                                    <p:anim calcmode="lin" valueType="num">
+                                      <p:cBhvr additive="base">
+                                        <p:cTn id="37" dur="500"/>
+                                        <p:tgtEl>
+                                          <p:spTgt spid="16"/>
+                                        </p:tgtEl>
+                                        <p:attrNameLst>
+                                          <p:attrName>ppt_x</p:attrName>
+                                        </p:attrNameLst>
+                                      </p:cBhvr>
+                                      <p:tavLst>
+                                        <p:tav tm="0">
+                                          <p:val>
+                                            <p:strVal val="#ppt_x-#ppt_w*1.125000"/>
+                                          </p:val>
+                                        </p:tav>
+                                        <p:tav tm="100000">
+                                          <p:val>
+                                            <p:strVal val="#ppt_x"/>
+                                          </p:val>
+                                        </p:tav>
+                                      </p:tavLst>
+                                    </p:anim>
+                                    <p:animEffect transition="in" filter="wipe(right)">
+                                      <p:cBhvr>
+                                        <p:cTn id="38" dur="500"/>
+                                        <p:tgtEl>
+                                          <p:spTgt spid="16"/>
+                                        </p:tgtEl>
+                                      </p:cBhvr>
+                                    </p:animEffect>
+                                  </p:childTnLst>
+                                </p:cTn>
+                              </p:par>
+                            </p:childTnLst>
+                          </p:cTn>
+                        </p:par>
+                        <p:par>
+                          <p:cTn id="39" fill="hold">
+                            <p:stCondLst>
+                              <p:cond delay="3500"/>
+                            </p:stCondLst>
+                            <p:childTnLst>
+                              <p:par>
+                                <p:cTn id="40" presetID="2" presetClass="entr" presetSubtype="8" fill="hold" grpId="0" nodeType="afterEffect">
+                                  <p:stCondLst>
+                                    <p:cond delay="0"/>
+                                  </p:stCondLst>
+                                  <p:childTnLst>
+                                    <p:set>
+                                      <p:cBhvr>
+                                        <p:cTn id="41" dur="1" fill="hold">
+                                          <p:stCondLst>
+                                            <p:cond delay="0"/>
+                                          </p:stCondLst>
+                                        </p:cTn>
+                                        <p:tgtEl>
+                                          <p:spTgt spid="19"/>
+                                        </p:tgtEl>
+                                        <p:attrNameLst>
+                                          <p:attrName>style.visibility</p:attrName>
+                                        </p:attrNameLst>
+                                      </p:cBhvr>
+                                      <p:to>
+                                        <p:strVal val="visible"/>
+                                      </p:to>
+                                    </p:set>
+                                    <p:anim calcmode="lin" valueType="num">
+                                      <p:cBhvr additive="base">
+                                        <p:cTn id="42" dur="500" fill="hold"/>
+                                        <p:tgtEl>
+                                          <p:spTgt spid="19"/>
+                                        </p:tgtEl>
+                                        <p:attrNameLst>
+                                          <p:attrName>ppt_x</p:attrName>
+                                        </p:attrNameLst>
+                                      </p:cBhvr>
+                                      <p:tavLst>
+                                        <p:tav tm="0">
+                                          <p:val>
+                                            <p:strVal val="0-#ppt_w/2"/>
+                                          </p:val>
+                                        </p:tav>
+                                        <p:tav tm="100000">
+                                          <p:val>
+                                            <p:strVal val="#ppt_x"/>
+                                          </p:val>
+                                        </p:tav>
+                                      </p:tavLst>
+                                    </p:anim>
+                                    <p:anim calcmode="lin" valueType="num">
+                                      <p:cBhvr additive="base">
+                                        <p:cTn id="43" dur="500" fill="hold"/>
+                                        <p:tgtEl>
+                                          <p:spTgt spid="19"/>
+                                        </p:tgtEl>
+                                        <p:attrNameLst>
+                                          <p:attrName>ppt_y</p:attrName>
+                                        </p:attrNameLst>
+                                      </p:cBhvr>
+                                      <p:tavLst>
+                                        <p:tav tm="0">
+                                          <p:val>
+                                            <p:strVal val="#ppt_y"/>
+                                          </p:val>
+                                        </p:tav>
+                                        <p:tav tm="100000">
+                                          <p:val>
+                                            <p:strVal val="#ppt_y"/>
+                                          </p:val>
+                                        </p:tav>
+                                      </p:tavLst>
+                                    </p:anim>
+                                  </p:childTnLst>
+                                </p:cTn>
+                              </p:par>
+                            </p:childTnLst>
+                          </p:cTn>
+                        </p:par>
+                        <p:par>
+                          <p:cTn id="44" fill="hold">
+                            <p:stCondLst>
+                              <p:cond delay="4000"/>
+                            </p:stCondLst>
+                            <p:childTnLst>
+                              <p:par>
+                                <p:cTn id="45" presetID="12" presetClass="entr" presetSubtype="8" fill="hold" grpId="0" nodeType="afterEffect">
+                                  <p:stCondLst>
+                                    <p:cond delay="0"/>
+                                  </p:stCondLst>
+                                  <p:childTnLst>
+                                    <p:set>
+                                      <p:cBhvr>
+                                        <p:cTn id="46" dur="1" fill="hold">
+                                          <p:stCondLst>
+                                            <p:cond delay="0"/>
+                                          </p:stCondLst>
+                                        </p:cTn>
+                                        <p:tgtEl>
+                                          <p:spTgt spid="18"/>
+                                        </p:tgtEl>
+                                        <p:attrNameLst>
+                                          <p:attrName>style.visibility</p:attrName>
+                                        </p:attrNameLst>
+                                      </p:cBhvr>
+                                      <p:to>
+                                        <p:strVal val="visible"/>
+                                      </p:to>
+                                    </p:set>
+                                    <p:anim calcmode="lin" valueType="num">
+                                      <p:cBhvr additive="base">
+                                        <p:cTn id="47" dur="500"/>
+                                        <p:tgtEl>
+                                          <p:spTgt spid="18"/>
+                                        </p:tgtEl>
+                                        <p:attrNameLst>
+                                          <p:attrName>ppt_x</p:attrName>
+                                        </p:attrNameLst>
+                                      </p:cBhvr>
+                                      <p:tavLst>
+                                        <p:tav tm="0">
+                                          <p:val>
+                                            <p:strVal val="#ppt_x-#ppt_w*1.125000"/>
+                                          </p:val>
+                                        </p:tav>
+                                        <p:tav tm="100000">
+                                          <p:val>
+                                            <p:strVal val="#ppt_x"/>
+                                          </p:val>
+                                        </p:tav>
+                                      </p:tavLst>
+                                    </p:anim>
+                                    <p:animEffect transition="in" filter="wipe(right)">
+                                      <p:cBhvr>
+                                        <p:cTn id="48" dur="500"/>
+                                        <p:tgtEl>
+                                          <p:spTgt spid="18"/>
+                                        </p:tgtEl>
+                                      </p:cBhvr>
+                                    </p:animEffect>
+                                  </p:childTnLst>
+                                </p:cTn>
+                              </p:par>
+                            </p:childTnLst>
+                          </p:cTn>
+                        </p:par>
+                      </p:childTnLst>
+                    </p:cTn>
+                  </p:par>
+                  <p:par>
+                    <p:cTn id="49" fill="hold">
+                      <p:stCondLst>
+                        <p:cond delay="indefinite"/>
+                      </p:stCondLst>
+                      <p:childTnLst>
+                        <p:par>
+                          <p:cTn id="50" fill="hold">
+                            <p:stCondLst>
+                              <p:cond delay="0"/>
+                            </p:stCondLst>
+                            <p:childTnLst>
+                              <p:par>
+                                <p:cTn id="51" presetID="2" presetClass="entr" presetSubtype="2" fill="hold" grpId="0" nodeType="clickEffect">
+                                  <p:stCondLst>
+                                    <p:cond delay="0"/>
+                                  </p:stCondLst>
+                                  <p:childTnLst>
+                                    <p:set>
+                                      <p:cBhvr>
+                                        <p:cTn id="52" dur="1" fill="hold">
+                                          <p:stCondLst>
+                                            <p:cond delay="0"/>
+                                          </p:stCondLst>
+                                        </p:cTn>
+                                        <p:tgtEl>
+                                          <p:spTgt spid="516"/>
+                                        </p:tgtEl>
+                                        <p:attrNameLst>
+                                          <p:attrName>style.visibility</p:attrName>
+                                        </p:attrNameLst>
+                                      </p:cBhvr>
+                                      <p:to>
+                                        <p:strVal val="visible"/>
+                                      </p:to>
+                                    </p:set>
+                                    <p:anim calcmode="lin" valueType="num">
+                                      <p:cBhvr additive="base">
+                                        <p:cTn id="53" dur="500" fill="hold"/>
+                                        <p:tgtEl>
+                                          <p:spTgt spid="516"/>
+                                        </p:tgtEl>
+                                        <p:attrNameLst>
+                                          <p:attrName>ppt_x</p:attrName>
+                                        </p:attrNameLst>
+                                      </p:cBhvr>
+                                      <p:tavLst>
+                                        <p:tav tm="0">
+                                          <p:val>
+                                            <p:strVal val="1+#ppt_w/2"/>
+                                          </p:val>
+                                        </p:tav>
+                                        <p:tav tm="100000">
+                                          <p:val>
+                                            <p:strVal val="#ppt_x"/>
+                                          </p:val>
+                                        </p:tav>
+                                      </p:tavLst>
+                                    </p:anim>
+                                    <p:anim calcmode="lin" valueType="num">
+                                      <p:cBhvr additive="base">
+                                        <p:cTn id="54" dur="500" fill="hold"/>
+                                        <p:tgtEl>
+                                          <p:spTgt spid="516"/>
+                                        </p:tgtEl>
+                                        <p:attrNameLst>
+                                          <p:attrName>ppt_y</p:attrName>
+                                        </p:attrNameLst>
+                                      </p:cBhvr>
+                                      <p:tavLst>
+                                        <p:tav tm="0">
+                                          <p:val>
+                                            <p:strVal val="#ppt_y"/>
+                                          </p:val>
+                                        </p:tav>
+                                        <p:tav tm="100000">
+                                          <p:val>
+                                            <p:strVal val="#ppt_y"/>
+                                          </p:val>
+                                        </p:tav>
+                                      </p:tavLst>
+                                    </p:anim>
+                                  </p:childTnLst>
+                                </p:cTn>
+                              </p:par>
+                            </p:childTnLst>
+                          </p:cTn>
+                        </p:par>
+                        <p:par>
+                          <p:cTn id="55" fill="hold">
+                            <p:stCondLst>
+                              <p:cond delay="500"/>
+                            </p:stCondLst>
+                            <p:childTnLst>
+                              <p:par>
+                                <p:cTn id="56" presetID="12" presetClass="entr" presetSubtype="8" fill="hold" grpId="0" nodeType="afterEffect">
+                                  <p:stCondLst>
+                                    <p:cond delay="0"/>
+                                  </p:stCondLst>
+                                  <p:childTnLst>
+                                    <p:set>
+                                      <p:cBhvr>
+                                        <p:cTn id="57" dur="1" fill="hold">
+                                          <p:stCondLst>
+                                            <p:cond delay="0"/>
+                                          </p:stCondLst>
+                                        </p:cTn>
+                                        <p:tgtEl>
+                                          <p:spTgt spid="515"/>
+                                        </p:tgtEl>
+                                        <p:attrNameLst>
+                                          <p:attrName>style.visibility</p:attrName>
+                                        </p:attrNameLst>
+                                      </p:cBhvr>
+                                      <p:to>
+                                        <p:strVal val="visible"/>
+                                      </p:to>
+                                    </p:set>
+                                    <p:anim calcmode="lin" valueType="num">
+                                      <p:cBhvr additive="base">
+                                        <p:cTn id="58" dur="500"/>
+                                        <p:tgtEl>
+                                          <p:spTgt spid="515"/>
+                                        </p:tgtEl>
+                                        <p:attrNameLst>
+                                          <p:attrName>ppt_x</p:attrName>
+                                        </p:attrNameLst>
+                                      </p:cBhvr>
+                                      <p:tavLst>
+                                        <p:tav tm="0">
+                                          <p:val>
+                                            <p:strVal val="#ppt_x-#ppt_w*1.125000"/>
+                                          </p:val>
+                                        </p:tav>
+                                        <p:tav tm="100000">
+                                          <p:val>
+                                            <p:strVal val="#ppt_x"/>
+                                          </p:val>
+                                        </p:tav>
+                                      </p:tavLst>
+                                    </p:anim>
+                                    <p:animEffect transition="in" filter="wipe(right)">
+                                      <p:cBhvr>
+                                        <p:cTn id="59" dur="500"/>
+                                        <p:tgtEl>
+                                          <p:spTgt spid="515"/>
+                                        </p:tgtEl>
+                                      </p:cBhvr>
+                                    </p:animEffect>
+                                  </p:childTnLst>
+                                </p:cTn>
+                              </p:par>
+                            </p:childTnLst>
+                          </p:cTn>
+                        </p:par>
+                        <p:par>
+                          <p:cTn id="60" fill="hold">
+                            <p:stCondLst>
+                              <p:cond delay="1000"/>
+                            </p:stCondLst>
+                            <p:childTnLst>
+                              <p:par>
+                                <p:cTn id="61" presetID="2" presetClass="entr" presetSubtype="2" fill="hold" grpId="0" nodeType="afterEffect">
+                                  <p:stCondLst>
+                                    <p:cond delay="0"/>
+                                  </p:stCondLst>
+                                  <p:childTnLst>
+                                    <p:set>
+                                      <p:cBhvr>
+                                        <p:cTn id="62" dur="1" fill="hold">
+                                          <p:stCondLst>
+                                            <p:cond delay="0"/>
+                                          </p:stCondLst>
+                                        </p:cTn>
+                                        <p:tgtEl>
+                                          <p:spTgt spid="519"/>
+                                        </p:tgtEl>
+                                        <p:attrNameLst>
+                                          <p:attrName>style.visibility</p:attrName>
+                                        </p:attrNameLst>
+                                      </p:cBhvr>
+                                      <p:to>
+                                        <p:strVal val="visible"/>
+                                      </p:to>
+                                    </p:set>
+                                    <p:anim calcmode="lin" valueType="num">
+                                      <p:cBhvr additive="base">
+                                        <p:cTn id="63" dur="500" fill="hold"/>
+                                        <p:tgtEl>
+                                          <p:spTgt spid="519"/>
+                                        </p:tgtEl>
+                                        <p:attrNameLst>
+                                          <p:attrName>ppt_x</p:attrName>
+                                        </p:attrNameLst>
+                                      </p:cBhvr>
+                                      <p:tavLst>
+                                        <p:tav tm="0">
+                                          <p:val>
+                                            <p:strVal val="1+#ppt_w/2"/>
+                                          </p:val>
+                                        </p:tav>
+                                        <p:tav tm="100000">
+                                          <p:val>
+                                            <p:strVal val="#ppt_x"/>
+                                          </p:val>
+                                        </p:tav>
+                                      </p:tavLst>
+                                    </p:anim>
+                                    <p:anim calcmode="lin" valueType="num">
+                                      <p:cBhvr additive="base">
+                                        <p:cTn id="64" dur="500" fill="hold"/>
+                                        <p:tgtEl>
+                                          <p:spTgt spid="519"/>
+                                        </p:tgtEl>
+                                        <p:attrNameLst>
+                                          <p:attrName>ppt_y</p:attrName>
+                                        </p:attrNameLst>
+                                      </p:cBhvr>
+                                      <p:tavLst>
+                                        <p:tav tm="0">
+                                          <p:val>
+                                            <p:strVal val="#ppt_y"/>
+                                          </p:val>
+                                        </p:tav>
+                                        <p:tav tm="100000">
+                                          <p:val>
+                                            <p:strVal val="#ppt_y"/>
+                                          </p:val>
+                                        </p:tav>
+                                      </p:tavLst>
+                                    </p:anim>
+                                  </p:childTnLst>
+                                </p:cTn>
+                              </p:par>
+                            </p:childTnLst>
+                          </p:cTn>
+                        </p:par>
+                        <p:par>
+                          <p:cTn id="65" fill="hold">
+                            <p:stCondLst>
+                              <p:cond delay="1500"/>
+                            </p:stCondLst>
+                            <p:childTnLst>
+                              <p:par>
+                                <p:cTn id="66" presetID="12" presetClass="entr" presetSubtype="8" fill="hold" grpId="0" nodeType="afterEffect">
+                                  <p:stCondLst>
+                                    <p:cond delay="0"/>
+                                  </p:stCondLst>
+                                  <p:childTnLst>
+                                    <p:set>
+                                      <p:cBhvr>
+                                        <p:cTn id="67" dur="1" fill="hold">
+                                          <p:stCondLst>
+                                            <p:cond delay="0"/>
+                                          </p:stCondLst>
+                                        </p:cTn>
+                                        <p:tgtEl>
+                                          <p:spTgt spid="518"/>
+                                        </p:tgtEl>
+                                        <p:attrNameLst>
+                                          <p:attrName>style.visibility</p:attrName>
+                                        </p:attrNameLst>
+                                      </p:cBhvr>
+                                      <p:to>
+                                        <p:strVal val="visible"/>
+                                      </p:to>
+                                    </p:set>
+                                    <p:anim calcmode="lin" valueType="num">
+                                      <p:cBhvr additive="base">
+                                        <p:cTn id="68" dur="500"/>
+                                        <p:tgtEl>
+                                          <p:spTgt spid="518"/>
+                                        </p:tgtEl>
+                                        <p:attrNameLst>
+                                          <p:attrName>ppt_x</p:attrName>
+                                        </p:attrNameLst>
+                                      </p:cBhvr>
+                                      <p:tavLst>
+                                        <p:tav tm="0">
+                                          <p:val>
+                                            <p:strVal val="#ppt_x-#ppt_w*1.125000"/>
+                                          </p:val>
+                                        </p:tav>
+                                        <p:tav tm="100000">
+                                          <p:val>
+                                            <p:strVal val="#ppt_x"/>
+                                          </p:val>
+                                        </p:tav>
+                                      </p:tavLst>
+                                    </p:anim>
+                                    <p:animEffect transition="in" filter="wipe(right)">
+                                      <p:cBhvr>
+                                        <p:cTn id="69" dur="500"/>
+                                        <p:tgtEl>
+                                          <p:spTgt spid="518"/>
+                                        </p:tgtEl>
+                                      </p:cBhvr>
+                                    </p:animEffect>
+                                  </p:childTnLst>
+                                </p:cTn>
+                              </p:par>
+                            </p:childTnLst>
+                          </p:cTn>
+                        </p:par>
+                        <p:par>
+                          <p:cTn id="70" fill="hold">
+                            <p:stCondLst>
+                              <p:cond delay="2000"/>
+                            </p:stCondLst>
+                            <p:childTnLst>
+                              <p:par>
+                                <p:cTn id="71" presetID="2" presetClass="entr" presetSubtype="2" fill="hold" grpId="0" nodeType="afterEffect">
+                                  <p:stCondLst>
+                                    <p:cond delay="0"/>
+                                  </p:stCondLst>
+                                  <p:childTnLst>
+                                    <p:set>
+                                      <p:cBhvr>
+                                        <p:cTn id="72" dur="1" fill="hold">
+                                          <p:stCondLst>
+                                            <p:cond delay="0"/>
+                                          </p:stCondLst>
+                                        </p:cTn>
+                                        <p:tgtEl>
+                                          <p:spTgt spid="21"/>
+                                        </p:tgtEl>
+                                        <p:attrNameLst>
+                                          <p:attrName>style.visibility</p:attrName>
+                                        </p:attrNameLst>
+                                      </p:cBhvr>
+                                      <p:to>
+                                        <p:strVal val="visible"/>
+                                      </p:to>
+                                    </p:set>
+                                    <p:anim calcmode="lin" valueType="num">
+                                      <p:cBhvr additive="base">
+                                        <p:cTn id="73" dur="500" fill="hold"/>
+                                        <p:tgtEl>
+                                          <p:spTgt spid="21"/>
+                                        </p:tgtEl>
+                                        <p:attrNameLst>
+                                          <p:attrName>ppt_x</p:attrName>
+                                        </p:attrNameLst>
+                                      </p:cBhvr>
+                                      <p:tavLst>
+                                        <p:tav tm="0">
+                                          <p:val>
+                                            <p:strVal val="1+#ppt_w/2"/>
+                                          </p:val>
+                                        </p:tav>
+                                        <p:tav tm="100000">
+                                          <p:val>
+                                            <p:strVal val="#ppt_x"/>
+                                          </p:val>
+                                        </p:tav>
+                                      </p:tavLst>
+                                    </p:anim>
+                                    <p:anim calcmode="lin" valueType="num">
+                                      <p:cBhvr additive="base">
+                                        <p:cTn id="74" dur="500" fill="hold"/>
+                                        <p:tgtEl>
+                                          <p:spTgt spid="21"/>
+                                        </p:tgtEl>
+                                        <p:attrNameLst>
+                                          <p:attrName>ppt_y</p:attrName>
+                                        </p:attrNameLst>
+                                      </p:cBhvr>
+                                      <p:tavLst>
+                                        <p:tav tm="0">
+                                          <p:val>
+                                            <p:strVal val="#ppt_y"/>
+                                          </p:val>
+                                        </p:tav>
+                                        <p:tav tm="100000">
+                                          <p:val>
+                                            <p:strVal val="#ppt_y"/>
+                                          </p:val>
+                                        </p:tav>
+                                      </p:tavLst>
+                                    </p:anim>
+                                  </p:childTnLst>
+                                </p:cTn>
+                              </p:par>
+                            </p:childTnLst>
+                          </p:cTn>
+                        </p:par>
+                        <p:par>
+                          <p:cTn id="75" fill="hold">
+                            <p:stCondLst>
+                              <p:cond delay="2500"/>
+                            </p:stCondLst>
+                            <p:childTnLst>
+                              <p:par>
+                                <p:cTn id="76" presetID="12" presetClass="entr" presetSubtype="8" fill="hold" grpId="0" nodeType="afterEffect">
+                                  <p:stCondLst>
+                                    <p:cond delay="0"/>
+                                  </p:stCondLst>
+                                  <p:childTnLst>
+                                    <p:set>
+                                      <p:cBhvr>
+                                        <p:cTn id="77" dur="1" fill="hold">
+                                          <p:stCondLst>
+                                            <p:cond delay="0"/>
+                                          </p:stCondLst>
+                                        </p:cTn>
+                                        <p:tgtEl>
+                                          <p:spTgt spid="20"/>
+                                        </p:tgtEl>
+                                        <p:attrNameLst>
+                                          <p:attrName>style.visibility</p:attrName>
+                                        </p:attrNameLst>
+                                      </p:cBhvr>
+                                      <p:to>
+                                        <p:strVal val="visible"/>
+                                      </p:to>
+                                    </p:set>
+                                    <p:anim calcmode="lin" valueType="num">
+                                      <p:cBhvr additive="base">
+                                        <p:cTn id="78" dur="500"/>
+                                        <p:tgtEl>
+                                          <p:spTgt spid="20"/>
+                                        </p:tgtEl>
+                                        <p:attrNameLst>
+                                          <p:attrName>ppt_x</p:attrName>
+                                        </p:attrNameLst>
+                                      </p:cBhvr>
+                                      <p:tavLst>
+                                        <p:tav tm="0">
+                                          <p:val>
+                                            <p:strVal val="#ppt_x-#ppt_w*1.125000"/>
+                                          </p:val>
+                                        </p:tav>
+                                        <p:tav tm="100000">
+                                          <p:val>
+                                            <p:strVal val="#ppt_x"/>
+                                          </p:val>
+                                        </p:tav>
+                                      </p:tavLst>
+                                    </p:anim>
+                                    <p:animEffect transition="in" filter="wipe(right)">
+                                      <p:cBhvr>
+                                        <p:cTn id="79" dur="500"/>
+                                        <p:tgtEl>
+                                          <p:spTgt spid="20"/>
+                                        </p:tgtEl>
+                                      </p:cBhvr>
+                                    </p:animEffect>
+                                  </p:childTnLst>
+                                </p:cTn>
+                              </p:par>
+                            </p:childTnLst>
+                          </p:cTn>
+                        </p:par>
+                        <p:par>
+                          <p:cTn id="80" fill="hold">
+                            <p:stCondLst>
+                              <p:cond delay="3000"/>
+                            </p:stCondLst>
+                            <p:childTnLst>
+                              <p:par>
+                                <p:cTn id="81" presetID="2" presetClass="entr" presetSubtype="2" fill="hold" grpId="0" nodeType="afterEffect">
+                                  <p:stCondLst>
+                                    <p:cond delay="0"/>
+                                  </p:stCondLst>
+                                  <p:childTnLst>
+                                    <p:set>
+                                      <p:cBhvr>
+                                        <p:cTn id="82" dur="1" fill="hold">
+                                          <p:stCondLst>
+                                            <p:cond delay="0"/>
+                                          </p:stCondLst>
+                                        </p:cTn>
+                                        <p:tgtEl>
+                                          <p:spTgt spid="23"/>
+                                        </p:tgtEl>
+                                        <p:attrNameLst>
+                                          <p:attrName>style.visibility</p:attrName>
+                                        </p:attrNameLst>
+                                      </p:cBhvr>
+                                      <p:to>
+                                        <p:strVal val="visible"/>
+                                      </p:to>
+                                    </p:set>
+                                    <p:anim calcmode="lin" valueType="num">
+                                      <p:cBhvr additive="base">
+                                        <p:cTn id="83" dur="500" fill="hold"/>
+                                        <p:tgtEl>
+                                          <p:spTgt spid="23"/>
+                                        </p:tgtEl>
+                                        <p:attrNameLst>
+                                          <p:attrName>ppt_x</p:attrName>
+                                        </p:attrNameLst>
+                                      </p:cBhvr>
+                                      <p:tavLst>
+                                        <p:tav tm="0">
+                                          <p:val>
+                                            <p:strVal val="1+#ppt_w/2"/>
+                                          </p:val>
+                                        </p:tav>
+                                        <p:tav tm="100000">
+                                          <p:val>
+                                            <p:strVal val="#ppt_x"/>
+                                          </p:val>
+                                        </p:tav>
+                                      </p:tavLst>
+                                    </p:anim>
+                                    <p:anim calcmode="lin" valueType="num">
+                                      <p:cBhvr additive="base">
+                                        <p:cTn id="84" dur="500" fill="hold"/>
+                                        <p:tgtEl>
+                                          <p:spTgt spid="23"/>
+                                        </p:tgtEl>
+                                        <p:attrNameLst>
+                                          <p:attrName>ppt_y</p:attrName>
+                                        </p:attrNameLst>
+                                      </p:cBhvr>
+                                      <p:tavLst>
+                                        <p:tav tm="0">
+                                          <p:val>
+                                            <p:strVal val="#ppt_y"/>
+                                          </p:val>
+                                        </p:tav>
+                                        <p:tav tm="100000">
+                                          <p:val>
+                                            <p:strVal val="#ppt_y"/>
+                                          </p:val>
+                                        </p:tav>
+                                      </p:tavLst>
+                                    </p:anim>
+                                  </p:childTnLst>
+                                </p:cTn>
+                              </p:par>
+                            </p:childTnLst>
+                          </p:cTn>
+                        </p:par>
+                        <p:par>
+                          <p:cTn id="85" fill="hold">
+                            <p:stCondLst>
+                              <p:cond delay="3500"/>
+                            </p:stCondLst>
+                            <p:childTnLst>
+                              <p:par>
+                                <p:cTn id="86" presetID="12" presetClass="entr" presetSubtype="8" fill="hold" grpId="0" nodeType="afterEffect">
+                                  <p:stCondLst>
+                                    <p:cond delay="0"/>
+                                  </p:stCondLst>
+                                  <p:childTnLst>
+                                    <p:set>
+                                      <p:cBhvr>
+                                        <p:cTn id="87" dur="1" fill="hold">
+                                          <p:stCondLst>
+                                            <p:cond delay="0"/>
+                                          </p:stCondLst>
+                                        </p:cTn>
+                                        <p:tgtEl>
+                                          <p:spTgt spid="22"/>
+                                        </p:tgtEl>
+                                        <p:attrNameLst>
+                                          <p:attrName>style.visibility</p:attrName>
+                                        </p:attrNameLst>
+                                      </p:cBhvr>
+                                      <p:to>
+                                        <p:strVal val="visible"/>
+                                      </p:to>
+                                    </p:set>
+                                    <p:anim calcmode="lin" valueType="num">
+                                      <p:cBhvr additive="base">
+                                        <p:cTn id="88" dur="500"/>
+                                        <p:tgtEl>
+                                          <p:spTgt spid="22"/>
+                                        </p:tgtEl>
+                                        <p:attrNameLst>
+                                          <p:attrName>ppt_x</p:attrName>
+                                        </p:attrNameLst>
+                                      </p:cBhvr>
+                                      <p:tavLst>
+                                        <p:tav tm="0">
+                                          <p:val>
+                                            <p:strVal val="#ppt_x-#ppt_w*1.125000"/>
+                                          </p:val>
+                                        </p:tav>
+                                        <p:tav tm="100000">
+                                          <p:val>
+                                            <p:strVal val="#ppt_x"/>
+                                          </p:val>
+                                        </p:tav>
+                                      </p:tavLst>
+                                    </p:anim>
+                                    <p:animEffect transition="in" filter="wipe(right)">
+                                      <p:cBhvr>
+                                        <p:cTn id="89" dur="500"/>
+                                        <p:tgtEl>
+                                          <p:spTgt spid="22"/>
+                                        </p:tgtEl>
+                                      </p:cBhvr>
+                                    </p:animEffect>
+                                  </p:childTnLst>
+                                </p:cTn>
+                              </p:par>
+                            </p:childTnLst>
+                          </p:cTn>
+                        </p:par>
+                      </p:childTnLst>
+                    </p:cTn>
+                  </p:par>
+                </p:childTnLst>
+              </p:cTn>
+              <p:prevCondLst>
+                <p:cond evt="onPrev" delay="0">
+                  <p:tgtEl>
+                    <p:sldTgt/>
+                  </p:tgtEl>
+                </p:cond>
+              </p:prevCondLst>
+              <p:nextCondLst>
+                <p:cond evt="onNext" delay="0">
+                  <p:tgtEl>
+                    <p:sldTgt/>
+                  </p:tgtEl>
+                </p:cond>
+              </p:nextCondLst>
+            </p:seq>
+          </p:childTnLst>
+        </p:cTn>
+      </p:par>
+    </p:tnLst>
+    <p:bldLst>
+      <p:bldP spid="509" grpId="0"/>
+      <p:bldP spid="512" grpId="0"/>
+      <p:bldP spid="16" grpId="0"/>
+      <p:bldP spid="18" grpId="0"/>
+      <p:bldP spid="510" grpId="0"/>
+      <p:bldP spid="513" grpId="0"/>
+      <p:bldP spid="17" grpId="0"/>
+      <p:bldP spid="19" grpId="0"/>
+      <p:bldP spid="515" grpId="0"/>
+      <p:bldP spid="518" grpId="0"/>
+      <p:bldP spid="20" grpId="0"/>
+      <p:bldP spid="22" grpId="0"/>
+      <p:bldP spid="516" grpId="0"/>
+      <p:bldP spid="519" grpId="0"/>
+      <p:bldP spid="21" grpId="0"/>
+      <p:bldP spid="23" grpId="0"/>
+      <p:bldP spid="520" grpId="0"/>
+    </p:bldLst>
+  </p:timing>
 </p:sld>
 </file>
 
@@ -13043,10 +15583,10 @@
               <a:buNone/>
             </a:pPr>
             <a:r>
-              <a:rPr lang="en"/>
+              <a:rPr lang="en" dirty="0"/>
               <a:t>Introduction</a:t>
             </a:r>
-            <a:endParaRPr/>
+            <a:endParaRPr dirty="0"/>
           </a:p>
         </p:txBody>
       </p:sp>
@@ -13062,8 +15602,8 @@
         </p:nvSpPr>
         <p:spPr>
           <a:xfrm>
-            <a:off x="380587" y="1349473"/>
-            <a:ext cx="4167835" cy="2693069"/>
+            <a:off x="380587" y="1083891"/>
+            <a:ext cx="4167835" cy="2958651"/>
           </a:xfrm>
           <a:prstGeom prst="rect">
             <a:avLst/>
@@ -17914,6 +20454,231 @@
   <p:clrMapOvr>
     <a:masterClrMapping/>
   </p:clrMapOvr>
+  <mc:AlternateContent xmlns:mc="http://schemas.openxmlformats.org/markup-compatibility/2006">
+    <mc:Choice xmlns:p159="http://schemas.microsoft.com/office/powerpoint/2015/09/main" Requires="p159">
+      <p:transition xmlns:p14="http://schemas.microsoft.com/office/powerpoint/2010/main" spd="slow" p14:dur="2000">
+        <p159:morph option="byWord"/>
+      </p:transition>
+    </mc:Choice>
+    <mc:Fallback>
+      <p:transition spd="slow">
+        <p:fade/>
+      </p:transition>
+    </mc:Fallback>
+  </mc:AlternateContent>
+  <p:timing>
+    <p:tnLst>
+      <p:par>
+        <p:cTn id="1" dur="indefinite" restart="never" nodeType="tmRoot">
+          <p:childTnLst>
+            <p:seq concurrent="1" nextAc="seek">
+              <p:cTn id="2" dur="indefinite" nodeType="mainSeq">
+                <p:childTnLst>
+                  <p:par>
+                    <p:cTn id="3" fill="hold">
+                      <p:stCondLst>
+                        <p:cond delay="indefinite"/>
+                      </p:stCondLst>
+                      <p:childTnLst>
+                        <p:par>
+                          <p:cTn id="4" fill="hold">
+                            <p:stCondLst>
+                              <p:cond delay="0"/>
+                            </p:stCondLst>
+                            <p:childTnLst>
+                              <p:par>
+                                <p:cTn id="5" presetID="2" presetClass="entr" presetSubtype="1" fill="hold" grpId="0" nodeType="clickEffect">
+                                  <p:stCondLst>
+                                    <p:cond delay="0"/>
+                                  </p:stCondLst>
+                                  <p:childTnLst>
+                                    <p:set>
+                                      <p:cBhvr>
+                                        <p:cTn id="6" dur="1" fill="hold">
+                                          <p:stCondLst>
+                                            <p:cond delay="0"/>
+                                          </p:stCondLst>
+                                        </p:cTn>
+                                        <p:tgtEl>
+                                          <p:spTgt spid="660"/>
+                                        </p:tgtEl>
+                                        <p:attrNameLst>
+                                          <p:attrName>style.visibility</p:attrName>
+                                        </p:attrNameLst>
+                                      </p:cBhvr>
+                                      <p:to>
+                                        <p:strVal val="visible"/>
+                                      </p:to>
+                                    </p:set>
+                                    <p:anim calcmode="lin" valueType="num">
+                                      <p:cBhvr additive="base">
+                                        <p:cTn id="7" dur="500" fill="hold"/>
+                                        <p:tgtEl>
+                                          <p:spTgt spid="660"/>
+                                        </p:tgtEl>
+                                        <p:attrNameLst>
+                                          <p:attrName>ppt_x</p:attrName>
+                                        </p:attrNameLst>
+                                      </p:cBhvr>
+                                      <p:tavLst>
+                                        <p:tav tm="0">
+                                          <p:val>
+                                            <p:strVal val="#ppt_x"/>
+                                          </p:val>
+                                        </p:tav>
+                                        <p:tav tm="100000">
+                                          <p:val>
+                                            <p:strVal val="#ppt_x"/>
+                                          </p:val>
+                                        </p:tav>
+                                      </p:tavLst>
+                                    </p:anim>
+                                    <p:anim calcmode="lin" valueType="num">
+                                      <p:cBhvr additive="base">
+                                        <p:cTn id="8" dur="500" fill="hold"/>
+                                        <p:tgtEl>
+                                          <p:spTgt spid="660"/>
+                                        </p:tgtEl>
+                                        <p:attrNameLst>
+                                          <p:attrName>ppt_y</p:attrName>
+                                        </p:attrNameLst>
+                                      </p:cBhvr>
+                                      <p:tavLst>
+                                        <p:tav tm="0">
+                                          <p:val>
+                                            <p:strVal val="0-#ppt_h/2"/>
+                                          </p:val>
+                                        </p:tav>
+                                        <p:tav tm="100000">
+                                          <p:val>
+                                            <p:strVal val="#ppt_y"/>
+                                          </p:val>
+                                        </p:tav>
+                                      </p:tavLst>
+                                    </p:anim>
+                                  </p:childTnLst>
+                                </p:cTn>
+                              </p:par>
+                            </p:childTnLst>
+                          </p:cTn>
+                        </p:par>
+                      </p:childTnLst>
+                    </p:cTn>
+                  </p:par>
+                  <p:par>
+                    <p:cTn id="9" fill="hold">
+                      <p:stCondLst>
+                        <p:cond delay="indefinite"/>
+                      </p:stCondLst>
+                      <p:childTnLst>
+                        <p:par>
+                          <p:cTn id="10" fill="hold">
+                            <p:stCondLst>
+                              <p:cond delay="0"/>
+                            </p:stCondLst>
+                            <p:childTnLst>
+                              <p:par>
+                                <p:cTn id="11" presetID="12" presetClass="entr" presetSubtype="8" fill="hold" grpId="0" nodeType="clickEffect">
+                                  <p:stCondLst>
+                                    <p:cond delay="0"/>
+                                  </p:stCondLst>
+                                  <p:childTnLst>
+                                    <p:set>
+                                      <p:cBhvr>
+                                        <p:cTn id="12" dur="1" fill="hold">
+                                          <p:stCondLst>
+                                            <p:cond delay="0"/>
+                                          </p:stCondLst>
+                                        </p:cTn>
+                                        <p:tgtEl>
+                                          <p:spTgt spid="662">
+                                            <p:txEl>
+                                              <p:pRg st="0" end="0"/>
+                                            </p:txEl>
+                                          </p:spTgt>
+                                        </p:tgtEl>
+                                        <p:attrNameLst>
+                                          <p:attrName>style.visibility</p:attrName>
+                                        </p:attrNameLst>
+                                      </p:cBhvr>
+                                      <p:to>
+                                        <p:strVal val="visible"/>
+                                      </p:to>
+                                    </p:set>
+                                    <p:anim calcmode="lin" valueType="num">
+                                      <p:cBhvr additive="base">
+                                        <p:cTn id="13" dur="500"/>
+                                        <p:tgtEl>
+                                          <p:spTgt spid="662">
+                                            <p:txEl>
+                                              <p:pRg st="0" end="0"/>
+                                            </p:txEl>
+                                          </p:spTgt>
+                                        </p:tgtEl>
+                                        <p:attrNameLst>
+                                          <p:attrName>ppt_x</p:attrName>
+                                        </p:attrNameLst>
+                                      </p:cBhvr>
+                                      <p:tavLst>
+                                        <p:tav tm="0">
+                                          <p:val>
+                                            <p:strVal val="#ppt_x-#ppt_w*1.125000"/>
+                                          </p:val>
+                                        </p:tav>
+                                        <p:tav tm="100000">
+                                          <p:val>
+                                            <p:strVal val="#ppt_x"/>
+                                          </p:val>
+                                        </p:tav>
+                                      </p:tavLst>
+                                    </p:anim>
+                                    <p:animEffect transition="in" filter="wipe(right)">
+                                      <p:cBhvr>
+                                        <p:cTn id="14" dur="500"/>
+                                        <p:tgtEl>
+                                          <p:spTgt spid="662">
+                                            <p:txEl>
+                                              <p:pRg st="0" end="0"/>
+                                            </p:txEl>
+                                          </p:spTgt>
+                                        </p:tgtEl>
+                                      </p:cBhvr>
+                                    </p:animEffect>
+                                  </p:childTnLst>
+                                </p:cTn>
+                              </p:par>
+                            </p:childTnLst>
+                          </p:cTn>
+                        </p:par>
+                      </p:childTnLst>
+                    </p:cTn>
+                  </p:par>
+                </p:childTnLst>
+              </p:cTn>
+              <p:prevCondLst>
+                <p:cond evt="onPrev" delay="0">
+                  <p:tgtEl>
+                    <p:sldTgt/>
+                  </p:tgtEl>
+                </p:cond>
+              </p:prevCondLst>
+              <p:nextCondLst>
+                <p:cond evt="onNext" delay="0">
+                  <p:tgtEl>
+                    <p:sldTgt/>
+                  </p:tgtEl>
+                </p:cond>
+              </p:nextCondLst>
+            </p:seq>
+          </p:childTnLst>
+        </p:cTn>
+      </p:par>
+    </p:tnLst>
+    <p:bldLst>
+      <p:bldP spid="660" grpId="0"/>
+      <p:bldP spid="662" grpId="0" build="p"/>
+    </p:bldLst>
+  </p:timing>
 </p:sld>
 </file>
 
@@ -18030,6 +20795,613 @@
   <p:clrMapOvr>
     <a:masterClrMapping/>
   </p:clrMapOvr>
+  <mc:AlternateContent xmlns:mc="http://schemas.openxmlformats.org/markup-compatibility/2006">
+    <mc:Choice xmlns:p159="http://schemas.microsoft.com/office/powerpoint/2015/09/main" Requires="p159">
+      <p:transition xmlns:p14="http://schemas.microsoft.com/office/powerpoint/2010/main" spd="slow" p14:dur="2000">
+        <p159:morph option="byObject"/>
+      </p:transition>
+    </mc:Choice>
+    <mc:Fallback>
+      <p:transition spd="slow">
+        <p:fade/>
+      </p:transition>
+    </mc:Fallback>
+  </mc:AlternateContent>
+  <p:timing>
+    <p:tnLst>
+      <p:par>
+        <p:cTn id="1" dur="indefinite" restart="never" nodeType="tmRoot">
+          <p:childTnLst>
+            <p:seq concurrent="1" nextAc="seek">
+              <p:cTn id="2" dur="indefinite" nodeType="mainSeq">
+                <p:childTnLst>
+                  <p:par>
+                    <p:cTn id="3" fill="hold">
+                      <p:stCondLst>
+                        <p:cond delay="indefinite"/>
+                      </p:stCondLst>
+                      <p:childTnLst>
+                        <p:par>
+                          <p:cTn id="4" fill="hold">
+                            <p:stCondLst>
+                              <p:cond delay="0"/>
+                            </p:stCondLst>
+                            <p:childTnLst>
+                              <p:par>
+                                <p:cTn id="5" presetID="2" presetClass="entr" presetSubtype="1" fill="hold" grpId="0" nodeType="clickEffect">
+                                  <p:stCondLst>
+                                    <p:cond delay="0"/>
+                                  </p:stCondLst>
+                                  <p:childTnLst>
+                                    <p:set>
+                                      <p:cBhvr>
+                                        <p:cTn id="6" dur="1" fill="hold">
+                                          <p:stCondLst>
+                                            <p:cond delay="0"/>
+                                          </p:stCondLst>
+                                        </p:cTn>
+                                        <p:tgtEl>
+                                          <p:spTgt spid="2"/>
+                                        </p:tgtEl>
+                                        <p:attrNameLst>
+                                          <p:attrName>style.visibility</p:attrName>
+                                        </p:attrNameLst>
+                                      </p:cBhvr>
+                                      <p:to>
+                                        <p:strVal val="visible"/>
+                                      </p:to>
+                                    </p:set>
+                                    <p:anim calcmode="lin" valueType="num">
+                                      <p:cBhvr additive="base">
+                                        <p:cTn id="7" dur="500" fill="hold"/>
+                                        <p:tgtEl>
+                                          <p:spTgt spid="2"/>
+                                        </p:tgtEl>
+                                        <p:attrNameLst>
+                                          <p:attrName>ppt_x</p:attrName>
+                                        </p:attrNameLst>
+                                      </p:cBhvr>
+                                      <p:tavLst>
+                                        <p:tav tm="0">
+                                          <p:val>
+                                            <p:strVal val="#ppt_x"/>
+                                          </p:val>
+                                        </p:tav>
+                                        <p:tav tm="100000">
+                                          <p:val>
+                                            <p:strVal val="#ppt_x"/>
+                                          </p:val>
+                                        </p:tav>
+                                      </p:tavLst>
+                                    </p:anim>
+                                    <p:anim calcmode="lin" valueType="num">
+                                      <p:cBhvr additive="base">
+                                        <p:cTn id="8" dur="500" fill="hold"/>
+                                        <p:tgtEl>
+                                          <p:spTgt spid="2"/>
+                                        </p:tgtEl>
+                                        <p:attrNameLst>
+                                          <p:attrName>ppt_y</p:attrName>
+                                        </p:attrNameLst>
+                                      </p:cBhvr>
+                                      <p:tavLst>
+                                        <p:tav tm="0">
+                                          <p:val>
+                                            <p:strVal val="0-#ppt_h/2"/>
+                                          </p:val>
+                                        </p:tav>
+                                        <p:tav tm="100000">
+                                          <p:val>
+                                            <p:strVal val="#ppt_y"/>
+                                          </p:val>
+                                        </p:tav>
+                                      </p:tavLst>
+                                    </p:anim>
+                                  </p:childTnLst>
+                                </p:cTn>
+                              </p:par>
+                            </p:childTnLst>
+                          </p:cTn>
+                        </p:par>
+                        <p:par>
+                          <p:cTn id="9" fill="hold">
+                            <p:stCondLst>
+                              <p:cond delay="500"/>
+                            </p:stCondLst>
+                            <p:childTnLst>
+                              <p:par>
+                                <p:cTn id="10" presetID="2" presetClass="entr" presetSubtype="8" fill="hold" grpId="0" nodeType="afterEffect">
+                                  <p:stCondLst>
+                                    <p:cond delay="0"/>
+                                  </p:stCondLst>
+                                  <p:childTnLst>
+                                    <p:set>
+                                      <p:cBhvr>
+                                        <p:cTn id="11" dur="1" fill="hold">
+                                          <p:stCondLst>
+                                            <p:cond delay="0"/>
+                                          </p:stCondLst>
+                                        </p:cTn>
+                                        <p:tgtEl>
+                                          <p:spTgt spid="3">
+                                            <p:txEl>
+                                              <p:pRg st="0" end="0"/>
+                                            </p:txEl>
+                                          </p:spTgt>
+                                        </p:tgtEl>
+                                        <p:attrNameLst>
+                                          <p:attrName>style.visibility</p:attrName>
+                                        </p:attrNameLst>
+                                      </p:cBhvr>
+                                      <p:to>
+                                        <p:strVal val="visible"/>
+                                      </p:to>
+                                    </p:set>
+                                    <p:anim calcmode="lin" valueType="num">
+                                      <p:cBhvr additive="base">
+                                        <p:cTn id="12" dur="500" fill="hold"/>
+                                        <p:tgtEl>
+                                          <p:spTgt spid="3">
+                                            <p:txEl>
+                                              <p:pRg st="0" end="0"/>
+                                            </p:txEl>
+                                          </p:spTgt>
+                                        </p:tgtEl>
+                                        <p:attrNameLst>
+                                          <p:attrName>ppt_x</p:attrName>
+                                        </p:attrNameLst>
+                                      </p:cBhvr>
+                                      <p:tavLst>
+                                        <p:tav tm="0">
+                                          <p:val>
+                                            <p:strVal val="0-#ppt_w/2"/>
+                                          </p:val>
+                                        </p:tav>
+                                        <p:tav tm="100000">
+                                          <p:val>
+                                            <p:strVal val="#ppt_x"/>
+                                          </p:val>
+                                        </p:tav>
+                                      </p:tavLst>
+                                    </p:anim>
+                                    <p:anim calcmode="lin" valueType="num">
+                                      <p:cBhvr additive="base">
+                                        <p:cTn id="13" dur="500" fill="hold"/>
+                                        <p:tgtEl>
+                                          <p:spTgt spid="3">
+                                            <p:txEl>
+                                              <p:pRg st="0" end="0"/>
+                                            </p:txEl>
+                                          </p:spTgt>
+                                        </p:tgtEl>
+                                        <p:attrNameLst>
+                                          <p:attrName>ppt_y</p:attrName>
+                                        </p:attrNameLst>
+                                      </p:cBhvr>
+                                      <p:tavLst>
+                                        <p:tav tm="0">
+                                          <p:val>
+                                            <p:strVal val="#ppt_y"/>
+                                          </p:val>
+                                        </p:tav>
+                                        <p:tav tm="100000">
+                                          <p:val>
+                                            <p:strVal val="#ppt_y"/>
+                                          </p:val>
+                                        </p:tav>
+                                      </p:tavLst>
+                                    </p:anim>
+                                  </p:childTnLst>
+                                </p:cTn>
+                              </p:par>
+                            </p:childTnLst>
+                          </p:cTn>
+                        </p:par>
+                        <p:par>
+                          <p:cTn id="14" fill="hold">
+                            <p:stCondLst>
+                              <p:cond delay="1000"/>
+                            </p:stCondLst>
+                            <p:childTnLst>
+                              <p:par>
+                                <p:cTn id="15" presetID="2" presetClass="entr" presetSubtype="8" fill="hold" grpId="0" nodeType="afterEffect">
+                                  <p:stCondLst>
+                                    <p:cond delay="0"/>
+                                  </p:stCondLst>
+                                  <p:childTnLst>
+                                    <p:set>
+                                      <p:cBhvr>
+                                        <p:cTn id="16" dur="1" fill="hold">
+                                          <p:stCondLst>
+                                            <p:cond delay="0"/>
+                                          </p:stCondLst>
+                                        </p:cTn>
+                                        <p:tgtEl>
+                                          <p:spTgt spid="3">
+                                            <p:txEl>
+                                              <p:pRg st="1" end="1"/>
+                                            </p:txEl>
+                                          </p:spTgt>
+                                        </p:tgtEl>
+                                        <p:attrNameLst>
+                                          <p:attrName>style.visibility</p:attrName>
+                                        </p:attrNameLst>
+                                      </p:cBhvr>
+                                      <p:to>
+                                        <p:strVal val="visible"/>
+                                      </p:to>
+                                    </p:set>
+                                    <p:anim calcmode="lin" valueType="num">
+                                      <p:cBhvr additive="base">
+                                        <p:cTn id="17" dur="500" fill="hold"/>
+                                        <p:tgtEl>
+                                          <p:spTgt spid="3">
+                                            <p:txEl>
+                                              <p:pRg st="1" end="1"/>
+                                            </p:txEl>
+                                          </p:spTgt>
+                                        </p:tgtEl>
+                                        <p:attrNameLst>
+                                          <p:attrName>ppt_x</p:attrName>
+                                        </p:attrNameLst>
+                                      </p:cBhvr>
+                                      <p:tavLst>
+                                        <p:tav tm="0">
+                                          <p:val>
+                                            <p:strVal val="0-#ppt_w/2"/>
+                                          </p:val>
+                                        </p:tav>
+                                        <p:tav tm="100000">
+                                          <p:val>
+                                            <p:strVal val="#ppt_x"/>
+                                          </p:val>
+                                        </p:tav>
+                                      </p:tavLst>
+                                    </p:anim>
+                                    <p:anim calcmode="lin" valueType="num">
+                                      <p:cBhvr additive="base">
+                                        <p:cTn id="18" dur="500" fill="hold"/>
+                                        <p:tgtEl>
+                                          <p:spTgt spid="3">
+                                            <p:txEl>
+                                              <p:pRg st="1" end="1"/>
+                                            </p:txEl>
+                                          </p:spTgt>
+                                        </p:tgtEl>
+                                        <p:attrNameLst>
+                                          <p:attrName>ppt_y</p:attrName>
+                                        </p:attrNameLst>
+                                      </p:cBhvr>
+                                      <p:tavLst>
+                                        <p:tav tm="0">
+                                          <p:val>
+                                            <p:strVal val="#ppt_y"/>
+                                          </p:val>
+                                        </p:tav>
+                                        <p:tav tm="100000">
+                                          <p:val>
+                                            <p:strVal val="#ppt_y"/>
+                                          </p:val>
+                                        </p:tav>
+                                      </p:tavLst>
+                                    </p:anim>
+                                  </p:childTnLst>
+                                </p:cTn>
+                              </p:par>
+                            </p:childTnLst>
+                          </p:cTn>
+                        </p:par>
+                        <p:par>
+                          <p:cTn id="19" fill="hold">
+                            <p:stCondLst>
+                              <p:cond delay="1500"/>
+                            </p:stCondLst>
+                            <p:childTnLst>
+                              <p:par>
+                                <p:cTn id="20" presetID="2" presetClass="entr" presetSubtype="8" fill="hold" grpId="0" nodeType="afterEffect">
+                                  <p:stCondLst>
+                                    <p:cond delay="0"/>
+                                  </p:stCondLst>
+                                  <p:childTnLst>
+                                    <p:set>
+                                      <p:cBhvr>
+                                        <p:cTn id="21" dur="1" fill="hold">
+                                          <p:stCondLst>
+                                            <p:cond delay="0"/>
+                                          </p:stCondLst>
+                                        </p:cTn>
+                                        <p:tgtEl>
+                                          <p:spTgt spid="3">
+                                            <p:txEl>
+                                              <p:pRg st="2" end="2"/>
+                                            </p:txEl>
+                                          </p:spTgt>
+                                        </p:tgtEl>
+                                        <p:attrNameLst>
+                                          <p:attrName>style.visibility</p:attrName>
+                                        </p:attrNameLst>
+                                      </p:cBhvr>
+                                      <p:to>
+                                        <p:strVal val="visible"/>
+                                      </p:to>
+                                    </p:set>
+                                    <p:anim calcmode="lin" valueType="num">
+                                      <p:cBhvr additive="base">
+                                        <p:cTn id="22" dur="500" fill="hold"/>
+                                        <p:tgtEl>
+                                          <p:spTgt spid="3">
+                                            <p:txEl>
+                                              <p:pRg st="2" end="2"/>
+                                            </p:txEl>
+                                          </p:spTgt>
+                                        </p:tgtEl>
+                                        <p:attrNameLst>
+                                          <p:attrName>ppt_x</p:attrName>
+                                        </p:attrNameLst>
+                                      </p:cBhvr>
+                                      <p:tavLst>
+                                        <p:tav tm="0">
+                                          <p:val>
+                                            <p:strVal val="0-#ppt_w/2"/>
+                                          </p:val>
+                                        </p:tav>
+                                        <p:tav tm="100000">
+                                          <p:val>
+                                            <p:strVal val="#ppt_x"/>
+                                          </p:val>
+                                        </p:tav>
+                                      </p:tavLst>
+                                    </p:anim>
+                                    <p:anim calcmode="lin" valueType="num">
+                                      <p:cBhvr additive="base">
+                                        <p:cTn id="23" dur="500" fill="hold"/>
+                                        <p:tgtEl>
+                                          <p:spTgt spid="3">
+                                            <p:txEl>
+                                              <p:pRg st="2" end="2"/>
+                                            </p:txEl>
+                                          </p:spTgt>
+                                        </p:tgtEl>
+                                        <p:attrNameLst>
+                                          <p:attrName>ppt_y</p:attrName>
+                                        </p:attrNameLst>
+                                      </p:cBhvr>
+                                      <p:tavLst>
+                                        <p:tav tm="0">
+                                          <p:val>
+                                            <p:strVal val="#ppt_y"/>
+                                          </p:val>
+                                        </p:tav>
+                                        <p:tav tm="100000">
+                                          <p:val>
+                                            <p:strVal val="#ppt_y"/>
+                                          </p:val>
+                                        </p:tav>
+                                      </p:tavLst>
+                                    </p:anim>
+                                  </p:childTnLst>
+                                </p:cTn>
+                              </p:par>
+                            </p:childTnLst>
+                          </p:cTn>
+                        </p:par>
+                        <p:par>
+                          <p:cTn id="24" fill="hold">
+                            <p:stCondLst>
+                              <p:cond delay="2000"/>
+                            </p:stCondLst>
+                            <p:childTnLst>
+                              <p:par>
+                                <p:cTn id="25" presetID="2" presetClass="entr" presetSubtype="8" fill="hold" grpId="0" nodeType="afterEffect">
+                                  <p:stCondLst>
+                                    <p:cond delay="0"/>
+                                  </p:stCondLst>
+                                  <p:childTnLst>
+                                    <p:set>
+                                      <p:cBhvr>
+                                        <p:cTn id="26" dur="1" fill="hold">
+                                          <p:stCondLst>
+                                            <p:cond delay="0"/>
+                                          </p:stCondLst>
+                                        </p:cTn>
+                                        <p:tgtEl>
+                                          <p:spTgt spid="3">
+                                            <p:txEl>
+                                              <p:pRg st="3" end="3"/>
+                                            </p:txEl>
+                                          </p:spTgt>
+                                        </p:tgtEl>
+                                        <p:attrNameLst>
+                                          <p:attrName>style.visibility</p:attrName>
+                                        </p:attrNameLst>
+                                      </p:cBhvr>
+                                      <p:to>
+                                        <p:strVal val="visible"/>
+                                      </p:to>
+                                    </p:set>
+                                    <p:anim calcmode="lin" valueType="num">
+                                      <p:cBhvr additive="base">
+                                        <p:cTn id="27" dur="500" fill="hold"/>
+                                        <p:tgtEl>
+                                          <p:spTgt spid="3">
+                                            <p:txEl>
+                                              <p:pRg st="3" end="3"/>
+                                            </p:txEl>
+                                          </p:spTgt>
+                                        </p:tgtEl>
+                                        <p:attrNameLst>
+                                          <p:attrName>ppt_x</p:attrName>
+                                        </p:attrNameLst>
+                                      </p:cBhvr>
+                                      <p:tavLst>
+                                        <p:tav tm="0">
+                                          <p:val>
+                                            <p:strVal val="0-#ppt_w/2"/>
+                                          </p:val>
+                                        </p:tav>
+                                        <p:tav tm="100000">
+                                          <p:val>
+                                            <p:strVal val="#ppt_x"/>
+                                          </p:val>
+                                        </p:tav>
+                                      </p:tavLst>
+                                    </p:anim>
+                                    <p:anim calcmode="lin" valueType="num">
+                                      <p:cBhvr additive="base">
+                                        <p:cTn id="28" dur="500" fill="hold"/>
+                                        <p:tgtEl>
+                                          <p:spTgt spid="3">
+                                            <p:txEl>
+                                              <p:pRg st="3" end="3"/>
+                                            </p:txEl>
+                                          </p:spTgt>
+                                        </p:tgtEl>
+                                        <p:attrNameLst>
+                                          <p:attrName>ppt_y</p:attrName>
+                                        </p:attrNameLst>
+                                      </p:cBhvr>
+                                      <p:tavLst>
+                                        <p:tav tm="0">
+                                          <p:val>
+                                            <p:strVal val="#ppt_y"/>
+                                          </p:val>
+                                        </p:tav>
+                                        <p:tav tm="100000">
+                                          <p:val>
+                                            <p:strVal val="#ppt_y"/>
+                                          </p:val>
+                                        </p:tav>
+                                      </p:tavLst>
+                                    </p:anim>
+                                  </p:childTnLst>
+                                </p:cTn>
+                              </p:par>
+                            </p:childTnLst>
+                          </p:cTn>
+                        </p:par>
+                        <p:par>
+                          <p:cTn id="29" fill="hold">
+                            <p:stCondLst>
+                              <p:cond delay="2500"/>
+                            </p:stCondLst>
+                            <p:childTnLst>
+                              <p:par>
+                                <p:cTn id="30" presetID="2" presetClass="entr" presetSubtype="8" fill="hold" grpId="0" nodeType="afterEffect">
+                                  <p:stCondLst>
+                                    <p:cond delay="0"/>
+                                  </p:stCondLst>
+                                  <p:childTnLst>
+                                    <p:set>
+                                      <p:cBhvr>
+                                        <p:cTn id="31" dur="1" fill="hold">
+                                          <p:stCondLst>
+                                            <p:cond delay="0"/>
+                                          </p:stCondLst>
+                                        </p:cTn>
+                                        <p:tgtEl>
+                                          <p:spTgt spid="3">
+                                            <p:txEl>
+                                              <p:pRg st="4" end="4"/>
+                                            </p:txEl>
+                                          </p:spTgt>
+                                        </p:tgtEl>
+                                        <p:attrNameLst>
+                                          <p:attrName>style.visibility</p:attrName>
+                                        </p:attrNameLst>
+                                      </p:cBhvr>
+                                      <p:to>
+                                        <p:strVal val="visible"/>
+                                      </p:to>
+                                    </p:set>
+                                    <p:anim calcmode="lin" valueType="num">
+                                      <p:cBhvr additive="base">
+                                        <p:cTn id="32" dur="500" fill="hold"/>
+                                        <p:tgtEl>
+                                          <p:spTgt spid="3">
+                                            <p:txEl>
+                                              <p:pRg st="4" end="4"/>
+                                            </p:txEl>
+                                          </p:spTgt>
+                                        </p:tgtEl>
+                                        <p:attrNameLst>
+                                          <p:attrName>ppt_x</p:attrName>
+                                        </p:attrNameLst>
+                                      </p:cBhvr>
+                                      <p:tavLst>
+                                        <p:tav tm="0">
+                                          <p:val>
+                                            <p:strVal val="0-#ppt_w/2"/>
+                                          </p:val>
+                                        </p:tav>
+                                        <p:tav tm="100000">
+                                          <p:val>
+                                            <p:strVal val="#ppt_x"/>
+                                          </p:val>
+                                        </p:tav>
+                                      </p:tavLst>
+                                    </p:anim>
+                                    <p:anim calcmode="lin" valueType="num">
+                                      <p:cBhvr additive="base">
+                                        <p:cTn id="33" dur="500" fill="hold"/>
+                                        <p:tgtEl>
+                                          <p:spTgt spid="3">
+                                            <p:txEl>
+                                              <p:pRg st="4" end="4"/>
+                                            </p:txEl>
+                                          </p:spTgt>
+                                        </p:tgtEl>
+                                        <p:attrNameLst>
+                                          <p:attrName>ppt_y</p:attrName>
+                                        </p:attrNameLst>
+                                      </p:cBhvr>
+                                      <p:tavLst>
+                                        <p:tav tm="0">
+                                          <p:val>
+                                            <p:strVal val="#ppt_y"/>
+                                          </p:val>
+                                        </p:tav>
+                                        <p:tav tm="100000">
+                                          <p:val>
+                                            <p:strVal val="#ppt_y"/>
+                                          </p:val>
+                                        </p:tav>
+                                      </p:tavLst>
+                                    </p:anim>
+                                  </p:childTnLst>
+                                </p:cTn>
+                              </p:par>
+                            </p:childTnLst>
+                          </p:cTn>
+                        </p:par>
+                      </p:childTnLst>
+                    </p:cTn>
+                  </p:par>
+                </p:childTnLst>
+              </p:cTn>
+              <p:prevCondLst>
+                <p:cond evt="onPrev" delay="0">
+                  <p:tgtEl>
+                    <p:sldTgt/>
+                  </p:tgtEl>
+                </p:cond>
+              </p:prevCondLst>
+              <p:nextCondLst>
+                <p:cond evt="onNext" delay="0">
+                  <p:tgtEl>
+                    <p:sldTgt/>
+                  </p:tgtEl>
+                </p:cond>
+              </p:nextCondLst>
+            </p:seq>
+          </p:childTnLst>
+        </p:cTn>
+      </p:par>
+    </p:tnLst>
+    <p:bldLst>
+      <p:bldP spid="2" grpId="0"/>
+      <p:bldP spid="3" grpId="0" uiExpand="1" build="p"/>
+    </p:bldLst>
+  </p:timing>
 </p:sld>
 </file>
 
@@ -18099,65 +21471,57 @@
           <a:bodyPr/>
           <a:lstStyle/>
           <a:p>
-            <a:pPr algn="just"/>
+            <a:pPr lvl="0" algn="just"/>
             <a:r>
-              <a:rPr lang="en-US" dirty="0"/>
-              <a:t>The main objectives behind the development of this project are as follows:</a:t>
+              <a:rPr lang="en-US" sz="2000" dirty="0"/>
+              <a:t>To utilize the information of Books.</a:t>
             </a:r>
-            <a:endParaRPr lang="en-NP" dirty="0"/>
+            <a:endParaRPr lang="en-NP" sz="2000" dirty="0"/>
           </a:p>
           <a:p>
             <a:pPr lvl="0" algn="just"/>
             <a:r>
-              <a:rPr lang="en-US" dirty="0"/>
-              <a:t>To utilize the information of Books.</a:t>
+              <a:rPr lang="en-US" sz="2000" dirty="0"/>
+              <a:t>To store and retrieve books items.</a:t>
             </a:r>
-            <a:endParaRPr lang="en-NP" dirty="0"/>
+            <a:endParaRPr lang="en-NP" sz="2000" dirty="0"/>
           </a:p>
           <a:p>
             <a:pPr lvl="0" algn="just"/>
             <a:r>
-              <a:rPr lang="en-US" dirty="0"/>
-              <a:t>To store and retrieve books items.</a:t>
+              <a:rPr lang="en-US" sz="2000" dirty="0"/>
+              <a:t>To manage records of students who have withdrawn the book.</a:t>
             </a:r>
-            <a:endParaRPr lang="en-NP" dirty="0"/>
+            <a:endParaRPr lang="en-NP" sz="2000" dirty="0"/>
           </a:p>
           <a:p>
             <a:pPr lvl="0" algn="just"/>
             <a:r>
-              <a:rPr lang="en-US" dirty="0"/>
-              <a:t>To manage records of students who have withdrawn the book.</a:t>
+              <a:rPr lang="en-US" sz="2000" dirty="0"/>
+              <a:t>To store and access item in books stocks.</a:t>
             </a:r>
-            <a:endParaRPr lang="en-NP" dirty="0"/>
+            <a:endParaRPr lang="en-NP" sz="2000" dirty="0"/>
           </a:p>
           <a:p>
             <a:pPr lvl="0" algn="just"/>
             <a:r>
-              <a:rPr lang="en-US" dirty="0"/>
-              <a:t>To store and access item in books stocks.</a:t>
+              <a:rPr lang="en-US" sz="2000" dirty="0"/>
+              <a:t>To manage the particular records of student.</a:t>
             </a:r>
-            <a:endParaRPr lang="en-NP" dirty="0"/>
+            <a:endParaRPr lang="en-NP" sz="2000" dirty="0"/>
           </a:p>
           <a:p>
             <a:pPr lvl="0" algn="just"/>
             <a:r>
-              <a:rPr lang="en-US" dirty="0"/>
-              <a:t>To manage the particular records of student.</a:t>
+              <a:rPr lang="en-US" sz="2000" dirty="0"/>
+              <a:t>To generate the report of books.</a:t>
             </a:r>
-            <a:endParaRPr lang="en-NP" dirty="0"/>
+            <a:endParaRPr lang="en-NP" sz="2000" dirty="0"/>
           </a:p>
           <a:p>
             <a:pPr lvl="0" algn="just"/>
             <a:r>
-              <a:rPr lang="en-US" dirty="0"/>
-              <a:t>To generate the report of books.</a:t>
-            </a:r>
-            <a:endParaRPr lang="en-NP" dirty="0"/>
-          </a:p>
-          <a:p>
-            <a:pPr lvl="0" algn="just"/>
-            <a:r>
-              <a:rPr lang="en-US" dirty="0"/>
+              <a:rPr lang="en-US" sz="2000" dirty="0"/>
               <a:t>To provide the details of issue books.</a:t>
             </a:r>
           </a:p>
@@ -18173,6 +21537,696 @@
   <p:clrMapOvr>
     <a:masterClrMapping/>
   </p:clrMapOvr>
+  <mc:AlternateContent xmlns:mc="http://schemas.openxmlformats.org/markup-compatibility/2006">
+    <mc:Choice xmlns:p159="http://schemas.microsoft.com/office/powerpoint/2015/09/main" Requires="p159">
+      <p:transition xmlns:p14="http://schemas.microsoft.com/office/powerpoint/2010/main" spd="slow" p14:dur="2000">
+        <p159:morph option="byChar"/>
+      </p:transition>
+    </mc:Choice>
+    <mc:Fallback>
+      <p:transition spd="slow">
+        <p:fade/>
+      </p:transition>
+    </mc:Fallback>
+  </mc:AlternateContent>
+  <p:timing>
+    <p:tnLst>
+      <p:par>
+        <p:cTn id="1" dur="indefinite" restart="never" nodeType="tmRoot">
+          <p:childTnLst>
+            <p:seq concurrent="1" nextAc="seek">
+              <p:cTn id="2" dur="indefinite" nodeType="mainSeq">
+                <p:childTnLst>
+                  <p:par>
+                    <p:cTn id="3" fill="hold">
+                      <p:stCondLst>
+                        <p:cond delay="indefinite"/>
+                      </p:stCondLst>
+                      <p:childTnLst>
+                        <p:par>
+                          <p:cTn id="4" fill="hold">
+                            <p:stCondLst>
+                              <p:cond delay="0"/>
+                            </p:stCondLst>
+                            <p:childTnLst>
+                              <p:par>
+                                <p:cTn id="5" presetID="2" presetClass="entr" presetSubtype="1" fill="hold" grpId="0" nodeType="clickEffect">
+                                  <p:stCondLst>
+                                    <p:cond delay="0"/>
+                                  </p:stCondLst>
+                                  <p:childTnLst>
+                                    <p:set>
+                                      <p:cBhvr>
+                                        <p:cTn id="6" dur="1" fill="hold">
+                                          <p:stCondLst>
+                                            <p:cond delay="0"/>
+                                          </p:stCondLst>
+                                        </p:cTn>
+                                        <p:tgtEl>
+                                          <p:spTgt spid="2"/>
+                                        </p:tgtEl>
+                                        <p:attrNameLst>
+                                          <p:attrName>style.visibility</p:attrName>
+                                        </p:attrNameLst>
+                                      </p:cBhvr>
+                                      <p:to>
+                                        <p:strVal val="visible"/>
+                                      </p:to>
+                                    </p:set>
+                                    <p:anim calcmode="lin" valueType="num">
+                                      <p:cBhvr additive="base">
+                                        <p:cTn id="7" dur="500" fill="hold"/>
+                                        <p:tgtEl>
+                                          <p:spTgt spid="2"/>
+                                        </p:tgtEl>
+                                        <p:attrNameLst>
+                                          <p:attrName>ppt_x</p:attrName>
+                                        </p:attrNameLst>
+                                      </p:cBhvr>
+                                      <p:tavLst>
+                                        <p:tav tm="0">
+                                          <p:val>
+                                            <p:strVal val="#ppt_x"/>
+                                          </p:val>
+                                        </p:tav>
+                                        <p:tav tm="100000">
+                                          <p:val>
+                                            <p:strVal val="#ppt_x"/>
+                                          </p:val>
+                                        </p:tav>
+                                      </p:tavLst>
+                                    </p:anim>
+                                    <p:anim calcmode="lin" valueType="num">
+                                      <p:cBhvr additive="base">
+                                        <p:cTn id="8" dur="500" fill="hold"/>
+                                        <p:tgtEl>
+                                          <p:spTgt spid="2"/>
+                                        </p:tgtEl>
+                                        <p:attrNameLst>
+                                          <p:attrName>ppt_y</p:attrName>
+                                        </p:attrNameLst>
+                                      </p:cBhvr>
+                                      <p:tavLst>
+                                        <p:tav tm="0">
+                                          <p:val>
+                                            <p:strVal val="0-#ppt_h/2"/>
+                                          </p:val>
+                                        </p:tav>
+                                        <p:tav tm="100000">
+                                          <p:val>
+                                            <p:strVal val="#ppt_y"/>
+                                          </p:val>
+                                        </p:tav>
+                                      </p:tavLst>
+                                    </p:anim>
+                                  </p:childTnLst>
+                                </p:cTn>
+                              </p:par>
+                            </p:childTnLst>
+                          </p:cTn>
+                        </p:par>
+                        <p:par>
+                          <p:cTn id="9" fill="hold">
+                            <p:stCondLst>
+                              <p:cond delay="500"/>
+                            </p:stCondLst>
+                            <p:childTnLst>
+                              <p:par>
+                                <p:cTn id="10" presetID="12" presetClass="entr" presetSubtype="8" fill="hold" grpId="0" nodeType="afterEffect">
+                                  <p:stCondLst>
+                                    <p:cond delay="0"/>
+                                  </p:stCondLst>
+                                  <p:childTnLst>
+                                    <p:set>
+                                      <p:cBhvr>
+                                        <p:cTn id="11" dur="1" fill="hold">
+                                          <p:stCondLst>
+                                            <p:cond delay="0"/>
+                                          </p:stCondLst>
+                                        </p:cTn>
+                                        <p:tgtEl>
+                                          <p:spTgt spid="3">
+                                            <p:txEl>
+                                              <p:pRg st="0" end="0"/>
+                                            </p:txEl>
+                                          </p:spTgt>
+                                        </p:tgtEl>
+                                        <p:attrNameLst>
+                                          <p:attrName>style.visibility</p:attrName>
+                                        </p:attrNameLst>
+                                      </p:cBhvr>
+                                      <p:to>
+                                        <p:strVal val="visible"/>
+                                      </p:to>
+                                    </p:set>
+                                    <p:anim calcmode="lin" valueType="num">
+                                      <p:cBhvr additive="base">
+                                        <p:cTn id="12" dur="500"/>
+                                        <p:tgtEl>
+                                          <p:spTgt spid="3">
+                                            <p:txEl>
+                                              <p:pRg st="0" end="0"/>
+                                            </p:txEl>
+                                          </p:spTgt>
+                                        </p:tgtEl>
+                                        <p:attrNameLst>
+                                          <p:attrName>ppt_x</p:attrName>
+                                        </p:attrNameLst>
+                                      </p:cBhvr>
+                                      <p:tavLst>
+                                        <p:tav tm="0">
+                                          <p:val>
+                                            <p:strVal val="#ppt_x-#ppt_w*1.125000"/>
+                                          </p:val>
+                                        </p:tav>
+                                        <p:tav tm="100000">
+                                          <p:val>
+                                            <p:strVal val="#ppt_x"/>
+                                          </p:val>
+                                        </p:tav>
+                                      </p:tavLst>
+                                    </p:anim>
+                                    <p:animEffect transition="in" filter="wipe(right)">
+                                      <p:cBhvr>
+                                        <p:cTn id="13" dur="500"/>
+                                        <p:tgtEl>
+                                          <p:spTgt spid="3">
+                                            <p:txEl>
+                                              <p:pRg st="0" end="0"/>
+                                            </p:txEl>
+                                          </p:spTgt>
+                                        </p:tgtEl>
+                                      </p:cBhvr>
+                                    </p:animEffect>
+                                  </p:childTnLst>
+                                </p:cTn>
+                              </p:par>
+                            </p:childTnLst>
+                          </p:cTn>
+                        </p:par>
+                        <p:par>
+                          <p:cTn id="14" fill="hold">
+                            <p:stCondLst>
+                              <p:cond delay="1000"/>
+                            </p:stCondLst>
+                            <p:childTnLst>
+                              <p:par>
+                                <p:cTn id="15" presetID="12" presetClass="entr" presetSubtype="8" fill="hold" grpId="0" nodeType="afterEffect">
+                                  <p:stCondLst>
+                                    <p:cond delay="0"/>
+                                  </p:stCondLst>
+                                  <p:childTnLst>
+                                    <p:set>
+                                      <p:cBhvr>
+                                        <p:cTn id="16" dur="1" fill="hold">
+                                          <p:stCondLst>
+                                            <p:cond delay="0"/>
+                                          </p:stCondLst>
+                                        </p:cTn>
+                                        <p:tgtEl>
+                                          <p:spTgt spid="3">
+                                            <p:txEl>
+                                              <p:pRg st="1" end="1"/>
+                                            </p:txEl>
+                                          </p:spTgt>
+                                        </p:tgtEl>
+                                        <p:attrNameLst>
+                                          <p:attrName>style.visibility</p:attrName>
+                                        </p:attrNameLst>
+                                      </p:cBhvr>
+                                      <p:to>
+                                        <p:strVal val="visible"/>
+                                      </p:to>
+                                    </p:set>
+                                    <p:anim calcmode="lin" valueType="num">
+                                      <p:cBhvr additive="base">
+                                        <p:cTn id="17" dur="500"/>
+                                        <p:tgtEl>
+                                          <p:spTgt spid="3">
+                                            <p:txEl>
+                                              <p:pRg st="1" end="1"/>
+                                            </p:txEl>
+                                          </p:spTgt>
+                                        </p:tgtEl>
+                                        <p:attrNameLst>
+                                          <p:attrName>ppt_x</p:attrName>
+                                        </p:attrNameLst>
+                                      </p:cBhvr>
+                                      <p:tavLst>
+                                        <p:tav tm="0">
+                                          <p:val>
+                                            <p:strVal val="#ppt_x-#ppt_w*1.125000"/>
+                                          </p:val>
+                                        </p:tav>
+                                        <p:tav tm="100000">
+                                          <p:val>
+                                            <p:strVal val="#ppt_x"/>
+                                          </p:val>
+                                        </p:tav>
+                                      </p:tavLst>
+                                    </p:anim>
+                                    <p:animEffect transition="in" filter="wipe(right)">
+                                      <p:cBhvr>
+                                        <p:cTn id="18" dur="500"/>
+                                        <p:tgtEl>
+                                          <p:spTgt spid="3">
+                                            <p:txEl>
+                                              <p:pRg st="1" end="1"/>
+                                            </p:txEl>
+                                          </p:spTgt>
+                                        </p:tgtEl>
+                                      </p:cBhvr>
+                                    </p:animEffect>
+                                  </p:childTnLst>
+                                </p:cTn>
+                              </p:par>
+                            </p:childTnLst>
+                          </p:cTn>
+                        </p:par>
+                        <p:par>
+                          <p:cTn id="19" fill="hold">
+                            <p:stCondLst>
+                              <p:cond delay="1500"/>
+                            </p:stCondLst>
+                            <p:childTnLst>
+                              <p:par>
+                                <p:cTn id="20" presetID="12" presetClass="entr" presetSubtype="8" fill="hold" grpId="0" nodeType="afterEffect">
+                                  <p:stCondLst>
+                                    <p:cond delay="0"/>
+                                  </p:stCondLst>
+                                  <p:childTnLst>
+                                    <p:set>
+                                      <p:cBhvr>
+                                        <p:cTn id="21" dur="1" fill="hold">
+                                          <p:stCondLst>
+                                            <p:cond delay="0"/>
+                                          </p:stCondLst>
+                                        </p:cTn>
+                                        <p:tgtEl>
+                                          <p:spTgt spid="3">
+                                            <p:txEl>
+                                              <p:pRg st="2" end="2"/>
+                                            </p:txEl>
+                                          </p:spTgt>
+                                        </p:tgtEl>
+                                        <p:attrNameLst>
+                                          <p:attrName>style.visibility</p:attrName>
+                                        </p:attrNameLst>
+                                      </p:cBhvr>
+                                      <p:to>
+                                        <p:strVal val="visible"/>
+                                      </p:to>
+                                    </p:set>
+                                    <p:anim calcmode="lin" valueType="num">
+                                      <p:cBhvr additive="base">
+                                        <p:cTn id="22" dur="500"/>
+                                        <p:tgtEl>
+                                          <p:spTgt spid="3">
+                                            <p:txEl>
+                                              <p:pRg st="2" end="2"/>
+                                            </p:txEl>
+                                          </p:spTgt>
+                                        </p:tgtEl>
+                                        <p:attrNameLst>
+                                          <p:attrName>ppt_x</p:attrName>
+                                        </p:attrNameLst>
+                                      </p:cBhvr>
+                                      <p:tavLst>
+                                        <p:tav tm="0">
+                                          <p:val>
+                                            <p:strVal val="#ppt_x-#ppt_w*1.125000"/>
+                                          </p:val>
+                                        </p:tav>
+                                        <p:tav tm="100000">
+                                          <p:val>
+                                            <p:strVal val="#ppt_x"/>
+                                          </p:val>
+                                        </p:tav>
+                                      </p:tavLst>
+                                    </p:anim>
+                                    <p:animEffect transition="in" filter="wipe(right)">
+                                      <p:cBhvr>
+                                        <p:cTn id="23" dur="500"/>
+                                        <p:tgtEl>
+                                          <p:spTgt spid="3">
+                                            <p:txEl>
+                                              <p:pRg st="2" end="2"/>
+                                            </p:txEl>
+                                          </p:spTgt>
+                                        </p:tgtEl>
+                                      </p:cBhvr>
+                                    </p:animEffect>
+                                  </p:childTnLst>
+                                </p:cTn>
+                              </p:par>
+                            </p:childTnLst>
+                          </p:cTn>
+                        </p:par>
+                        <p:par>
+                          <p:cTn id="24" fill="hold">
+                            <p:stCondLst>
+                              <p:cond delay="2000"/>
+                            </p:stCondLst>
+                            <p:childTnLst>
+                              <p:par>
+                                <p:cTn id="25" presetID="12" presetClass="entr" presetSubtype="8" fill="hold" grpId="0" nodeType="afterEffect">
+                                  <p:stCondLst>
+                                    <p:cond delay="0"/>
+                                  </p:stCondLst>
+                                  <p:childTnLst>
+                                    <p:set>
+                                      <p:cBhvr>
+                                        <p:cTn id="26" dur="1" fill="hold">
+                                          <p:stCondLst>
+                                            <p:cond delay="0"/>
+                                          </p:stCondLst>
+                                        </p:cTn>
+                                        <p:tgtEl>
+                                          <p:spTgt spid="3">
+                                            <p:txEl>
+                                              <p:pRg st="3" end="3"/>
+                                            </p:txEl>
+                                          </p:spTgt>
+                                        </p:tgtEl>
+                                        <p:attrNameLst>
+                                          <p:attrName>style.visibility</p:attrName>
+                                        </p:attrNameLst>
+                                      </p:cBhvr>
+                                      <p:to>
+                                        <p:strVal val="visible"/>
+                                      </p:to>
+                                    </p:set>
+                                    <p:anim calcmode="lin" valueType="num">
+                                      <p:cBhvr additive="base">
+                                        <p:cTn id="27" dur="500"/>
+                                        <p:tgtEl>
+                                          <p:spTgt spid="3">
+                                            <p:txEl>
+                                              <p:pRg st="3" end="3"/>
+                                            </p:txEl>
+                                          </p:spTgt>
+                                        </p:tgtEl>
+                                        <p:attrNameLst>
+                                          <p:attrName>ppt_x</p:attrName>
+                                        </p:attrNameLst>
+                                      </p:cBhvr>
+                                      <p:tavLst>
+                                        <p:tav tm="0">
+                                          <p:val>
+                                            <p:strVal val="#ppt_x-#ppt_w*1.125000"/>
+                                          </p:val>
+                                        </p:tav>
+                                        <p:tav tm="100000">
+                                          <p:val>
+                                            <p:strVal val="#ppt_x"/>
+                                          </p:val>
+                                        </p:tav>
+                                      </p:tavLst>
+                                    </p:anim>
+                                    <p:animEffect transition="in" filter="wipe(right)">
+                                      <p:cBhvr>
+                                        <p:cTn id="28" dur="500"/>
+                                        <p:tgtEl>
+                                          <p:spTgt spid="3">
+                                            <p:txEl>
+                                              <p:pRg st="3" end="3"/>
+                                            </p:txEl>
+                                          </p:spTgt>
+                                        </p:tgtEl>
+                                      </p:cBhvr>
+                                    </p:animEffect>
+                                  </p:childTnLst>
+                                </p:cTn>
+                              </p:par>
+                            </p:childTnLst>
+                          </p:cTn>
+                        </p:par>
+                        <p:par>
+                          <p:cTn id="29" fill="hold">
+                            <p:stCondLst>
+                              <p:cond delay="2500"/>
+                            </p:stCondLst>
+                            <p:childTnLst>
+                              <p:par>
+                                <p:cTn id="30" presetID="12" presetClass="entr" presetSubtype="8" fill="hold" grpId="0" nodeType="afterEffect">
+                                  <p:stCondLst>
+                                    <p:cond delay="0"/>
+                                  </p:stCondLst>
+                                  <p:childTnLst>
+                                    <p:set>
+                                      <p:cBhvr>
+                                        <p:cTn id="31" dur="1" fill="hold">
+                                          <p:stCondLst>
+                                            <p:cond delay="0"/>
+                                          </p:stCondLst>
+                                        </p:cTn>
+                                        <p:tgtEl>
+                                          <p:spTgt spid="3">
+                                            <p:txEl>
+                                              <p:pRg st="4" end="4"/>
+                                            </p:txEl>
+                                          </p:spTgt>
+                                        </p:tgtEl>
+                                        <p:attrNameLst>
+                                          <p:attrName>style.visibility</p:attrName>
+                                        </p:attrNameLst>
+                                      </p:cBhvr>
+                                      <p:to>
+                                        <p:strVal val="visible"/>
+                                      </p:to>
+                                    </p:set>
+                                    <p:anim calcmode="lin" valueType="num">
+                                      <p:cBhvr additive="base">
+                                        <p:cTn id="32" dur="500"/>
+                                        <p:tgtEl>
+                                          <p:spTgt spid="3">
+                                            <p:txEl>
+                                              <p:pRg st="4" end="4"/>
+                                            </p:txEl>
+                                          </p:spTgt>
+                                        </p:tgtEl>
+                                        <p:attrNameLst>
+                                          <p:attrName>ppt_x</p:attrName>
+                                        </p:attrNameLst>
+                                      </p:cBhvr>
+                                      <p:tavLst>
+                                        <p:tav tm="0">
+                                          <p:val>
+                                            <p:strVal val="#ppt_x-#ppt_w*1.125000"/>
+                                          </p:val>
+                                        </p:tav>
+                                        <p:tav tm="100000">
+                                          <p:val>
+                                            <p:strVal val="#ppt_x"/>
+                                          </p:val>
+                                        </p:tav>
+                                      </p:tavLst>
+                                    </p:anim>
+                                    <p:animEffect transition="in" filter="wipe(right)">
+                                      <p:cBhvr>
+                                        <p:cTn id="33" dur="500"/>
+                                        <p:tgtEl>
+                                          <p:spTgt spid="3">
+                                            <p:txEl>
+                                              <p:pRg st="4" end="4"/>
+                                            </p:txEl>
+                                          </p:spTgt>
+                                        </p:tgtEl>
+                                      </p:cBhvr>
+                                    </p:animEffect>
+                                  </p:childTnLst>
+                                </p:cTn>
+                              </p:par>
+                            </p:childTnLst>
+                          </p:cTn>
+                        </p:par>
+                        <p:par>
+                          <p:cTn id="34" fill="hold">
+                            <p:stCondLst>
+                              <p:cond delay="3000"/>
+                            </p:stCondLst>
+                            <p:childTnLst>
+                              <p:par>
+                                <p:cTn id="35" presetID="12" presetClass="entr" presetSubtype="8" fill="hold" grpId="0" nodeType="afterEffect">
+                                  <p:stCondLst>
+                                    <p:cond delay="0"/>
+                                  </p:stCondLst>
+                                  <p:childTnLst>
+                                    <p:set>
+                                      <p:cBhvr>
+                                        <p:cTn id="36" dur="1" fill="hold">
+                                          <p:stCondLst>
+                                            <p:cond delay="0"/>
+                                          </p:stCondLst>
+                                        </p:cTn>
+                                        <p:tgtEl>
+                                          <p:spTgt spid="3">
+                                            <p:txEl>
+                                              <p:pRg st="5" end="5"/>
+                                            </p:txEl>
+                                          </p:spTgt>
+                                        </p:tgtEl>
+                                        <p:attrNameLst>
+                                          <p:attrName>style.visibility</p:attrName>
+                                        </p:attrNameLst>
+                                      </p:cBhvr>
+                                      <p:to>
+                                        <p:strVal val="visible"/>
+                                      </p:to>
+                                    </p:set>
+                                    <p:anim calcmode="lin" valueType="num">
+                                      <p:cBhvr additive="base">
+                                        <p:cTn id="37" dur="500"/>
+                                        <p:tgtEl>
+                                          <p:spTgt spid="3">
+                                            <p:txEl>
+                                              <p:pRg st="5" end="5"/>
+                                            </p:txEl>
+                                          </p:spTgt>
+                                        </p:tgtEl>
+                                        <p:attrNameLst>
+                                          <p:attrName>ppt_x</p:attrName>
+                                        </p:attrNameLst>
+                                      </p:cBhvr>
+                                      <p:tavLst>
+                                        <p:tav tm="0">
+                                          <p:val>
+                                            <p:strVal val="#ppt_x-#ppt_w*1.125000"/>
+                                          </p:val>
+                                        </p:tav>
+                                        <p:tav tm="100000">
+                                          <p:val>
+                                            <p:strVal val="#ppt_x"/>
+                                          </p:val>
+                                        </p:tav>
+                                      </p:tavLst>
+                                    </p:anim>
+                                    <p:animEffect transition="in" filter="wipe(right)">
+                                      <p:cBhvr>
+                                        <p:cTn id="38" dur="500"/>
+                                        <p:tgtEl>
+                                          <p:spTgt spid="3">
+                                            <p:txEl>
+                                              <p:pRg st="5" end="5"/>
+                                            </p:txEl>
+                                          </p:spTgt>
+                                        </p:tgtEl>
+                                      </p:cBhvr>
+                                    </p:animEffect>
+                                  </p:childTnLst>
+                                </p:cTn>
+                              </p:par>
+                            </p:childTnLst>
+                          </p:cTn>
+                        </p:par>
+                        <p:par>
+                          <p:cTn id="39" fill="hold">
+                            <p:stCondLst>
+                              <p:cond delay="3500"/>
+                            </p:stCondLst>
+                            <p:childTnLst>
+                              <p:par>
+                                <p:cTn id="40" presetID="12" presetClass="entr" presetSubtype="8" fill="hold" grpId="0" nodeType="afterEffect">
+                                  <p:stCondLst>
+                                    <p:cond delay="0"/>
+                                  </p:stCondLst>
+                                  <p:childTnLst>
+                                    <p:set>
+                                      <p:cBhvr>
+                                        <p:cTn id="41" dur="1" fill="hold">
+                                          <p:stCondLst>
+                                            <p:cond delay="0"/>
+                                          </p:stCondLst>
+                                        </p:cTn>
+                                        <p:tgtEl>
+                                          <p:spTgt spid="3">
+                                            <p:txEl>
+                                              <p:pRg st="6" end="6"/>
+                                            </p:txEl>
+                                          </p:spTgt>
+                                        </p:tgtEl>
+                                        <p:attrNameLst>
+                                          <p:attrName>style.visibility</p:attrName>
+                                        </p:attrNameLst>
+                                      </p:cBhvr>
+                                      <p:to>
+                                        <p:strVal val="visible"/>
+                                      </p:to>
+                                    </p:set>
+                                    <p:anim calcmode="lin" valueType="num">
+                                      <p:cBhvr additive="base">
+                                        <p:cTn id="42" dur="500"/>
+                                        <p:tgtEl>
+                                          <p:spTgt spid="3">
+                                            <p:txEl>
+                                              <p:pRg st="6" end="6"/>
+                                            </p:txEl>
+                                          </p:spTgt>
+                                        </p:tgtEl>
+                                        <p:attrNameLst>
+                                          <p:attrName>ppt_x</p:attrName>
+                                        </p:attrNameLst>
+                                      </p:cBhvr>
+                                      <p:tavLst>
+                                        <p:tav tm="0">
+                                          <p:val>
+                                            <p:strVal val="#ppt_x-#ppt_w*1.125000"/>
+                                          </p:val>
+                                        </p:tav>
+                                        <p:tav tm="100000">
+                                          <p:val>
+                                            <p:strVal val="#ppt_x"/>
+                                          </p:val>
+                                        </p:tav>
+                                      </p:tavLst>
+                                    </p:anim>
+                                    <p:animEffect transition="in" filter="wipe(right)">
+                                      <p:cBhvr>
+                                        <p:cTn id="43" dur="500"/>
+                                        <p:tgtEl>
+                                          <p:spTgt spid="3">
+                                            <p:txEl>
+                                              <p:pRg st="6" end="6"/>
+                                            </p:txEl>
+                                          </p:spTgt>
+                                        </p:tgtEl>
+                                      </p:cBhvr>
+                                    </p:animEffect>
+                                  </p:childTnLst>
+                                </p:cTn>
+                              </p:par>
+                            </p:childTnLst>
+                          </p:cTn>
+                        </p:par>
+                      </p:childTnLst>
+                    </p:cTn>
+                  </p:par>
+                </p:childTnLst>
+              </p:cTn>
+              <p:prevCondLst>
+                <p:cond evt="onPrev" delay="0">
+                  <p:tgtEl>
+                    <p:sldTgt/>
+                  </p:tgtEl>
+                </p:cond>
+              </p:prevCondLst>
+              <p:nextCondLst>
+                <p:cond evt="onNext" delay="0">
+                  <p:tgtEl>
+                    <p:sldTgt/>
+                  </p:tgtEl>
+                </p:cond>
+              </p:nextCondLst>
+            </p:seq>
+          </p:childTnLst>
+        </p:cTn>
+      </p:par>
+    </p:tnLst>
+    <p:bldLst>
+      <p:bldP spid="2" grpId="0"/>
+      <p:bldP spid="3" grpId="0" uiExpand="1" build="p"/>
+    </p:bldLst>
+  </p:timing>
 </p:sld>
 </file>
 
@@ -18283,6 +22337,425 @@
   <p:clrMapOvr>
     <a:masterClrMapping/>
   </p:clrMapOvr>
+  <mc:AlternateContent xmlns:mc="http://schemas.openxmlformats.org/markup-compatibility/2006">
+    <mc:Choice xmlns:p159="http://schemas.microsoft.com/office/powerpoint/2015/09/main" Requires="p159">
+      <p:transition xmlns:p14="http://schemas.microsoft.com/office/powerpoint/2010/main" spd="slow" p14:dur="2000">
+        <p159:morph option="byObject"/>
+      </p:transition>
+    </mc:Choice>
+    <mc:Fallback>
+      <p:transition spd="slow">
+        <p:fade/>
+      </p:transition>
+    </mc:Fallback>
+  </mc:AlternateContent>
+  <p:timing>
+    <p:tnLst>
+      <p:par>
+        <p:cTn id="1" dur="indefinite" restart="never" nodeType="tmRoot">
+          <p:childTnLst>
+            <p:seq concurrent="1" nextAc="seek">
+              <p:cTn id="2" dur="indefinite" nodeType="mainSeq">
+                <p:childTnLst>
+                  <p:par>
+                    <p:cTn id="3" fill="hold">
+                      <p:stCondLst>
+                        <p:cond delay="indefinite"/>
+                      </p:stCondLst>
+                      <p:childTnLst>
+                        <p:par>
+                          <p:cTn id="4" fill="hold">
+                            <p:stCondLst>
+                              <p:cond delay="0"/>
+                            </p:stCondLst>
+                            <p:childTnLst>
+                              <p:par>
+                                <p:cTn id="5" presetID="2" presetClass="entr" presetSubtype="1" fill="hold" grpId="0" nodeType="clickEffect">
+                                  <p:stCondLst>
+                                    <p:cond delay="0"/>
+                                  </p:stCondLst>
+                                  <p:childTnLst>
+                                    <p:set>
+                                      <p:cBhvr>
+                                        <p:cTn id="6" dur="1" fill="hold">
+                                          <p:stCondLst>
+                                            <p:cond delay="0"/>
+                                          </p:stCondLst>
+                                        </p:cTn>
+                                        <p:tgtEl>
+                                          <p:spTgt spid="2"/>
+                                        </p:tgtEl>
+                                        <p:attrNameLst>
+                                          <p:attrName>style.visibility</p:attrName>
+                                        </p:attrNameLst>
+                                      </p:cBhvr>
+                                      <p:to>
+                                        <p:strVal val="visible"/>
+                                      </p:to>
+                                    </p:set>
+                                    <p:anim calcmode="lin" valueType="num">
+                                      <p:cBhvr additive="base">
+                                        <p:cTn id="7" dur="500" fill="hold"/>
+                                        <p:tgtEl>
+                                          <p:spTgt spid="2"/>
+                                        </p:tgtEl>
+                                        <p:attrNameLst>
+                                          <p:attrName>ppt_x</p:attrName>
+                                        </p:attrNameLst>
+                                      </p:cBhvr>
+                                      <p:tavLst>
+                                        <p:tav tm="0">
+                                          <p:val>
+                                            <p:strVal val="#ppt_x"/>
+                                          </p:val>
+                                        </p:tav>
+                                        <p:tav tm="100000">
+                                          <p:val>
+                                            <p:strVal val="#ppt_x"/>
+                                          </p:val>
+                                        </p:tav>
+                                      </p:tavLst>
+                                    </p:anim>
+                                    <p:anim calcmode="lin" valueType="num">
+                                      <p:cBhvr additive="base">
+                                        <p:cTn id="8" dur="500" fill="hold"/>
+                                        <p:tgtEl>
+                                          <p:spTgt spid="2"/>
+                                        </p:tgtEl>
+                                        <p:attrNameLst>
+                                          <p:attrName>ppt_y</p:attrName>
+                                        </p:attrNameLst>
+                                      </p:cBhvr>
+                                      <p:tavLst>
+                                        <p:tav tm="0">
+                                          <p:val>
+                                            <p:strVal val="0-#ppt_h/2"/>
+                                          </p:val>
+                                        </p:tav>
+                                        <p:tav tm="100000">
+                                          <p:val>
+                                            <p:strVal val="#ppt_y"/>
+                                          </p:val>
+                                        </p:tav>
+                                      </p:tavLst>
+                                    </p:anim>
+                                  </p:childTnLst>
+                                </p:cTn>
+                              </p:par>
+                            </p:childTnLst>
+                          </p:cTn>
+                        </p:par>
+                        <p:par>
+                          <p:cTn id="9" fill="hold">
+                            <p:stCondLst>
+                              <p:cond delay="500"/>
+                            </p:stCondLst>
+                            <p:childTnLst>
+                              <p:par>
+                                <p:cTn id="10" presetID="2" presetClass="entr" presetSubtype="8" fill="hold" grpId="0" nodeType="afterEffect">
+                                  <p:stCondLst>
+                                    <p:cond delay="0"/>
+                                  </p:stCondLst>
+                                  <p:childTnLst>
+                                    <p:set>
+                                      <p:cBhvr>
+                                        <p:cTn id="11" dur="1" fill="hold">
+                                          <p:stCondLst>
+                                            <p:cond delay="0"/>
+                                          </p:stCondLst>
+                                        </p:cTn>
+                                        <p:tgtEl>
+                                          <p:spTgt spid="3">
+                                            <p:txEl>
+                                              <p:pRg st="0" end="0"/>
+                                            </p:txEl>
+                                          </p:spTgt>
+                                        </p:tgtEl>
+                                        <p:attrNameLst>
+                                          <p:attrName>style.visibility</p:attrName>
+                                        </p:attrNameLst>
+                                      </p:cBhvr>
+                                      <p:to>
+                                        <p:strVal val="visible"/>
+                                      </p:to>
+                                    </p:set>
+                                    <p:anim calcmode="lin" valueType="num">
+                                      <p:cBhvr additive="base">
+                                        <p:cTn id="12" dur="500" fill="hold"/>
+                                        <p:tgtEl>
+                                          <p:spTgt spid="3">
+                                            <p:txEl>
+                                              <p:pRg st="0" end="0"/>
+                                            </p:txEl>
+                                          </p:spTgt>
+                                        </p:tgtEl>
+                                        <p:attrNameLst>
+                                          <p:attrName>ppt_x</p:attrName>
+                                        </p:attrNameLst>
+                                      </p:cBhvr>
+                                      <p:tavLst>
+                                        <p:tav tm="0">
+                                          <p:val>
+                                            <p:strVal val="0-#ppt_w/2"/>
+                                          </p:val>
+                                        </p:tav>
+                                        <p:tav tm="100000">
+                                          <p:val>
+                                            <p:strVal val="#ppt_x"/>
+                                          </p:val>
+                                        </p:tav>
+                                      </p:tavLst>
+                                    </p:anim>
+                                    <p:anim calcmode="lin" valueType="num">
+                                      <p:cBhvr additive="base">
+                                        <p:cTn id="13" dur="500" fill="hold"/>
+                                        <p:tgtEl>
+                                          <p:spTgt spid="3">
+                                            <p:txEl>
+                                              <p:pRg st="0" end="0"/>
+                                            </p:txEl>
+                                          </p:spTgt>
+                                        </p:tgtEl>
+                                        <p:attrNameLst>
+                                          <p:attrName>ppt_y</p:attrName>
+                                        </p:attrNameLst>
+                                      </p:cBhvr>
+                                      <p:tavLst>
+                                        <p:tav tm="0">
+                                          <p:val>
+                                            <p:strVal val="#ppt_y"/>
+                                          </p:val>
+                                        </p:tav>
+                                        <p:tav tm="100000">
+                                          <p:val>
+                                            <p:strVal val="#ppt_y"/>
+                                          </p:val>
+                                        </p:tav>
+                                      </p:tavLst>
+                                    </p:anim>
+                                  </p:childTnLst>
+                                </p:cTn>
+                              </p:par>
+                            </p:childTnLst>
+                          </p:cTn>
+                        </p:par>
+                        <p:par>
+                          <p:cTn id="14" fill="hold">
+                            <p:stCondLst>
+                              <p:cond delay="1000"/>
+                            </p:stCondLst>
+                            <p:childTnLst>
+                              <p:par>
+                                <p:cTn id="15" presetID="2" presetClass="entr" presetSubtype="8" fill="hold" grpId="0" nodeType="afterEffect">
+                                  <p:stCondLst>
+                                    <p:cond delay="0"/>
+                                  </p:stCondLst>
+                                  <p:childTnLst>
+                                    <p:set>
+                                      <p:cBhvr>
+                                        <p:cTn id="16" dur="1" fill="hold">
+                                          <p:stCondLst>
+                                            <p:cond delay="0"/>
+                                          </p:stCondLst>
+                                        </p:cTn>
+                                        <p:tgtEl>
+                                          <p:spTgt spid="3">
+                                            <p:txEl>
+                                              <p:pRg st="1" end="1"/>
+                                            </p:txEl>
+                                          </p:spTgt>
+                                        </p:tgtEl>
+                                        <p:attrNameLst>
+                                          <p:attrName>style.visibility</p:attrName>
+                                        </p:attrNameLst>
+                                      </p:cBhvr>
+                                      <p:to>
+                                        <p:strVal val="visible"/>
+                                      </p:to>
+                                    </p:set>
+                                    <p:anim calcmode="lin" valueType="num">
+                                      <p:cBhvr additive="base">
+                                        <p:cTn id="17" dur="500" fill="hold"/>
+                                        <p:tgtEl>
+                                          <p:spTgt spid="3">
+                                            <p:txEl>
+                                              <p:pRg st="1" end="1"/>
+                                            </p:txEl>
+                                          </p:spTgt>
+                                        </p:tgtEl>
+                                        <p:attrNameLst>
+                                          <p:attrName>ppt_x</p:attrName>
+                                        </p:attrNameLst>
+                                      </p:cBhvr>
+                                      <p:tavLst>
+                                        <p:tav tm="0">
+                                          <p:val>
+                                            <p:strVal val="0-#ppt_w/2"/>
+                                          </p:val>
+                                        </p:tav>
+                                        <p:tav tm="100000">
+                                          <p:val>
+                                            <p:strVal val="#ppt_x"/>
+                                          </p:val>
+                                        </p:tav>
+                                      </p:tavLst>
+                                    </p:anim>
+                                    <p:anim calcmode="lin" valueType="num">
+                                      <p:cBhvr additive="base">
+                                        <p:cTn id="18" dur="500" fill="hold"/>
+                                        <p:tgtEl>
+                                          <p:spTgt spid="3">
+                                            <p:txEl>
+                                              <p:pRg st="1" end="1"/>
+                                            </p:txEl>
+                                          </p:spTgt>
+                                        </p:tgtEl>
+                                        <p:attrNameLst>
+                                          <p:attrName>ppt_y</p:attrName>
+                                        </p:attrNameLst>
+                                      </p:cBhvr>
+                                      <p:tavLst>
+                                        <p:tav tm="0">
+                                          <p:val>
+                                            <p:strVal val="#ppt_y"/>
+                                          </p:val>
+                                        </p:tav>
+                                        <p:tav tm="100000">
+                                          <p:val>
+                                            <p:strVal val="#ppt_y"/>
+                                          </p:val>
+                                        </p:tav>
+                                      </p:tavLst>
+                                    </p:anim>
+                                  </p:childTnLst>
+                                </p:cTn>
+                              </p:par>
+                            </p:childTnLst>
+                          </p:cTn>
+                        </p:par>
+                        <p:par>
+                          <p:cTn id="19" fill="hold">
+                            <p:stCondLst>
+                              <p:cond delay="1500"/>
+                            </p:stCondLst>
+                            <p:childTnLst>
+                              <p:par>
+                                <p:cTn id="20" presetID="2" presetClass="entr" presetSubtype="8" fill="hold" grpId="0" nodeType="afterEffect">
+                                  <p:stCondLst>
+                                    <p:cond delay="0"/>
+                                  </p:stCondLst>
+                                  <p:childTnLst>
+                                    <p:set>
+                                      <p:cBhvr>
+                                        <p:cTn id="21" dur="1" fill="hold">
+                                          <p:stCondLst>
+                                            <p:cond delay="0"/>
+                                          </p:stCondLst>
+                                        </p:cTn>
+                                        <p:tgtEl>
+                                          <p:spTgt spid="3">
+                                            <p:txEl>
+                                              <p:pRg st="2" end="2"/>
+                                            </p:txEl>
+                                          </p:spTgt>
+                                        </p:tgtEl>
+                                        <p:attrNameLst>
+                                          <p:attrName>style.visibility</p:attrName>
+                                        </p:attrNameLst>
+                                      </p:cBhvr>
+                                      <p:to>
+                                        <p:strVal val="visible"/>
+                                      </p:to>
+                                    </p:set>
+                                    <p:anim calcmode="lin" valueType="num">
+                                      <p:cBhvr additive="base">
+                                        <p:cTn id="22" dur="500" fill="hold"/>
+                                        <p:tgtEl>
+                                          <p:spTgt spid="3">
+                                            <p:txEl>
+                                              <p:pRg st="2" end="2"/>
+                                            </p:txEl>
+                                          </p:spTgt>
+                                        </p:tgtEl>
+                                        <p:attrNameLst>
+                                          <p:attrName>ppt_x</p:attrName>
+                                        </p:attrNameLst>
+                                      </p:cBhvr>
+                                      <p:tavLst>
+                                        <p:tav tm="0">
+                                          <p:val>
+                                            <p:strVal val="0-#ppt_w/2"/>
+                                          </p:val>
+                                        </p:tav>
+                                        <p:tav tm="100000">
+                                          <p:val>
+                                            <p:strVal val="#ppt_x"/>
+                                          </p:val>
+                                        </p:tav>
+                                      </p:tavLst>
+                                    </p:anim>
+                                    <p:anim calcmode="lin" valueType="num">
+                                      <p:cBhvr additive="base">
+                                        <p:cTn id="23" dur="500" fill="hold"/>
+                                        <p:tgtEl>
+                                          <p:spTgt spid="3">
+                                            <p:txEl>
+                                              <p:pRg st="2" end="2"/>
+                                            </p:txEl>
+                                          </p:spTgt>
+                                        </p:tgtEl>
+                                        <p:attrNameLst>
+                                          <p:attrName>ppt_y</p:attrName>
+                                        </p:attrNameLst>
+                                      </p:cBhvr>
+                                      <p:tavLst>
+                                        <p:tav tm="0">
+                                          <p:val>
+                                            <p:strVal val="#ppt_y"/>
+                                          </p:val>
+                                        </p:tav>
+                                        <p:tav tm="100000">
+                                          <p:val>
+                                            <p:strVal val="#ppt_y"/>
+                                          </p:val>
+                                        </p:tav>
+                                      </p:tavLst>
+                                    </p:anim>
+                                  </p:childTnLst>
+                                </p:cTn>
+                              </p:par>
+                            </p:childTnLst>
+                          </p:cTn>
+                        </p:par>
+                      </p:childTnLst>
+                    </p:cTn>
+                  </p:par>
+                </p:childTnLst>
+              </p:cTn>
+              <p:prevCondLst>
+                <p:cond evt="onPrev" delay="0">
+                  <p:tgtEl>
+                    <p:sldTgt/>
+                  </p:tgtEl>
+                </p:cond>
+              </p:prevCondLst>
+              <p:nextCondLst>
+                <p:cond evt="onNext" delay="0">
+                  <p:tgtEl>
+                    <p:sldTgt/>
+                  </p:tgtEl>
+                </p:cond>
+              </p:nextCondLst>
+            </p:seq>
+          </p:childTnLst>
+        </p:cTn>
+      </p:par>
+    </p:tnLst>
+    <p:bldLst>
+      <p:bldP spid="2" grpId="0"/>
+      <p:bldP spid="3" grpId="0" uiExpand="1" build="p"/>
+    </p:bldLst>
+  </p:timing>
 </p:sld>
 </file>
 
@@ -18319,7 +22792,12 @@
             <p:ph type="title"/>
           </p:nvPr>
         </p:nvSpPr>
-        <p:spPr/>
+        <p:spPr>
+          <a:xfrm>
+            <a:off x="714000" y="329631"/>
+            <a:ext cx="7716000" cy="368700"/>
+          </a:xfrm>
+        </p:spPr>
         <p:txBody>
           <a:bodyPr/>
           <a:lstStyle/>
@@ -19431,6 +23909,232 @@
   <p:clrMapOvr>
     <a:masterClrMapping/>
   </p:clrMapOvr>
+  <mc:AlternateContent xmlns:mc="http://schemas.openxmlformats.org/markup-compatibility/2006">
+    <mc:Choice xmlns:p159="http://schemas.microsoft.com/office/powerpoint/2015/09/main" Requires="p159">
+      <p:transition xmlns:p14="http://schemas.microsoft.com/office/powerpoint/2010/main" spd="slow" p14:dur="2000">
+        <p159:morph option="byObject"/>
+      </p:transition>
+    </mc:Choice>
+    <mc:Fallback>
+      <p:transition spd="slow">
+        <p:fade/>
+      </p:transition>
+    </mc:Fallback>
+  </mc:AlternateContent>
+  <p:timing>
+    <p:tnLst>
+      <p:par>
+        <p:cTn id="1" dur="indefinite" restart="never" nodeType="tmRoot">
+          <p:childTnLst>
+            <p:seq concurrent="1" nextAc="seek">
+              <p:cTn id="2" dur="indefinite" nodeType="mainSeq">
+                <p:childTnLst>
+                  <p:par>
+                    <p:cTn id="3" fill="hold">
+                      <p:stCondLst>
+                        <p:cond delay="indefinite"/>
+                      </p:stCondLst>
+                      <p:childTnLst>
+                        <p:par>
+                          <p:cTn id="4" fill="hold">
+                            <p:stCondLst>
+                              <p:cond delay="0"/>
+                            </p:stCondLst>
+                            <p:childTnLst>
+                              <p:par>
+                                <p:cTn id="5" presetID="2" presetClass="entr" presetSubtype="1" fill="hold" grpId="0" nodeType="clickEffect">
+                                  <p:stCondLst>
+                                    <p:cond delay="0"/>
+                                  </p:stCondLst>
+                                  <p:childTnLst>
+                                    <p:set>
+                                      <p:cBhvr>
+                                        <p:cTn id="6" dur="1" fill="hold">
+                                          <p:stCondLst>
+                                            <p:cond delay="0"/>
+                                          </p:stCondLst>
+                                        </p:cTn>
+                                        <p:tgtEl>
+                                          <p:spTgt spid="2"/>
+                                        </p:tgtEl>
+                                        <p:attrNameLst>
+                                          <p:attrName>style.visibility</p:attrName>
+                                        </p:attrNameLst>
+                                      </p:cBhvr>
+                                      <p:to>
+                                        <p:strVal val="visible"/>
+                                      </p:to>
+                                    </p:set>
+                                    <p:anim calcmode="lin" valueType="num">
+                                      <p:cBhvr additive="base">
+                                        <p:cTn id="7" dur="500" fill="hold"/>
+                                        <p:tgtEl>
+                                          <p:spTgt spid="2"/>
+                                        </p:tgtEl>
+                                        <p:attrNameLst>
+                                          <p:attrName>ppt_x</p:attrName>
+                                        </p:attrNameLst>
+                                      </p:cBhvr>
+                                      <p:tavLst>
+                                        <p:tav tm="0">
+                                          <p:val>
+                                            <p:strVal val="#ppt_x"/>
+                                          </p:val>
+                                        </p:tav>
+                                        <p:tav tm="100000">
+                                          <p:val>
+                                            <p:strVal val="#ppt_x"/>
+                                          </p:val>
+                                        </p:tav>
+                                      </p:tavLst>
+                                    </p:anim>
+                                    <p:anim calcmode="lin" valueType="num">
+                                      <p:cBhvr additive="base">
+                                        <p:cTn id="8" dur="500" fill="hold"/>
+                                        <p:tgtEl>
+                                          <p:spTgt spid="2"/>
+                                        </p:tgtEl>
+                                        <p:attrNameLst>
+                                          <p:attrName>ppt_y</p:attrName>
+                                        </p:attrNameLst>
+                                      </p:cBhvr>
+                                      <p:tavLst>
+                                        <p:tav tm="0">
+                                          <p:val>
+                                            <p:strVal val="0-#ppt_h/2"/>
+                                          </p:val>
+                                        </p:tav>
+                                        <p:tav tm="100000">
+                                          <p:val>
+                                            <p:strVal val="#ppt_y"/>
+                                          </p:val>
+                                        </p:tav>
+                                      </p:tavLst>
+                                    </p:anim>
+                                  </p:childTnLst>
+                                </p:cTn>
+                              </p:par>
+                            </p:childTnLst>
+                          </p:cTn>
+                        </p:par>
+                        <p:par>
+                          <p:cTn id="9" fill="hold">
+                            <p:stCondLst>
+                              <p:cond delay="500"/>
+                            </p:stCondLst>
+                            <p:childTnLst>
+                              <p:par>
+                                <p:cTn id="10" presetID="53" presetClass="entr" presetSubtype="16" fill="hold" nodeType="afterEffect">
+                                  <p:stCondLst>
+                                    <p:cond delay="0"/>
+                                  </p:stCondLst>
+                                  <p:childTnLst>
+                                    <p:set>
+                                      <p:cBhvr>
+                                        <p:cTn id="11" dur="1" fill="hold">
+                                          <p:stCondLst>
+                                            <p:cond delay="0"/>
+                                          </p:stCondLst>
+                                        </p:cTn>
+                                        <p:tgtEl>
+                                          <p:spTgt spid="4"/>
+                                        </p:tgtEl>
+                                        <p:attrNameLst>
+                                          <p:attrName>style.visibility</p:attrName>
+                                        </p:attrNameLst>
+                                      </p:cBhvr>
+                                      <p:to>
+                                        <p:strVal val="visible"/>
+                                      </p:to>
+                                    </p:set>
+                                    <p:anim calcmode="lin" valueType="num">
+                                      <p:cBhvr>
+                                        <p:cTn id="12" dur="500" fill="hold"/>
+                                        <p:tgtEl>
+                                          <p:spTgt spid="4"/>
+                                        </p:tgtEl>
+                                        <p:attrNameLst>
+                                          <p:attrName>ppt_w</p:attrName>
+                                        </p:attrNameLst>
+                                      </p:cBhvr>
+                                      <p:tavLst>
+                                        <p:tav tm="0">
+                                          <p:val>
+                                            <p:fltVal val="0"/>
+                                          </p:val>
+                                        </p:tav>
+                                        <p:tav tm="100000">
+                                          <p:val>
+                                            <p:strVal val="#ppt_w"/>
+                                          </p:val>
+                                        </p:tav>
+                                      </p:tavLst>
+                                    </p:anim>
+                                    <p:anim calcmode="lin" valueType="num">
+                                      <p:cBhvr>
+                                        <p:cTn id="13" dur="500" fill="hold"/>
+                                        <p:tgtEl>
+                                          <p:spTgt spid="4"/>
+                                        </p:tgtEl>
+                                        <p:attrNameLst>
+                                          <p:attrName>ppt_h</p:attrName>
+                                        </p:attrNameLst>
+                                      </p:cBhvr>
+                                      <p:tavLst>
+                                        <p:tav tm="0">
+                                          <p:val>
+                                            <p:fltVal val="0"/>
+                                          </p:val>
+                                        </p:tav>
+                                        <p:tav tm="100000">
+                                          <p:val>
+                                            <p:strVal val="#ppt_h"/>
+                                          </p:val>
+                                        </p:tav>
+                                      </p:tavLst>
+                                    </p:anim>
+                                    <p:animEffect transition="in" filter="fade">
+                                      <p:cBhvr>
+                                        <p:cTn id="14" dur="500"/>
+                                        <p:tgtEl>
+                                          <p:spTgt spid="4"/>
+                                        </p:tgtEl>
+                                      </p:cBhvr>
+                                    </p:animEffect>
+                                  </p:childTnLst>
+                                </p:cTn>
+                              </p:par>
+                            </p:childTnLst>
+                          </p:cTn>
+                        </p:par>
+                      </p:childTnLst>
+                    </p:cTn>
+                  </p:par>
+                </p:childTnLst>
+              </p:cTn>
+              <p:prevCondLst>
+                <p:cond evt="onPrev" delay="0">
+                  <p:tgtEl>
+                    <p:sldTgt/>
+                  </p:tgtEl>
+                </p:cond>
+              </p:prevCondLst>
+              <p:nextCondLst>
+                <p:cond evt="onNext" delay="0">
+                  <p:tgtEl>
+                    <p:sldTgt/>
+                  </p:tgtEl>
+                </p:cond>
+              </p:nextCondLst>
+            </p:seq>
+          </p:childTnLst>
+        </p:cTn>
+      </p:par>
+    </p:tnLst>
+    <p:bldLst>
+      <p:bldP spid="2" grpId="0"/>
+    </p:bldLst>
+  </p:timing>
 </p:sld>
 </file>
 
@@ -19994,6 +24698,232 @@
   <p:clrMapOvr>
     <a:masterClrMapping/>
   </p:clrMapOvr>
+  <mc:AlternateContent xmlns:mc="http://schemas.openxmlformats.org/markup-compatibility/2006">
+    <mc:Choice xmlns:p159="http://schemas.microsoft.com/office/powerpoint/2015/09/main" Requires="p159">
+      <p:transition xmlns:p14="http://schemas.microsoft.com/office/powerpoint/2010/main" spd="slow" p14:dur="2000">
+        <p159:morph option="byObject"/>
+      </p:transition>
+    </mc:Choice>
+    <mc:Fallback>
+      <p:transition spd="slow">
+        <p:fade/>
+      </p:transition>
+    </mc:Fallback>
+  </mc:AlternateContent>
+  <p:timing>
+    <p:tnLst>
+      <p:par>
+        <p:cTn id="1" dur="indefinite" restart="never" nodeType="tmRoot">
+          <p:childTnLst>
+            <p:seq concurrent="1" nextAc="seek">
+              <p:cTn id="2" dur="indefinite" nodeType="mainSeq">
+                <p:childTnLst>
+                  <p:par>
+                    <p:cTn id="3" fill="hold">
+                      <p:stCondLst>
+                        <p:cond delay="indefinite"/>
+                      </p:stCondLst>
+                      <p:childTnLst>
+                        <p:par>
+                          <p:cTn id="4" fill="hold">
+                            <p:stCondLst>
+                              <p:cond delay="0"/>
+                            </p:stCondLst>
+                            <p:childTnLst>
+                              <p:par>
+                                <p:cTn id="5" presetID="2" presetClass="entr" presetSubtype="1" fill="hold" grpId="0" nodeType="clickEffect">
+                                  <p:stCondLst>
+                                    <p:cond delay="0"/>
+                                  </p:stCondLst>
+                                  <p:childTnLst>
+                                    <p:set>
+                                      <p:cBhvr>
+                                        <p:cTn id="6" dur="1" fill="hold">
+                                          <p:stCondLst>
+                                            <p:cond delay="0"/>
+                                          </p:stCondLst>
+                                        </p:cTn>
+                                        <p:tgtEl>
+                                          <p:spTgt spid="2"/>
+                                        </p:tgtEl>
+                                        <p:attrNameLst>
+                                          <p:attrName>style.visibility</p:attrName>
+                                        </p:attrNameLst>
+                                      </p:cBhvr>
+                                      <p:to>
+                                        <p:strVal val="visible"/>
+                                      </p:to>
+                                    </p:set>
+                                    <p:anim calcmode="lin" valueType="num">
+                                      <p:cBhvr additive="base">
+                                        <p:cTn id="7" dur="500" fill="hold"/>
+                                        <p:tgtEl>
+                                          <p:spTgt spid="2"/>
+                                        </p:tgtEl>
+                                        <p:attrNameLst>
+                                          <p:attrName>ppt_x</p:attrName>
+                                        </p:attrNameLst>
+                                      </p:cBhvr>
+                                      <p:tavLst>
+                                        <p:tav tm="0">
+                                          <p:val>
+                                            <p:strVal val="#ppt_x"/>
+                                          </p:val>
+                                        </p:tav>
+                                        <p:tav tm="100000">
+                                          <p:val>
+                                            <p:strVal val="#ppt_x"/>
+                                          </p:val>
+                                        </p:tav>
+                                      </p:tavLst>
+                                    </p:anim>
+                                    <p:anim calcmode="lin" valueType="num">
+                                      <p:cBhvr additive="base">
+                                        <p:cTn id="8" dur="500" fill="hold"/>
+                                        <p:tgtEl>
+                                          <p:spTgt spid="2"/>
+                                        </p:tgtEl>
+                                        <p:attrNameLst>
+                                          <p:attrName>ppt_y</p:attrName>
+                                        </p:attrNameLst>
+                                      </p:cBhvr>
+                                      <p:tavLst>
+                                        <p:tav tm="0">
+                                          <p:val>
+                                            <p:strVal val="0-#ppt_h/2"/>
+                                          </p:val>
+                                        </p:tav>
+                                        <p:tav tm="100000">
+                                          <p:val>
+                                            <p:strVal val="#ppt_y"/>
+                                          </p:val>
+                                        </p:tav>
+                                      </p:tavLst>
+                                    </p:anim>
+                                  </p:childTnLst>
+                                </p:cTn>
+                              </p:par>
+                            </p:childTnLst>
+                          </p:cTn>
+                        </p:par>
+                        <p:par>
+                          <p:cTn id="9" fill="hold">
+                            <p:stCondLst>
+                              <p:cond delay="500"/>
+                            </p:stCondLst>
+                            <p:childTnLst>
+                              <p:par>
+                                <p:cTn id="10" presetID="53" presetClass="entr" presetSubtype="16" fill="hold" nodeType="afterEffect">
+                                  <p:stCondLst>
+                                    <p:cond delay="0"/>
+                                  </p:stCondLst>
+                                  <p:childTnLst>
+                                    <p:set>
+                                      <p:cBhvr>
+                                        <p:cTn id="11" dur="1" fill="hold">
+                                          <p:stCondLst>
+                                            <p:cond delay="0"/>
+                                          </p:stCondLst>
+                                        </p:cTn>
+                                        <p:tgtEl>
+                                          <p:spTgt spid="14"/>
+                                        </p:tgtEl>
+                                        <p:attrNameLst>
+                                          <p:attrName>style.visibility</p:attrName>
+                                        </p:attrNameLst>
+                                      </p:cBhvr>
+                                      <p:to>
+                                        <p:strVal val="visible"/>
+                                      </p:to>
+                                    </p:set>
+                                    <p:anim calcmode="lin" valueType="num">
+                                      <p:cBhvr>
+                                        <p:cTn id="12" dur="500" fill="hold"/>
+                                        <p:tgtEl>
+                                          <p:spTgt spid="14"/>
+                                        </p:tgtEl>
+                                        <p:attrNameLst>
+                                          <p:attrName>ppt_w</p:attrName>
+                                        </p:attrNameLst>
+                                      </p:cBhvr>
+                                      <p:tavLst>
+                                        <p:tav tm="0">
+                                          <p:val>
+                                            <p:fltVal val="0"/>
+                                          </p:val>
+                                        </p:tav>
+                                        <p:tav tm="100000">
+                                          <p:val>
+                                            <p:strVal val="#ppt_w"/>
+                                          </p:val>
+                                        </p:tav>
+                                      </p:tavLst>
+                                    </p:anim>
+                                    <p:anim calcmode="lin" valueType="num">
+                                      <p:cBhvr>
+                                        <p:cTn id="13" dur="500" fill="hold"/>
+                                        <p:tgtEl>
+                                          <p:spTgt spid="14"/>
+                                        </p:tgtEl>
+                                        <p:attrNameLst>
+                                          <p:attrName>ppt_h</p:attrName>
+                                        </p:attrNameLst>
+                                      </p:cBhvr>
+                                      <p:tavLst>
+                                        <p:tav tm="0">
+                                          <p:val>
+                                            <p:fltVal val="0"/>
+                                          </p:val>
+                                        </p:tav>
+                                        <p:tav tm="100000">
+                                          <p:val>
+                                            <p:strVal val="#ppt_h"/>
+                                          </p:val>
+                                        </p:tav>
+                                      </p:tavLst>
+                                    </p:anim>
+                                    <p:animEffect transition="in" filter="fade">
+                                      <p:cBhvr>
+                                        <p:cTn id="14" dur="500"/>
+                                        <p:tgtEl>
+                                          <p:spTgt spid="14"/>
+                                        </p:tgtEl>
+                                      </p:cBhvr>
+                                    </p:animEffect>
+                                  </p:childTnLst>
+                                </p:cTn>
+                              </p:par>
+                            </p:childTnLst>
+                          </p:cTn>
+                        </p:par>
+                      </p:childTnLst>
+                    </p:cTn>
+                  </p:par>
+                </p:childTnLst>
+              </p:cTn>
+              <p:prevCondLst>
+                <p:cond evt="onPrev" delay="0">
+                  <p:tgtEl>
+                    <p:sldTgt/>
+                  </p:tgtEl>
+                </p:cond>
+              </p:prevCondLst>
+              <p:nextCondLst>
+                <p:cond evt="onNext" delay="0">
+                  <p:tgtEl>
+                    <p:sldTgt/>
+                  </p:tgtEl>
+                </p:cond>
+              </p:nextCondLst>
+            </p:seq>
+          </p:childTnLst>
+        </p:cTn>
+      </p:par>
+    </p:tnLst>
+    <p:bldLst>
+      <p:bldP spid="2" grpId="0"/>
+    </p:bldLst>
+  </p:timing>
 </p:sld>
 </file>
 
@@ -20030,7 +24960,12 @@
             <p:ph type="title"/>
           </p:nvPr>
         </p:nvSpPr>
-        <p:spPr/>
+        <p:spPr>
+          <a:xfrm>
+            <a:off x="714000" y="343162"/>
+            <a:ext cx="7716000" cy="368700"/>
+          </a:xfrm>
+        </p:spPr>
         <p:txBody>
           <a:bodyPr/>
           <a:lstStyle/>
@@ -20208,7 +25143,12 @@
                 <a:p>
                   <a:pPr algn="ctr"/>
                   <a:r>
-                    <a:rPr lang="en-US" sz="1000">
+                    <a:rPr lang="en-US" sz="1000" dirty="0">
+                      <a:solidFill>
+                        <a:schemeClr val="accent4">
+                          <a:lumMod val="75000"/>
+                        </a:schemeClr>
+                      </a:solidFill>
                       <a:effectLst/>
                       <a:latin typeface="Times New Roman" panose="02020603050405020304" pitchFamily="18" charset="0"/>
                       <a:ea typeface="Calibri" panose="020F0502020204030204" pitchFamily="34" charset="0"/>
@@ -20216,7 +25156,12 @@
                     </a:rPr>
                     <a:t>Login</a:t>
                   </a:r>
-                  <a:endParaRPr lang="en-NP" sz="1000">
+                  <a:endParaRPr lang="en-NP" sz="1000" dirty="0">
+                    <a:solidFill>
+                      <a:schemeClr val="accent4">
+                        <a:lumMod val="75000"/>
+                      </a:schemeClr>
+                    </a:solidFill>
                     <a:effectLst/>
                     <a:latin typeface="Times New Roman" panose="02020603050405020304" pitchFamily="18" charset="0"/>
                     <a:ea typeface="Calibri" panose="020F0502020204030204" pitchFamily="34" charset="0"/>
@@ -20278,6 +25223,11 @@
                   <a:pPr algn="ctr"/>
                   <a:r>
                     <a:rPr lang="en-US" sz="1000">
+                      <a:solidFill>
+                        <a:schemeClr val="accent4">
+                          <a:lumMod val="75000"/>
+                        </a:schemeClr>
+                      </a:solidFill>
                       <a:effectLst/>
                       <a:latin typeface="Times New Roman" panose="02020603050405020304" pitchFamily="18" charset="0"/>
                       <a:ea typeface="Calibri" panose="020F0502020204030204" pitchFamily="34" charset="0"/>
@@ -20286,6 +25236,11 @@
                     <a:t>Insert Record</a:t>
                   </a:r>
                   <a:endParaRPr lang="en-NP" sz="1000">
+                    <a:solidFill>
+                      <a:schemeClr val="accent4">
+                        <a:lumMod val="75000"/>
+                      </a:schemeClr>
+                    </a:solidFill>
                     <a:effectLst/>
                     <a:latin typeface="Times New Roman" panose="02020603050405020304" pitchFamily="18" charset="0"/>
                     <a:ea typeface="Calibri" panose="020F0502020204030204" pitchFamily="34" charset="0"/>
@@ -20347,6 +25302,11 @@
                   <a:pPr algn="ctr"/>
                   <a:r>
                     <a:rPr lang="en-US" sz="1000">
+                      <a:solidFill>
+                        <a:schemeClr val="accent4">
+                          <a:lumMod val="75000"/>
+                        </a:schemeClr>
+                      </a:solidFill>
                       <a:effectLst/>
                       <a:latin typeface="Times New Roman" panose="02020603050405020304" pitchFamily="18" charset="0"/>
                       <a:ea typeface="Calibri" panose="020F0502020204030204" pitchFamily="34" charset="0"/>
@@ -20355,6 +25315,11 @@
                     <a:t>Display Record</a:t>
                   </a:r>
                   <a:endParaRPr lang="en-NP" sz="1000">
+                    <a:solidFill>
+                      <a:schemeClr val="accent4">
+                        <a:lumMod val="75000"/>
+                      </a:schemeClr>
+                    </a:solidFill>
                     <a:effectLst/>
                     <a:latin typeface="Times New Roman" panose="02020603050405020304" pitchFamily="18" charset="0"/>
                     <a:ea typeface="Calibri" panose="020F0502020204030204" pitchFamily="34" charset="0"/>
@@ -20416,6 +25381,11 @@
                   <a:pPr algn="ctr"/>
                   <a:r>
                     <a:rPr lang="en-US" sz="1000">
+                      <a:solidFill>
+                        <a:schemeClr val="accent4">
+                          <a:lumMod val="75000"/>
+                        </a:schemeClr>
+                      </a:solidFill>
                       <a:effectLst/>
                       <a:latin typeface="Times New Roman" panose="02020603050405020304" pitchFamily="18" charset="0"/>
                       <a:ea typeface="Calibri" panose="020F0502020204030204" pitchFamily="34" charset="0"/>
@@ -20424,6 +25394,11 @@
                     <a:t>Update Record</a:t>
                   </a:r>
                   <a:endParaRPr lang="en-NP" sz="1000">
+                    <a:solidFill>
+                      <a:schemeClr val="accent4">
+                        <a:lumMod val="75000"/>
+                      </a:schemeClr>
+                    </a:solidFill>
                     <a:effectLst/>
                     <a:latin typeface="Times New Roman" panose="02020603050405020304" pitchFamily="18" charset="0"/>
                     <a:ea typeface="Calibri" panose="020F0502020204030204" pitchFamily="34" charset="0"/>
@@ -20485,6 +25460,11 @@
                   <a:pPr algn="ctr"/>
                   <a:r>
                     <a:rPr lang="en-US" sz="1000">
+                      <a:solidFill>
+                        <a:schemeClr val="accent4">
+                          <a:lumMod val="75000"/>
+                        </a:schemeClr>
+                      </a:solidFill>
                       <a:effectLst/>
                       <a:latin typeface="Times New Roman" panose="02020603050405020304" pitchFamily="18" charset="0"/>
                       <a:ea typeface="Calibri" panose="020F0502020204030204" pitchFamily="34" charset="0"/>
@@ -20493,6 +25473,11 @@
                     <a:t>Delete Record</a:t>
                   </a:r>
                   <a:endParaRPr lang="en-NP" sz="1000">
+                    <a:solidFill>
+                      <a:schemeClr val="accent4">
+                        <a:lumMod val="75000"/>
+                      </a:schemeClr>
+                    </a:solidFill>
                     <a:effectLst/>
                     <a:latin typeface="Times New Roman" panose="02020603050405020304" pitchFamily="18" charset="0"/>
                     <a:ea typeface="Calibri" panose="020F0502020204030204" pitchFamily="34" charset="0"/>
@@ -20554,6 +25539,11 @@
                   <a:pPr algn="ctr"/>
                   <a:r>
                     <a:rPr lang="en-US" sz="1000">
+                      <a:solidFill>
+                        <a:schemeClr val="accent4">
+                          <a:lumMod val="75000"/>
+                        </a:schemeClr>
+                      </a:solidFill>
                       <a:effectLst/>
                       <a:latin typeface="Times New Roman" panose="02020603050405020304" pitchFamily="18" charset="0"/>
                       <a:ea typeface="Calibri" panose="020F0502020204030204" pitchFamily="34" charset="0"/>
@@ -20562,6 +25552,11 @@
                     <a:t>Search Record</a:t>
                   </a:r>
                   <a:endParaRPr lang="en-NP" sz="1000">
+                    <a:solidFill>
+                      <a:schemeClr val="accent4">
+                        <a:lumMod val="75000"/>
+                      </a:schemeClr>
+                    </a:solidFill>
                     <a:effectLst/>
                     <a:latin typeface="Times New Roman" panose="02020603050405020304" pitchFamily="18" charset="0"/>
                     <a:ea typeface="Calibri" panose="020F0502020204030204" pitchFamily="34" charset="0"/>
@@ -20833,12 +25828,31 @@
             </p:nvPicPr>
             <p:blipFill>
               <a:blip r:embed="rId2" cstate="print">
+                <a:duotone>
+                  <a:schemeClr val="accent4">
+                    <a:shade val="45000"/>
+                    <a:satMod val="135000"/>
+                  </a:schemeClr>
+                  <a:prstClr val="white"/>
+                </a:duotone>
                 <a:extLst>
+                  <a:ext uri="{BEBA8EAE-BF5A-486C-A8C5-ECC9F3942E4B}">
+                    <a14:imgProps xmlns:a14="http://schemas.microsoft.com/office/drawing/2010/main">
+                      <a14:imgLayer r:embed="rId3">
+                        <a14:imgEffect>
+                          <a14:colorTemperature colorTemp="11200"/>
+                        </a14:imgEffect>
+                        <a14:imgEffect>
+                          <a14:saturation sat="0"/>
+                        </a14:imgEffect>
+                      </a14:imgLayer>
+                    </a14:imgProps>
+                  </a:ext>
                   <a:ext uri="{28A0092B-C50C-407E-A947-70E740481C1C}">
                     <a14:useLocalDpi xmlns:a14="http://schemas.microsoft.com/office/drawing/2010/main" val="0"/>
                   </a:ext>
                   <a:ext uri="{837473B0-CC2E-450A-ABE3-18F120FF3D39}">
-                    <a1611:picAttrSrcUrl xmlns:a1611="http://schemas.microsoft.com/office/drawing/2016/11/main" r:id="rId3"/>
+                    <a1611:picAttrSrcUrl xmlns:a1611="http://schemas.microsoft.com/office/drawing/2016/11/main" r:id="rId4"/>
                   </a:ext>
                 </a:extLst>
               </a:blip>
@@ -20854,9 +25868,11 @@
               <a:prstGeom prst="rect">
                 <a:avLst/>
               </a:prstGeom>
+              <a:noFill/>
               <a:ln>
                 <a:noFill/>
               </a:ln>
+              <a:effectLst/>
             </p:spPr>
           </p:pic>
         </p:grpSp>
@@ -20896,6 +25912,11 @@
             <a:p>
               <a:r>
                 <a:rPr lang="en-US" sz="1000" b="1" dirty="0">
+                  <a:solidFill>
+                    <a:schemeClr val="accent4">
+                      <a:lumMod val="75000"/>
+                    </a:schemeClr>
+                  </a:solidFill>
                   <a:effectLst/>
                   <a:latin typeface="Times New Roman" panose="02020603050405020304" pitchFamily="18" charset="0"/>
                   <a:ea typeface="Calibri" panose="020F0502020204030204" pitchFamily="34" charset="0"/>
@@ -20904,6 +25925,11 @@
                 <a:t>ADMIN</a:t>
               </a:r>
               <a:endParaRPr lang="en-NP" sz="1000" dirty="0">
+                <a:solidFill>
+                  <a:schemeClr val="accent4">
+                    <a:lumMod val="75000"/>
+                  </a:schemeClr>
+                </a:solidFill>
                 <a:effectLst/>
                 <a:latin typeface="Times New Roman" panose="02020603050405020304" pitchFamily="18" charset="0"/>
                 <a:ea typeface="Calibri" panose="020F0502020204030204" pitchFamily="34" charset="0"/>
@@ -20923,6 +25949,232 @@
   <p:clrMapOvr>
     <a:masterClrMapping/>
   </p:clrMapOvr>
+  <mc:AlternateContent xmlns:mc="http://schemas.openxmlformats.org/markup-compatibility/2006">
+    <mc:Choice xmlns:p159="http://schemas.microsoft.com/office/powerpoint/2015/09/main" Requires="p159">
+      <p:transition xmlns:p14="http://schemas.microsoft.com/office/powerpoint/2010/main" spd="slow" p14:dur="2000">
+        <p159:morph option="byObject"/>
+      </p:transition>
+    </mc:Choice>
+    <mc:Fallback>
+      <p:transition spd="slow">
+        <p:fade/>
+      </p:transition>
+    </mc:Fallback>
+  </mc:AlternateContent>
+  <p:timing>
+    <p:tnLst>
+      <p:par>
+        <p:cTn id="1" dur="indefinite" restart="never" nodeType="tmRoot">
+          <p:childTnLst>
+            <p:seq concurrent="1" nextAc="seek">
+              <p:cTn id="2" dur="indefinite" nodeType="mainSeq">
+                <p:childTnLst>
+                  <p:par>
+                    <p:cTn id="3" fill="hold">
+                      <p:stCondLst>
+                        <p:cond delay="indefinite"/>
+                      </p:stCondLst>
+                      <p:childTnLst>
+                        <p:par>
+                          <p:cTn id="4" fill="hold">
+                            <p:stCondLst>
+                              <p:cond delay="0"/>
+                            </p:stCondLst>
+                            <p:childTnLst>
+                              <p:par>
+                                <p:cTn id="5" presetID="2" presetClass="entr" presetSubtype="1" fill="hold" grpId="0" nodeType="clickEffect">
+                                  <p:stCondLst>
+                                    <p:cond delay="0"/>
+                                  </p:stCondLst>
+                                  <p:childTnLst>
+                                    <p:set>
+                                      <p:cBhvr>
+                                        <p:cTn id="6" dur="1" fill="hold">
+                                          <p:stCondLst>
+                                            <p:cond delay="0"/>
+                                          </p:stCondLst>
+                                        </p:cTn>
+                                        <p:tgtEl>
+                                          <p:spTgt spid="2"/>
+                                        </p:tgtEl>
+                                        <p:attrNameLst>
+                                          <p:attrName>style.visibility</p:attrName>
+                                        </p:attrNameLst>
+                                      </p:cBhvr>
+                                      <p:to>
+                                        <p:strVal val="visible"/>
+                                      </p:to>
+                                    </p:set>
+                                    <p:anim calcmode="lin" valueType="num">
+                                      <p:cBhvr additive="base">
+                                        <p:cTn id="7" dur="500" fill="hold"/>
+                                        <p:tgtEl>
+                                          <p:spTgt spid="2"/>
+                                        </p:tgtEl>
+                                        <p:attrNameLst>
+                                          <p:attrName>ppt_x</p:attrName>
+                                        </p:attrNameLst>
+                                      </p:cBhvr>
+                                      <p:tavLst>
+                                        <p:tav tm="0">
+                                          <p:val>
+                                            <p:strVal val="#ppt_x"/>
+                                          </p:val>
+                                        </p:tav>
+                                        <p:tav tm="100000">
+                                          <p:val>
+                                            <p:strVal val="#ppt_x"/>
+                                          </p:val>
+                                        </p:tav>
+                                      </p:tavLst>
+                                    </p:anim>
+                                    <p:anim calcmode="lin" valueType="num">
+                                      <p:cBhvr additive="base">
+                                        <p:cTn id="8" dur="500" fill="hold"/>
+                                        <p:tgtEl>
+                                          <p:spTgt spid="2"/>
+                                        </p:tgtEl>
+                                        <p:attrNameLst>
+                                          <p:attrName>ppt_y</p:attrName>
+                                        </p:attrNameLst>
+                                      </p:cBhvr>
+                                      <p:tavLst>
+                                        <p:tav tm="0">
+                                          <p:val>
+                                            <p:strVal val="0-#ppt_h/2"/>
+                                          </p:val>
+                                        </p:tav>
+                                        <p:tav tm="100000">
+                                          <p:val>
+                                            <p:strVal val="#ppt_y"/>
+                                          </p:val>
+                                        </p:tav>
+                                      </p:tavLst>
+                                    </p:anim>
+                                  </p:childTnLst>
+                                </p:cTn>
+                              </p:par>
+                            </p:childTnLst>
+                          </p:cTn>
+                        </p:par>
+                        <p:par>
+                          <p:cTn id="9" fill="hold">
+                            <p:stCondLst>
+                              <p:cond delay="500"/>
+                            </p:stCondLst>
+                            <p:childTnLst>
+                              <p:par>
+                                <p:cTn id="10" presetID="53" presetClass="entr" presetSubtype="16" fill="hold" nodeType="afterEffect">
+                                  <p:stCondLst>
+                                    <p:cond delay="0"/>
+                                  </p:stCondLst>
+                                  <p:childTnLst>
+                                    <p:set>
+                                      <p:cBhvr>
+                                        <p:cTn id="11" dur="1" fill="hold">
+                                          <p:stCondLst>
+                                            <p:cond delay="0"/>
+                                          </p:stCondLst>
+                                        </p:cTn>
+                                        <p:tgtEl>
+                                          <p:spTgt spid="5"/>
+                                        </p:tgtEl>
+                                        <p:attrNameLst>
+                                          <p:attrName>style.visibility</p:attrName>
+                                        </p:attrNameLst>
+                                      </p:cBhvr>
+                                      <p:to>
+                                        <p:strVal val="visible"/>
+                                      </p:to>
+                                    </p:set>
+                                    <p:anim calcmode="lin" valueType="num">
+                                      <p:cBhvr>
+                                        <p:cTn id="12" dur="500" fill="hold"/>
+                                        <p:tgtEl>
+                                          <p:spTgt spid="5"/>
+                                        </p:tgtEl>
+                                        <p:attrNameLst>
+                                          <p:attrName>ppt_w</p:attrName>
+                                        </p:attrNameLst>
+                                      </p:cBhvr>
+                                      <p:tavLst>
+                                        <p:tav tm="0">
+                                          <p:val>
+                                            <p:fltVal val="0"/>
+                                          </p:val>
+                                        </p:tav>
+                                        <p:tav tm="100000">
+                                          <p:val>
+                                            <p:strVal val="#ppt_w"/>
+                                          </p:val>
+                                        </p:tav>
+                                      </p:tavLst>
+                                    </p:anim>
+                                    <p:anim calcmode="lin" valueType="num">
+                                      <p:cBhvr>
+                                        <p:cTn id="13" dur="500" fill="hold"/>
+                                        <p:tgtEl>
+                                          <p:spTgt spid="5"/>
+                                        </p:tgtEl>
+                                        <p:attrNameLst>
+                                          <p:attrName>ppt_h</p:attrName>
+                                        </p:attrNameLst>
+                                      </p:cBhvr>
+                                      <p:tavLst>
+                                        <p:tav tm="0">
+                                          <p:val>
+                                            <p:fltVal val="0"/>
+                                          </p:val>
+                                        </p:tav>
+                                        <p:tav tm="100000">
+                                          <p:val>
+                                            <p:strVal val="#ppt_h"/>
+                                          </p:val>
+                                        </p:tav>
+                                      </p:tavLst>
+                                    </p:anim>
+                                    <p:animEffect transition="in" filter="fade">
+                                      <p:cBhvr>
+                                        <p:cTn id="14" dur="500"/>
+                                        <p:tgtEl>
+                                          <p:spTgt spid="5"/>
+                                        </p:tgtEl>
+                                      </p:cBhvr>
+                                    </p:animEffect>
+                                  </p:childTnLst>
+                                </p:cTn>
+                              </p:par>
+                            </p:childTnLst>
+                          </p:cTn>
+                        </p:par>
+                      </p:childTnLst>
+                    </p:cTn>
+                  </p:par>
+                </p:childTnLst>
+              </p:cTn>
+              <p:prevCondLst>
+                <p:cond evt="onPrev" delay="0">
+                  <p:tgtEl>
+                    <p:sldTgt/>
+                  </p:tgtEl>
+                </p:cond>
+              </p:prevCondLst>
+              <p:nextCondLst>
+                <p:cond evt="onNext" delay="0">
+                  <p:tgtEl>
+                    <p:sldTgt/>
+                  </p:tgtEl>
+                </p:cond>
+              </p:nextCondLst>
+            </p:seq>
+          </p:childTnLst>
+        </p:cTn>
+      </p:par>
+    </p:tnLst>
+    <p:bldLst>
+      <p:bldP spid="2" grpId="0"/>
+    </p:bldLst>
+  </p:timing>
 </p:sld>
 </file>
 

--- a/Documentation/LBMS_Presentation.pptx
+++ b/Documentation/LBMS_Presentation.pptx
@@ -6779,10 +6779,70 @@
               <a:buNone/>
             </a:pPr>
             <a:r>
-              <a:rPr lang="en" dirty="0"/>
+              <a:rPr lang="en" b="1" dirty="0"/>
               <a:t>The Fusion</a:t>
             </a:r>
-            <a:endParaRPr dirty="0"/>
+          </a:p>
+          <a:p>
+            <a:pPr marL="0" lvl="0" indent="0" algn="r" rtl="0">
+              <a:spcBef>
+                <a:spcPts val="0"/>
+              </a:spcBef>
+              <a:spcAft>
+                <a:spcPts val="0"/>
+              </a:spcAft>
+              <a:buNone/>
+            </a:pPr>
+            <a:r>
+              <a:rPr lang="en" sz="1600" dirty="0"/>
+              <a:t>-Anjan Shrestha</a:t>
+            </a:r>
+          </a:p>
+          <a:p>
+            <a:pPr marL="0" lvl="0" indent="0" algn="r" rtl="0">
+              <a:spcBef>
+                <a:spcPts val="0"/>
+              </a:spcBef>
+              <a:spcAft>
+                <a:spcPts val="0"/>
+              </a:spcAft>
+              <a:buNone/>
+            </a:pPr>
+            <a:r>
+              <a:rPr lang="en" sz="1600" dirty="0"/>
+              <a:t>-Pukar Tiwari</a:t>
+            </a:r>
+          </a:p>
+          <a:p>
+            <a:pPr marL="0" lvl="0" indent="0" algn="r" rtl="0">
+              <a:spcBef>
+                <a:spcPts val="0"/>
+              </a:spcBef>
+              <a:spcAft>
+                <a:spcPts val="0"/>
+              </a:spcAft>
+              <a:buNone/>
+            </a:pPr>
+            <a:r>
+              <a:rPr lang="en" sz="1600" dirty="0"/>
+              <a:t>-Sandip Shrestha</a:t>
+            </a:r>
+          </a:p>
+          <a:p>
+            <a:pPr marL="0" lvl="0" indent="0" algn="r" rtl="0">
+              <a:spcBef>
+                <a:spcPts val="0"/>
+              </a:spcBef>
+              <a:spcAft>
+                <a:spcPts val="0"/>
+              </a:spcAft>
+              <a:buNone/>
+            </a:pPr>
+            <a:r>
+              <a:rPr lang="en" sz="1600" dirty="0"/>
+              <a:t>-Saurav Magar</a:t>
+            </a:r>
+            <a:endParaRPr sz="1600" dirty="0"/>
           </a:p>
         </p:txBody>
       </p:sp>
@@ -10730,13 +10790,13 @@
   <p:clrMapOvr>
     <a:masterClrMapping/>
   </p:clrMapOvr>
-  <mc:AlternateContent xmlns:mc="http://schemas.openxmlformats.org/markup-compatibility/2006">
-    <mc:Choice xmlns:p14="http://schemas.microsoft.com/office/powerpoint/2010/main" Requires="p14">
+  <mc:AlternateContent xmlns:mc="http://schemas.openxmlformats.org/markup-compatibility/2006" xmlns:p14="http://schemas.microsoft.com/office/powerpoint/2010/main">
+    <mc:Choice Requires="p14">
       <p:transition spd="med" p14:dur="700">
         <p:fade/>
       </p:transition>
     </mc:Choice>
-    <mc:Fallback>
+    <mc:Fallback xmlns="">
       <p:transition spd="med">
         <p:fade/>
       </p:transition>
@@ -10920,6 +10980,322 @@
                             </p:childTnLst>
                           </p:cTn>
                         </p:par>
+                        <p:par>
+                          <p:cTn id="14" fill="hold">
+                            <p:stCondLst>
+                              <p:cond delay="1000"/>
+                            </p:stCondLst>
+                            <p:childTnLst>
+                              <p:par>
+                                <p:cTn id="15" presetID="12" presetClass="entr" presetSubtype="1" fill="hold" grpId="0" nodeType="afterEffect">
+                                  <p:stCondLst>
+                                    <p:cond delay="0"/>
+                                  </p:stCondLst>
+                                  <p:childTnLst>
+                                    <p:set>
+                                      <p:cBhvr>
+                                        <p:cTn id="16" dur="1" fill="hold">
+                                          <p:stCondLst>
+                                            <p:cond delay="0"/>
+                                          </p:stCondLst>
+                                        </p:cTn>
+                                        <p:tgtEl>
+                                          <p:spTgt spid="443">
+                                            <p:txEl>
+                                              <p:pRg st="1" end="1"/>
+                                            </p:txEl>
+                                          </p:spTgt>
+                                        </p:tgtEl>
+                                        <p:attrNameLst>
+                                          <p:attrName>style.visibility</p:attrName>
+                                        </p:attrNameLst>
+                                      </p:cBhvr>
+                                      <p:to>
+                                        <p:strVal val="visible"/>
+                                      </p:to>
+                                    </p:set>
+                                    <p:anim calcmode="lin" valueType="num">
+                                      <p:cBhvr additive="base">
+                                        <p:cTn id="17" dur="500"/>
+                                        <p:tgtEl>
+                                          <p:spTgt spid="443">
+                                            <p:txEl>
+                                              <p:pRg st="1" end="1"/>
+                                            </p:txEl>
+                                          </p:spTgt>
+                                        </p:tgtEl>
+                                        <p:attrNameLst>
+                                          <p:attrName>ppt_y</p:attrName>
+                                        </p:attrNameLst>
+                                      </p:cBhvr>
+                                      <p:tavLst>
+                                        <p:tav tm="0">
+                                          <p:val>
+                                            <p:strVal val="#ppt_y-#ppt_h*1.125000"/>
+                                          </p:val>
+                                        </p:tav>
+                                        <p:tav tm="100000">
+                                          <p:val>
+                                            <p:strVal val="#ppt_y"/>
+                                          </p:val>
+                                        </p:tav>
+                                      </p:tavLst>
+                                    </p:anim>
+                                    <p:animEffect transition="in" filter="wipe(down)">
+                                      <p:cBhvr>
+                                        <p:cTn id="18" dur="500"/>
+                                        <p:tgtEl>
+                                          <p:spTgt spid="443">
+                                            <p:txEl>
+                                              <p:pRg st="1" end="1"/>
+                                            </p:txEl>
+                                          </p:spTgt>
+                                        </p:tgtEl>
+                                      </p:cBhvr>
+                                    </p:animEffect>
+                                  </p:childTnLst>
+                                </p:cTn>
+                              </p:par>
+                            </p:childTnLst>
+                          </p:cTn>
+                        </p:par>
+                        <p:par>
+                          <p:cTn id="19" fill="hold">
+                            <p:stCondLst>
+                              <p:cond delay="1500"/>
+                            </p:stCondLst>
+                            <p:childTnLst>
+                              <p:par>
+                                <p:cTn id="20" presetID="12" presetClass="entr" presetSubtype="1" fill="hold" grpId="0" nodeType="afterEffect">
+                                  <p:stCondLst>
+                                    <p:cond delay="0"/>
+                                  </p:stCondLst>
+                                  <p:childTnLst>
+                                    <p:set>
+                                      <p:cBhvr>
+                                        <p:cTn id="21" dur="1" fill="hold">
+                                          <p:stCondLst>
+                                            <p:cond delay="0"/>
+                                          </p:stCondLst>
+                                        </p:cTn>
+                                        <p:tgtEl>
+                                          <p:spTgt spid="443">
+                                            <p:txEl>
+                                              <p:pRg st="2" end="2"/>
+                                            </p:txEl>
+                                          </p:spTgt>
+                                        </p:tgtEl>
+                                        <p:attrNameLst>
+                                          <p:attrName>style.visibility</p:attrName>
+                                        </p:attrNameLst>
+                                      </p:cBhvr>
+                                      <p:to>
+                                        <p:strVal val="visible"/>
+                                      </p:to>
+                                    </p:set>
+                                    <p:anim calcmode="lin" valueType="num">
+                                      <p:cBhvr additive="base">
+                                        <p:cTn id="22" dur="500"/>
+                                        <p:tgtEl>
+                                          <p:spTgt spid="443">
+                                            <p:txEl>
+                                              <p:pRg st="2" end="2"/>
+                                            </p:txEl>
+                                          </p:spTgt>
+                                        </p:tgtEl>
+                                        <p:attrNameLst>
+                                          <p:attrName>ppt_y</p:attrName>
+                                        </p:attrNameLst>
+                                      </p:cBhvr>
+                                      <p:tavLst>
+                                        <p:tav tm="0">
+                                          <p:val>
+                                            <p:strVal val="#ppt_y-#ppt_h*1.125000"/>
+                                          </p:val>
+                                        </p:tav>
+                                        <p:tav tm="100000">
+                                          <p:val>
+                                            <p:strVal val="#ppt_y"/>
+                                          </p:val>
+                                        </p:tav>
+                                      </p:tavLst>
+                                    </p:anim>
+                                    <p:animEffect transition="in" filter="wipe(down)">
+                                      <p:cBhvr>
+                                        <p:cTn id="23" dur="500"/>
+                                        <p:tgtEl>
+                                          <p:spTgt spid="443">
+                                            <p:txEl>
+                                              <p:pRg st="2" end="2"/>
+                                            </p:txEl>
+                                          </p:spTgt>
+                                        </p:tgtEl>
+                                      </p:cBhvr>
+                                    </p:animEffect>
+                                  </p:childTnLst>
+                                </p:cTn>
+                              </p:par>
+                            </p:childTnLst>
+                          </p:cTn>
+                        </p:par>
+                        <p:par>
+                          <p:cTn id="24" fill="hold">
+                            <p:stCondLst>
+                              <p:cond delay="2000"/>
+                            </p:stCondLst>
+                            <p:childTnLst>
+                              <p:par>
+                                <p:cTn id="25" presetID="12" presetClass="entr" presetSubtype="1" fill="hold" grpId="0" nodeType="afterEffect">
+                                  <p:stCondLst>
+                                    <p:cond delay="0"/>
+                                  </p:stCondLst>
+                                  <p:childTnLst>
+                                    <p:set>
+                                      <p:cBhvr>
+                                        <p:cTn id="26" dur="1" fill="hold">
+                                          <p:stCondLst>
+                                            <p:cond delay="0"/>
+                                          </p:stCondLst>
+                                        </p:cTn>
+                                        <p:tgtEl>
+                                          <p:spTgt spid="443">
+                                            <p:txEl>
+                                              <p:pRg st="3" end="3"/>
+                                            </p:txEl>
+                                          </p:spTgt>
+                                        </p:tgtEl>
+                                        <p:attrNameLst>
+                                          <p:attrName>style.visibility</p:attrName>
+                                        </p:attrNameLst>
+                                      </p:cBhvr>
+                                      <p:to>
+                                        <p:strVal val="visible"/>
+                                      </p:to>
+                                    </p:set>
+                                    <p:anim calcmode="lin" valueType="num">
+                                      <p:cBhvr additive="base">
+                                        <p:cTn id="27" dur="500"/>
+                                        <p:tgtEl>
+                                          <p:spTgt spid="443">
+                                            <p:txEl>
+                                              <p:pRg st="3" end="3"/>
+                                            </p:txEl>
+                                          </p:spTgt>
+                                        </p:tgtEl>
+                                        <p:attrNameLst>
+                                          <p:attrName>ppt_y</p:attrName>
+                                        </p:attrNameLst>
+                                      </p:cBhvr>
+                                      <p:tavLst>
+                                        <p:tav tm="0">
+                                          <p:val>
+                                            <p:strVal val="#ppt_y-#ppt_h*1.125000"/>
+                                          </p:val>
+                                        </p:tav>
+                                        <p:tav tm="100000">
+                                          <p:val>
+                                            <p:strVal val="#ppt_y"/>
+                                          </p:val>
+                                        </p:tav>
+                                      </p:tavLst>
+                                    </p:anim>
+                                    <p:animEffect transition="in" filter="wipe(down)">
+                                      <p:cBhvr>
+                                        <p:cTn id="28" dur="500"/>
+                                        <p:tgtEl>
+                                          <p:spTgt spid="443">
+                                            <p:txEl>
+                                              <p:pRg st="3" end="3"/>
+                                            </p:txEl>
+                                          </p:spTgt>
+                                        </p:tgtEl>
+                                      </p:cBhvr>
+                                    </p:animEffect>
+                                  </p:childTnLst>
+                                </p:cTn>
+                              </p:par>
+                            </p:childTnLst>
+                          </p:cTn>
+                        </p:par>
+                        <p:par>
+                          <p:cTn id="29" fill="hold">
+                            <p:stCondLst>
+                              <p:cond delay="2500"/>
+                            </p:stCondLst>
+                            <p:childTnLst>
+                              <p:par>
+                                <p:cTn id="30" presetID="12" presetClass="entr" presetSubtype="1" fill="hold" grpId="0" nodeType="afterEffect">
+                                  <p:stCondLst>
+                                    <p:cond delay="0"/>
+                                  </p:stCondLst>
+                                  <p:childTnLst>
+                                    <p:set>
+                                      <p:cBhvr>
+                                        <p:cTn id="31" dur="1" fill="hold">
+                                          <p:stCondLst>
+                                            <p:cond delay="0"/>
+                                          </p:stCondLst>
+                                        </p:cTn>
+                                        <p:tgtEl>
+                                          <p:spTgt spid="443">
+                                            <p:txEl>
+                                              <p:pRg st="4" end="4"/>
+                                            </p:txEl>
+                                          </p:spTgt>
+                                        </p:tgtEl>
+                                        <p:attrNameLst>
+                                          <p:attrName>style.visibility</p:attrName>
+                                        </p:attrNameLst>
+                                      </p:cBhvr>
+                                      <p:to>
+                                        <p:strVal val="visible"/>
+                                      </p:to>
+                                    </p:set>
+                                    <p:anim calcmode="lin" valueType="num">
+                                      <p:cBhvr additive="base">
+                                        <p:cTn id="32" dur="500"/>
+                                        <p:tgtEl>
+                                          <p:spTgt spid="443">
+                                            <p:txEl>
+                                              <p:pRg st="4" end="4"/>
+                                            </p:txEl>
+                                          </p:spTgt>
+                                        </p:tgtEl>
+                                        <p:attrNameLst>
+                                          <p:attrName>ppt_y</p:attrName>
+                                        </p:attrNameLst>
+                                      </p:cBhvr>
+                                      <p:tavLst>
+                                        <p:tav tm="0">
+                                          <p:val>
+                                            <p:strVal val="#ppt_y-#ppt_h*1.125000"/>
+                                          </p:val>
+                                        </p:tav>
+                                        <p:tav tm="100000">
+                                          <p:val>
+                                            <p:strVal val="#ppt_y"/>
+                                          </p:val>
+                                        </p:tav>
+                                      </p:tavLst>
+                                    </p:anim>
+                                    <p:animEffect transition="in" filter="wipe(down)">
+                                      <p:cBhvr>
+                                        <p:cTn id="33" dur="500"/>
+                                        <p:tgtEl>
+                                          <p:spTgt spid="443">
+                                            <p:txEl>
+                                              <p:pRg st="4" end="4"/>
+                                            </p:txEl>
+                                          </p:spTgt>
+                                        </p:tgtEl>
+                                      </p:cBhvr>
+                                    </p:animEffect>
+                                  </p:childTnLst>
+                                </p:cTn>
+                              </p:par>
+                            </p:childTnLst>
+                          </p:cTn>
+                        </p:par>
                       </p:childTnLst>
                     </p:cTn>
                   </p:par>
@@ -10946,7 +11322,7 @@
     </p:tnLst>
     <p:bldLst>
       <p:bldP spid="442" grpId="0"/>
-      <p:bldP spid="443" grpId="0" build="p"/>
+      <p:bldP spid="443" grpId="0" uiExpand="1" build="p"/>
     </p:bldLst>
   </p:timing>
 </p:sld>
@@ -11065,13 +11441,13 @@
   <p:clrMapOvr>
     <a:masterClrMapping/>
   </p:clrMapOvr>
-  <mc:AlternateContent xmlns:mc="http://schemas.openxmlformats.org/markup-compatibility/2006">
-    <mc:Choice xmlns:p159="http://schemas.microsoft.com/office/powerpoint/2015/09/main" Requires="p159">
+  <mc:AlternateContent xmlns:mc="http://schemas.openxmlformats.org/markup-compatibility/2006" xmlns:p159="http://schemas.microsoft.com/office/powerpoint/2015/09/main">
+    <mc:Choice Requires="p159">
       <p:transition xmlns:p14="http://schemas.microsoft.com/office/powerpoint/2010/main" spd="slow" p14:dur="2000">
         <p159:morph option="byObject"/>
       </p:transition>
     </mc:Choice>
-    <mc:Fallback>
+    <mc:Fallback xmlns="">
       <p:transition spd="slow">
         <p:fade/>
       </p:transition>
@@ -14170,13 +14546,13 @@
   <p:clrMapOvr>
     <a:masterClrMapping/>
   </p:clrMapOvr>
-  <mc:AlternateContent xmlns:mc="http://schemas.openxmlformats.org/markup-compatibility/2006">
-    <mc:Choice xmlns:p159="http://schemas.microsoft.com/office/powerpoint/2015/09/main" Requires="p159">
+  <mc:AlternateContent xmlns:mc="http://schemas.openxmlformats.org/markup-compatibility/2006" xmlns:p159="http://schemas.microsoft.com/office/powerpoint/2015/09/main">
+    <mc:Choice Requires="p159">
       <p:transition xmlns:p14="http://schemas.microsoft.com/office/powerpoint/2010/main" spd="slow" p14:dur="2000">
         <p159:morph option="byObject"/>
       </p:transition>
     </mc:Choice>
-    <mc:Fallback>
+    <mc:Fallback xmlns="">
       <p:transition spd="slow">
         <p:fade/>
       </p:transition>
@@ -20454,13 +20830,13 @@
   <p:clrMapOvr>
     <a:masterClrMapping/>
   </p:clrMapOvr>
-  <mc:AlternateContent xmlns:mc="http://schemas.openxmlformats.org/markup-compatibility/2006">
-    <mc:Choice xmlns:p159="http://schemas.microsoft.com/office/powerpoint/2015/09/main" Requires="p159">
+  <mc:AlternateContent xmlns:mc="http://schemas.openxmlformats.org/markup-compatibility/2006" xmlns:p159="http://schemas.microsoft.com/office/powerpoint/2015/09/main">
+    <mc:Choice Requires="p159">
       <p:transition xmlns:p14="http://schemas.microsoft.com/office/powerpoint/2010/main" spd="slow" p14:dur="2000">
         <p159:morph option="byWord"/>
       </p:transition>
     </mc:Choice>
-    <mc:Fallback>
+    <mc:Fallback xmlns="">
       <p:transition spd="slow">
         <p:fade/>
       </p:transition>
@@ -20795,13 +21171,13 @@
   <p:clrMapOvr>
     <a:masterClrMapping/>
   </p:clrMapOvr>
-  <mc:AlternateContent xmlns:mc="http://schemas.openxmlformats.org/markup-compatibility/2006">
-    <mc:Choice xmlns:p159="http://schemas.microsoft.com/office/powerpoint/2015/09/main" Requires="p159">
+  <mc:AlternateContent xmlns:mc="http://schemas.openxmlformats.org/markup-compatibility/2006" xmlns:p159="http://schemas.microsoft.com/office/powerpoint/2015/09/main">
+    <mc:Choice Requires="p159">
       <p:transition xmlns:p14="http://schemas.microsoft.com/office/powerpoint/2010/main" spd="slow" p14:dur="2000">
         <p159:morph option="byObject"/>
       </p:transition>
     </mc:Choice>
-    <mc:Fallback>
+    <mc:Fallback xmlns="">
       <p:transition spd="slow">
         <p:fade/>
       </p:transition>
@@ -21537,13 +21913,13 @@
   <p:clrMapOvr>
     <a:masterClrMapping/>
   </p:clrMapOvr>
-  <mc:AlternateContent xmlns:mc="http://schemas.openxmlformats.org/markup-compatibility/2006">
-    <mc:Choice xmlns:p159="http://schemas.microsoft.com/office/powerpoint/2015/09/main" Requires="p159">
+  <mc:AlternateContent xmlns:mc="http://schemas.openxmlformats.org/markup-compatibility/2006" xmlns:p159="http://schemas.microsoft.com/office/powerpoint/2015/09/main">
+    <mc:Choice Requires="p159">
       <p:transition xmlns:p14="http://schemas.microsoft.com/office/powerpoint/2010/main" spd="slow" p14:dur="2000">
         <p159:morph option="byChar"/>
       </p:transition>
     </mc:Choice>
-    <mc:Fallback>
+    <mc:Fallback xmlns="">
       <p:transition spd="slow">
         <p:fade/>
       </p:transition>
@@ -22337,13 +22713,13 @@
   <p:clrMapOvr>
     <a:masterClrMapping/>
   </p:clrMapOvr>
-  <mc:AlternateContent xmlns:mc="http://schemas.openxmlformats.org/markup-compatibility/2006">
-    <mc:Choice xmlns:p159="http://schemas.microsoft.com/office/powerpoint/2015/09/main" Requires="p159">
+  <mc:AlternateContent xmlns:mc="http://schemas.openxmlformats.org/markup-compatibility/2006" xmlns:p159="http://schemas.microsoft.com/office/powerpoint/2015/09/main">
+    <mc:Choice Requires="p159">
       <p:transition xmlns:p14="http://schemas.microsoft.com/office/powerpoint/2010/main" spd="slow" p14:dur="2000">
         <p159:morph option="byObject"/>
       </p:transition>
     </mc:Choice>
-    <mc:Fallback>
+    <mc:Fallback xmlns="">
       <p:transition spd="slow">
         <p:fade/>
       </p:transition>
@@ -23909,13 +24285,13 @@
   <p:clrMapOvr>
     <a:masterClrMapping/>
   </p:clrMapOvr>
-  <mc:AlternateContent xmlns:mc="http://schemas.openxmlformats.org/markup-compatibility/2006">
-    <mc:Choice xmlns:p159="http://schemas.microsoft.com/office/powerpoint/2015/09/main" Requires="p159">
+  <mc:AlternateContent xmlns:mc="http://schemas.openxmlformats.org/markup-compatibility/2006" xmlns:p159="http://schemas.microsoft.com/office/powerpoint/2015/09/main">
+    <mc:Choice Requires="p159">
       <p:transition xmlns:p14="http://schemas.microsoft.com/office/powerpoint/2010/main" spd="slow" p14:dur="2000">
         <p159:morph option="byObject"/>
       </p:transition>
     </mc:Choice>
-    <mc:Fallback>
+    <mc:Fallback xmlns="">
       <p:transition spd="slow">
         <p:fade/>
       </p:transition>
@@ -24698,13 +25074,13 @@
   <p:clrMapOvr>
     <a:masterClrMapping/>
   </p:clrMapOvr>
-  <mc:AlternateContent xmlns:mc="http://schemas.openxmlformats.org/markup-compatibility/2006">
-    <mc:Choice xmlns:p159="http://schemas.microsoft.com/office/powerpoint/2015/09/main" Requires="p159">
+  <mc:AlternateContent xmlns:mc="http://schemas.openxmlformats.org/markup-compatibility/2006" xmlns:p159="http://schemas.microsoft.com/office/powerpoint/2015/09/main">
+    <mc:Choice Requires="p159">
       <p:transition xmlns:p14="http://schemas.microsoft.com/office/powerpoint/2010/main" spd="slow" p14:dur="2000">
         <p159:morph option="byObject"/>
       </p:transition>
     </mc:Choice>
-    <mc:Fallback>
+    <mc:Fallback xmlns="">
       <p:transition spd="slow">
         <p:fade/>
       </p:transition>
@@ -25949,13 +26325,13 @@
   <p:clrMapOvr>
     <a:masterClrMapping/>
   </p:clrMapOvr>
-  <mc:AlternateContent xmlns:mc="http://schemas.openxmlformats.org/markup-compatibility/2006">
-    <mc:Choice xmlns:p159="http://schemas.microsoft.com/office/powerpoint/2015/09/main" Requires="p159">
+  <mc:AlternateContent xmlns:mc="http://schemas.openxmlformats.org/markup-compatibility/2006" xmlns:p159="http://schemas.microsoft.com/office/powerpoint/2015/09/main">
+    <mc:Choice Requires="p159">
       <p:transition xmlns:p14="http://schemas.microsoft.com/office/powerpoint/2010/main" spd="slow" p14:dur="2000">
         <p159:morph option="byObject"/>
       </p:transition>
     </mc:Choice>
-    <mc:Fallback>
+    <mc:Fallback xmlns="">
       <p:transition spd="slow">
         <p:fade/>
       </p:transition>
